--- a/docs/slides/PSYC753_L2_MultipleRegression1.pptx
+++ b/docs/slides/PSYC753_L2_MultipleRegression1.pptx
@@ -245,7 +245,7 @@
           <a:p>
             <a:fld id="{39F2F66B-899D-484E-9C99-E1DBE23F9DE9}" type="datetimeFigureOut">
               <a:rPr lang="en-GB" smtClean="0"/>
-              <a:t>19/01/2022</a:t>
+              <a:t>21/01/2022</a:t>
             </a:fld>
             <a:endParaRPr lang="en-GB"/>
           </a:p>
@@ -411,7 +411,7 @@
             <a:fld id="{2C09A945-60CF-41CC-BF14-DA645D9ABE0F}" type="datetimeFigureOut">
               <a:rPr lang="en-GB" smtClean="0"/>
               <a:pPr/>
-              <a:t>19/01/2022</a:t>
+              <a:t>21/01/2022</a:t>
             </a:fld>
             <a:endParaRPr lang="en-GB"/>
           </a:p>
@@ -744,9 +744,6 @@
           <a:bodyPr/>
           <a:lstStyle/>
           <a:p>
-            <a:endParaRPr lang="en-GB" baseline="0" dirty="0" smtClean="0"/>
-          </a:p>
-          <a:p>
             <a:endParaRPr lang="en-GB" dirty="0"/>
           </a:p>
         </p:txBody>
@@ -837,131 +834,7 @@
           <a:bodyPr/>
           <a:lstStyle/>
           <a:p>
-            <a:r>
-              <a:rPr lang="en-GB" dirty="0" smtClean="0"/>
-              <a:t>Could also say that it is significant and give the</a:t>
-            </a:r>
-            <a:r>
-              <a:rPr lang="en-GB" baseline="0" dirty="0" smtClean="0"/>
-              <a:t> n</a:t>
-            </a:r>
-          </a:p>
-          <a:p>
-            <a:endParaRPr lang="en-GB" baseline="0" dirty="0" smtClean="0"/>
-          </a:p>
-          <a:p>
-            <a:r>
-              <a:rPr lang="en-GB" sz="1200" b="0" i="0" u="none" strike="noStrike" kern="1200" baseline="0" dirty="0" smtClean="0">
-                <a:solidFill>
-                  <a:schemeClr val="tx1"/>
-                </a:solidFill>
-                <a:latin typeface="+mn-lt"/>
-                <a:ea typeface="+mn-ea"/>
-                <a:cs typeface="+mn-cs"/>
-              </a:rPr>
-              <a:t>The adjusted</a:t>
-            </a:r>
-            <a:r>
-              <a:rPr lang="en-GB" sz="1200" b="0" i="0" u="none" strike="noStrike" kern="1200" dirty="0" smtClean="0">
-                <a:solidFill>
-                  <a:schemeClr val="tx1"/>
-                </a:solidFill>
-                <a:latin typeface="+mn-lt"/>
-                <a:ea typeface="+mn-ea"/>
-                <a:cs typeface="+mn-cs"/>
-              </a:rPr>
-              <a:t> </a:t>
-            </a:r>
-            <a:r>
-              <a:rPr lang="en-GB" sz="1200" b="0" i="1" u="none" strike="noStrike" kern="1200" baseline="0" dirty="0" smtClean="0">
-                <a:solidFill>
-                  <a:schemeClr val="tx1"/>
-                </a:solidFill>
-                <a:latin typeface="+mn-lt"/>
-                <a:ea typeface="+mn-ea"/>
-                <a:cs typeface="+mn-cs"/>
-              </a:rPr>
-              <a:t>R </a:t>
-            </a:r>
-            <a:r>
-              <a:rPr lang="en-GB" sz="1200" b="0" i="0" u="none" strike="noStrike" kern="1200" baseline="0" dirty="0" smtClean="0">
-                <a:solidFill>
-                  <a:schemeClr val="tx1"/>
-                </a:solidFill>
-                <a:latin typeface="+mn-lt"/>
-                <a:ea typeface="+mn-ea"/>
-                <a:cs typeface="+mn-cs"/>
-              </a:rPr>
-              <a:t>squared is actually a less biased estimate of the true squared correlation in the population;</a:t>
-            </a:r>
-            <a:r>
-              <a:rPr lang="en-GB" sz="1200" b="0" i="0" u="none" strike="noStrike" kern="1200" dirty="0" smtClean="0">
-                <a:solidFill>
-                  <a:schemeClr val="tx1"/>
-                </a:solidFill>
-                <a:latin typeface="+mn-lt"/>
-                <a:ea typeface="+mn-ea"/>
-                <a:cs typeface="+mn-cs"/>
-              </a:rPr>
-              <a:t> it takes the number of predictors into account. B</a:t>
-            </a:r>
-            <a:r>
-              <a:rPr lang="en-GB" sz="1200" b="0" i="0" u="none" strike="noStrike" kern="1200" baseline="0" dirty="0" smtClean="0">
-                <a:solidFill>
-                  <a:schemeClr val="tx1"/>
-                </a:solidFill>
-                <a:latin typeface="+mn-lt"/>
-                <a:ea typeface="+mn-ea"/>
-                <a:cs typeface="+mn-cs"/>
-              </a:rPr>
-              <a:t>ut we never report it. Most people simply</a:t>
-            </a:r>
-            <a:r>
-              <a:rPr lang="en-GB" sz="1200" b="0" i="0" u="none" strike="noStrike" kern="1200" dirty="0" smtClean="0">
-                <a:solidFill>
-                  <a:schemeClr val="tx1"/>
-                </a:solidFill>
-                <a:latin typeface="+mn-lt"/>
-                <a:ea typeface="+mn-ea"/>
-                <a:cs typeface="+mn-cs"/>
-              </a:rPr>
-              <a:t> report R-square </a:t>
-            </a:r>
-            <a:r>
-              <a:rPr lang="en-GB" sz="1200" b="0" i="0" u="none" strike="noStrike" kern="1200" baseline="0" dirty="0" smtClean="0">
-                <a:solidFill>
-                  <a:schemeClr val="tx1"/>
-                </a:solidFill>
-                <a:latin typeface="+mn-lt"/>
-                <a:ea typeface="+mn-ea"/>
-                <a:cs typeface="+mn-cs"/>
-              </a:rPr>
-              <a:t>(Howell)</a:t>
-            </a:r>
-          </a:p>
-          <a:p>
-            <a:pPr marL="0" indent="0">
-              <a:buNone/>
-            </a:pPr>
-            <a:endParaRPr lang="en-GB" baseline="0" dirty="0" smtClean="0"/>
-          </a:p>
-          <a:p>
-            <a:r>
-              <a:rPr lang="en-GB" dirty="0" smtClean="0"/>
-              <a:t>The multiple correlation coefficient R is the correlation between the observed Y scores and the predicted values of Y derived from the regression equation (R = .756)</a:t>
-            </a:r>
-          </a:p>
-          <a:p>
-            <a:endParaRPr lang="en-GB" dirty="0" smtClean="0"/>
-          </a:p>
-          <a:p>
-            <a:r>
-              <a:rPr lang="en-GB" dirty="0" smtClean="0"/>
-              <a:t>It is more common to report R-squared. This is the proportion of the variability in Y that can be accounted for by the predictor variables X. Thus, approximately 57.2% of the variability can be accounted for by the regression model.</a:t>
-            </a:r>
-          </a:p>
-          <a:p>
-            <a:endParaRPr lang="en-GB" baseline="0" dirty="0" smtClean="0"/>
+            <a:endParaRPr lang="en-GB" dirty="0"/>
           </a:p>
         </p:txBody>
       </p:sp>
@@ -1051,131 +924,7 @@
           <a:bodyPr/>
           <a:lstStyle/>
           <a:p>
-            <a:r>
-              <a:rPr lang="en-GB" dirty="0" smtClean="0"/>
-              <a:t>Could also say that it is significant and give the</a:t>
-            </a:r>
-            <a:r>
-              <a:rPr lang="en-GB" baseline="0" dirty="0" smtClean="0"/>
-              <a:t> n</a:t>
-            </a:r>
-          </a:p>
-          <a:p>
-            <a:endParaRPr lang="en-GB" baseline="0" dirty="0" smtClean="0"/>
-          </a:p>
-          <a:p>
-            <a:r>
-              <a:rPr lang="en-GB" sz="1200" b="0" i="0" u="none" strike="noStrike" kern="1200" baseline="0" dirty="0" smtClean="0">
-                <a:solidFill>
-                  <a:schemeClr val="tx1"/>
-                </a:solidFill>
-                <a:latin typeface="+mn-lt"/>
-                <a:ea typeface="+mn-ea"/>
-                <a:cs typeface="+mn-cs"/>
-              </a:rPr>
-              <a:t>The adjusted</a:t>
-            </a:r>
-            <a:r>
-              <a:rPr lang="en-GB" sz="1200" b="0" i="0" u="none" strike="noStrike" kern="1200" dirty="0" smtClean="0">
-                <a:solidFill>
-                  <a:schemeClr val="tx1"/>
-                </a:solidFill>
-                <a:latin typeface="+mn-lt"/>
-                <a:ea typeface="+mn-ea"/>
-                <a:cs typeface="+mn-cs"/>
-              </a:rPr>
-              <a:t> </a:t>
-            </a:r>
-            <a:r>
-              <a:rPr lang="en-GB" sz="1200" b="0" i="1" u="none" strike="noStrike" kern="1200" baseline="0" dirty="0" smtClean="0">
-                <a:solidFill>
-                  <a:schemeClr val="tx1"/>
-                </a:solidFill>
-                <a:latin typeface="+mn-lt"/>
-                <a:ea typeface="+mn-ea"/>
-                <a:cs typeface="+mn-cs"/>
-              </a:rPr>
-              <a:t>R </a:t>
-            </a:r>
-            <a:r>
-              <a:rPr lang="en-GB" sz="1200" b="0" i="0" u="none" strike="noStrike" kern="1200" baseline="0" dirty="0" smtClean="0">
-                <a:solidFill>
-                  <a:schemeClr val="tx1"/>
-                </a:solidFill>
-                <a:latin typeface="+mn-lt"/>
-                <a:ea typeface="+mn-ea"/>
-                <a:cs typeface="+mn-cs"/>
-              </a:rPr>
-              <a:t>squared is actually a less biased estimate of the true squared correlation in the population;</a:t>
-            </a:r>
-            <a:r>
-              <a:rPr lang="en-GB" sz="1200" b="0" i="0" u="none" strike="noStrike" kern="1200" dirty="0" smtClean="0">
-                <a:solidFill>
-                  <a:schemeClr val="tx1"/>
-                </a:solidFill>
-                <a:latin typeface="+mn-lt"/>
-                <a:ea typeface="+mn-ea"/>
-                <a:cs typeface="+mn-cs"/>
-              </a:rPr>
-              <a:t> it takes the number of predictors into account. B</a:t>
-            </a:r>
-            <a:r>
-              <a:rPr lang="en-GB" sz="1200" b="0" i="0" u="none" strike="noStrike" kern="1200" baseline="0" dirty="0" smtClean="0">
-                <a:solidFill>
-                  <a:schemeClr val="tx1"/>
-                </a:solidFill>
-                <a:latin typeface="+mn-lt"/>
-                <a:ea typeface="+mn-ea"/>
-                <a:cs typeface="+mn-cs"/>
-              </a:rPr>
-              <a:t>ut we never report it. Most people simply</a:t>
-            </a:r>
-            <a:r>
-              <a:rPr lang="en-GB" sz="1200" b="0" i="0" u="none" strike="noStrike" kern="1200" dirty="0" smtClean="0">
-                <a:solidFill>
-                  <a:schemeClr val="tx1"/>
-                </a:solidFill>
-                <a:latin typeface="+mn-lt"/>
-                <a:ea typeface="+mn-ea"/>
-                <a:cs typeface="+mn-cs"/>
-              </a:rPr>
-              <a:t> report R-square </a:t>
-            </a:r>
-            <a:r>
-              <a:rPr lang="en-GB" sz="1200" b="0" i="0" u="none" strike="noStrike" kern="1200" baseline="0" dirty="0" smtClean="0">
-                <a:solidFill>
-                  <a:schemeClr val="tx1"/>
-                </a:solidFill>
-                <a:latin typeface="+mn-lt"/>
-                <a:ea typeface="+mn-ea"/>
-                <a:cs typeface="+mn-cs"/>
-              </a:rPr>
-              <a:t>(Howell)</a:t>
-            </a:r>
-          </a:p>
-          <a:p>
-            <a:pPr marL="0" indent="0">
-              <a:buNone/>
-            </a:pPr>
-            <a:endParaRPr lang="en-GB" baseline="0" dirty="0" smtClean="0"/>
-          </a:p>
-          <a:p>
-            <a:r>
-              <a:rPr lang="en-GB" dirty="0" smtClean="0"/>
-              <a:t>The multiple correlation coefficient R is the correlation between the observed Y scores and the predicted values of Y derived from the regression equation (R = .756)</a:t>
-            </a:r>
-          </a:p>
-          <a:p>
-            <a:endParaRPr lang="en-GB" dirty="0" smtClean="0"/>
-          </a:p>
-          <a:p>
-            <a:r>
-              <a:rPr lang="en-GB" dirty="0" smtClean="0"/>
-              <a:t>It is more common to report R-squared. This is the proportion of the variability in Y that can be accounted for by the predictor variables X. Thus, approximately 57.2% of the variability can be accounted for by the regression model.</a:t>
-            </a:r>
-          </a:p>
-          <a:p>
-            <a:endParaRPr lang="en-GB" baseline="0" dirty="0" smtClean="0"/>
+            <a:endParaRPr lang="en-GB" dirty="0"/>
           </a:p>
         </p:txBody>
       </p:sp>
@@ -1264,97 +1013,6 @@
         <p:txBody>
           <a:bodyPr/>
           <a:lstStyle/>
-          <a:p>
-            <a:r>
-              <a:rPr lang="en-GB" dirty="0" smtClean="0"/>
-              <a:t>Things are getting a bit more abstract now</a:t>
-            </a:r>
-          </a:p>
-          <a:p>
-            <a:endParaRPr lang="en-GB" dirty="0" smtClean="0"/>
-          </a:p>
-          <a:p>
-            <a:r>
-              <a:rPr lang="en-GB" dirty="0" smtClean="0"/>
-              <a:t>&lt;Point 1&gt;</a:t>
-            </a:r>
-          </a:p>
-          <a:p>
-            <a:r>
-              <a:rPr lang="en-GB" dirty="0" smtClean="0"/>
-              <a:t>Strictly speaking, they should be called “partial regression coefficients”</a:t>
-            </a:r>
-          </a:p>
-          <a:p>
-            <a:endParaRPr lang="en-GB" dirty="0" smtClean="0"/>
-          </a:p>
-          <a:p>
-            <a:r>
-              <a:rPr lang="en-GB" dirty="0" smtClean="0"/>
-              <a:t>To put another, way:</a:t>
-            </a:r>
-            <a:r>
-              <a:rPr lang="en-GB" baseline="0" dirty="0" smtClean="0"/>
-              <a:t> Grit is a significant predictor of GPA, given the presence of the other predictors in the model.</a:t>
-            </a:r>
-          </a:p>
-          <a:p>
-            <a:r>
-              <a:rPr lang="en-GB" baseline="0" dirty="0" smtClean="0"/>
-              <a:t>IQ is a significant predictor of GPA, given the other presence of the other predictors in the regression equation.</a:t>
-            </a:r>
-          </a:p>
-          <a:p>
-            <a:endParaRPr lang="en-GB" baseline="0" dirty="0" smtClean="0"/>
-          </a:p>
-          <a:p>
-            <a:r>
-              <a:rPr lang="en-GB" dirty="0" smtClean="0"/>
-              <a:t>It’s NOT</a:t>
-            </a:r>
-            <a:r>
-              <a:rPr lang="en-GB" baseline="0" dirty="0" smtClean="0"/>
-              <a:t> the same as asking whether a given variable is a good predictor of the DV.</a:t>
-            </a:r>
-          </a:p>
-          <a:p>
-            <a:endParaRPr lang="en-GB" dirty="0" smtClean="0"/>
-          </a:p>
-          <a:p>
-            <a:endParaRPr lang="en-GB" dirty="0" smtClean="0"/>
-          </a:p>
-          <a:p>
-            <a:r>
-              <a:rPr lang="en-GB" dirty="0" smtClean="0"/>
-              <a:t>Any statements about a particular predictor are only valid for the particular model under consideration.</a:t>
-            </a:r>
-          </a:p>
-          <a:p>
-            <a:endParaRPr lang="en-GB" dirty="0" smtClean="0"/>
-          </a:p>
-          <a:p>
-            <a:r>
-              <a:rPr lang="en-GB" dirty="0" smtClean="0"/>
-              <a:t>For example, take the value of the standardized coefficient for Grit</a:t>
-            </a:r>
-          </a:p>
-          <a:p>
-            <a:pPr lvl="1"/>
-            <a:r>
-              <a:rPr lang="en-GB" dirty="0" smtClean="0"/>
-              <a:t>This value will differ according to which other variables are in the model</a:t>
-            </a:r>
-          </a:p>
-          <a:p>
-            <a:pPr lvl="1"/>
-            <a:r>
-              <a:rPr lang="en-GB" dirty="0" smtClean="0"/>
-              <a:t>If we ran a simple regression, it’s coefficient would NOT necessarily be the same</a:t>
-            </a:r>
-          </a:p>
-          <a:p>
-            <a:endParaRPr lang="en-GB" dirty="0" smtClean="0"/>
-          </a:p>
           <a:p>
             <a:endParaRPr lang="en-GB" dirty="0"/>
           </a:p>
@@ -1451,152 +1109,8 @@
           <a:bodyPr/>
           <a:lstStyle/>
           <a:p>
-            <a:r>
-              <a:rPr lang="en-GB" dirty="0" smtClean="0"/>
-              <a:t>Box outline: </a:t>
-            </a:r>
-          </a:p>
-          <a:p>
-            <a:r>
-              <a:rPr lang="en-GB" dirty="0" smtClean="0"/>
-              <a:t>The total variability in Y . We’d like to explain this (</a:t>
-            </a:r>
-            <a:r>
-              <a:rPr lang="en-GB" dirty="0" err="1" smtClean="0"/>
-              <a:t>SStotal</a:t>
-            </a:r>
-            <a:r>
-              <a:rPr lang="en-GB" dirty="0" smtClean="0"/>
-              <a:t>)</a:t>
-            </a:r>
-          </a:p>
-          <a:p>
-            <a:endParaRPr lang="en-GB" dirty="0" smtClean="0"/>
-          </a:p>
-          <a:p>
-            <a:r>
-              <a:rPr lang="en-GB" dirty="0" smtClean="0"/>
-              <a:t>Blue circle:</a:t>
-            </a:r>
-          </a:p>
-          <a:p>
-            <a:r>
-              <a:rPr lang="en-GB" dirty="0" smtClean="0"/>
-              <a:t>The proportion of the variability in Y that is explained by Grit. </a:t>
-            </a:r>
-          </a:p>
-          <a:p>
-            <a:endParaRPr lang="en-GB" dirty="0" smtClean="0"/>
-          </a:p>
-          <a:p>
-            <a:r>
-              <a:rPr lang="en-GB" dirty="0" smtClean="0"/>
-              <a:t>Remainder of the box:</a:t>
-            </a:r>
-          </a:p>
-          <a:p>
-            <a:r>
-              <a:rPr lang="en-GB" dirty="0" smtClean="0"/>
-              <a:t>The residual variation (not explained by Grit) (</a:t>
-            </a:r>
-            <a:r>
-              <a:rPr lang="en-GB" dirty="0" err="1" smtClean="0"/>
-              <a:t>SSresidual</a:t>
-            </a:r>
-            <a:r>
-              <a:rPr lang="en-GB" dirty="0" smtClean="0"/>
-              <a:t>)</a:t>
-            </a:r>
-          </a:p>
-          <a:p>
-            <a:r>
-              <a:rPr lang="en-GB" dirty="0" smtClean="0"/>
-              <a:t>The unexplained variance</a:t>
-            </a:r>
-          </a:p>
-          <a:p>
-            <a:endParaRPr lang="en-GB" dirty="0" smtClean="0"/>
-          </a:p>
-          <a:p>
-            <a:r>
-              <a:rPr lang="en-GB" dirty="0" smtClean="0"/>
-              <a:t>The circles overlap. They overlap because the variables are correlated.</a:t>
-            </a:r>
-          </a:p>
-          <a:p>
-            <a:endParaRPr lang="en-GB" dirty="0" smtClean="0"/>
-          </a:p>
-          <a:p>
             <a:pPr lvl="0"/>
-            <a:r>
-              <a:rPr lang="en-GB" dirty="0" smtClean="0"/>
-              <a:t>a is the unique portion of variability in GPA explained by Grit.</a:t>
-            </a:r>
-          </a:p>
-          <a:p>
-            <a:pPr lvl="0"/>
-            <a:r>
-              <a:rPr lang="en-GB" dirty="0" smtClean="0"/>
-              <a:t>b is the unique portion of variability in GPA explained by IQ.</a:t>
-            </a:r>
-          </a:p>
-          <a:p>
-            <a:endParaRPr lang="en-GB" dirty="0" smtClean="0"/>
-          </a:p>
-          <a:p>
-            <a:pPr lvl="0"/>
-            <a:r>
-              <a:rPr lang="en-GB" dirty="0" smtClean="0"/>
-              <a:t>T-test on a: this  tests a</a:t>
-            </a:r>
-            <a:r>
-              <a:rPr lang="en-GB" baseline="0" dirty="0" smtClean="0"/>
-              <a:t> / white area remaining in square</a:t>
-            </a:r>
-          </a:p>
-          <a:p>
-            <a:pPr lvl="0"/>
-            <a:r>
-              <a:rPr lang="en-GB" baseline="0" dirty="0" smtClean="0"/>
-              <a:t>T-test on b: this tests b / white area remaining in square</a:t>
-            </a:r>
-          </a:p>
-          <a:p>
-            <a:pPr lvl="0"/>
-            <a:endParaRPr lang="en-GB" baseline="0" dirty="0" smtClean="0"/>
-          </a:p>
-          <a:p>
-            <a:r>
-              <a:rPr lang="en-GB" dirty="0" smtClean="0"/>
-              <a:t>Is area a significant? (excluding c and b)</a:t>
-            </a:r>
-          </a:p>
-          <a:p>
-            <a:r>
-              <a:rPr lang="en-GB" baseline="0" dirty="0" smtClean="0"/>
-              <a:t>Is area b significant? (excluding a and c)</a:t>
-            </a:r>
-          </a:p>
-          <a:p>
-            <a:endParaRPr lang="en-GB" dirty="0" smtClean="0"/>
-          </a:p>
-          <a:p>
-            <a:endParaRPr lang="en-GB" baseline="0" dirty="0" smtClean="0"/>
-          </a:p>
-          <a:p>
-            <a:r>
-              <a:rPr lang="en-GB" dirty="0" smtClean="0"/>
-              <a:t>One way of doing regression that allows us to see the unique variance explained by predictors in the model is called Hierarchical Regression.</a:t>
-            </a:r>
-            <a:endParaRPr lang="en-GB" baseline="0" dirty="0" smtClean="0"/>
-          </a:p>
-          <a:p>
-            <a:pPr lvl="0"/>
-            <a:endParaRPr lang="en-GB" baseline="0" dirty="0" smtClean="0"/>
-          </a:p>
-          <a:p>
-            <a:pPr lvl="0"/>
-            <a:endParaRPr lang="en-GB" dirty="0" smtClean="0"/>
+            <a:endParaRPr lang="en-GB" dirty="0"/>
           </a:p>
         </p:txBody>
       </p:sp>
@@ -1691,152 +1205,8 @@
           <a:bodyPr/>
           <a:lstStyle/>
           <a:p>
-            <a:r>
-              <a:rPr lang="en-GB" dirty="0" smtClean="0"/>
-              <a:t>Box outline: </a:t>
-            </a:r>
-          </a:p>
-          <a:p>
-            <a:r>
-              <a:rPr lang="en-GB" dirty="0" smtClean="0"/>
-              <a:t>The total variability in Y . We’d like to explain this (</a:t>
-            </a:r>
-            <a:r>
-              <a:rPr lang="en-GB" dirty="0" err="1" smtClean="0"/>
-              <a:t>SStotal</a:t>
-            </a:r>
-            <a:r>
-              <a:rPr lang="en-GB" dirty="0" smtClean="0"/>
-              <a:t>)</a:t>
-            </a:r>
-          </a:p>
-          <a:p>
-            <a:endParaRPr lang="en-GB" dirty="0" smtClean="0"/>
-          </a:p>
-          <a:p>
-            <a:r>
-              <a:rPr lang="en-GB" dirty="0" smtClean="0"/>
-              <a:t>Blue circle:</a:t>
-            </a:r>
-          </a:p>
-          <a:p>
-            <a:r>
-              <a:rPr lang="en-GB" dirty="0" smtClean="0"/>
-              <a:t>The proportion of the variability in Y that is explained by Grit. </a:t>
-            </a:r>
-          </a:p>
-          <a:p>
-            <a:endParaRPr lang="en-GB" dirty="0" smtClean="0"/>
-          </a:p>
-          <a:p>
-            <a:r>
-              <a:rPr lang="en-GB" dirty="0" smtClean="0"/>
-              <a:t>Remainder of the box:</a:t>
-            </a:r>
-          </a:p>
-          <a:p>
-            <a:r>
-              <a:rPr lang="en-GB" dirty="0" smtClean="0"/>
-              <a:t>The residual variation (not explained by Grit) (</a:t>
-            </a:r>
-            <a:r>
-              <a:rPr lang="en-GB" dirty="0" err="1" smtClean="0"/>
-              <a:t>SSresidual</a:t>
-            </a:r>
-            <a:r>
-              <a:rPr lang="en-GB" dirty="0" smtClean="0"/>
-              <a:t>)</a:t>
-            </a:r>
-          </a:p>
-          <a:p>
-            <a:r>
-              <a:rPr lang="en-GB" dirty="0" smtClean="0"/>
-              <a:t>The unexplained variance</a:t>
-            </a:r>
-          </a:p>
-          <a:p>
-            <a:endParaRPr lang="en-GB" dirty="0" smtClean="0"/>
-          </a:p>
-          <a:p>
-            <a:r>
-              <a:rPr lang="en-GB" dirty="0" smtClean="0"/>
-              <a:t>The circles overlap. They overlap because the variables are correlated.</a:t>
-            </a:r>
-          </a:p>
-          <a:p>
-            <a:endParaRPr lang="en-GB" dirty="0" smtClean="0"/>
-          </a:p>
-          <a:p>
             <a:pPr lvl="0"/>
-            <a:r>
-              <a:rPr lang="en-GB" dirty="0" smtClean="0"/>
-              <a:t>a is the unique portion of variability in GPA explained by Grit.</a:t>
-            </a:r>
-          </a:p>
-          <a:p>
-            <a:pPr lvl="0"/>
-            <a:r>
-              <a:rPr lang="en-GB" dirty="0" smtClean="0"/>
-              <a:t>b is the unique portion of variability in GPA explained by IQ.</a:t>
-            </a:r>
-          </a:p>
-          <a:p>
-            <a:endParaRPr lang="en-GB" dirty="0" smtClean="0"/>
-          </a:p>
-          <a:p>
-            <a:pPr lvl="0"/>
-            <a:r>
-              <a:rPr lang="en-GB" dirty="0" smtClean="0"/>
-              <a:t>T-test on a: this  tests a</a:t>
-            </a:r>
-            <a:r>
-              <a:rPr lang="en-GB" baseline="0" dirty="0" smtClean="0"/>
-              <a:t> / white area remaining in square</a:t>
-            </a:r>
-          </a:p>
-          <a:p>
-            <a:pPr lvl="0"/>
-            <a:r>
-              <a:rPr lang="en-GB" baseline="0" dirty="0" smtClean="0"/>
-              <a:t>T-test on b: this tests b / white area remaining in square</a:t>
-            </a:r>
-          </a:p>
-          <a:p>
-            <a:pPr lvl="0"/>
-            <a:endParaRPr lang="en-GB" baseline="0" dirty="0" smtClean="0"/>
-          </a:p>
-          <a:p>
-            <a:r>
-              <a:rPr lang="en-GB" dirty="0" smtClean="0"/>
-              <a:t>Is area a significant? (excluding c and b)</a:t>
-            </a:r>
-          </a:p>
-          <a:p>
-            <a:r>
-              <a:rPr lang="en-GB" baseline="0" dirty="0" smtClean="0"/>
-              <a:t>Is area b significant? (excluding a and c)</a:t>
-            </a:r>
-          </a:p>
-          <a:p>
-            <a:endParaRPr lang="en-GB" dirty="0" smtClean="0"/>
-          </a:p>
-          <a:p>
-            <a:endParaRPr lang="en-GB" baseline="0" dirty="0" smtClean="0"/>
-          </a:p>
-          <a:p>
-            <a:r>
-              <a:rPr lang="en-GB" dirty="0" smtClean="0"/>
-              <a:t>One way of doing regression that allows us to see the unique variance explained by predictors in the model is called Hierarchical Regression.</a:t>
-            </a:r>
-            <a:endParaRPr lang="en-GB" baseline="0" dirty="0" smtClean="0"/>
-          </a:p>
-          <a:p>
-            <a:pPr lvl="0"/>
-            <a:endParaRPr lang="en-GB" baseline="0" dirty="0" smtClean="0"/>
-          </a:p>
-          <a:p>
-            <a:pPr lvl="0"/>
-            <a:endParaRPr lang="en-GB" dirty="0" smtClean="0"/>
+            <a:endParaRPr lang="en-GB" dirty="0"/>
           </a:p>
         </p:txBody>
       </p:sp>
@@ -1925,189 +1295,6 @@
         <p:txBody>
           <a:bodyPr/>
           <a:lstStyle/>
-          <a:p>
-            <a:r>
-              <a:rPr lang="en-GB" dirty="0" smtClean="0"/>
-              <a:t>Conscientiousness: “</a:t>
-            </a:r>
-            <a:r>
-              <a:rPr lang="en-GB" sz="1200" b="1" i="0" kern="1200" dirty="0" smtClean="0">
-                <a:solidFill>
-                  <a:schemeClr val="tx1"/>
-                </a:solidFill>
-                <a:effectLst/>
-                <a:latin typeface="+mn-lt"/>
-                <a:ea typeface="+mn-ea"/>
-                <a:cs typeface="+mn-cs"/>
-              </a:rPr>
-              <a:t>Conscientiousness</a:t>
-            </a:r>
-            <a:r>
-              <a:rPr lang="en-GB" sz="1200" b="0" i="0" kern="1200" dirty="0" smtClean="0">
-                <a:solidFill>
-                  <a:schemeClr val="tx1"/>
-                </a:solidFill>
-                <a:effectLst/>
-                <a:latin typeface="+mn-lt"/>
-                <a:ea typeface="+mn-ea"/>
-                <a:cs typeface="+mn-cs"/>
-              </a:rPr>
-              <a:t> is the personality trait of being thorough, careful, or vigilant. </a:t>
-            </a:r>
-            <a:r>
-              <a:rPr lang="en-GB" sz="1200" b="1" i="0" kern="1200" dirty="0" smtClean="0">
-                <a:solidFill>
-                  <a:schemeClr val="tx1"/>
-                </a:solidFill>
-                <a:effectLst/>
-                <a:latin typeface="+mn-lt"/>
-                <a:ea typeface="+mn-ea"/>
-                <a:cs typeface="+mn-cs"/>
-              </a:rPr>
-              <a:t>Conscientiousness</a:t>
-            </a:r>
-            <a:r>
-              <a:rPr lang="en-GB" sz="1200" b="0" i="0" kern="1200" dirty="0" smtClean="0">
-                <a:solidFill>
-                  <a:schemeClr val="tx1"/>
-                </a:solidFill>
-                <a:effectLst/>
-                <a:latin typeface="+mn-lt"/>
-                <a:ea typeface="+mn-ea"/>
-                <a:cs typeface="+mn-cs"/>
-              </a:rPr>
-              <a:t> implies a desire to do a task </a:t>
-            </a:r>
-            <a:r>
-              <a:rPr lang="en-GB" sz="1200" b="0" i="0" kern="1200" dirty="0" err="1" smtClean="0">
-                <a:solidFill>
-                  <a:schemeClr val="tx1"/>
-                </a:solidFill>
-                <a:effectLst/>
-                <a:latin typeface="+mn-lt"/>
-                <a:ea typeface="+mn-ea"/>
-                <a:cs typeface="+mn-cs"/>
-              </a:rPr>
-              <a:t>well.</a:t>
-            </a:r>
-            <a:r>
-              <a:rPr lang="en-GB" sz="1200" b="1" i="0" kern="1200" dirty="0" err="1" smtClean="0">
-                <a:solidFill>
-                  <a:schemeClr val="tx1"/>
-                </a:solidFill>
-                <a:effectLst/>
-                <a:latin typeface="+mn-lt"/>
-                <a:ea typeface="+mn-ea"/>
-                <a:cs typeface="+mn-cs"/>
-              </a:rPr>
-              <a:t>Conscientious</a:t>
-            </a:r>
-            <a:r>
-              <a:rPr lang="en-GB" sz="1200" b="0" i="0" kern="1200" dirty="0" smtClean="0">
-                <a:solidFill>
-                  <a:schemeClr val="tx1"/>
-                </a:solidFill>
-                <a:effectLst/>
-                <a:latin typeface="+mn-lt"/>
-                <a:ea typeface="+mn-ea"/>
-                <a:cs typeface="+mn-cs"/>
-              </a:rPr>
-              <a:t> people are efficient and organized as opposed to easy-going and disorderly.”</a:t>
-            </a:r>
-          </a:p>
-          <a:p>
-            <a:r>
-              <a:rPr lang="en-GB" sz="1200" b="0" i="0" kern="1200" dirty="0" smtClean="0">
-                <a:solidFill>
-                  <a:schemeClr val="tx1"/>
-                </a:solidFill>
-                <a:effectLst/>
-                <a:latin typeface="+mn-lt"/>
-                <a:ea typeface="+mn-ea"/>
-                <a:cs typeface="+mn-cs"/>
-              </a:rPr>
-              <a:t>Extreme</a:t>
-            </a:r>
-            <a:r>
-              <a:rPr lang="en-GB" sz="1200" b="0" i="0" kern="1200" baseline="0" dirty="0" smtClean="0">
-                <a:solidFill>
-                  <a:schemeClr val="tx1"/>
-                </a:solidFill>
-                <a:effectLst/>
-                <a:latin typeface="+mn-lt"/>
-                <a:ea typeface="+mn-ea"/>
-                <a:cs typeface="+mn-cs"/>
-              </a:rPr>
-              <a:t> example</a:t>
-            </a:r>
-          </a:p>
-          <a:p>
-            <a:r>
-              <a:rPr lang="en-GB" sz="1200" b="0" i="0" kern="1200" baseline="0" dirty="0" smtClean="0">
-                <a:solidFill>
-                  <a:schemeClr val="tx1"/>
-                </a:solidFill>
-                <a:effectLst/>
-                <a:latin typeface="+mn-lt"/>
-                <a:ea typeface="+mn-ea"/>
-                <a:cs typeface="+mn-cs"/>
-              </a:rPr>
-              <a:t>This can mean that even though a variable explains an outcome variable it will appear that it is not an important predictor because it is not significant. </a:t>
-            </a:r>
-          </a:p>
-          <a:p>
-            <a:r>
-              <a:rPr lang="en-GB" sz="1200" b="0" i="0" kern="1200" baseline="0" dirty="0" smtClean="0">
-                <a:solidFill>
-                  <a:schemeClr val="tx1"/>
-                </a:solidFill>
-                <a:effectLst/>
-                <a:latin typeface="+mn-lt"/>
-                <a:ea typeface="+mn-ea"/>
-                <a:cs typeface="+mn-cs"/>
-              </a:rPr>
-              <a:t>It is also hard to rank predictors by importance. </a:t>
-            </a:r>
-          </a:p>
-          <a:p>
-            <a:r>
-              <a:rPr lang="en-GB" sz="1200" b="0" i="0" kern="1200" baseline="0" dirty="0" smtClean="0">
-                <a:solidFill>
-                  <a:schemeClr val="tx1"/>
-                </a:solidFill>
-                <a:effectLst/>
-                <a:latin typeface="+mn-lt"/>
-                <a:ea typeface="+mn-ea"/>
-                <a:cs typeface="+mn-cs"/>
-              </a:rPr>
-              <a:t>Higher conscientiousness scores denote greater levels of conscientiousness.</a:t>
-            </a:r>
-          </a:p>
-          <a:p>
-            <a:r>
-              <a:rPr lang="en-GB" sz="1200" b="0" i="0" kern="1200" baseline="0" dirty="0" smtClean="0">
-                <a:solidFill>
-                  <a:schemeClr val="tx1"/>
-                </a:solidFill>
-                <a:effectLst/>
-                <a:latin typeface="+mn-lt"/>
-                <a:ea typeface="+mn-ea"/>
-                <a:cs typeface="+mn-cs"/>
-              </a:rPr>
-              <a:t>Conscientiousness data is in the spreadsheet if you want to explore that</a:t>
-            </a:r>
-          </a:p>
-          <a:p>
-            <a:endParaRPr lang="en-GB" sz="1200" b="0" i="0" kern="1200" dirty="0" smtClean="0">
-              <a:solidFill>
-                <a:schemeClr val="tx1"/>
-              </a:solidFill>
-              <a:effectLst/>
-              <a:latin typeface="+mn-lt"/>
-              <a:ea typeface="+mn-ea"/>
-              <a:cs typeface="+mn-cs"/>
-            </a:endParaRPr>
-          </a:p>
           <a:p>
             <a:endParaRPr lang="en-GB" dirty="0"/>
           </a:p>
@@ -2204,332 +1391,7 @@
           <a:bodyPr/>
           <a:lstStyle/>
           <a:p>
-            <a:pPr marL="171450" marR="0" indent="-171450" algn="l" defTabSz="914400" rtl="0" eaLnBrk="1" fontAlgn="auto" latinLnBrk="0" hangingPunct="1">
-              <a:lnSpc>
-                <a:spcPct val="100000"/>
-              </a:lnSpc>
-              <a:spcBef>
-                <a:spcPts val="0"/>
-              </a:spcBef>
-              <a:spcAft>
-                <a:spcPts val="0"/>
-              </a:spcAft>
-              <a:buClrTx/>
-              <a:buSzTx/>
-              <a:buFont typeface="Arial" panose="020B0604020202020204" pitchFamily="34" charset="0"/>
-              <a:buChar char="•"/>
-              <a:tabLst/>
-              <a:defRPr/>
-            </a:pPr>
-            <a:r>
-              <a:rPr lang="en-GB" sz="1000" dirty="0" smtClean="0"/>
-              <a:t>Because the two variables are so highly correlated, if we were to imagine their representation on a Venn diagram, the two circles would be highly overlapping.</a:t>
-            </a:r>
-          </a:p>
-          <a:p>
-            <a:pPr marL="171450" marR="0" indent="-171450" algn="l" defTabSz="914400" rtl="0" eaLnBrk="1" fontAlgn="auto" latinLnBrk="0" hangingPunct="1">
-              <a:lnSpc>
-                <a:spcPct val="100000"/>
-              </a:lnSpc>
-              <a:spcBef>
-                <a:spcPts val="0"/>
-              </a:spcBef>
-              <a:spcAft>
-                <a:spcPts val="0"/>
-              </a:spcAft>
-              <a:buClrTx/>
-              <a:buSzTx/>
-              <a:buFont typeface="Arial" panose="020B0604020202020204" pitchFamily="34" charset="0"/>
-              <a:buChar char="•"/>
-              <a:tabLst/>
-              <a:defRPr/>
-            </a:pPr>
-            <a:endParaRPr lang="en-GB" sz="1000" dirty="0" smtClean="0"/>
-          </a:p>
-          <a:p>
-            <a:pPr marL="171450" marR="0" indent="-171450" algn="l" defTabSz="914400" rtl="0" eaLnBrk="1" fontAlgn="auto" latinLnBrk="0" hangingPunct="1">
-              <a:lnSpc>
-                <a:spcPct val="100000"/>
-              </a:lnSpc>
-              <a:spcBef>
-                <a:spcPts val="0"/>
-              </a:spcBef>
-              <a:spcAft>
-                <a:spcPts val="0"/>
-              </a:spcAft>
-              <a:buClrTx/>
-              <a:buSzTx/>
-              <a:buFont typeface="Arial" panose="020B0604020202020204" pitchFamily="34" charset="0"/>
-              <a:buChar char="•"/>
-              <a:tabLst/>
-              <a:defRPr/>
-            </a:pPr>
-            <a:r>
-              <a:rPr lang="en-GB" sz="1000" dirty="0" smtClean="0"/>
-              <a:t>Now, the unique variance in GPA that each variable explains is very small.  So small in fact that the t-test on this is not significant.</a:t>
-            </a:r>
-          </a:p>
-          <a:p>
-            <a:pPr marL="171450" marR="0" indent="-171450" algn="l" defTabSz="914400" rtl="0" eaLnBrk="1" fontAlgn="auto" latinLnBrk="0" hangingPunct="1">
-              <a:lnSpc>
-                <a:spcPct val="100000"/>
-              </a:lnSpc>
-              <a:spcBef>
-                <a:spcPts val="0"/>
-              </a:spcBef>
-              <a:spcAft>
-                <a:spcPts val="0"/>
-              </a:spcAft>
-              <a:buClrTx/>
-              <a:buSzTx/>
-              <a:buFont typeface="Arial" panose="020B0604020202020204" pitchFamily="34" charset="0"/>
-              <a:buChar char="•"/>
-              <a:tabLst/>
-              <a:defRPr/>
-            </a:pPr>
-            <a:endParaRPr lang="en-GB" sz="1000" dirty="0" smtClean="0"/>
-          </a:p>
-          <a:p>
-            <a:pPr marL="171450" marR="0" indent="-171450" algn="l" defTabSz="914400" rtl="0" eaLnBrk="1" fontAlgn="auto" latinLnBrk="0" hangingPunct="1">
-              <a:lnSpc>
-                <a:spcPct val="100000"/>
-              </a:lnSpc>
-              <a:spcBef>
-                <a:spcPts val="0"/>
-              </a:spcBef>
-              <a:spcAft>
-                <a:spcPts val="0"/>
-              </a:spcAft>
-              <a:buClrTx/>
-              <a:buSzTx/>
-              <a:buFont typeface="Arial" panose="020B0604020202020204" pitchFamily="34" charset="0"/>
-              <a:buChar char="•"/>
-              <a:tabLst/>
-              <a:defRPr/>
-            </a:pPr>
-            <a:r>
-              <a:rPr lang="en-GB" sz="1000" dirty="0" smtClean="0"/>
-              <a:t>The overall area (the outline of the overlapping circles) is still, however, a significant proportion of the rectangle and is significant.</a:t>
-            </a:r>
-          </a:p>
-          <a:p>
-            <a:pPr marL="171450" marR="0" indent="-171450" algn="l" defTabSz="914400" rtl="0" eaLnBrk="1" fontAlgn="auto" latinLnBrk="0" hangingPunct="1">
-              <a:lnSpc>
-                <a:spcPct val="100000"/>
-              </a:lnSpc>
-              <a:spcBef>
-                <a:spcPts val="0"/>
-              </a:spcBef>
-              <a:spcAft>
-                <a:spcPts val="0"/>
-              </a:spcAft>
-              <a:buClrTx/>
-              <a:buSzTx/>
-              <a:buFont typeface="Arial" panose="020B0604020202020204" pitchFamily="34" charset="0"/>
-              <a:buChar char="•"/>
-              <a:tabLst/>
-              <a:defRPr/>
-            </a:pPr>
-            <a:endParaRPr lang="en-GB" sz="1000" dirty="0" smtClean="0"/>
-          </a:p>
-          <a:p>
-            <a:pPr marL="171450" marR="0" indent="-171450" algn="l" defTabSz="914400" rtl="0" eaLnBrk="1" fontAlgn="auto" latinLnBrk="0" hangingPunct="1">
-              <a:lnSpc>
-                <a:spcPct val="100000"/>
-              </a:lnSpc>
-              <a:spcBef>
-                <a:spcPts val="0"/>
-              </a:spcBef>
-              <a:spcAft>
-                <a:spcPts val="0"/>
-              </a:spcAft>
-              <a:buClrTx/>
-              <a:buSzTx/>
-              <a:buFont typeface="Arial" panose="020B0604020202020204" pitchFamily="34" charset="0"/>
-              <a:buChar char="•"/>
-              <a:tabLst/>
-              <a:defRPr/>
-            </a:pPr>
-            <a:r>
-              <a:rPr lang="en-GB" sz="1000" dirty="0" smtClean="0"/>
-              <a:t>This can create complications in the interpretation</a:t>
-            </a:r>
-          </a:p>
-          <a:p>
-            <a:pPr lvl="1">
-              <a:defRPr/>
-            </a:pPr>
-            <a:r>
-              <a:rPr lang="en-GB" sz="1000" dirty="0" smtClean="0"/>
-              <a:t>The model is clearly a significant proportion of the variance in GPA, as indicated by the ANOVA</a:t>
-            </a:r>
-          </a:p>
-          <a:p>
-            <a:pPr lvl="1">
-              <a:defRPr/>
-            </a:pPr>
-            <a:r>
-              <a:rPr lang="en-GB" sz="1000" dirty="0" smtClean="0"/>
-              <a:t>However, the analysis is saying that neither predictor is significant.</a:t>
-            </a:r>
-          </a:p>
-          <a:p>
-            <a:pPr marL="171450" marR="0" indent="-171450" algn="l" defTabSz="914400" rtl="0" eaLnBrk="1" fontAlgn="auto" latinLnBrk="0" hangingPunct="1">
-              <a:lnSpc>
-                <a:spcPct val="100000"/>
-              </a:lnSpc>
-              <a:spcBef>
-                <a:spcPts val="0"/>
-              </a:spcBef>
-              <a:spcAft>
-                <a:spcPts val="0"/>
-              </a:spcAft>
-              <a:buClrTx/>
-              <a:buSzTx/>
-              <a:buNone/>
-              <a:tabLst/>
-              <a:defRPr/>
-            </a:pPr>
-            <a:endParaRPr lang="en-GB" sz="1000" dirty="0" smtClean="0"/>
-          </a:p>
-          <a:p>
-            <a:pPr marL="171450" marR="0" indent="-171450" algn="l" defTabSz="914400" rtl="0" eaLnBrk="1" fontAlgn="auto" latinLnBrk="0" hangingPunct="1">
-              <a:lnSpc>
-                <a:spcPct val="100000"/>
-              </a:lnSpc>
-              <a:spcBef>
-                <a:spcPts val="0"/>
-              </a:spcBef>
-              <a:spcAft>
-                <a:spcPts val="0"/>
-              </a:spcAft>
-              <a:buClrTx/>
-              <a:buSzTx/>
-              <a:buFont typeface="Arial" panose="020B0604020202020204" pitchFamily="34" charset="0"/>
-              <a:buChar char="•"/>
-              <a:tabLst/>
-              <a:defRPr/>
-            </a:pPr>
-            <a:r>
-              <a:rPr lang="en-GB" sz="1000" dirty="0" smtClean="0"/>
-              <a:t>The proportion of </a:t>
-            </a:r>
-            <a:r>
-              <a:rPr lang="en-GB" sz="1000" b="1" i="1" dirty="0" smtClean="0">
-                <a:solidFill>
-                  <a:schemeClr val="tx2">
-                    <a:lumMod val="75000"/>
-                  </a:schemeClr>
-                </a:solidFill>
-              </a:rPr>
-              <a:t>unique </a:t>
-            </a:r>
-            <a:r>
-              <a:rPr lang="en-GB" sz="1000" b="1" dirty="0" smtClean="0">
-                <a:solidFill>
-                  <a:schemeClr val="tx2">
-                    <a:lumMod val="75000"/>
-                  </a:schemeClr>
-                </a:solidFill>
-              </a:rPr>
-              <a:t>variance </a:t>
-            </a:r>
-            <a:r>
-              <a:rPr lang="en-GB" sz="1000" dirty="0" smtClean="0"/>
-              <a:t>in GPA that is uniquely explained by each predictor is very </a:t>
-            </a:r>
-            <a:r>
-              <a:rPr lang="en-GB" sz="1000" dirty="0" smtClean="0">
-                <a:solidFill>
-                  <a:schemeClr val="tx2">
-                    <a:lumMod val="75000"/>
-                  </a:schemeClr>
-                </a:solidFill>
-              </a:rPr>
-              <a:t>small</a:t>
-            </a:r>
-            <a:r>
-              <a:rPr lang="en-GB" sz="1000" dirty="0" smtClean="0"/>
-              <a:t>.</a:t>
-            </a:r>
-          </a:p>
-          <a:p>
-            <a:r>
-              <a:rPr lang="en-GB" sz="1000" dirty="0" smtClean="0"/>
-              <a:t>But together, the area of the circle (figure of eight?) is a significant proportion of the variability in Y</a:t>
-            </a:r>
-          </a:p>
-          <a:p>
-            <a:endParaRPr lang="en-GB" sz="1000" dirty="0" smtClean="0"/>
-          </a:p>
-          <a:p>
-            <a:r>
-              <a:rPr lang="en-GB" sz="1000" dirty="0" smtClean="0"/>
-              <a:t>This highlights the problem that can arise when predictor variables are correlated in some way. </a:t>
-            </a:r>
-          </a:p>
-          <a:p>
-            <a:r>
-              <a:rPr lang="en-GB" sz="1000" dirty="0" smtClean="0"/>
-              <a:t>Because Grit or IQ serve equally well in explaining the variance in GPA and are so highly correlated, one could replace the other. </a:t>
-            </a:r>
-          </a:p>
-          <a:p>
-            <a:pPr lvl="1"/>
-            <a:r>
-              <a:rPr lang="en-GB" sz="1000" dirty="0" smtClean="0"/>
-              <a:t>Most texts recommend dropping one of the variables from the model.</a:t>
-            </a:r>
-          </a:p>
-          <a:p>
-            <a:pPr lvl="1"/>
-            <a:r>
-              <a:rPr lang="en-GB" sz="1000" dirty="0" smtClean="0"/>
-              <a:t>The easiest thing to do to prevent this kind of problem is to look at the correlations between your predictor variables. If you have any high correlations, you may have a problem with </a:t>
-            </a:r>
-            <a:r>
-              <a:rPr lang="en-GB" sz="1000" dirty="0" err="1" smtClean="0"/>
-              <a:t>multicolinearity</a:t>
-            </a:r>
-            <a:r>
-              <a:rPr lang="en-GB" sz="1000" dirty="0" smtClean="0"/>
-              <a:t>. Consider dropping one of the variables from the model.</a:t>
-            </a:r>
-          </a:p>
-          <a:p>
-            <a:endParaRPr lang="en-GB" sz="1000" dirty="0" smtClean="0"/>
-          </a:p>
-          <a:p>
-            <a:r>
-              <a:rPr lang="en-GB" sz="1000" dirty="0" smtClean="0"/>
-              <a:t>Indeed, there is currently a big debate going on regarding whether the construct of Grit is useful at all. Psychologists have been measuring conscientiousness for many years, and some say that the construct of grit is actually like old wine in new bottles. The debate continues.</a:t>
-            </a:r>
-          </a:p>
-          <a:p>
-            <a:endParaRPr lang="en-GB" sz="1000" dirty="0" smtClean="0"/>
-          </a:p>
-          <a:p>
-            <a:endParaRPr lang="en-GB" sz="1000" dirty="0" smtClean="0"/>
-          </a:p>
-          <a:p>
-            <a:r>
-              <a:rPr lang="en-GB" sz="1000" dirty="0" smtClean="0"/>
-              <a:t>That’s it for today. Don’t forget about the </a:t>
-            </a:r>
-            <a:r>
-              <a:rPr lang="en-GB" sz="1000" dirty="0" err="1" smtClean="0"/>
-              <a:t>asssessment</a:t>
-            </a:r>
-            <a:r>
-              <a:rPr lang="en-GB" sz="1000" dirty="0" smtClean="0"/>
-              <a:t>. I’m happy to take any questions in the time remaining.</a:t>
-            </a:r>
-          </a:p>
-          <a:p>
-            <a:endParaRPr lang="en-GB" sz="1000" dirty="0" smtClean="0"/>
-          </a:p>
-          <a:p>
-            <a:endParaRPr lang="en-GB" sz="1000" dirty="0"/>
+            <a:endParaRPr lang="en-GB" dirty="0"/>
           </a:p>
         </p:txBody>
       </p:sp>
@@ -2708,39 +1570,6 @@
           <a:bodyPr/>
           <a:lstStyle/>
           <a:p>
-            <a:r>
-              <a:rPr lang="en-GB" dirty="0" smtClean="0"/>
-              <a:t>Let’s recap what we were looking at in simple regression</a:t>
-            </a:r>
-          </a:p>
-          <a:p>
-            <a:endParaRPr lang="en-GB" baseline="0" dirty="0" smtClean="0"/>
-          </a:p>
-          <a:p>
-            <a:r>
-              <a:rPr lang="en-GB" baseline="0" dirty="0" smtClean="0"/>
-              <a:t>In simple regression we have one predictor variable and one outcome variable</a:t>
-            </a:r>
-          </a:p>
-          <a:p>
-            <a:endParaRPr lang="en-GB" dirty="0" smtClean="0"/>
-          </a:p>
-          <a:p>
-            <a:endParaRPr lang="en-GB" baseline="0" dirty="0" smtClean="0"/>
-          </a:p>
-          <a:p>
-            <a:r>
-              <a:rPr lang="en-GB" dirty="0" smtClean="0"/>
-              <a:t>The model of the relationship between the variables is given by the regression line</a:t>
-            </a:r>
-          </a:p>
-          <a:p>
-            <a:endParaRPr lang="en-GB" baseline="0" dirty="0" smtClean="0"/>
-          </a:p>
-          <a:p>
-            <a:endParaRPr lang="en-GB" baseline="0" dirty="0" smtClean="0"/>
-          </a:p>
-          <a:p>
             <a:endParaRPr lang="en-GB" dirty="0"/>
           </a:p>
         </p:txBody>
@@ -2830,108 +1659,6 @@
         <p:txBody>
           <a:bodyPr/>
           <a:lstStyle/>
-          <a:p>
-            <a:r>
-              <a:rPr lang="en-GB" dirty="0" smtClean="0"/>
-              <a:t>The line represents the predicted values of Y at each value of X</a:t>
-            </a:r>
-          </a:p>
-          <a:p>
-            <a:pPr lvl="1"/>
-            <a:r>
-              <a:rPr lang="en-GB" dirty="0" smtClean="0"/>
-              <a:t>E.g., predicted GPA at each</a:t>
-            </a:r>
-            <a:r>
-              <a:rPr lang="en-GB" baseline="0" dirty="0" smtClean="0"/>
-              <a:t> level of Grit</a:t>
-            </a:r>
-          </a:p>
-          <a:p>
-            <a:pPr lvl="1"/>
-            <a:endParaRPr lang="en-GB" baseline="0" dirty="0" smtClean="0"/>
-          </a:p>
-          <a:p>
-            <a:pPr lvl="0"/>
-            <a:r>
-              <a:rPr lang="en-GB" baseline="0" dirty="0" smtClean="0"/>
-              <a:t>a the intercept is the predicted value of Y when X = 0</a:t>
-            </a:r>
-          </a:p>
-          <a:p>
-            <a:pPr lvl="0"/>
-            <a:r>
-              <a:rPr lang="en-GB" baseline="0" dirty="0" smtClean="0"/>
-              <a:t>b is the slope, this affects the height of the line.</a:t>
-            </a:r>
-          </a:p>
-          <a:p>
-            <a:pPr lvl="0"/>
-            <a:endParaRPr lang="en-GB" baseline="0" dirty="0" smtClean="0"/>
-          </a:p>
-          <a:p>
-            <a:pPr lvl="0"/>
-            <a:r>
-              <a:rPr lang="en-GB" dirty="0" smtClean="0"/>
-              <a:t>The line is a straight line, the characteristics of which are determined by the values of a and b</a:t>
-            </a:r>
-          </a:p>
-          <a:p>
-            <a:pPr lvl="0"/>
-            <a:endParaRPr lang="en-GB" baseline="0" dirty="0" smtClean="0"/>
-          </a:p>
-          <a:p>
-            <a:pPr lvl="0"/>
-            <a:r>
-              <a:rPr lang="en-GB" baseline="0" dirty="0" smtClean="0"/>
-              <a:t>The line is the line that minimises the sum of the square residuals.</a:t>
-            </a:r>
-          </a:p>
-          <a:p>
-            <a:pPr lvl="0"/>
-            <a:r>
-              <a:rPr lang="en-GB" baseline="0" dirty="0" smtClean="0"/>
-              <a:t>This is the method of least squares we talked about last week/</a:t>
-            </a:r>
-          </a:p>
-          <a:p>
-            <a:pPr lvl="0"/>
-            <a:endParaRPr lang="en-GB" baseline="0" dirty="0" smtClean="0"/>
-          </a:p>
-          <a:p>
-            <a:pPr marL="171450" marR="0" lvl="0" indent="-171450" algn="l" defTabSz="914400" rtl="0" eaLnBrk="1" fontAlgn="auto" latinLnBrk="0" hangingPunct="1">
-              <a:lnSpc>
-                <a:spcPct val="100000"/>
-              </a:lnSpc>
-              <a:spcBef>
-                <a:spcPts val="0"/>
-              </a:spcBef>
-              <a:spcAft>
-                <a:spcPts val="0"/>
-              </a:spcAft>
-              <a:buClrTx/>
-              <a:buSzTx/>
-              <a:buFont typeface="Arial" panose="020B0604020202020204" pitchFamily="34" charset="0"/>
-              <a:buChar char="•"/>
-              <a:tabLst/>
-              <a:defRPr/>
-            </a:pPr>
-            <a:r>
-              <a:rPr lang="en-GB" dirty="0" smtClean="0"/>
-              <a:t>Things</a:t>
-            </a:r>
-            <a:r>
-              <a:rPr lang="en-GB" baseline="0" dirty="0" smtClean="0"/>
-              <a:t> are far too complicated in the world to just be measured with two variables.</a:t>
-            </a:r>
-          </a:p>
-          <a:p>
-            <a:pPr lvl="0"/>
-            <a:r>
-              <a:rPr lang="en-GB" baseline="0" dirty="0" smtClean="0"/>
-              <a:t>We often want to know whether some outcome variable can be predicted by a number of variables</a:t>
-            </a:r>
-          </a:p>
           <a:p>
             <a:pPr lvl="0"/>
             <a:endParaRPr lang="en-GB" dirty="0"/>
@@ -3029,123 +1756,7 @@
           <a:bodyPr/>
           <a:lstStyle/>
           <a:p>
-            <a:r>
-              <a:rPr lang="en-GB" sz="1100" baseline="0" dirty="0" smtClean="0"/>
-              <a:t>In multiple regression we have a number of predictor variables.</a:t>
-            </a:r>
-          </a:p>
-          <a:p>
-            <a:endParaRPr lang="en-GB" sz="1100" baseline="0" dirty="0" smtClean="0"/>
-          </a:p>
-          <a:p>
-            <a:r>
-              <a:rPr lang="en-GB" sz="1100" baseline="0" dirty="0" smtClean="0"/>
-              <a:t>We want to see whether the outcome variable can be predicted by a number of predictor variables. </a:t>
-            </a:r>
-          </a:p>
-          <a:p>
-            <a:endParaRPr lang="en-GB" sz="1100" baseline="0" dirty="0" smtClean="0"/>
-          </a:p>
-          <a:p>
-            <a:r>
-              <a:rPr lang="en-GB" sz="1100" baseline="0" dirty="0" smtClean="0"/>
-              <a:t>So for example, can we predict GPA from Grit and IQ</a:t>
-            </a:r>
-          </a:p>
-          <a:p>
-            <a:endParaRPr lang="en-GB" sz="1100" baseline="0" dirty="0" smtClean="0"/>
-          </a:p>
-          <a:p>
-            <a:r>
-              <a:rPr lang="en-GB" sz="1100" baseline="0" dirty="0" smtClean="0"/>
-              <a:t>If we knew someone’s Grit </a:t>
-            </a:r>
-            <a:r>
-              <a:rPr lang="en-GB" sz="1100" i="1" baseline="0" dirty="0" smtClean="0"/>
-              <a:t>and</a:t>
-            </a:r>
-            <a:r>
-              <a:rPr lang="en-GB" sz="1100" baseline="0" dirty="0" smtClean="0"/>
-              <a:t> IQ, would these two things help us to predict their GPA score.</a:t>
-            </a:r>
-          </a:p>
-          <a:p>
-            <a:endParaRPr lang="en-GB" sz="1100" baseline="0" dirty="0" smtClean="0"/>
-          </a:p>
-          <a:p>
-            <a:r>
-              <a:rPr lang="en-GB" sz="1100" baseline="0" dirty="0" smtClean="0"/>
-              <a:t>In simple regression we had a model of the relationship between one predictor and the outcome.</a:t>
-            </a:r>
-          </a:p>
-          <a:p>
-            <a:r>
-              <a:rPr lang="en-GB" sz="1100" baseline="0" dirty="0" smtClean="0"/>
-              <a:t>In multiple regression we have a model of the relationship between a number of predictors and the outcome.</a:t>
-            </a:r>
-          </a:p>
-          <a:p>
-            <a:endParaRPr lang="en-GB" sz="1100" baseline="0" dirty="0" smtClean="0"/>
-          </a:p>
-          <a:p>
-            <a:r>
-              <a:rPr lang="en-GB" sz="1100" baseline="0" dirty="0" smtClean="0"/>
-              <a:t>In terms of variance, we’re asking, do Grit, IQ and Extraversion help to explain the variance in GPA scores.</a:t>
-            </a:r>
-          </a:p>
-          <a:p>
-            <a:endParaRPr lang="en-GB" sz="1100" baseline="0" dirty="0" smtClean="0"/>
-          </a:p>
-          <a:p>
-            <a:r>
-              <a:rPr lang="en-GB" sz="1100" baseline="0" dirty="0" smtClean="0"/>
-              <a:t>Multiple regression can help us to answer questions about which of these variables are important for predicting GPA.</a:t>
-            </a:r>
-          </a:p>
-          <a:p>
-            <a:pPr lvl="1"/>
-            <a:r>
-              <a:rPr lang="en-GB" sz="1100" baseline="0" dirty="0" smtClean="0"/>
-              <a:t>We know that Grit is important</a:t>
-            </a:r>
-          </a:p>
-          <a:p>
-            <a:pPr lvl="1"/>
-            <a:r>
-              <a:rPr lang="en-GB" sz="1100" baseline="0" dirty="0" smtClean="0"/>
-              <a:t>Is IQ?</a:t>
-            </a:r>
-          </a:p>
-          <a:p>
-            <a:pPr lvl="1"/>
-            <a:r>
-              <a:rPr lang="en-GB" sz="1100" baseline="0" dirty="0" smtClean="0"/>
-              <a:t>Is Extraversion?</a:t>
-            </a:r>
-          </a:p>
-          <a:p>
-            <a:pPr lvl="1"/>
-            <a:endParaRPr lang="en-GB" sz="1100" baseline="0" dirty="0" smtClean="0"/>
-          </a:p>
-          <a:p>
-            <a:pPr lvl="0"/>
-            <a:r>
-              <a:rPr lang="en-GB" sz="1100" baseline="0" dirty="0" smtClean="0"/>
-              <a:t>Multiple regression allows us to look at a whole bunch of variables and ask which of these predicts a certain outcome variable.</a:t>
-            </a:r>
-          </a:p>
-          <a:p>
-            <a:endParaRPr lang="en-GB" sz="1100" baseline="0" dirty="0" smtClean="0"/>
-          </a:p>
-          <a:p>
-            <a:pPr lvl="0"/>
-            <a:r>
-              <a:rPr lang="en-GB" sz="1100" baseline="0" dirty="0" smtClean="0"/>
-              <a:t>Which are the important variables for explaining GPA?</a:t>
-            </a:r>
-          </a:p>
-          <a:p>
-            <a:endParaRPr lang="en-GB" sz="1100" dirty="0"/>
+            <a:endParaRPr lang="en-GB" dirty="0"/>
           </a:p>
         </p:txBody>
       </p:sp>
@@ -3240,163 +1851,7 @@
           <a:bodyPr/>
           <a:lstStyle/>
           <a:p>
-            <a:r>
-              <a:rPr lang="en-GB" dirty="0" smtClean="0"/>
-              <a:t>In simple regression, the equation refers to a straight</a:t>
-            </a:r>
-            <a:r>
-              <a:rPr lang="en-GB" baseline="0" dirty="0" smtClean="0"/>
-              <a:t> line in 2D space</a:t>
-            </a:r>
-          </a:p>
-          <a:p>
-            <a:endParaRPr lang="en-GB" baseline="0" dirty="0" smtClean="0"/>
-          </a:p>
-          <a:p>
-            <a:pPr marL="171450" indent="-171450"/>
-            <a:r>
-              <a:rPr lang="en-GB" baseline="0" dirty="0" smtClean="0"/>
-              <a:t>In multiple regression, with two predictor variables, the equation refers to a flat plane in 3D space.</a:t>
-            </a:r>
-          </a:p>
-          <a:p>
-            <a:pPr marL="171450" indent="-171450"/>
-            <a:endParaRPr lang="en-GB" baseline="0" dirty="0" smtClean="0"/>
-          </a:p>
-          <a:p>
-            <a:r>
-              <a:rPr lang="en-GB" baseline="0" dirty="0" smtClean="0"/>
-              <a:t>The regression line is now a flat surface.</a:t>
-            </a:r>
-          </a:p>
-          <a:p>
-            <a:r>
-              <a:rPr lang="en-GB" baseline="0" dirty="0" smtClean="0"/>
-              <a:t>If you imagine that each one of these dots is actually a point in a cube</a:t>
-            </a:r>
-          </a:p>
-          <a:p>
-            <a:r>
-              <a:rPr lang="en-GB" baseline="0" dirty="0" smtClean="0"/>
-              <a:t>These two axes are the sides of the cube.</a:t>
-            </a:r>
-          </a:p>
-          <a:p>
-            <a:endParaRPr lang="en-GB" baseline="0" dirty="0" smtClean="0"/>
-          </a:p>
-          <a:p>
-            <a:r>
-              <a:rPr lang="en-GB" dirty="0" smtClean="0"/>
-              <a:t>What we are trying to do is to fit a flat plane</a:t>
-            </a:r>
-            <a:r>
-              <a:rPr lang="en-GB" baseline="0" dirty="0" smtClean="0"/>
-              <a:t> through all the points </a:t>
-            </a:r>
-          </a:p>
-          <a:p>
-            <a:pPr marL="171450" indent="-171450"/>
-            <a:r>
-              <a:rPr lang="en-GB" baseline="0" dirty="0" smtClean="0"/>
-              <a:t>The plane of best fit is still the plane that minimises the sum of the squared residuals. </a:t>
-            </a:r>
-          </a:p>
-          <a:p>
-            <a:pPr marL="171450" indent="-171450"/>
-            <a:r>
-              <a:rPr lang="en-GB" baseline="0" dirty="0" smtClean="0"/>
-              <a:t>We still fit the plane using least squares analysis.</a:t>
-            </a:r>
-          </a:p>
-          <a:p>
-            <a:pPr marL="171450" indent="-171450"/>
-            <a:endParaRPr lang="en-GB" baseline="0" dirty="0" smtClean="0"/>
-          </a:p>
-          <a:p>
-            <a:pPr marL="171450" indent="-171450"/>
-            <a:r>
-              <a:rPr lang="en-GB" baseline="0" dirty="0" smtClean="0"/>
-              <a:t>This is how the plane looks with two dimensions, but in reality we can have</a:t>
-            </a:r>
-            <a:r>
-              <a:rPr lang="en-GB" dirty="0" smtClean="0"/>
-              <a:t> </a:t>
-            </a:r>
-            <a:r>
-              <a:rPr lang="en-GB" baseline="0" dirty="0" smtClean="0"/>
-              <a:t>more predictor variables,</a:t>
-            </a:r>
-            <a:r>
-              <a:rPr lang="en-GB" dirty="0" smtClean="0"/>
-              <a:t> and there will be more dimensions.</a:t>
-            </a:r>
-          </a:p>
-          <a:p>
-            <a:pPr marL="171450" indent="-171450"/>
-            <a:r>
-              <a:rPr lang="en-GB" baseline="0" dirty="0" smtClean="0"/>
-              <a:t>This visualisatio</a:t>
-            </a:r>
-            <a:r>
-              <a:rPr lang="en-GB" dirty="0" smtClean="0"/>
-              <a:t>n only works with two predictors.</a:t>
-            </a:r>
-            <a:endParaRPr lang="en-GB" baseline="0" dirty="0" smtClean="0"/>
-          </a:p>
-          <a:p>
-            <a:r>
-              <a:rPr lang="en-GB" dirty="0" smtClean="0"/>
-              <a:t>You have a new dimension for each predictor.</a:t>
-            </a:r>
-          </a:p>
-          <a:p>
-            <a:pPr marL="171450" indent="-171450"/>
-            <a:r>
-              <a:rPr lang="en-GB" baseline="0" dirty="0" smtClean="0"/>
-              <a:t>With three predictor variables, we have 4 dimensions.</a:t>
-            </a:r>
-          </a:p>
-          <a:p>
-            <a:pPr marL="171450" indent="-171450"/>
-            <a:r>
-              <a:rPr lang="en-GB" baseline="0" dirty="0" smtClean="0"/>
-              <a:t>But it becomes much harder to visualise 4 and 5 dimensional models.</a:t>
-            </a:r>
-          </a:p>
-          <a:p>
-            <a:pPr marL="171450" indent="-171450"/>
-            <a:endParaRPr lang="en-GB" baseline="0" dirty="0" smtClean="0"/>
-          </a:p>
-          <a:p>
-            <a:pPr marL="171450" marR="0" indent="-171450" algn="l" defTabSz="914400" rtl="0" eaLnBrk="1" fontAlgn="auto" latinLnBrk="0" hangingPunct="1">
-              <a:lnSpc>
-                <a:spcPct val="100000"/>
-              </a:lnSpc>
-              <a:spcBef>
-                <a:spcPts val="0"/>
-              </a:spcBef>
-              <a:spcAft>
-                <a:spcPts val="0"/>
-              </a:spcAft>
-              <a:buClrTx/>
-              <a:buSzTx/>
-              <a:buFont typeface="Arial" panose="020B0604020202020204" pitchFamily="34" charset="0"/>
-              <a:buChar char="•"/>
-              <a:tabLst/>
-              <a:defRPr/>
-            </a:pPr>
-            <a:r>
-              <a:rPr lang="en-GB" baseline="0" dirty="0" smtClean="0"/>
-              <a:t>This only works for imagining examples with two predictor variables and one criterion variable. With more than two predictor variables, we are into four-dimensional space. I don’t advise you to imagine this!</a:t>
-            </a:r>
-            <a:endParaRPr lang="en-GB" dirty="0" smtClean="0"/>
-          </a:p>
-          <a:p>
-            <a:pPr marL="171450" indent="-171450"/>
-            <a:endParaRPr lang="en-GB" baseline="0" dirty="0" smtClean="0"/>
-          </a:p>
-          <a:p>
-            <a:endParaRPr lang="en-GB" dirty="0" smtClean="0"/>
+            <a:endParaRPr lang="en-GB" dirty="0"/>
           </a:p>
         </p:txBody>
       </p:sp>
@@ -3491,165 +1946,6 @@
           <a:bodyPr/>
           <a:lstStyle/>
           <a:p>
-            <a:r>
-              <a:rPr lang="en-GB" dirty="0" smtClean="0"/>
-              <a:t>The formula</a:t>
-            </a:r>
-            <a:r>
-              <a:rPr lang="en-GB" baseline="0" dirty="0" smtClean="0"/>
-              <a:t> for multiple regression is a tad more complex. </a:t>
-            </a:r>
-          </a:p>
-          <a:p>
-            <a:endParaRPr lang="en-GB" dirty="0" smtClean="0"/>
-          </a:p>
-          <a:p>
-            <a:r>
-              <a:rPr lang="en-GB" dirty="0" smtClean="0"/>
-              <a:t>There are a lot of terms here, but it is just an extension of the simple regression equation though</a:t>
-            </a:r>
-          </a:p>
-          <a:p>
-            <a:endParaRPr lang="en-GB" dirty="0" smtClean="0"/>
-          </a:p>
-          <a:p>
-            <a:r>
-              <a:rPr lang="en-GB" dirty="0" smtClean="0"/>
-              <a:t>In simple regression, we</a:t>
-            </a:r>
-            <a:r>
-              <a:rPr lang="en-GB" baseline="0" dirty="0" smtClean="0"/>
-              <a:t> used the term slope to refer to the thing that we multiply by X</a:t>
-            </a:r>
-          </a:p>
-          <a:p>
-            <a:r>
-              <a:rPr lang="en-GB" baseline="0" dirty="0" smtClean="0"/>
-              <a:t>In multiple regression we use the term coefficient.</a:t>
-            </a:r>
-          </a:p>
-          <a:p>
-            <a:r>
-              <a:rPr lang="en-GB" dirty="0" smtClean="0"/>
-              <a:t>In MR, because</a:t>
-            </a:r>
-            <a:r>
-              <a:rPr lang="en-GB" baseline="0" dirty="0" smtClean="0"/>
-              <a:t> we have multiple predictors, each with their own slope, we call them coefficients.</a:t>
-            </a:r>
-            <a:endParaRPr lang="en-GB" dirty="0" smtClean="0"/>
-          </a:p>
-          <a:p>
-            <a:r>
-              <a:rPr lang="en-GB" dirty="0" smtClean="0"/>
-              <a:t>The coefficient is basically</a:t>
-            </a:r>
-            <a:r>
-              <a:rPr lang="en-GB" baseline="0" dirty="0" smtClean="0"/>
-              <a:t> the number we multiply X by.</a:t>
-            </a:r>
-            <a:endParaRPr lang="en-GB" dirty="0" smtClean="0"/>
-          </a:p>
-          <a:p>
-            <a:pPr marL="0" indent="0">
-              <a:buNone/>
-            </a:pPr>
-            <a:endParaRPr lang="en-GB" dirty="0" smtClean="0"/>
-          </a:p>
-          <a:p>
-            <a:r>
-              <a:rPr lang="en-GB" dirty="0" smtClean="0"/>
-              <a:t>You can see that</a:t>
-            </a:r>
-            <a:r>
-              <a:rPr lang="en-GB" baseline="0" dirty="0" smtClean="0"/>
-              <a:t> the first part of this equation is the simple regression equation.</a:t>
-            </a:r>
-            <a:endParaRPr lang="en-GB" dirty="0" smtClean="0"/>
-          </a:p>
-          <a:p>
-            <a:endParaRPr lang="en-GB" dirty="0" smtClean="0"/>
-          </a:p>
-          <a:p>
-            <a:r>
-              <a:rPr lang="en-GB" dirty="0" smtClean="0"/>
-              <a:t>We have an extra b*X term for each additional predictor.</a:t>
-            </a:r>
-          </a:p>
-          <a:p>
-            <a:endParaRPr lang="en-GB" baseline="0" dirty="0" smtClean="0"/>
-          </a:p>
-          <a:p>
-            <a:r>
-              <a:rPr lang="en-GB" baseline="0" dirty="0" smtClean="0"/>
-              <a:t>We want to end up with an equation like this</a:t>
-            </a:r>
-          </a:p>
-          <a:p>
-            <a:pPr lvl="1"/>
-            <a:r>
-              <a:rPr lang="en-GB" baseline="0" dirty="0" smtClean="0"/>
-              <a:t>Predicted GPA – our predicted Y value</a:t>
-            </a:r>
-          </a:p>
-          <a:p>
-            <a:pPr lvl="1"/>
-            <a:r>
-              <a:rPr lang="en-GB" baseline="0" dirty="0" smtClean="0"/>
-              <a:t>Intercept is 15.96 – can be positive or negative</a:t>
-            </a:r>
-          </a:p>
-          <a:p>
-            <a:pPr lvl="1"/>
-            <a:r>
-              <a:rPr lang="en-GB" baseline="0" dirty="0" smtClean="0"/>
-              <a:t>B1 is 7.76</a:t>
-            </a:r>
-          </a:p>
-          <a:p>
-            <a:pPr lvl="1"/>
-            <a:r>
-              <a:rPr lang="en-GB" baseline="0" dirty="0" smtClean="0"/>
-              <a:t>X1 is grit</a:t>
-            </a:r>
-          </a:p>
-          <a:p>
-            <a:pPr lvl="1"/>
-            <a:r>
-              <a:rPr lang="en-GB" baseline="0" dirty="0" smtClean="0"/>
-              <a:t>B2 is 0.36</a:t>
-            </a:r>
-          </a:p>
-          <a:p>
-            <a:pPr lvl="1"/>
-            <a:r>
-              <a:rPr lang="en-GB" baseline="0" dirty="0" smtClean="0"/>
-              <a:t>X2 is IQ</a:t>
-            </a:r>
-          </a:p>
-          <a:p>
-            <a:pPr lvl="1"/>
-            <a:r>
-              <a:rPr lang="en-GB" baseline="0" dirty="0" smtClean="0"/>
-              <a:t>B3 is 1.2</a:t>
-            </a:r>
-          </a:p>
-          <a:p>
-            <a:pPr lvl="1"/>
-            <a:r>
-              <a:rPr lang="en-GB" baseline="0" dirty="0" smtClean="0"/>
-              <a:t>X3 is Age</a:t>
-            </a:r>
-          </a:p>
-          <a:p>
-            <a:pPr lvl="1"/>
-            <a:endParaRPr lang="en-GB" baseline="0" dirty="0" smtClean="0"/>
-          </a:p>
-          <a:p>
-            <a:pPr lvl="0"/>
-            <a:endParaRPr lang="en-GB" baseline="0" dirty="0" smtClean="0"/>
-          </a:p>
-          <a:p>
             <a:pPr lvl="1"/>
             <a:endParaRPr lang="en-GB" dirty="0"/>
           </a:p>
@@ -3741,119 +2037,7 @@
           <a:bodyPr/>
           <a:lstStyle/>
           <a:p>
-            <a:r>
-              <a:rPr lang="en-GB" dirty="0" smtClean="0"/>
-              <a:t>In simple regression,</a:t>
-            </a:r>
-            <a:r>
-              <a:rPr lang="en-GB" baseline="0" dirty="0" smtClean="0"/>
-              <a:t> the slope determined the steepness of the line</a:t>
-            </a:r>
-          </a:p>
-          <a:p>
-            <a:r>
-              <a:rPr lang="en-GB" baseline="0" dirty="0" smtClean="0"/>
-              <a:t>In multiple regression, the coefficients determine the tilt of the plane (2 dimensions)</a:t>
-            </a:r>
-            <a:endParaRPr lang="en-GB" dirty="0" smtClean="0"/>
-          </a:p>
-          <a:p>
-            <a:endParaRPr lang="en-GB" dirty="0" smtClean="0"/>
-          </a:p>
-          <a:p>
-            <a:r>
-              <a:rPr lang="en-GB" dirty="0" smtClean="0"/>
-              <a:t>B1 and b2 describe the tilt</a:t>
-            </a:r>
-            <a:r>
-              <a:rPr lang="en-GB" baseline="0" dirty="0" smtClean="0"/>
-              <a:t> of the plane</a:t>
-            </a:r>
-          </a:p>
-          <a:p>
-            <a:endParaRPr lang="en-GB" baseline="0" dirty="0" smtClean="0"/>
-          </a:p>
-          <a:p>
-            <a:r>
-              <a:rPr lang="en-GB" baseline="0" dirty="0" smtClean="0"/>
-              <a:t>If we have the following regression equation</a:t>
-            </a:r>
-          </a:p>
-          <a:p>
-            <a:pPr lvl="1"/>
-            <a:r>
-              <a:rPr lang="en-GB" baseline="0" dirty="0" smtClean="0"/>
-              <a:t>Ŷ = a + b1X1 + b2X2</a:t>
-            </a:r>
-          </a:p>
-          <a:p>
-            <a:pPr lvl="1"/>
-            <a:endParaRPr lang="en-GB" baseline="0" dirty="0" smtClean="0"/>
-          </a:p>
-          <a:p>
-            <a:pPr lvl="0"/>
-            <a:r>
-              <a:rPr lang="en-GB" baseline="0" dirty="0" smtClean="0"/>
-              <a:t>a determines the height of the line</a:t>
-            </a:r>
-          </a:p>
-          <a:p>
-            <a:pPr lvl="0"/>
-            <a:r>
-              <a:rPr lang="en-GB" baseline="0" dirty="0" smtClean="0"/>
-              <a:t>B1 is the change in Y with a one unit change in X1</a:t>
-            </a:r>
-          </a:p>
-          <a:p>
-            <a:pPr lvl="0"/>
-            <a:r>
-              <a:rPr lang="en-GB" baseline="0" dirty="0" smtClean="0"/>
-              <a:t>B2 is the change in Y with a one unit change in X2</a:t>
-            </a:r>
-          </a:p>
-          <a:p>
-            <a:endParaRPr lang="en-GB" baseline="0" dirty="0" smtClean="0"/>
-          </a:p>
-          <a:p>
-            <a:r>
-              <a:rPr lang="en-GB" baseline="0" dirty="0" smtClean="0"/>
-              <a:t>For a one unit change in X1, the plane shifts up on one dimension by a certain amount</a:t>
-            </a:r>
-          </a:p>
-          <a:p>
-            <a:pPr marL="171450" marR="0" indent="-171450" algn="l" defTabSz="914400" rtl="0" eaLnBrk="1" fontAlgn="auto" latinLnBrk="0" hangingPunct="1">
-              <a:lnSpc>
-                <a:spcPct val="100000"/>
-              </a:lnSpc>
-              <a:spcBef>
-                <a:spcPts val="0"/>
-              </a:spcBef>
-              <a:spcAft>
-                <a:spcPts val="0"/>
-              </a:spcAft>
-              <a:buClrTx/>
-              <a:buSzTx/>
-              <a:buFont typeface="Arial" panose="020B0604020202020204" pitchFamily="34" charset="0"/>
-              <a:buChar char="•"/>
-              <a:tabLst/>
-              <a:defRPr/>
-            </a:pPr>
-            <a:r>
-              <a:rPr lang="en-GB" baseline="0" dirty="0" smtClean="0"/>
-              <a:t>For a one unit change in X2, the plane shifts up on one dimension by a certain amount</a:t>
-            </a:r>
-          </a:p>
-          <a:p>
-            <a:endParaRPr lang="en-GB" baseline="0" dirty="0" smtClean="0"/>
-          </a:p>
-          <a:p>
-            <a:r>
-              <a:rPr lang="en-GB" baseline="0" dirty="0" smtClean="0"/>
-              <a:t>The plane passes through the point MX1, MX2, MY</a:t>
-            </a:r>
-          </a:p>
-          <a:p>
-            <a:endParaRPr lang="en-GB" baseline="0" dirty="0" smtClean="0"/>
+            <a:endParaRPr lang="en-GB" dirty="0"/>
           </a:p>
         </p:txBody>
       </p:sp>
@@ -3943,69 +2127,6 @@
           <a:bodyPr/>
           <a:lstStyle/>
           <a:p>
-            <a:r>
-              <a:rPr lang="en-GB" dirty="0" smtClean="0"/>
-              <a:t>When we have multiple variables,</a:t>
-            </a:r>
-            <a:r>
-              <a:rPr lang="en-GB" baseline="0" dirty="0" smtClean="0"/>
-              <a:t> the s</a:t>
-            </a:r>
-            <a:r>
-              <a:rPr lang="en-GB" dirty="0" smtClean="0"/>
-              <a:t>catterplot</a:t>
-            </a:r>
-            <a:r>
-              <a:rPr lang="en-GB" baseline="0" dirty="0" smtClean="0"/>
-              <a:t> matrix can be useful for viewing relationships between multiple variables</a:t>
-            </a:r>
-          </a:p>
-          <a:p>
-            <a:r>
-              <a:rPr lang="en-GB" baseline="0" dirty="0" smtClean="0"/>
-              <a:t>Correlation matrix symmetric so only need look above or below diagonal</a:t>
-            </a:r>
-          </a:p>
-          <a:p>
-            <a:endParaRPr lang="en-GB" baseline="0" dirty="0" smtClean="0"/>
-          </a:p>
-          <a:p>
-            <a:r>
-              <a:rPr lang="en-GB" baseline="0" dirty="0" smtClean="0"/>
-              <a:t>GPA and Grit look positively correlated</a:t>
-            </a:r>
-          </a:p>
-          <a:p>
-            <a:pPr lvl="1"/>
-            <a:r>
-              <a:rPr lang="en-GB" dirty="0" smtClean="0"/>
-              <a:t>This</a:t>
-            </a:r>
-            <a:r>
-              <a:rPr lang="en-GB" baseline="0" dirty="0" smtClean="0"/>
-              <a:t> is mirrored in the correlation matrix</a:t>
-            </a:r>
-          </a:p>
-          <a:p>
-            <a:pPr lvl="0"/>
-            <a:r>
-              <a:rPr lang="en-GB" baseline="0" dirty="0" smtClean="0"/>
-              <a:t>IQ and Grit are not correlated </a:t>
-            </a:r>
-          </a:p>
-          <a:p>
-            <a:pPr lvl="1"/>
-            <a:r>
-              <a:rPr lang="en-GB" baseline="0" dirty="0" smtClean="0"/>
-              <a:t>Again, we can get some indication of this by the relatively flat line in the scatterplot</a:t>
-            </a:r>
-          </a:p>
-          <a:p>
-            <a:pPr lvl="0"/>
-            <a:r>
-              <a:rPr lang="en-GB" baseline="0" dirty="0" smtClean="0"/>
-              <a:t>IQ and GPA are positively correlated, we can see this in the correlation matrix</a:t>
-            </a:r>
             <a:endParaRPr lang="en-GB" dirty="0"/>
           </a:p>
         </p:txBody>
@@ -4095,220 +2216,6 @@
           <a:bodyPr/>
           <a:lstStyle/>
           <a:p>
-            <a:pPr marL="171450" marR="0" indent="-171450" algn="l" defTabSz="914400" rtl="0" eaLnBrk="1" fontAlgn="auto" latinLnBrk="0" hangingPunct="1">
-              <a:lnSpc>
-                <a:spcPct val="100000"/>
-              </a:lnSpc>
-              <a:spcBef>
-                <a:spcPts val="0"/>
-              </a:spcBef>
-              <a:spcAft>
-                <a:spcPts val="0"/>
-              </a:spcAft>
-              <a:buClrTx/>
-              <a:buSzTx/>
-              <a:buFont typeface="Arial" panose="020B0604020202020204" pitchFamily="34" charset="0"/>
-              <a:buChar char="•"/>
-              <a:tabLst/>
-              <a:defRPr/>
-            </a:pPr>
-            <a:r>
-              <a:rPr lang="en-GB" sz="1200" dirty="0" smtClean="0"/>
-              <a:t>The histogram of standardised residuals is approximately normal.</a:t>
-            </a:r>
-          </a:p>
-          <a:p>
-            <a:pPr lvl="1">
-              <a:defRPr/>
-            </a:pPr>
-            <a:r>
-              <a:rPr lang="en-GB" dirty="0" smtClean="0"/>
-              <a:t>We are looking for a nice normal distribution</a:t>
-            </a:r>
-          </a:p>
-          <a:p>
-            <a:pPr lvl="1">
-              <a:buNone/>
-              <a:defRPr/>
-            </a:pPr>
-            <a:endParaRPr lang="en-GB" dirty="0" smtClean="0"/>
-          </a:p>
-          <a:p>
-            <a:pPr>
-              <a:buNone/>
-              <a:defRPr/>
-            </a:pPr>
-            <a:r>
-              <a:rPr lang="en-GB" dirty="0" err="1" smtClean="0"/>
-              <a:t>Homoscedasticity</a:t>
-            </a:r>
-            <a:endParaRPr lang="en-GB" dirty="0" smtClean="0"/>
-          </a:p>
-          <a:p>
-            <a:pPr>
-              <a:defRPr/>
-            </a:pPr>
-            <a:r>
-              <a:rPr lang="en-GB" dirty="0" smtClean="0"/>
-              <a:t>The assumption of constant variance in the residuals</a:t>
-            </a:r>
-          </a:p>
-          <a:p>
-            <a:pPr>
-              <a:defRPr/>
-            </a:pPr>
-            <a:r>
-              <a:rPr lang="en-GB" dirty="0" smtClean="0"/>
-              <a:t>Remember the residual is the vertical distance of each data point from the regression line</a:t>
-            </a:r>
-          </a:p>
-          <a:p>
-            <a:pPr marL="171450" marR="0" indent="-171450" algn="l" defTabSz="914400" rtl="0" eaLnBrk="1" fontAlgn="auto" latinLnBrk="0" hangingPunct="1">
-              <a:lnSpc>
-                <a:spcPct val="100000"/>
-              </a:lnSpc>
-              <a:spcBef>
-                <a:spcPts val="0"/>
-              </a:spcBef>
-              <a:spcAft>
-                <a:spcPts val="0"/>
-              </a:spcAft>
-              <a:buClrTx/>
-              <a:buSzTx/>
-              <a:buFont typeface="Arial" panose="020B0604020202020204" pitchFamily="34" charset="0"/>
-              <a:buChar char="•"/>
-              <a:tabLst/>
-              <a:defRPr/>
-            </a:pPr>
-            <a:r>
-              <a:rPr lang="en-GB" sz="1200" dirty="0" smtClean="0"/>
-              <a:t>The points should be randomly and evenly scattered around the zero line, #</a:t>
-            </a:r>
-          </a:p>
-          <a:p>
-            <a:pPr marL="171450" marR="0" indent="-171450" algn="l" defTabSz="914400" rtl="0" eaLnBrk="1" fontAlgn="auto" latinLnBrk="0" hangingPunct="1">
-              <a:lnSpc>
-                <a:spcPct val="100000"/>
-              </a:lnSpc>
-              <a:spcBef>
-                <a:spcPts val="0"/>
-              </a:spcBef>
-              <a:spcAft>
-                <a:spcPts val="0"/>
-              </a:spcAft>
-              <a:buClrTx/>
-              <a:buSzTx/>
-              <a:buFont typeface="Arial" panose="020B0604020202020204" pitchFamily="34" charset="0"/>
-              <a:buChar char="•"/>
-              <a:tabLst/>
-              <a:defRPr/>
-            </a:pPr>
-            <a:endParaRPr lang="en-GB" dirty="0" smtClean="0"/>
-          </a:p>
-          <a:p>
-            <a:pPr marL="171450" marR="0" indent="-171450" algn="l" defTabSz="914400" rtl="0" eaLnBrk="1" fontAlgn="auto" latinLnBrk="0" hangingPunct="1">
-              <a:lnSpc>
-                <a:spcPct val="100000"/>
-              </a:lnSpc>
-              <a:spcBef>
-                <a:spcPts val="0"/>
-              </a:spcBef>
-              <a:spcAft>
-                <a:spcPts val="0"/>
-              </a:spcAft>
-              <a:buClrTx/>
-              <a:buSzTx/>
-              <a:buNone/>
-              <a:tabLst/>
-              <a:defRPr/>
-            </a:pPr>
-            <a:r>
-              <a:rPr lang="en-GB" sz="1200" dirty="0" smtClean="0"/>
-              <a:t>Independence of residuals</a:t>
-            </a:r>
-          </a:p>
-          <a:p>
-            <a:pPr marL="171450" marR="0" indent="-171450" algn="l" defTabSz="914400" rtl="0" eaLnBrk="1" fontAlgn="auto" latinLnBrk="0" hangingPunct="1">
-              <a:lnSpc>
-                <a:spcPct val="100000"/>
-              </a:lnSpc>
-              <a:spcBef>
-                <a:spcPts val="0"/>
-              </a:spcBef>
-              <a:spcAft>
-                <a:spcPts val="0"/>
-              </a:spcAft>
-              <a:buClrTx/>
-              <a:buSzTx/>
-              <a:buFont typeface="Arial" panose="020B0604020202020204" pitchFamily="34" charset="0"/>
-              <a:buChar char="•"/>
-              <a:tabLst/>
-              <a:defRPr/>
-            </a:pPr>
-            <a:r>
-              <a:rPr lang="en-GB" sz="1200" dirty="0" smtClean="0"/>
-              <a:t>There should be no trends evident in the residuals</a:t>
-            </a:r>
-          </a:p>
-          <a:p>
-            <a:pPr lvl="1">
-              <a:defRPr/>
-            </a:pPr>
-            <a:r>
-              <a:rPr lang="en-GB" dirty="0" smtClean="0"/>
-              <a:t>No obvious linear relationships or a positive or negative nature</a:t>
-            </a:r>
-          </a:p>
-          <a:p>
-            <a:pPr lvl="1">
-              <a:defRPr/>
-            </a:pPr>
-            <a:r>
-              <a:rPr lang="en-GB" dirty="0" smtClean="0"/>
-              <a:t>No curvilinear relationships</a:t>
-            </a:r>
-          </a:p>
-          <a:p>
-            <a:pPr lvl="1">
-              <a:defRPr/>
-            </a:pPr>
-            <a:endParaRPr lang="en-GB" dirty="0" smtClean="0"/>
-          </a:p>
-          <a:p>
-            <a:pPr marL="171450" marR="0" indent="-171450" algn="l" defTabSz="914400" rtl="0" eaLnBrk="1" fontAlgn="auto" latinLnBrk="0" hangingPunct="1">
-              <a:lnSpc>
-                <a:spcPct val="100000"/>
-              </a:lnSpc>
-              <a:spcBef>
-                <a:spcPts val="0"/>
-              </a:spcBef>
-              <a:spcAft>
-                <a:spcPts val="0"/>
-              </a:spcAft>
-              <a:buClrTx/>
-              <a:buSzTx/>
-              <a:buFont typeface="Arial" panose="020B0604020202020204" pitchFamily="34" charset="0"/>
-              <a:buChar char="•"/>
-              <a:tabLst/>
-              <a:defRPr/>
-            </a:pPr>
-            <a:r>
-              <a:rPr lang="en-GB" dirty="0" smtClean="0"/>
-              <a:t>Their scatter should be random </a:t>
-            </a:r>
-            <a:r>
-              <a:rPr lang="en-GB" sz="1200" dirty="0" smtClean="0"/>
-              <a:t>with no systematic trends evident </a:t>
-            </a:r>
-            <a:endParaRPr lang="en-GB" dirty="0" smtClean="0"/>
-          </a:p>
-          <a:p>
-            <a:pPr lvl="1">
-              <a:defRPr/>
-            </a:pPr>
-            <a:endParaRPr lang="en-GB" dirty="0" smtClean="0"/>
-          </a:p>
-          <a:p>
             <a:endParaRPr lang="en-GB" dirty="0"/>
           </a:p>
         </p:txBody>
@@ -4532,7 +2439,7 @@
             <a:fld id="{FD207E47-C1CA-47C9-BFA1-FDEFD1CE1BAA}" type="datetime1">
               <a:rPr lang="en-US" smtClean="0"/>
               <a:pPr/>
-              <a:t>1/19/2022</a:t>
+              <a:t>1/21/2022</a:t>
             </a:fld>
             <a:endParaRPr lang="en-US"/>
           </a:p>
@@ -4699,7 +2606,7 @@
             <a:fld id="{58C692B5-BE86-445D-88C0-242C83A9421E}" type="datetime1">
               <a:rPr lang="en-US" smtClean="0"/>
               <a:pPr/>
-              <a:t>1/19/2022</a:t>
+              <a:t>1/21/2022</a:t>
             </a:fld>
             <a:endParaRPr lang="en-US"/>
           </a:p>
@@ -4876,7 +2783,7 @@
             <a:fld id="{6A70B350-EB04-4702-A2C6-BB029CC917C4}" type="datetime1">
               <a:rPr lang="en-US" smtClean="0"/>
               <a:pPr/>
-              <a:t>1/19/2022</a:t>
+              <a:t>1/21/2022</a:t>
             </a:fld>
             <a:endParaRPr lang="en-US"/>
           </a:p>
@@ -5043,7 +2950,7 @@
             <a:fld id="{B19C5C7B-1CCF-4D03-A2E8-D3591213E0F6}" type="datetime1">
               <a:rPr lang="en-US" smtClean="0"/>
               <a:pPr/>
-              <a:t>1/19/2022</a:t>
+              <a:t>1/21/2022</a:t>
             </a:fld>
             <a:endParaRPr lang="en-US"/>
           </a:p>
@@ -5286,7 +3193,7 @@
             <a:fld id="{617DE08F-8114-45C2-9520-EC1882F8A669}" type="datetime1">
               <a:rPr lang="en-US" smtClean="0"/>
               <a:pPr/>
-              <a:t>1/19/2022</a:t>
+              <a:t>1/21/2022</a:t>
             </a:fld>
             <a:endParaRPr lang="en-US"/>
           </a:p>
@@ -5571,7 +3478,7 @@
             <a:fld id="{67FBBCEA-51D6-4D4F-B700-EBDD8904452C}" type="datetime1">
               <a:rPr lang="en-US" smtClean="0"/>
               <a:pPr/>
-              <a:t>1/19/2022</a:t>
+              <a:t>1/21/2022</a:t>
             </a:fld>
             <a:endParaRPr lang="en-US"/>
           </a:p>
@@ -5990,7 +3897,7 @@
             <a:fld id="{7C3355C0-4DE2-42D1-B918-7B0FCE7481FD}" type="datetime1">
               <a:rPr lang="en-US" smtClean="0"/>
               <a:pPr/>
-              <a:t>1/19/2022</a:t>
+              <a:t>1/21/2022</a:t>
             </a:fld>
             <a:endParaRPr lang="en-US"/>
           </a:p>
@@ -6105,7 +4012,7 @@
             <a:fld id="{41F9056E-53B5-467C-A68C-D5DD1F771BB5}" type="datetime1">
               <a:rPr lang="en-US" smtClean="0"/>
               <a:pPr/>
-              <a:t>1/19/2022</a:t>
+              <a:t>1/21/2022</a:t>
             </a:fld>
             <a:endParaRPr lang="en-US"/>
           </a:p>
@@ -6197,7 +4104,7 @@
             <a:fld id="{73236B7C-1414-4D49-8A59-8F56128C501B}" type="datetime1">
               <a:rPr lang="en-US" smtClean="0"/>
               <a:pPr/>
-              <a:t>1/19/2022</a:t>
+              <a:t>1/21/2022</a:t>
             </a:fld>
             <a:endParaRPr lang="en-US"/>
           </a:p>
@@ -6471,7 +4378,7 @@
             <a:fld id="{A40AEADC-23C0-4767-9AD7-3E7B6C343A0A}" type="datetime1">
               <a:rPr lang="en-US" smtClean="0"/>
               <a:pPr/>
-              <a:t>1/19/2022</a:t>
+              <a:t>1/21/2022</a:t>
             </a:fld>
             <a:endParaRPr lang="en-US"/>
           </a:p>
@@ -6721,7 +4628,7 @@
             <a:fld id="{07762B3B-4AFD-4E39-B6F8-E1A2354BA336}" type="datetime1">
               <a:rPr lang="en-US" smtClean="0"/>
               <a:pPr/>
-              <a:t>1/19/2022</a:t>
+              <a:t>1/21/2022</a:t>
             </a:fld>
             <a:endParaRPr lang="en-US"/>
           </a:p>
@@ -6931,7 +4838,7 @@
             <a:fld id="{16C4ABC6-3BA1-4854-92CA-2B0133ECAB44}" type="datetime1">
               <a:rPr lang="en-US" smtClean="0"/>
               <a:pPr/>
-              <a:t>1/19/2022</a:t>
+              <a:t>1/21/2022</a:t>
             </a:fld>
             <a:endParaRPr lang="en-US"/>
           </a:p>
@@ -33054,11 +30961,7 @@
             </a:r>
             <a:r>
               <a:rPr lang="en-GB" sz="3200" dirty="0" smtClean="0"/>
-              <a:t>: </a:t>
-            </a:r>
-            <a:r>
-              <a:rPr lang="en-GB" sz="3200" dirty="0" smtClean="0"/>
-              <a:t>residuals</a:t>
+              <a:t>: residuals</a:t>
             </a:r>
           </a:p>
           <a:p>

--- a/docs/slides/PSYC753_L2_MultipleRegression1.pptx
+++ b/docs/slides/PSYC753_L2_MultipleRegression1.pptx
@@ -5,10 +5,10 @@
     <p:sldMasterId id="2147483648" r:id="rId1"/>
   </p:sldMasterIdLst>
   <p:notesMasterIdLst>
-    <p:notesMasterId r:id="rId23"/>
+    <p:notesMasterId r:id="rId24"/>
   </p:notesMasterIdLst>
   <p:handoutMasterIdLst>
-    <p:handoutMasterId r:id="rId24"/>
+    <p:handoutMasterId r:id="rId25"/>
   </p:handoutMasterIdLst>
   <p:sldIdLst>
     <p:sldId id="257" r:id="rId2"/>
@@ -29,9 +29,10 @@
     <p:sldId id="287" r:id="rId17"/>
     <p:sldId id="344" r:id="rId18"/>
     <p:sldId id="357" r:id="rId19"/>
-    <p:sldId id="305" r:id="rId20"/>
-    <p:sldId id="329" r:id="rId21"/>
-    <p:sldId id="353" r:id="rId22"/>
+    <p:sldId id="358" r:id="rId20"/>
+    <p:sldId id="305" r:id="rId21"/>
+    <p:sldId id="329" r:id="rId22"/>
+    <p:sldId id="353" r:id="rId23"/>
   </p:sldIdLst>
   <p:sldSz cx="12192000" cy="6858000"/>
   <p:notesSz cx="6858000" cy="9945688"/>
@@ -245,7 +246,7 @@
           <a:p>
             <a:fld id="{39F2F66B-899D-484E-9C99-E1DBE23F9DE9}" type="datetimeFigureOut">
               <a:rPr lang="en-GB" smtClean="0"/>
-              <a:t>21/01/2022</a:t>
+              <a:t>22/01/2022</a:t>
             </a:fld>
             <a:endParaRPr lang="en-GB"/>
           </a:p>
@@ -411,7 +412,7 @@
             <a:fld id="{2C09A945-60CF-41CC-BF14-DA645D9ABE0F}" type="datetimeFigureOut">
               <a:rPr lang="en-GB" smtClean="0"/>
               <a:pPr/>
-              <a:t>21/01/2022</a:t>
+              <a:t>22/01/2022</a:t>
             </a:fld>
             <a:endParaRPr lang="en-GB"/>
           </a:p>
@@ -1291,11 +1292,17 @@
             <p:ph type="body" idx="1"/>
           </p:nvPr>
         </p:nvSpPr>
-        <p:spPr/>
+        <p:spPr>
+          <a:xfrm>
+            <a:off x="685800" y="4558440"/>
+            <a:ext cx="5486400" cy="5072301"/>
+          </a:xfrm>
+        </p:spPr>
         <p:txBody>
           <a:bodyPr/>
           <a:lstStyle/>
           <a:p>
+            <a:pPr lvl="0"/>
             <a:endParaRPr lang="en-GB" dirty="0"/>
           </a:p>
         </p:txBody>
@@ -1327,7 +1334,7 @@
     </p:spTree>
     <p:extLst>
       <p:ext uri="{BB962C8B-B14F-4D97-AF65-F5344CB8AC3E}">
-        <p14:creationId xmlns:p14="http://schemas.microsoft.com/office/powerpoint/2010/main" val="446563568"/>
+        <p14:creationId xmlns:p14="http://schemas.microsoft.com/office/powerpoint/2010/main" val="2425890410"/>
       </p:ext>
     </p:extLst>
   </p:cSld>
@@ -1381,12 +1388,7 @@
             <p:ph type="body" idx="1"/>
           </p:nvPr>
         </p:nvSpPr>
-        <p:spPr>
-          <a:xfrm>
-            <a:off x="685800" y="4500424"/>
-            <a:ext cx="5486400" cy="5296079"/>
-          </a:xfrm>
-        </p:spPr>
+        <p:spPr/>
         <p:txBody>
           <a:bodyPr/>
           <a:lstStyle/>
@@ -1415,14 +1417,14 @@
               <a:pPr/>
               <a:t>20</a:t>
             </a:fld>
-            <a:endParaRPr lang="en-GB" dirty="0"/>
+            <a:endParaRPr lang="en-GB"/>
           </a:p>
         </p:txBody>
       </p:sp>
     </p:spTree>
     <p:extLst>
       <p:ext uri="{BB962C8B-B14F-4D97-AF65-F5344CB8AC3E}">
-        <p14:creationId xmlns:p14="http://schemas.microsoft.com/office/powerpoint/2010/main" val="1427640768"/>
+        <p14:creationId xmlns:p14="http://schemas.microsoft.com/office/powerpoint/2010/main" val="446563568"/>
       </p:ext>
     </p:extLst>
   </p:cSld>
@@ -1476,7 +1478,12 @@
             <p:ph type="body" idx="1"/>
           </p:nvPr>
         </p:nvSpPr>
-        <p:spPr/>
+        <p:spPr>
+          <a:xfrm>
+            <a:off x="685800" y="4500424"/>
+            <a:ext cx="5486400" cy="5296079"/>
+          </a:xfrm>
+        </p:spPr>
         <p:txBody>
           <a:bodyPr/>
           <a:lstStyle/>
@@ -1502,7 +1509,97 @@
           <a:p>
             <a:fld id="{46EF6F6D-23AC-402A-8000-0A495137CF31}" type="slidenum">
               <a:rPr lang="en-GB" smtClean="0"/>
+              <a:pPr/>
               <a:t>21</a:t>
+            </a:fld>
+            <a:endParaRPr lang="en-GB" dirty="0"/>
+          </a:p>
+        </p:txBody>
+      </p:sp>
+    </p:spTree>
+    <p:extLst>
+      <p:ext uri="{BB962C8B-B14F-4D97-AF65-F5344CB8AC3E}">
+        <p14:creationId xmlns:p14="http://schemas.microsoft.com/office/powerpoint/2010/main" val="1427640768"/>
+      </p:ext>
+    </p:extLst>
+  </p:cSld>
+  <p:clrMapOvr>
+    <a:masterClrMapping/>
+  </p:clrMapOvr>
+</p:notes>
+</file>
+
+<file path=ppt/notesSlides/notesSlide18.xml><?xml version="1.0" encoding="utf-8"?>
+<p:notes xmlns:a="http://schemas.openxmlformats.org/drawingml/2006/main" xmlns:r="http://schemas.openxmlformats.org/officeDocument/2006/relationships" xmlns:p="http://schemas.openxmlformats.org/presentationml/2006/main">
+  <p:cSld>
+    <p:spTree>
+      <p:nvGrpSpPr>
+        <p:cNvPr id="1" name=""/>
+        <p:cNvGrpSpPr/>
+        <p:nvPr/>
+      </p:nvGrpSpPr>
+      <p:grpSpPr>
+        <a:xfrm>
+          <a:off x="0" y="0"/>
+          <a:ext cx="0" cy="0"/>
+          <a:chOff x="0" y="0"/>
+          <a:chExt cx="0" cy="0"/>
+        </a:xfrm>
+      </p:grpSpPr>
+      <p:sp>
+        <p:nvSpPr>
+          <p:cNvPr id="2" name="Slide Image Placeholder 1"/>
+          <p:cNvSpPr>
+            <a:spLocks noGrp="1" noRot="1" noChangeAspect="1"/>
+          </p:cNvSpPr>
+          <p:nvPr>
+            <p:ph type="sldImg"/>
+          </p:nvPr>
+        </p:nvSpPr>
+        <p:spPr>
+          <a:xfrm>
+            <a:off x="114300" y="746125"/>
+            <a:ext cx="6629400" cy="3729038"/>
+          </a:xfrm>
+        </p:spPr>
+      </p:sp>
+      <p:sp>
+        <p:nvSpPr>
+          <p:cNvPr id="3" name="Notes Placeholder 2"/>
+          <p:cNvSpPr>
+            <a:spLocks noGrp="1"/>
+          </p:cNvSpPr>
+          <p:nvPr>
+            <p:ph type="body" idx="1"/>
+          </p:nvPr>
+        </p:nvSpPr>
+        <p:spPr/>
+        <p:txBody>
+          <a:bodyPr/>
+          <a:lstStyle/>
+          <a:p>
+            <a:endParaRPr lang="en-GB" dirty="0"/>
+          </a:p>
+        </p:txBody>
+      </p:sp>
+      <p:sp>
+        <p:nvSpPr>
+          <p:cNvPr id="4" name="Slide Number Placeholder 3"/>
+          <p:cNvSpPr>
+            <a:spLocks noGrp="1"/>
+          </p:cNvSpPr>
+          <p:nvPr>
+            <p:ph type="sldNum" sz="quarter" idx="10"/>
+          </p:nvPr>
+        </p:nvSpPr>
+        <p:spPr/>
+        <p:txBody>
+          <a:bodyPr/>
+          <a:lstStyle/>
+          <a:p>
+            <a:fld id="{46EF6F6D-23AC-402A-8000-0A495137CF31}" type="slidenum">
+              <a:rPr lang="en-GB" smtClean="0"/>
+              <a:t>22</a:t>
             </a:fld>
             <a:endParaRPr lang="en-GB" dirty="0"/>
           </a:p>
@@ -2439,7 +2536,7 @@
             <a:fld id="{FD207E47-C1CA-47C9-BFA1-FDEFD1CE1BAA}" type="datetime1">
               <a:rPr lang="en-US" smtClean="0"/>
               <a:pPr/>
-              <a:t>1/21/2022</a:t>
+              <a:t>1/22/2022</a:t>
             </a:fld>
             <a:endParaRPr lang="en-US"/>
           </a:p>
@@ -2606,7 +2703,7 @@
             <a:fld id="{58C692B5-BE86-445D-88C0-242C83A9421E}" type="datetime1">
               <a:rPr lang="en-US" smtClean="0"/>
               <a:pPr/>
-              <a:t>1/21/2022</a:t>
+              <a:t>1/22/2022</a:t>
             </a:fld>
             <a:endParaRPr lang="en-US"/>
           </a:p>
@@ -2783,7 +2880,7 @@
             <a:fld id="{6A70B350-EB04-4702-A2C6-BB029CC917C4}" type="datetime1">
               <a:rPr lang="en-US" smtClean="0"/>
               <a:pPr/>
-              <a:t>1/21/2022</a:t>
+              <a:t>1/22/2022</a:t>
             </a:fld>
             <a:endParaRPr lang="en-US"/>
           </a:p>
@@ -2950,7 +3047,7 @@
             <a:fld id="{B19C5C7B-1CCF-4D03-A2E8-D3591213E0F6}" type="datetime1">
               <a:rPr lang="en-US" smtClean="0"/>
               <a:pPr/>
-              <a:t>1/21/2022</a:t>
+              <a:t>1/22/2022</a:t>
             </a:fld>
             <a:endParaRPr lang="en-US"/>
           </a:p>
@@ -3193,7 +3290,7 @@
             <a:fld id="{617DE08F-8114-45C2-9520-EC1882F8A669}" type="datetime1">
               <a:rPr lang="en-US" smtClean="0"/>
               <a:pPr/>
-              <a:t>1/21/2022</a:t>
+              <a:t>1/22/2022</a:t>
             </a:fld>
             <a:endParaRPr lang="en-US"/>
           </a:p>
@@ -3478,7 +3575,7 @@
             <a:fld id="{67FBBCEA-51D6-4D4F-B700-EBDD8904452C}" type="datetime1">
               <a:rPr lang="en-US" smtClean="0"/>
               <a:pPr/>
-              <a:t>1/21/2022</a:t>
+              <a:t>1/22/2022</a:t>
             </a:fld>
             <a:endParaRPr lang="en-US"/>
           </a:p>
@@ -3897,7 +3994,7 @@
             <a:fld id="{7C3355C0-4DE2-42D1-B918-7B0FCE7481FD}" type="datetime1">
               <a:rPr lang="en-US" smtClean="0"/>
               <a:pPr/>
-              <a:t>1/21/2022</a:t>
+              <a:t>1/22/2022</a:t>
             </a:fld>
             <a:endParaRPr lang="en-US"/>
           </a:p>
@@ -4012,7 +4109,7 @@
             <a:fld id="{41F9056E-53B5-467C-A68C-D5DD1F771BB5}" type="datetime1">
               <a:rPr lang="en-US" smtClean="0"/>
               <a:pPr/>
-              <a:t>1/21/2022</a:t>
+              <a:t>1/22/2022</a:t>
             </a:fld>
             <a:endParaRPr lang="en-US"/>
           </a:p>
@@ -4104,7 +4201,7 @@
             <a:fld id="{73236B7C-1414-4D49-8A59-8F56128C501B}" type="datetime1">
               <a:rPr lang="en-US" smtClean="0"/>
               <a:pPr/>
-              <a:t>1/21/2022</a:t>
+              <a:t>1/22/2022</a:t>
             </a:fld>
             <a:endParaRPr lang="en-US"/>
           </a:p>
@@ -4378,7 +4475,7 @@
             <a:fld id="{A40AEADC-23C0-4767-9AD7-3E7B6C343A0A}" type="datetime1">
               <a:rPr lang="en-US" smtClean="0"/>
               <a:pPr/>
-              <a:t>1/21/2022</a:t>
+              <a:t>1/22/2022</a:t>
             </a:fld>
             <a:endParaRPr lang="en-US"/>
           </a:p>
@@ -4628,7 +4725,7 @@
             <a:fld id="{07762B3B-4AFD-4E39-B6F8-E1A2354BA336}" type="datetime1">
               <a:rPr lang="en-US" smtClean="0"/>
               <a:pPr/>
-              <a:t>1/21/2022</a:t>
+              <a:t>1/22/2022</a:t>
             </a:fld>
             <a:endParaRPr lang="en-US"/>
           </a:p>
@@ -4689,9 +4786,14 @@
 <p:sldMaster xmlns:a="http://schemas.openxmlformats.org/drawingml/2006/main" xmlns:r="http://schemas.openxmlformats.org/officeDocument/2006/relationships" xmlns:p="http://schemas.openxmlformats.org/presentationml/2006/main">
   <p:cSld>
     <p:bg>
-      <p:bgRef idx="1001">
-        <a:schemeClr val="bg1"/>
-      </p:bgRef>
+      <p:bgPr>
+        <a:solidFill>
+          <a:schemeClr val="bg1">
+            <a:lumMod val="95000"/>
+          </a:schemeClr>
+        </a:solidFill>
+        <a:effectLst/>
+      </p:bgPr>
     </p:bg>
     <p:spTree>
       <p:nvGrpSpPr>
@@ -4838,7 +4940,7 @@
             <a:fld id="{16C4ABC6-3BA1-4854-92CA-2B0133ECAB44}" type="datetime1">
               <a:rPr lang="en-US" smtClean="0"/>
               <a:pPr/>
-              <a:t>1/21/2022</a:t>
+              <a:t>1/22/2022</a:t>
             </a:fld>
             <a:endParaRPr lang="en-US"/>
           </a:p>
@@ -5196,16 +5298,6 @@
 <file path=ppt/slides/slide1.xml><?xml version="1.0" encoding="utf-8"?>
 <p:sld xmlns:a="http://schemas.openxmlformats.org/drawingml/2006/main" xmlns:r="http://schemas.openxmlformats.org/officeDocument/2006/relationships" xmlns:p="http://schemas.openxmlformats.org/presentationml/2006/main">
   <p:cSld>
-    <p:bg>
-      <p:bgPr>
-        <a:solidFill>
-          <a:schemeClr val="bg1">
-            <a:lumMod val="95000"/>
-          </a:schemeClr>
-        </a:solidFill>
-        <a:effectLst/>
-      </p:bgPr>
-    </p:bg>
     <p:spTree>
       <p:nvGrpSpPr>
         <p:cNvPr id="1" name=""/>
@@ -5637,12 +5729,17 @@
         </p:nvSpPr>
         <p:spPr>
           <a:xfrm>
-            <a:off x="1009650" y="1581834"/>
-            <a:ext cx="3352800" cy="646331"/>
+            <a:off x="900468" y="1581383"/>
+            <a:ext cx="1365060" cy="369332"/>
           </a:xfrm>
           <a:prstGeom prst="rect">
             <a:avLst/>
           </a:prstGeom>
+          <a:solidFill>
+            <a:schemeClr val="bg1">
+              <a:lumMod val="85000"/>
+            </a:schemeClr>
+          </a:solidFill>
         </p:spPr>
         <p:txBody>
           <a:bodyPr wrap="square">
@@ -5651,19 +5748,17 @@
           <a:lstStyle/>
           <a:p>
             <a:r>
-              <a:rPr lang="en-GB" dirty="0" err="1" smtClean="0">
+              <a:rPr lang="en-GB" b="1" dirty="0" err="1" smtClean="0">
                 <a:latin typeface="Lucida Console" panose="020B0609040504020204" pitchFamily="49" charset="0"/>
               </a:rPr>
               <a:t>ggplot</a:t>
             </a:r>
             <a:r>
-              <a:rPr lang="en-GB" dirty="0" smtClean="0">
+              <a:rPr lang="en-GB" b="1" dirty="0" smtClean="0">
                 <a:latin typeface="Lucida Console" panose="020B0609040504020204" pitchFamily="49" charset="0"/>
               </a:rPr>
               <a:t>()</a:t>
             </a:r>
-          </a:p>
-          <a:p>
             <a:endParaRPr lang="en-GB" b="1" dirty="0">
               <a:latin typeface="Lucida Console" panose="020B0609040504020204" pitchFamily="49" charset="0"/>
             </a:endParaRPr>
@@ -5693,7 +5788,7 @@
         </p:blipFill>
         <p:spPr bwMode="auto">
           <a:xfrm>
-            <a:off x="485176" y="2483792"/>
+            <a:off x="367600" y="2415553"/>
             <a:ext cx="6031313" cy="3618788"/>
           </a:xfrm>
           <a:prstGeom prst="rect">
@@ -5719,12 +5814,17 @@
         </p:nvSpPr>
         <p:spPr>
           <a:xfrm>
-            <a:off x="6728424" y="1666333"/>
-            <a:ext cx="3352800" cy="646331"/>
+            <a:off x="6728424" y="1581383"/>
+            <a:ext cx="1801427" cy="369332"/>
           </a:xfrm>
           <a:prstGeom prst="rect">
             <a:avLst/>
           </a:prstGeom>
+          <a:solidFill>
+            <a:schemeClr val="bg1">
+              <a:lumMod val="85000"/>
+            </a:schemeClr>
+          </a:solidFill>
         </p:spPr>
         <p:txBody>
           <a:bodyPr wrap="square">
@@ -5733,13 +5833,11 @@
           <a:lstStyle/>
           <a:p>
             <a:r>
-              <a:rPr lang="en-GB" dirty="0" smtClean="0">
+              <a:rPr lang="en-GB" b="1" dirty="0" smtClean="0">
                 <a:latin typeface="Lucida Console" panose="020B0609040504020204" pitchFamily="49" charset="0"/>
               </a:rPr>
               <a:t>correlate()</a:t>
             </a:r>
-          </a:p>
-          <a:p>
             <a:endParaRPr lang="en-GB" b="1" dirty="0">
               <a:latin typeface="Lucida Console" panose="020B0609040504020204" pitchFamily="49" charset="0"/>
             </a:endParaRPr>
@@ -5755,13 +5853,13 @@
           <p:nvPr>
             <p:extLst>
               <p:ext uri="{D42A27DB-BD31-4B8C-83A1-F6EECF244321}">
-                <p14:modId xmlns:p14="http://schemas.microsoft.com/office/powerpoint/2010/main" val="2693590098"/>
+                <p14:modId xmlns:p14="http://schemas.microsoft.com/office/powerpoint/2010/main" val="1182147147"/>
               </p:ext>
             </p:extLst>
           </p:nvPr>
         </p:nvGraphicFramePr>
         <p:xfrm>
-          <a:off x="6728424" y="3126167"/>
+          <a:off x="6892197" y="3133082"/>
           <a:ext cx="5065912" cy="1463040"/>
         </p:xfrm>
         <a:graphic>
@@ -5817,10 +5915,10 @@
                     <a:lstStyle/>
                     <a:p>
                       <a:r>
-                        <a:rPr lang="en-GB" dirty="0" smtClean="0"/>
+                        <a:rPr lang="en-GB" b="1" dirty="0" smtClean="0"/>
                         <a:t>wellbeing</a:t>
                       </a:r>
-                      <a:endParaRPr lang="en-GB" dirty="0"/>
+                      <a:endParaRPr lang="en-GB" b="1" dirty="0"/>
                     </a:p>
                   </a:txBody>
                   <a:tcPr/>
@@ -5831,10 +5929,10 @@
                     <a:lstStyle/>
                     <a:p>
                       <a:r>
-                        <a:rPr lang="en-GB" dirty="0" smtClean="0"/>
+                        <a:rPr lang="en-GB" b="1" dirty="0" smtClean="0"/>
                         <a:t>worry</a:t>
                       </a:r>
-                      <a:endParaRPr lang="en-GB" dirty="0"/>
+                      <a:endParaRPr lang="en-GB" b="1" dirty="0"/>
                     </a:p>
                   </a:txBody>
                   <a:tcPr/>
@@ -5845,10 +5943,10 @@
                     <a:lstStyle/>
                     <a:p>
                       <a:r>
-                        <a:rPr lang="en-GB" dirty="0" smtClean="0"/>
+                        <a:rPr lang="en-GB" b="1" dirty="0" smtClean="0"/>
                         <a:t>describing</a:t>
                       </a:r>
-                      <a:endParaRPr lang="en-GB" dirty="0"/>
+                      <a:endParaRPr lang="en-GB" b="1" dirty="0"/>
                     </a:p>
                   </a:txBody>
                   <a:tcPr/>
@@ -5866,10 +5964,10 @@
                     <a:lstStyle/>
                     <a:p>
                       <a:r>
-                        <a:rPr lang="en-GB" dirty="0" smtClean="0"/>
+                        <a:rPr lang="en-GB" b="1" dirty="0" smtClean="0"/>
                         <a:t>wellbeing</a:t>
                       </a:r>
-                      <a:endParaRPr lang="en-GB" dirty="0"/>
+                      <a:endParaRPr lang="en-GB" b="1" dirty="0"/>
                     </a:p>
                   </a:txBody>
                   <a:tcPr/>
@@ -5921,10 +6019,10 @@
                     <a:lstStyle/>
                     <a:p>
                       <a:r>
-                        <a:rPr lang="en-GB" dirty="0" smtClean="0"/>
+                        <a:rPr lang="en-GB" b="1" dirty="0" smtClean="0"/>
                         <a:t>worry</a:t>
                       </a:r>
-                      <a:endParaRPr lang="en-GB" dirty="0"/>
+                      <a:endParaRPr lang="en-GB" b="1" dirty="0"/>
                     </a:p>
                   </a:txBody>
                   <a:tcPr/>
@@ -5980,10 +6078,10 @@
                     <a:lstStyle/>
                     <a:p>
                       <a:r>
-                        <a:rPr lang="en-GB" dirty="0" smtClean="0"/>
+                        <a:rPr lang="en-GB" b="1" dirty="0" smtClean="0"/>
                         <a:t>describing</a:t>
                       </a:r>
-                      <a:endParaRPr lang="en-GB" dirty="0"/>
+                      <a:endParaRPr lang="en-GB" b="1" dirty="0"/>
                     </a:p>
                   </a:txBody>
                   <a:tcPr/>
@@ -5995,7 +6093,7 @@
                     <a:p>
                       <a:r>
                         <a:rPr lang="en-GB" dirty="0" smtClean="0"/>
-                        <a:t>0.54</a:t>
+                        <a:t> 0.54</a:t>
                       </a:r>
                       <a:endParaRPr lang="en-GB" dirty="0"/>
                     </a:p>
@@ -6062,9 +6160,6 @@
                     <p:cTn id="3" fill="hold">
                       <p:stCondLst>
                         <p:cond delay="indefinite"/>
-                        <p:cond evt="onBegin" delay="0">
-                          <p:tn val="2"/>
-                        </p:cond>
                       </p:stCondLst>
                       <p:childTnLst>
                         <p:par>
@@ -6074,7 +6169,7 @@
                             </p:stCondLst>
                             <p:childTnLst>
                               <p:par>
-                                <p:cTn id="5" presetID="10" presetClass="entr" presetSubtype="0" fill="hold" grpId="0" nodeType="withEffect">
+                                <p:cTn id="5" presetID="1" presetClass="entr" presetSubtype="0" fill="hold" grpId="0" nodeType="clickEffect">
                                   <p:stCondLst>
                                     <p:cond delay="0"/>
                                   </p:stCondLst>
@@ -6097,26 +6192,18 @@
                                         <p:strVal val="visible"/>
                                       </p:to>
                                     </p:set>
-                                    <p:animEffect transition="in" filter="fade">
-                                      <p:cBhvr>
-                                        <p:cTn id="7" dur="500"/>
-                                        <p:tgtEl>
-                                          <p:spTgt spid="7"/>
-                                        </p:tgtEl>
-                                      </p:cBhvr>
-                                    </p:animEffect>
                                   </p:childTnLst>
                                 </p:cTn>
                               </p:par>
                               <p:par>
-                                <p:cTn id="8" presetID="10" presetClass="entr" presetSubtype="0" fill="hold" grpId="0" nodeType="withEffect">
+                                <p:cTn id="7" presetID="1" presetClass="entr" presetSubtype="0" fill="hold" grpId="0" nodeType="withEffect">
                                   <p:stCondLst>
                                     <p:cond delay="0"/>
                                   </p:stCondLst>
                                   <p:childTnLst>
                                     <p:set>
                                       <p:cBhvr>
-                                        <p:cTn id="9" dur="1" fill="hold">
+                                        <p:cTn id="8" dur="1" fill="hold">
                                           <p:stCondLst>
                                             <p:cond delay="0"/>
                                           </p:stCondLst>
@@ -6132,14 +6219,60 @@
                                         <p:strVal val="visible"/>
                                       </p:to>
                                     </p:set>
-                                    <p:animEffect transition="in" filter="fade">
+                                  </p:childTnLst>
+                                </p:cTn>
+                              </p:par>
+                              <p:par>
+                                <p:cTn id="9" presetID="1" presetClass="entr" presetSubtype="0" fill="hold" grpId="0" nodeType="withEffect">
+                                  <p:stCondLst>
+                                    <p:cond delay="0"/>
+                                  </p:stCondLst>
+                                  <p:childTnLst>
+                                    <p:set>
                                       <p:cBhvr>
-                                        <p:cTn id="10" dur="500"/>
+                                        <p:cTn id="10" dur="1" fill="hold">
+                                          <p:stCondLst>
+                                            <p:cond delay="0"/>
+                                          </p:stCondLst>
+                                        </p:cTn>
                                         <p:tgtEl>
-                                          <p:spTgt spid="12"/>
+                                          <p:spTgt spid="15"/>
                                         </p:tgtEl>
+                                        <p:attrNameLst>
+                                          <p:attrName>style.visibility</p:attrName>
+                                        </p:attrNameLst>
                                       </p:cBhvr>
-                                    </p:animEffect>
+                                      <p:to>
+                                        <p:strVal val="visible"/>
+                                      </p:to>
+                                    </p:set>
+                                  </p:childTnLst>
+                                </p:cTn>
+                              </p:par>
+                              <p:par>
+                                <p:cTn id="11" presetID="1" presetClass="entr" presetSubtype="0" fill="hold" nodeType="withEffect">
+                                  <p:stCondLst>
+                                    <p:cond delay="0"/>
+                                  </p:stCondLst>
+                                  <p:childTnLst>
+                                    <p:set>
+                                      <p:cBhvr>
+                                        <p:cTn id="12" dur="1" fill="hold">
+                                          <p:stCondLst>
+                                            <p:cond delay="0"/>
+                                          </p:stCondLst>
+                                        </p:cTn>
+                                        <p:tgtEl>
+                                          <p:spTgt spid="17"/>
+                                        </p:tgtEl>
+                                        <p:attrNameLst>
+                                          <p:attrName>style.visibility</p:attrName>
+                                        </p:attrNameLst>
+                                      </p:cBhvr>
+                                      <p:to>
+                                        <p:strVal val="visible"/>
+                                      </p:to>
+                                    </p:set>
                                   </p:childTnLst>
                                 </p:cTn>
                               </p:par>
@@ -6173,6 +6306,7 @@
     <p:bldLst>
       <p:bldP spid="7" grpId="0" animBg="1"/>
       <p:bldP spid="12" grpId="0" animBg="1"/>
+      <p:bldP spid="15" grpId="0" animBg="1"/>
     </p:bldLst>
   </p:timing>
 </p:sld>
@@ -6212,7 +6346,11 @@
           <a:p>
             <a:r>
               <a:rPr lang="en-GB" dirty="0" smtClean="0"/>
-              <a:t>Fit the model</a:t>
+              <a:t>Fit the model </a:t>
+            </a:r>
+            <a:r>
+              <a:rPr lang="en-GB" sz="2400" dirty="0" smtClean="0"/>
+              <a:t>(two predictor example)</a:t>
             </a:r>
             <a:endParaRPr lang="en-GB" dirty="0"/>
           </a:p>
@@ -6233,6 +6371,11 @@
             <a:off x="609600" y="1905001"/>
             <a:ext cx="10972800" cy="457199"/>
           </a:xfrm>
+          <a:solidFill>
+            <a:schemeClr val="bg1">
+              <a:lumMod val="85000"/>
+            </a:schemeClr>
+          </a:solidFill>
         </p:spPr>
         <p:txBody>
           <a:bodyPr>
@@ -6244,31 +6387,31 @@
               <a:buNone/>
             </a:pPr>
             <a:r>
-              <a:rPr lang="en-GB" sz="1800" dirty="0" smtClean="0">
+              <a:rPr lang="en-GB" sz="1800" b="1" dirty="0" smtClean="0">
                 <a:latin typeface="Lucida Console" panose="020B0609040504020204" pitchFamily="49" charset="0"/>
               </a:rPr>
               <a:t>lm(</a:t>
             </a:r>
             <a:r>
-              <a:rPr lang="en-GB" sz="1800" dirty="0" err="1" smtClean="0">
+              <a:rPr lang="en-GB" sz="1800" b="1" dirty="0" err="1" smtClean="0">
                 <a:latin typeface="Lucida Console" panose="020B0609040504020204" pitchFamily="49" charset="0"/>
               </a:rPr>
               <a:t>outcome_variable</a:t>
             </a:r>
             <a:r>
-              <a:rPr lang="en-GB" sz="1800" dirty="0" smtClean="0">
+              <a:rPr lang="en-GB" sz="1800" b="1" dirty="0" smtClean="0">
                 <a:latin typeface="Lucida Console" panose="020B0609040504020204" pitchFamily="49" charset="0"/>
               </a:rPr>
-              <a:t> ~ predictor_1 + predictor_2 + predictor_3, data = </a:t>
-            </a:r>
-            <a:r>
-              <a:rPr lang="en-GB" sz="1800" dirty="0" err="1" smtClean="0">
+              <a:t> ~ predictor_1 + predictor_2, data = </a:t>
+            </a:r>
+            <a:r>
+              <a:rPr lang="en-GB" sz="1800" b="1" dirty="0" err="1" smtClean="0">
                 <a:latin typeface="Lucida Console" panose="020B0609040504020204" pitchFamily="49" charset="0"/>
               </a:rPr>
               <a:t>mydata</a:t>
             </a:r>
             <a:r>
-              <a:rPr lang="en-GB" sz="1800" dirty="0" smtClean="0">
+              <a:rPr lang="en-GB" sz="1800" b="1" dirty="0" smtClean="0">
                 <a:latin typeface="Lucida Console" panose="020B0609040504020204" pitchFamily="49" charset="0"/>
               </a:rPr>
               <a:t>)</a:t>
@@ -6475,7 +6618,7 @@
               <a:rPr lang="en-GB" sz="2400" dirty="0" smtClean="0">
                 <a:latin typeface="+mj-lt"/>
               </a:rPr>
-              <a:t>No need to specify intercept</a:t>
+              <a:t>No need to specify intercept a </a:t>
             </a:r>
           </a:p>
           <a:p>
@@ -6483,7 +6626,7 @@
               <a:rPr lang="en-GB" sz="2400" dirty="0" smtClean="0">
                 <a:latin typeface="+mj-lt"/>
               </a:rPr>
-              <a:t>Use ‘+’ to add predictors</a:t>
+              <a:t>Use ‘+’ to add predictors to the model</a:t>
             </a:r>
             <a:endParaRPr lang="en-GB" sz="3600" dirty="0">
               <a:latin typeface="+mj-lt"/>
@@ -6507,6 +6650,11 @@
           <a:prstGeom prst="rect">
             <a:avLst/>
           </a:prstGeom>
+          <a:solidFill>
+            <a:schemeClr val="bg1">
+              <a:lumMod val="85000"/>
+            </a:schemeClr>
+          </a:solidFill>
         </p:spPr>
         <p:txBody>
           <a:bodyPr vert="horz" lIns="91440" tIns="45720" rIns="91440" bIns="45720" rtlCol="0">
@@ -6655,31 +6803,19 @@
               <a:buNone/>
             </a:pPr>
             <a:r>
-              <a:rPr lang="en-GB" sz="1800" dirty="0" smtClean="0">
+              <a:rPr lang="en-GB" sz="1800" b="1" dirty="0" smtClean="0">
                 <a:latin typeface="Lucida Console" panose="020B0609040504020204" pitchFamily="49" charset="0"/>
               </a:rPr>
-              <a:t>lm(wellbeing ~ worry + describing + </a:t>
-            </a:r>
-            <a:r>
-              <a:rPr lang="en-GB" sz="1800" dirty="0" err="1" smtClean="0">
-                <a:latin typeface="Lucida Console" panose="020B0609040504020204" pitchFamily="49" charset="0"/>
-              </a:rPr>
-              <a:t>emotional_iq</a:t>
-            </a:r>
-            <a:r>
-              <a:rPr lang="en-GB" sz="1800" dirty="0" smtClean="0">
-                <a:latin typeface="Lucida Console" panose="020B0609040504020204" pitchFamily="49" charset="0"/>
-              </a:rPr>
-              <a:t>, data = </a:t>
-            </a:r>
-            <a:r>
-              <a:rPr lang="en-GB" sz="1800" dirty="0" err="1" smtClean="0">
+              <a:t>lm(wellbeing ~ worry + describing, data = </a:t>
+            </a:r>
+            <a:r>
+              <a:rPr lang="en-GB" sz="1800" b="1" dirty="0" err="1" smtClean="0">
                 <a:latin typeface="Lucida Console" panose="020B0609040504020204" pitchFamily="49" charset="0"/>
               </a:rPr>
               <a:t>wellbeing_data</a:t>
             </a:r>
             <a:r>
-              <a:rPr lang="en-GB" sz="1800" dirty="0" smtClean="0">
+              <a:rPr lang="en-GB" sz="1800" b="1" dirty="0" smtClean="0">
                 <a:latin typeface="Lucida Console" panose="020B0609040504020204" pitchFamily="49" charset="0"/>
               </a:rPr>
               <a:t>)</a:t>
@@ -6885,6 +7021,158 @@
   <p:clrMapOvr>
     <a:masterClrMapping/>
   </p:clrMapOvr>
+  <p:timing>
+    <p:tnLst>
+      <p:par>
+        <p:cTn id="1" dur="indefinite" restart="never" nodeType="tmRoot">
+          <p:childTnLst>
+            <p:seq concurrent="1" nextAc="seek">
+              <p:cTn id="2" dur="indefinite" nodeType="mainSeq">
+                <p:childTnLst>
+                  <p:par>
+                    <p:cTn id="3" fill="hold">
+                      <p:stCondLst>
+                        <p:cond delay="indefinite"/>
+                      </p:stCondLst>
+                      <p:childTnLst>
+                        <p:par>
+                          <p:cTn id="4" fill="hold">
+                            <p:stCondLst>
+                              <p:cond delay="0"/>
+                            </p:stCondLst>
+                            <p:childTnLst>
+                              <p:par>
+                                <p:cTn id="5" presetID="1" presetClass="entr" presetSubtype="0" fill="hold" grpId="0" nodeType="clickEffect">
+                                  <p:stCondLst>
+                                    <p:cond delay="0"/>
+                                  </p:stCondLst>
+                                  <p:childTnLst>
+                                    <p:set>
+                                      <p:cBhvr>
+                                        <p:cTn id="6" dur="1" fill="hold">
+                                          <p:stCondLst>
+                                            <p:cond delay="0"/>
+                                          </p:stCondLst>
+                                        </p:cTn>
+                                        <p:tgtEl>
+                                          <p:spTgt spid="5"/>
+                                        </p:tgtEl>
+                                        <p:attrNameLst>
+                                          <p:attrName>style.visibility</p:attrName>
+                                        </p:attrNameLst>
+                                      </p:cBhvr>
+                                      <p:to>
+                                        <p:strVal val="visible"/>
+                                      </p:to>
+                                    </p:set>
+                                  </p:childTnLst>
+                                </p:cTn>
+                              </p:par>
+                            </p:childTnLst>
+                          </p:cTn>
+                        </p:par>
+                      </p:childTnLst>
+                    </p:cTn>
+                  </p:par>
+                  <p:par>
+                    <p:cTn id="7" fill="hold">
+                      <p:stCondLst>
+                        <p:cond delay="indefinite"/>
+                      </p:stCondLst>
+                      <p:childTnLst>
+                        <p:par>
+                          <p:cTn id="8" fill="hold">
+                            <p:stCondLst>
+                              <p:cond delay="0"/>
+                            </p:stCondLst>
+                            <p:childTnLst>
+                              <p:par>
+                                <p:cTn id="9" presetID="1" presetClass="entr" presetSubtype="0" fill="hold" grpId="0" nodeType="clickEffect">
+                                  <p:stCondLst>
+                                    <p:cond delay="0"/>
+                                  </p:stCondLst>
+                                  <p:childTnLst>
+                                    <p:set>
+                                      <p:cBhvr>
+                                        <p:cTn id="10" dur="1" fill="hold">
+                                          <p:stCondLst>
+                                            <p:cond delay="0"/>
+                                          </p:stCondLst>
+                                        </p:cTn>
+                                        <p:tgtEl>
+                                          <p:spTgt spid="7"/>
+                                        </p:tgtEl>
+                                        <p:attrNameLst>
+                                          <p:attrName>style.visibility</p:attrName>
+                                        </p:attrNameLst>
+                                      </p:cBhvr>
+                                      <p:to>
+                                        <p:strVal val="visible"/>
+                                      </p:to>
+                                    </p:set>
+                                  </p:childTnLst>
+                                </p:cTn>
+                              </p:par>
+                              <p:par>
+                                <p:cTn id="11" presetID="1" presetClass="entr" presetSubtype="0" fill="hold" grpId="0" nodeType="withEffect">
+                                  <p:stCondLst>
+                                    <p:cond delay="0"/>
+                                  </p:stCondLst>
+                                  <p:childTnLst>
+                                    <p:set>
+                                      <p:cBhvr>
+                                        <p:cTn id="12" dur="1" fill="hold">
+                                          <p:stCondLst>
+                                            <p:cond delay="0"/>
+                                          </p:stCondLst>
+                                        </p:cTn>
+                                        <p:tgtEl>
+                                          <p:spTgt spid="6"/>
+                                        </p:tgtEl>
+                                        <p:attrNameLst>
+                                          <p:attrName>style.visibility</p:attrName>
+                                        </p:attrNameLst>
+                                      </p:cBhvr>
+                                      <p:to>
+                                        <p:strVal val="visible"/>
+                                      </p:to>
+                                    </p:set>
+                                  </p:childTnLst>
+                                </p:cTn>
+                              </p:par>
+                            </p:childTnLst>
+                          </p:cTn>
+                        </p:par>
+                      </p:childTnLst>
+                    </p:cTn>
+                  </p:par>
+                </p:childTnLst>
+              </p:cTn>
+              <p:prevCondLst>
+                <p:cond evt="onPrev" delay="0">
+                  <p:tgtEl>
+                    <p:sldTgt/>
+                  </p:tgtEl>
+                </p:cond>
+              </p:prevCondLst>
+              <p:nextCondLst>
+                <p:cond evt="onNext" delay="0">
+                  <p:tgtEl>
+                    <p:sldTgt/>
+                  </p:tgtEl>
+                </p:cond>
+              </p:nextCondLst>
+            </p:seq>
+          </p:childTnLst>
+        </p:cTn>
+      </p:par>
+    </p:tnLst>
+    <p:bldLst>
+      <p:bldP spid="5" grpId="0"/>
+      <p:bldP spid="6" grpId="0" animBg="1"/>
+      <p:bldP spid="7" grpId="0"/>
+    </p:bldLst>
+  </p:timing>
 </p:sld>
 </file>
 
@@ -6968,185 +7256,111 @@
           <a:prstGeom prst="rect">
             <a:avLst/>
           </a:prstGeom>
+          <a:solidFill>
+            <a:schemeClr val="bg1">
+              <a:lumMod val="85000"/>
+            </a:schemeClr>
+          </a:solidFill>
         </p:spPr>
         <p:txBody>
           <a:bodyPr vert="horz" lIns="91440" tIns="45720" rIns="91440" bIns="45720" rtlCol="0">
             <a:normAutofit/>
           </a:bodyPr>
           <a:lstStyle>
-            <a:lvl1pPr marL="342900" indent="-342900" algn="l" defTabSz="914400" rtl="0" eaLnBrk="1" latinLnBrk="0" hangingPunct="1">
+            <a:lvl1pPr indent="0">
+              <a:spcBef>
+                <a:spcPct val="20000"/>
+              </a:spcBef>
+              <a:buFont typeface="Arial" pitchFamily="34" charset="0"/>
+              <a:buNone/>
+              <a:defRPr b="1">
+                <a:latin typeface="Lucida Console" panose="020B0609040504020204" pitchFamily="49" charset="0"/>
+              </a:defRPr>
+            </a:lvl1pPr>
+            <a:lvl2pPr marL="742950" indent="-285750">
               <a:spcBef>
                 <a:spcPct val="20000"/>
               </a:spcBef>
               <a:buFont typeface="Arial" pitchFamily="34" charset="0"/>
               <a:buChar char="•"/>
-              <a:defRPr sz="2600" kern="1200">
-                <a:solidFill>
-                  <a:schemeClr val="tx1"/>
-                </a:solidFill>
-                <a:latin typeface="+mn-lt"/>
-                <a:ea typeface="+mn-ea"/>
-                <a:cs typeface="+mn-cs"/>
-              </a:defRPr>
-            </a:lvl1pPr>
-            <a:lvl2pPr marL="742950" indent="-285750" algn="l" defTabSz="914400" rtl="0" eaLnBrk="1" latinLnBrk="0" hangingPunct="1">
+              <a:defRPr sz="2600"/>
+            </a:lvl2pPr>
+            <a:lvl3pPr marL="1143000" indent="-228600">
               <a:spcBef>
                 <a:spcPct val="20000"/>
               </a:spcBef>
               <a:buFont typeface="Arial" pitchFamily="34" charset="0"/>
               <a:buChar char="•"/>
-              <a:defRPr sz="2600" kern="1200">
-                <a:solidFill>
-                  <a:schemeClr val="tx1"/>
-                </a:solidFill>
-                <a:latin typeface="+mn-lt"/>
-                <a:ea typeface="+mn-ea"/>
-                <a:cs typeface="+mn-cs"/>
-              </a:defRPr>
-            </a:lvl2pPr>
-            <a:lvl3pPr marL="1143000" indent="-228600" algn="l" defTabSz="914400" rtl="0" eaLnBrk="1" latinLnBrk="0" hangingPunct="1">
+              <a:defRPr sz="2600"/>
+            </a:lvl3pPr>
+            <a:lvl4pPr marL="1600200" indent="-228600">
               <a:spcBef>
                 <a:spcPct val="20000"/>
               </a:spcBef>
               <a:buFont typeface="Arial" pitchFamily="34" charset="0"/>
               <a:buChar char="•"/>
-              <a:defRPr sz="2600" kern="1200">
-                <a:solidFill>
-                  <a:schemeClr val="tx1"/>
-                </a:solidFill>
-                <a:latin typeface="+mn-lt"/>
-                <a:ea typeface="+mn-ea"/>
-                <a:cs typeface="+mn-cs"/>
-              </a:defRPr>
-            </a:lvl3pPr>
-            <a:lvl4pPr marL="1600200" indent="-228600" algn="l" defTabSz="914400" rtl="0" eaLnBrk="1" latinLnBrk="0" hangingPunct="1">
+              <a:defRPr sz="2600"/>
+            </a:lvl4pPr>
+            <a:lvl5pPr marL="2057400" indent="-228600">
               <a:spcBef>
                 <a:spcPct val="20000"/>
               </a:spcBef>
               <a:buFont typeface="Arial" pitchFamily="34" charset="0"/>
               <a:buChar char="•"/>
-              <a:defRPr sz="2600" kern="1200">
-                <a:solidFill>
-                  <a:schemeClr val="tx1"/>
-                </a:solidFill>
-                <a:latin typeface="+mn-lt"/>
-                <a:ea typeface="+mn-ea"/>
-                <a:cs typeface="+mn-cs"/>
-              </a:defRPr>
-            </a:lvl4pPr>
-            <a:lvl5pPr marL="2057400" indent="-228600" algn="l" defTabSz="914400" rtl="0" eaLnBrk="1" latinLnBrk="0" hangingPunct="1">
+              <a:defRPr sz="2600"/>
+            </a:lvl5pPr>
+            <a:lvl6pPr marL="2514600" indent="-228600">
               <a:spcBef>
                 <a:spcPct val="20000"/>
               </a:spcBef>
               <a:buFont typeface="Arial" pitchFamily="34" charset="0"/>
               <a:buChar char="•"/>
-              <a:defRPr sz="2600" kern="1200">
-                <a:solidFill>
-                  <a:schemeClr val="tx1"/>
-                </a:solidFill>
-                <a:latin typeface="+mn-lt"/>
-                <a:ea typeface="+mn-ea"/>
-                <a:cs typeface="+mn-cs"/>
-              </a:defRPr>
-            </a:lvl5pPr>
-            <a:lvl6pPr marL="2514600" indent="-228600" algn="l" defTabSz="914400" rtl="0" eaLnBrk="1" latinLnBrk="0" hangingPunct="1">
+              <a:defRPr sz="2000"/>
+            </a:lvl6pPr>
+            <a:lvl7pPr marL="2971800" indent="-228600">
               <a:spcBef>
                 <a:spcPct val="20000"/>
               </a:spcBef>
               <a:buFont typeface="Arial" pitchFamily="34" charset="0"/>
               <a:buChar char="•"/>
-              <a:defRPr sz="2000" kern="1200">
-                <a:solidFill>
-                  <a:schemeClr val="tx1"/>
-                </a:solidFill>
-                <a:latin typeface="+mn-lt"/>
-                <a:ea typeface="+mn-ea"/>
-                <a:cs typeface="+mn-cs"/>
-              </a:defRPr>
-            </a:lvl6pPr>
-            <a:lvl7pPr marL="2971800" indent="-228600" algn="l" defTabSz="914400" rtl="0" eaLnBrk="1" latinLnBrk="0" hangingPunct="1">
+              <a:defRPr sz="2000"/>
+            </a:lvl7pPr>
+            <a:lvl8pPr marL="3429000" indent="-228600">
               <a:spcBef>
                 <a:spcPct val="20000"/>
               </a:spcBef>
               <a:buFont typeface="Arial" pitchFamily="34" charset="0"/>
               <a:buChar char="•"/>
-              <a:defRPr sz="2000" kern="1200">
-                <a:solidFill>
-                  <a:schemeClr val="tx1"/>
-                </a:solidFill>
-                <a:latin typeface="+mn-lt"/>
-                <a:ea typeface="+mn-ea"/>
-                <a:cs typeface="+mn-cs"/>
-              </a:defRPr>
-            </a:lvl7pPr>
-            <a:lvl8pPr marL="3429000" indent="-228600" algn="l" defTabSz="914400" rtl="0" eaLnBrk="1" latinLnBrk="0" hangingPunct="1">
+              <a:defRPr sz="2000"/>
+            </a:lvl8pPr>
+            <a:lvl9pPr marL="3886200" indent="-228600">
               <a:spcBef>
                 <a:spcPct val="20000"/>
               </a:spcBef>
               <a:buFont typeface="Arial" pitchFamily="34" charset="0"/>
               <a:buChar char="•"/>
-              <a:defRPr sz="2000" kern="1200">
-                <a:solidFill>
-                  <a:schemeClr val="tx1"/>
-                </a:solidFill>
-                <a:latin typeface="+mn-lt"/>
-                <a:ea typeface="+mn-ea"/>
-                <a:cs typeface="+mn-cs"/>
-              </a:defRPr>
-            </a:lvl8pPr>
-            <a:lvl9pPr marL="3886200" indent="-228600" algn="l" defTabSz="914400" rtl="0" eaLnBrk="1" latinLnBrk="0" hangingPunct="1">
-              <a:spcBef>
-                <a:spcPct val="20000"/>
-              </a:spcBef>
-              <a:buFont typeface="Arial" pitchFamily="34" charset="0"/>
-              <a:buChar char="•"/>
-              <a:defRPr sz="2000" kern="1200">
-                <a:solidFill>
-                  <a:schemeClr val="tx1"/>
-                </a:solidFill>
-                <a:latin typeface="+mn-lt"/>
-                <a:ea typeface="+mn-ea"/>
-                <a:cs typeface="+mn-cs"/>
-              </a:defRPr>
+              <a:defRPr sz="2000"/>
             </a:lvl9pPr>
           </a:lstStyle>
           <a:p>
-            <a:pPr marL="0" indent="0">
-              <a:buFont typeface="Arial" pitchFamily="34" charset="0"/>
-              <a:buNone/>
-            </a:pPr>
-            <a:r>
-              <a:rPr lang="en-GB" sz="1800" dirty="0" smtClean="0">
-                <a:latin typeface="Lucida Console" panose="020B0609040504020204" pitchFamily="49" charset="0"/>
-              </a:rPr>
+            <a:r>
+              <a:rPr lang="en-GB" dirty="0"/>
               <a:t>lm(wellbeing ~ worry + describing, data = </a:t>
             </a:r>
             <a:r>
-              <a:rPr lang="en-GB" sz="1800" dirty="0" err="1" smtClean="0">
-                <a:latin typeface="Lucida Console" panose="020B0609040504020204" pitchFamily="49" charset="0"/>
-              </a:rPr>
+              <a:rPr lang="en-GB" dirty="0" err="1"/>
               <a:t>wellbeing_data</a:t>
             </a:r>
             <a:r>
-              <a:rPr lang="en-GB" sz="1800" dirty="0" smtClean="0">
-                <a:latin typeface="Lucida Console" panose="020B0609040504020204" pitchFamily="49" charset="0"/>
-              </a:rPr>
+              <a:rPr lang="en-GB" dirty="0"/>
               <a:t>)</a:t>
             </a:r>
           </a:p>
           <a:p>
-            <a:pPr marL="0" indent="0">
-              <a:buFont typeface="Arial" pitchFamily="34" charset="0"/>
-              <a:buNone/>
-            </a:pPr>
-            <a:endParaRPr lang="en-GB" sz="2800" dirty="0" smtClean="0"/>
-          </a:p>
-          <a:p>
-            <a:pPr marL="0" indent="0">
-              <a:buFont typeface="Arial" pitchFamily="34" charset="0"/>
-              <a:buNone/>
-            </a:pPr>
-            <a:endParaRPr lang="en-GB" sz="2800" dirty="0"/>
+            <a:endParaRPr lang="en-GB" dirty="0"/>
+          </a:p>
+          <a:p>
+            <a:endParaRPr lang="en-GB" dirty="0"/>
           </a:p>
         </p:txBody>
       </p:sp>
@@ -7542,85 +7756,119 @@
           </a:p>
           <a:p>
             <a:r>
-              <a:rPr lang="en-GB" sz="2400" dirty="0" smtClean="0">
-                <a:solidFill>
-                  <a:srgbClr val="333333"/>
+              <a:rPr lang="en-GB" sz="2400" b="1" dirty="0" smtClean="0">
+                <a:solidFill>
+                  <a:schemeClr val="accent1">
+                    <a:lumMod val="75000"/>
+                  </a:schemeClr>
                 </a:solidFill>
                 <a:latin typeface="MJXc-TeX-math-I"/>
               </a:rPr>
               <a:t>Predicted</a:t>
             </a:r>
             <a:r>
-              <a:rPr lang="en-GB" sz="2400" dirty="0">
-                <a:solidFill>
-                  <a:srgbClr val="333333"/>
+              <a:rPr lang="en-GB" sz="2400" b="1" dirty="0">
+                <a:solidFill>
+                  <a:schemeClr val="accent1">
+                    <a:lumMod val="75000"/>
+                  </a:schemeClr>
                 </a:solidFill>
                 <a:latin typeface="MJXc-TeX-main-R"/>
               </a:rPr>
               <a:t> </a:t>
             </a:r>
             <a:r>
-              <a:rPr lang="en-GB" sz="2400" dirty="0" smtClean="0">
-                <a:solidFill>
-                  <a:srgbClr val="333333"/>
+              <a:rPr lang="en-GB" sz="2400" b="1" dirty="0" smtClean="0">
+                <a:solidFill>
+                  <a:schemeClr val="accent1">
+                    <a:lumMod val="75000"/>
+                  </a:schemeClr>
                 </a:solidFill>
                 <a:latin typeface="MJXc-TeX-math-I"/>
               </a:rPr>
               <a:t>wellbeing </a:t>
             </a:r>
             <a:r>
-              <a:rPr lang="en-GB" sz="2400" dirty="0" smtClean="0">
-                <a:solidFill>
-                  <a:srgbClr val="333333"/>
+              <a:rPr lang="en-GB" sz="2400" b="1" dirty="0" smtClean="0">
+                <a:solidFill>
+                  <a:schemeClr val="accent1">
+                    <a:lumMod val="75000"/>
+                  </a:schemeClr>
                 </a:solidFill>
                 <a:latin typeface="MJXc-TeX-main-R"/>
               </a:rPr>
               <a:t>= 70.73 − 0.77(</a:t>
             </a:r>
             <a:r>
-              <a:rPr lang="en-GB" sz="2400" dirty="0" smtClean="0">
-                <a:solidFill>
-                  <a:srgbClr val="333333"/>
+              <a:rPr lang="en-GB" sz="2400" b="1" dirty="0" smtClean="0">
+                <a:solidFill>
+                  <a:schemeClr val="accent1">
+                    <a:lumMod val="75000"/>
+                  </a:schemeClr>
                 </a:solidFill>
                 <a:latin typeface="MJXc-TeX-math-I"/>
               </a:rPr>
               <a:t>worry</a:t>
             </a:r>
             <a:r>
-              <a:rPr lang="en-GB" sz="2400" dirty="0" smtClean="0">
-                <a:solidFill>
-                  <a:srgbClr val="333333"/>
+              <a:rPr lang="en-GB" sz="2400" b="1" dirty="0" smtClean="0">
+                <a:solidFill>
+                  <a:schemeClr val="accent1">
+                    <a:lumMod val="75000"/>
+                  </a:schemeClr>
                 </a:solidFill>
                 <a:latin typeface="MJXc-TeX-main-R"/>
               </a:rPr>
               <a:t>) + 1.25(</a:t>
             </a:r>
             <a:r>
-              <a:rPr lang="en-GB" sz="2400" dirty="0" smtClean="0">
-                <a:solidFill>
-                  <a:srgbClr val="333333"/>
+              <a:rPr lang="en-GB" sz="2400" b="1" dirty="0" smtClean="0">
+                <a:solidFill>
+                  <a:schemeClr val="accent1">
+                    <a:lumMod val="75000"/>
+                  </a:schemeClr>
                 </a:solidFill>
                 <a:latin typeface="MJXc-TeX-math-I"/>
               </a:rPr>
               <a:t>describing</a:t>
             </a:r>
             <a:r>
-              <a:rPr lang="en-GB" sz="2400" dirty="0" smtClean="0">
-                <a:solidFill>
-                  <a:srgbClr val="333333"/>
+              <a:rPr lang="en-GB" sz="2400" b="1" dirty="0" smtClean="0">
+                <a:solidFill>
+                  <a:schemeClr val="accent1">
+                    <a:lumMod val="75000"/>
+                  </a:schemeClr>
                 </a:solidFill>
                 <a:latin typeface="MJXc-TeX-main-R"/>
               </a:rPr>
               <a:t>)</a:t>
             </a:r>
             <a:r>
-              <a:rPr lang="en-GB" sz="2400" dirty="0"/>
+              <a:rPr lang="en-GB" sz="2400" b="1" dirty="0">
+                <a:solidFill>
+                  <a:schemeClr val="accent1">
+                    <a:lumMod val="75000"/>
+                  </a:schemeClr>
+                </a:solidFill>
+              </a:rPr>
               <a:t/>
             </a:r>
             <a:br>
-              <a:rPr lang="en-GB" sz="2400" dirty="0"/>
+              <a:rPr lang="en-GB" sz="2400" b="1" dirty="0">
+                <a:solidFill>
+                  <a:schemeClr val="accent1">
+                    <a:lumMod val="75000"/>
+                  </a:schemeClr>
+                </a:solidFill>
+              </a:rPr>
             </a:br>
-            <a:endParaRPr lang="en-GB" sz="2400" dirty="0"/>
+            <a:endParaRPr lang="en-GB" sz="2400" b="1" dirty="0">
+              <a:solidFill>
+                <a:schemeClr val="accent1">
+                  <a:lumMod val="75000"/>
+                </a:schemeClr>
+              </a:solidFill>
+            </a:endParaRPr>
           </a:p>
         </p:txBody>
       </p:sp>
@@ -7634,6 +7882,84 @@
   <p:clrMapOvr>
     <a:masterClrMapping/>
   </p:clrMapOvr>
+  <p:timing>
+    <p:tnLst>
+      <p:par>
+        <p:cTn id="1" dur="indefinite" restart="never" nodeType="tmRoot">
+          <p:childTnLst>
+            <p:seq concurrent="1" nextAc="seek">
+              <p:cTn id="2" dur="indefinite" nodeType="mainSeq">
+                <p:childTnLst>
+                  <p:par>
+                    <p:cTn id="3" fill="hold">
+                      <p:stCondLst>
+                        <p:cond delay="indefinite"/>
+                      </p:stCondLst>
+                      <p:childTnLst>
+                        <p:par>
+                          <p:cTn id="4" fill="hold">
+                            <p:stCondLst>
+                              <p:cond delay="0"/>
+                            </p:stCondLst>
+                            <p:childTnLst>
+                              <p:par>
+                                <p:cTn id="5" presetID="1" presetClass="entr" presetSubtype="0" fill="hold" grpId="0" nodeType="clickEffect">
+                                  <p:stCondLst>
+                                    <p:cond delay="0"/>
+                                  </p:stCondLst>
+                                  <p:childTnLst>
+                                    <p:set>
+                                      <p:cBhvr>
+                                        <p:cTn id="6" dur="1" fill="hold">
+                                          <p:stCondLst>
+                                            <p:cond delay="0"/>
+                                          </p:stCondLst>
+                                        </p:cTn>
+                                        <p:tgtEl>
+                                          <p:spTgt spid="13"/>
+                                        </p:tgtEl>
+                                        <p:attrNameLst>
+                                          <p:attrName>style.visibility</p:attrName>
+                                        </p:attrNameLst>
+                                      </p:cBhvr>
+                                      <p:to>
+                                        <p:strVal val="visible"/>
+                                      </p:to>
+                                    </p:set>
+                                  </p:childTnLst>
+                                </p:cTn>
+                              </p:par>
+                            </p:childTnLst>
+                          </p:cTn>
+                        </p:par>
+                      </p:childTnLst>
+                    </p:cTn>
+                  </p:par>
+                </p:childTnLst>
+              </p:cTn>
+              <p:prevCondLst>
+                <p:cond evt="onPrev" delay="0">
+                  <p:tgtEl>
+                    <p:sldTgt/>
+                  </p:tgtEl>
+                </p:cond>
+              </p:prevCondLst>
+              <p:nextCondLst>
+                <p:cond evt="onNext" delay="0">
+                  <p:tgtEl>
+                    <p:sldTgt/>
+                  </p:tgtEl>
+                </p:cond>
+              </p:nextCondLst>
+            </p:seq>
+          </p:childTnLst>
+        </p:cTn>
+      </p:par>
+    </p:tnLst>
+    <p:bldLst>
+      <p:bldP spid="13" grpId="0"/>
+    </p:bldLst>
+  </p:timing>
 </p:sld>
 </file>
 
@@ -7666,8 +7992,8 @@
         </p:nvSpPr>
         <p:spPr>
           <a:xfrm>
-            <a:off x="1981200" y="50349"/>
-            <a:ext cx="8229600" cy="1143000"/>
+            <a:off x="1981200" y="559837"/>
+            <a:ext cx="8229600" cy="633512"/>
           </a:xfrm>
         </p:spPr>
         <p:txBody>
@@ -8083,7 +8409,7 @@
               <a:t>	</a:t>
             </a:r>
             <a:r>
-              <a:rPr lang="en-GB" sz="2800" b="1" dirty="0" smtClean="0">
+              <a:rPr lang="en-GB" sz="2800" dirty="0" smtClean="0">
                 <a:solidFill>
                   <a:srgbClr val="0070C0"/>
                 </a:solidFill>
@@ -8091,7 +8417,7 @@
               <a:t>e.g., 46.56 % </a:t>
             </a:r>
             <a:r>
-              <a:rPr lang="en-GB" sz="2800" b="1" dirty="0">
+              <a:rPr lang="en-GB" sz="2800" dirty="0">
                 <a:solidFill>
                   <a:srgbClr val="0070C0"/>
                 </a:solidFill>
@@ -8099,7 +8425,7 @@
               <a:t>of the variance in </a:t>
             </a:r>
             <a:r>
-              <a:rPr lang="en-GB" sz="2800" b="1" dirty="0" smtClean="0">
+              <a:rPr lang="en-GB" sz="2800" dirty="0" smtClean="0">
                 <a:solidFill>
                   <a:srgbClr val="002060"/>
                 </a:solidFill>
@@ -8107,7 +8433,7 @@
               <a:t>wellbeing</a:t>
             </a:r>
             <a:r>
-              <a:rPr lang="en-GB" sz="2800" b="1" dirty="0" smtClean="0">
+              <a:rPr lang="en-GB" sz="2800" dirty="0" smtClean="0">
                 <a:solidFill>
                   <a:srgbClr val="0070C0"/>
                 </a:solidFill>
@@ -8115,7 +8441,7 @@
               <a:t> </a:t>
             </a:r>
             <a:r>
-              <a:rPr lang="en-GB" sz="2800" b="1" dirty="0">
+              <a:rPr lang="en-GB" sz="2800" dirty="0">
                 <a:solidFill>
                   <a:srgbClr val="0070C0"/>
                 </a:solidFill>
@@ -8123,7 +8449,7 @@
               <a:t>is explained by the regression </a:t>
             </a:r>
             <a:r>
-              <a:rPr lang="en-GB" sz="2800" b="1" dirty="0" smtClean="0">
+              <a:rPr lang="en-GB" sz="2800" dirty="0" smtClean="0">
                 <a:solidFill>
                   <a:srgbClr val="0070C0"/>
                 </a:solidFill>
@@ -8131,7 +8457,7 @@
               <a:t>model containing </a:t>
             </a:r>
             <a:r>
-              <a:rPr lang="en-GB" sz="2800" b="1" dirty="0" smtClean="0">
+              <a:rPr lang="en-GB" sz="2800" dirty="0" smtClean="0">
                 <a:solidFill>
                   <a:srgbClr val="002060"/>
                 </a:solidFill>
@@ -8139,7 +8465,7 @@
               <a:t>worry</a:t>
             </a:r>
             <a:r>
-              <a:rPr lang="en-GB" sz="2800" b="1" dirty="0" smtClean="0">
+              <a:rPr lang="en-GB" sz="2800" dirty="0" smtClean="0">
                 <a:solidFill>
                   <a:srgbClr val="0070C0"/>
                 </a:solidFill>
@@ -8147,15 +8473,15 @@
               <a:t> and </a:t>
             </a:r>
             <a:r>
-              <a:rPr lang="en-GB" sz="2800" b="1" dirty="0" smtClean="0">
+              <a:rPr lang="en-GB" sz="2800" dirty="0" smtClean="0">
                 <a:solidFill>
                   <a:srgbClr val="002060"/>
                 </a:solidFill>
               </a:rPr>
-              <a:t>mindfulness</a:t>
-            </a:r>
-            <a:r>
-              <a:rPr lang="en-GB" sz="2800" b="1" dirty="0" smtClean="0">
+              <a:t>describing</a:t>
+            </a:r>
+            <a:r>
+              <a:rPr lang="en-GB" sz="2800" dirty="0" smtClean="0">
                 <a:solidFill>
                   <a:srgbClr val="0070C0"/>
                 </a:solidFill>
@@ -8176,15 +8502,23 @@
                   <a:schemeClr val="tx2"/>
                 </a:solidFill>
               </a:rPr>
-              <a:t>Adjusted </a:t>
-            </a:r>
-            <a:r>
-              <a:rPr lang="en-GB" sz="2800" b="1" dirty="0">
+              <a:t>Adjusted R</a:t>
+            </a:r>
+            <a:r>
+              <a:rPr lang="en-GB" sz="2800" b="1" baseline="30000" dirty="0" smtClean="0">
                 <a:solidFill>
                   <a:schemeClr val="tx2"/>
                 </a:solidFill>
               </a:rPr>
-              <a:t>R Square. </a:t>
+              <a:t>2</a:t>
+            </a:r>
+            <a:r>
+              <a:rPr lang="en-GB" sz="2800" b="1" dirty="0" smtClean="0">
+                <a:solidFill>
+                  <a:schemeClr val="tx2"/>
+                </a:solidFill>
+              </a:rPr>
+              <a:t>. </a:t>
             </a:r>
             <a:r>
               <a:rPr lang="en-GB" sz="2800" dirty="0"/>
@@ -8227,7 +8561,7 @@
               <a:t>	</a:t>
             </a:r>
             <a:r>
-              <a:rPr lang="en-GB" sz="2800" b="1" dirty="0">
+              <a:rPr lang="en-GB" sz="2800" dirty="0">
                 <a:solidFill>
                   <a:srgbClr val="0070C0"/>
                 </a:solidFill>
@@ -8235,7 +8569,7 @@
               <a:t>e.g., adjusted R</a:t>
             </a:r>
             <a:r>
-              <a:rPr lang="en-GB" sz="2800" b="1" baseline="30000" dirty="0">
+              <a:rPr lang="en-GB" sz="2800" baseline="30000" dirty="0">
                 <a:solidFill>
                   <a:srgbClr val="0070C0"/>
                 </a:solidFill>
@@ -8243,7 +8577,7 @@
               <a:t>2</a:t>
             </a:r>
             <a:r>
-              <a:rPr lang="en-GB" sz="2800" b="1" dirty="0">
+              <a:rPr lang="en-GB" sz="2800" dirty="0">
                 <a:solidFill>
                   <a:srgbClr val="0070C0"/>
                 </a:solidFill>
@@ -8416,15 +8750,33 @@
                                   </p:childTnLst>
                                 </p:cTn>
                               </p:par>
+                            </p:childTnLst>
+                          </p:cTn>
+                        </p:par>
+                      </p:childTnLst>
+                    </p:cTn>
+                  </p:par>
+                  <p:par>
+                    <p:cTn id="11" fill="hold">
+                      <p:stCondLst>
+                        <p:cond delay="indefinite"/>
+                      </p:stCondLst>
+                      <p:childTnLst>
+                        <p:par>
+                          <p:cTn id="12" fill="hold">
+                            <p:stCondLst>
+                              <p:cond delay="0"/>
+                            </p:stCondLst>
+                            <p:childTnLst>
                               <p:par>
-                                <p:cTn id="11" presetID="10" presetClass="entr" presetSubtype="0" fill="hold" nodeType="withEffect">
+                                <p:cTn id="13" presetID="1" presetClass="entr" presetSubtype="0" fill="hold" nodeType="clickEffect">
                                   <p:stCondLst>
                                     <p:cond delay="0"/>
                                   </p:stCondLst>
                                   <p:childTnLst>
                                     <p:set>
                                       <p:cBhvr>
-                                        <p:cTn id="12" dur="1" fill="hold">
+                                        <p:cTn id="14" dur="1" fill="hold">
                                           <p:stCondLst>
                                             <p:cond delay="0"/>
                                           </p:stCondLst>
@@ -8444,30 +8796,18 @@
                                         <p:strVal val="visible"/>
                                       </p:to>
                                     </p:set>
-                                    <p:animEffect transition="in" filter="fade">
-                                      <p:cBhvr>
-                                        <p:cTn id="13" dur="500"/>
-                                        <p:tgtEl>
-                                          <p:spTgt spid="3">
-                                            <p:txEl>
-                                              <p:pRg st="2" end="2"/>
-                                            </p:txEl>
-                                          </p:spTgt>
-                                        </p:tgtEl>
-                                      </p:cBhvr>
-                                    </p:animEffect>
                                   </p:childTnLst>
                                 </p:cTn>
                               </p:par>
                               <p:par>
-                                <p:cTn id="14" presetID="10" presetClass="entr" presetSubtype="0" fill="hold" nodeType="withEffect">
+                                <p:cTn id="15" presetID="1" presetClass="entr" presetSubtype="0" fill="hold" nodeType="withEffect">
                                   <p:stCondLst>
                                     <p:cond delay="0"/>
                                   </p:stCondLst>
                                   <p:childTnLst>
                                     <p:set>
                                       <p:cBhvr>
-                                        <p:cTn id="15" dur="1" fill="hold">
+                                        <p:cTn id="16" dur="1" fill="hold">
                                           <p:stCondLst>
                                             <p:cond delay="0"/>
                                           </p:stCondLst>
@@ -8487,18 +8827,6 @@
                                         <p:strVal val="visible"/>
                                       </p:to>
                                     </p:set>
-                                    <p:animEffect transition="in" filter="fade">
-                                      <p:cBhvr>
-                                        <p:cTn id="16" dur="500"/>
-                                        <p:tgtEl>
-                                          <p:spTgt spid="3">
-                                            <p:txEl>
-                                              <p:pRg st="3" end="3"/>
-                                            </p:txEl>
-                                          </p:spTgt>
-                                        </p:tgtEl>
-                                      </p:cBhvr>
-                                    </p:animEffect>
                                   </p:childTnLst>
                                 </p:cTn>
                               </p:par>
@@ -8562,8 +8890,8 @@
         </p:nvSpPr>
         <p:spPr>
           <a:xfrm>
-            <a:off x="1741714" y="1417638"/>
-            <a:ext cx="8708571" cy="609600"/>
+            <a:off x="1530463" y="1434387"/>
+            <a:ext cx="9131074" cy="609600"/>
           </a:xfrm>
         </p:spPr>
         <p:txBody>
@@ -8576,18 +8904,18 @@
               <a:buNone/>
             </a:pPr>
             <a:r>
-              <a:rPr lang="en-GB" sz="1800" b="1" dirty="0" smtClean="0">
+              <a:rPr lang="en-GB" sz="2000" b="1" dirty="0" smtClean="0">
                 <a:solidFill>
                   <a:schemeClr val="tx2"/>
                 </a:solidFill>
               </a:rPr>
-              <a:t>Bayes Factor. </a:t>
-            </a:r>
-            <a:r>
-              <a:rPr lang="en-GB" sz="1800" dirty="0" smtClean="0"/>
-              <a:t>Tells us how many time more likely the model is relative to an intercept-only model. In an intercept-only model, the coefficient for each predictor is zero.</a:t>
-            </a:r>
-            <a:endParaRPr lang="en-GB" sz="1800" b="1" dirty="0">
+              <a:t>Bayes factor. </a:t>
+            </a:r>
+            <a:r>
+              <a:rPr lang="en-GB" sz="2000" dirty="0" smtClean="0"/>
+              <a:t>Tells us how many times more likely the model is relative to an intercept-only model. In an intercept-only model, the coefficient for each predictor is zero.</a:t>
+            </a:r>
+            <a:endParaRPr lang="en-GB" sz="2000" b="1" dirty="0">
               <a:solidFill>
                 <a:srgbClr val="0070C0"/>
               </a:solidFill>
@@ -9001,28 +9329,44 @@
         </p:nvSpPr>
         <p:spPr>
           <a:xfrm>
-            <a:off x="1741714" y="5316539"/>
-            <a:ext cx="6096000" cy="646331"/>
+            <a:off x="2066244" y="5376059"/>
+            <a:ext cx="8059512" cy="707886"/>
           </a:xfrm>
           <a:prstGeom prst="rect">
             <a:avLst/>
           </a:prstGeom>
         </p:spPr>
         <p:txBody>
-          <a:bodyPr>
+          <a:bodyPr wrap="square">
             <a:spAutoFit/>
           </a:bodyPr>
           <a:lstStyle/>
           <a:p>
             <a:r>
-              <a:rPr lang="en-GB" dirty="0" smtClean="0">
+              <a:rPr lang="en-GB" sz="2000" dirty="0" smtClean="0">
                 <a:solidFill>
                   <a:schemeClr val="tx2"/>
                 </a:solidFill>
               </a:rPr>
-              <a:t>The model is 4,190,994 times more likely than an intercept model. There’s therefore strong evidence for the model.</a:t>
-            </a:r>
-            <a:endParaRPr lang="en-GB" dirty="0">
+              <a:t>The model is </a:t>
+            </a:r>
+            <a:r>
+              <a:rPr lang="en-GB" sz="2000" b="1" dirty="0" smtClean="0">
+                <a:solidFill>
+                  <a:schemeClr val="tx2"/>
+                </a:solidFill>
+              </a:rPr>
+              <a:t>4,190,994</a:t>
+            </a:r>
+            <a:r>
+              <a:rPr lang="en-GB" sz="2000" dirty="0" smtClean="0">
+                <a:solidFill>
+                  <a:schemeClr val="tx2"/>
+                </a:solidFill>
+              </a:rPr>
+              <a:t> times more likely than an intercept only model. There’s therefore substantial evidence for the model overall.</a:t>
+            </a:r>
+            <a:endParaRPr lang="en-GB" sz="2000" dirty="0">
               <a:solidFill>
                 <a:srgbClr val="0070C0"/>
               </a:solidFill>
@@ -9101,7 +9445,7 @@
               <a:tabLst/>
             </a:pPr>
             <a:r>
-              <a:rPr kumimoji="0" lang="en-US" altLang="en-US" sz="1500" b="0" i="0" u="none" strike="noStrike" cap="none" normalizeH="0" baseline="0" smtClean="0">
+              <a:rPr kumimoji="0" lang="en-US" altLang="en-US" sz="1500" b="0" i="0" u="none" strike="noStrike" cap="none" normalizeH="0" baseline="0" dirty="0" err="1" smtClean="0">
                 <a:ln>
                   <a:noFill/>
                 </a:ln>
@@ -9114,7 +9458,7 @@
               <a:t>lmBF</a:t>
             </a:r>
             <a:r>
-              <a:rPr kumimoji="0" lang="en-US" altLang="en-US" sz="1500" b="0" i="0" u="none" strike="noStrike" cap="none" normalizeH="0" baseline="0" smtClean="0">
+              <a:rPr kumimoji="0" lang="en-US" altLang="en-US" sz="1500" b="0" i="0" u="none" strike="noStrike" cap="none" normalizeH="0" baseline="0" dirty="0" smtClean="0">
                 <a:ln>
                   <a:noFill/>
                 </a:ln>
@@ -9127,7 +9471,7 @@
               <a:t>(wellbeing </a:t>
             </a:r>
             <a:r>
-              <a:rPr kumimoji="0" lang="en-US" altLang="en-US" sz="1500" b="0" i="0" u="none" strike="noStrike" cap="none" normalizeH="0" baseline="0" smtClean="0">
+              <a:rPr kumimoji="0" lang="en-US" altLang="en-US" sz="1500" b="0" i="0" u="none" strike="noStrike" cap="none" normalizeH="0" baseline="0" dirty="0" smtClean="0">
                 <a:ln>
                   <a:noFill/>
                 </a:ln>
@@ -9140,7 +9484,7 @@
               <a:t>~</a:t>
             </a:r>
             <a:r>
-              <a:rPr kumimoji="0" lang="en-US" altLang="en-US" sz="1500" b="0" i="0" u="none" strike="noStrike" cap="none" normalizeH="0" baseline="0" smtClean="0">
+              <a:rPr kumimoji="0" lang="en-US" altLang="en-US" sz="1500" b="0" i="0" u="none" strike="noStrike" cap="none" normalizeH="0" baseline="0" dirty="0" smtClean="0">
                 <a:ln>
                   <a:noFill/>
                 </a:ln>
@@ -9153,7 +9497,7 @@
               <a:t> worry </a:t>
             </a:r>
             <a:r>
-              <a:rPr kumimoji="0" lang="en-US" altLang="en-US" sz="1500" b="0" i="0" u="none" strike="noStrike" cap="none" normalizeH="0" baseline="0" smtClean="0">
+              <a:rPr kumimoji="0" lang="en-US" altLang="en-US" sz="1500" b="0" i="0" u="none" strike="noStrike" cap="none" normalizeH="0" baseline="0" dirty="0" smtClean="0">
                 <a:ln>
                   <a:noFill/>
                 </a:ln>
@@ -9166,7 +9510,7 @@
               <a:t>+</a:t>
             </a:r>
             <a:r>
-              <a:rPr kumimoji="0" lang="en-US" altLang="en-US" sz="1500" b="0" i="0" u="none" strike="noStrike" cap="none" normalizeH="0" baseline="0" smtClean="0">
+              <a:rPr kumimoji="0" lang="en-US" altLang="en-US" sz="1500" b="0" i="0" u="none" strike="noStrike" cap="none" normalizeH="0" baseline="0" dirty="0" smtClean="0">
                 <a:ln>
                   <a:noFill/>
                 </a:ln>
@@ -9179,7 +9523,7 @@
               <a:t> describing, </a:t>
             </a:r>
             <a:r>
-              <a:rPr kumimoji="0" lang="en-US" altLang="en-US" sz="1500" b="0" i="0" u="none" strike="noStrike" cap="none" normalizeH="0" baseline="0" smtClean="0">
+              <a:rPr kumimoji="0" lang="en-US" altLang="en-US" sz="1500" b="0" i="0" u="none" strike="noStrike" cap="none" normalizeH="0" baseline="0" dirty="0" smtClean="0">
                 <a:ln>
                   <a:noFill/>
                 </a:ln>
@@ -9192,7 +9536,7 @@
               <a:t>data =</a:t>
             </a:r>
             <a:r>
-              <a:rPr kumimoji="0" lang="en-US" altLang="en-US" sz="1500" b="0" i="0" u="none" strike="noStrike" cap="none" normalizeH="0" baseline="0" smtClean="0">
+              <a:rPr kumimoji="0" lang="en-US" altLang="en-US" sz="1500" b="0" i="0" u="none" strike="noStrike" cap="none" normalizeH="0" baseline="0" dirty="0" smtClean="0">
                 <a:ln>
                   <a:noFill/>
                 </a:ln>
@@ -9205,7 +9549,7 @@
               <a:t> </a:t>
             </a:r>
             <a:r>
-              <a:rPr kumimoji="0" lang="en-US" altLang="en-US" sz="1500" b="0" i="0" u="none" strike="noStrike" cap="none" normalizeH="0" baseline="0" smtClean="0">
+              <a:rPr kumimoji="0" lang="en-US" altLang="en-US" sz="1500" b="0" i="0" u="none" strike="noStrike" cap="none" normalizeH="0" baseline="0" dirty="0" err="1" smtClean="0">
                 <a:ln>
                   <a:noFill/>
                 </a:ln>
@@ -9218,7 +9562,7 @@
               <a:t>data.frame</a:t>
             </a:r>
             <a:r>
-              <a:rPr kumimoji="0" lang="en-US" altLang="en-US" sz="1500" b="0" i="0" u="none" strike="noStrike" cap="none" normalizeH="0" baseline="0" smtClean="0">
+              <a:rPr kumimoji="0" lang="en-US" altLang="en-US" sz="1500" b="0" i="0" u="none" strike="noStrike" cap="none" normalizeH="0" baseline="0" dirty="0" smtClean="0">
                 <a:ln>
                   <a:noFill/>
                 </a:ln>
@@ -9228,21 +9572,47 @@
                 <a:effectLst/>
                 <a:latin typeface="Consolas" panose="020B0609020204030204" pitchFamily="49" charset="0"/>
               </a:rPr>
-              <a:t>(wellbeing_data))</a:t>
-            </a:r>
-            <a:r>
-              <a:rPr kumimoji="0" lang="en-US" altLang="en-US" sz="1500" b="0" i="0" u="none" strike="noStrike" cap="none" normalizeH="0" baseline="0" smtClean="0">
+              <a:t>(</a:t>
+            </a:r>
+            <a:r>
+              <a:rPr kumimoji="0" lang="en-US" altLang="en-US" sz="1500" b="0" i="0" u="none" strike="noStrike" cap="none" normalizeH="0" baseline="0" dirty="0" err="1" smtClean="0">
                 <a:ln>
                   <a:noFill/>
                 </a:ln>
                 <a:solidFill>
+                  <a:srgbClr val="333333"/>
+                </a:solidFill>
+                <a:effectLst/>
+                <a:latin typeface="Consolas" panose="020B0609020204030204" pitchFamily="49" charset="0"/>
+              </a:rPr>
+              <a:t>wellbeing_data</a:t>
+            </a:r>
+            <a:r>
+              <a:rPr kumimoji="0" lang="en-US" altLang="en-US" sz="1500" b="0" i="0" u="none" strike="noStrike" cap="none" normalizeH="0" baseline="0" dirty="0" smtClean="0">
+                <a:ln>
+                  <a:noFill/>
+                </a:ln>
+                <a:solidFill>
+                  <a:srgbClr val="333333"/>
+                </a:solidFill>
+                <a:effectLst/>
+                <a:latin typeface="Consolas" panose="020B0609020204030204" pitchFamily="49" charset="0"/>
+              </a:rPr>
+              <a:t>))</a:t>
+            </a:r>
+            <a:r>
+              <a:rPr kumimoji="0" lang="en-US" altLang="en-US" sz="1500" b="0" i="0" u="none" strike="noStrike" cap="none" normalizeH="0" baseline="0" dirty="0" smtClean="0">
+                <a:ln>
+                  <a:noFill/>
+                </a:ln>
+                <a:solidFill>
                   <a:schemeClr val="tx1"/>
                 </a:solidFill>
                 <a:effectLst/>
               </a:rPr>
               <a:t> </a:t>
             </a:r>
-            <a:endParaRPr kumimoji="0" lang="en-US" altLang="en-US" sz="1500" b="0" i="0" u="none" strike="noStrike" cap="none" normalizeH="0" baseline="0" smtClean="0">
+            <a:endParaRPr kumimoji="0" lang="en-US" altLang="en-US" sz="1500" b="0" i="0" u="none" strike="noStrike" cap="none" normalizeH="0" baseline="0" dirty="0" smtClean="0">
               <a:ln>
                 <a:noFill/>
               </a:ln>
@@ -9286,7 +9656,7 @@
                             </p:stCondLst>
                             <p:childTnLst>
                               <p:par>
-                                <p:cTn id="5" presetID="10" presetClass="entr" presetSubtype="0" fill="hold" nodeType="clickEffect">
+                                <p:cTn id="5" presetID="1" presetClass="entr" presetSubtype="0" fill="hold" grpId="0" nodeType="clickEffect">
                                   <p:stCondLst>
                                     <p:cond delay="0"/>
                                   </p:stCondLst>
@@ -9299,11 +9669,7 @@
                                           </p:stCondLst>
                                         </p:cTn>
                                         <p:tgtEl>
-                                          <p:spTgt spid="3">
-                                            <p:txEl>
-                                              <p:pRg st="0" end="0"/>
-                                            </p:txEl>
-                                          </p:spTgt>
+                                          <p:spTgt spid="7"/>
                                         </p:tgtEl>
                                         <p:attrNameLst>
                                           <p:attrName>style.visibility</p:attrName>
@@ -9313,18 +9679,78 @@
                                         <p:strVal val="visible"/>
                                       </p:to>
                                     </p:set>
-                                    <p:animEffect transition="in" filter="fade">
+                                  </p:childTnLst>
+                                </p:cTn>
+                              </p:par>
+                              <p:par>
+                                <p:cTn id="7" presetID="1" presetClass="entr" presetSubtype="0" fill="hold" grpId="0" nodeType="withEffect">
+                                  <p:stCondLst>
+                                    <p:cond delay="0"/>
+                                  </p:stCondLst>
+                                  <p:childTnLst>
+                                    <p:set>
                                       <p:cBhvr>
-                                        <p:cTn id="7" dur="500"/>
+                                        <p:cTn id="8" dur="1" fill="hold">
+                                          <p:stCondLst>
+                                            <p:cond delay="0"/>
+                                          </p:stCondLst>
+                                        </p:cTn>
                                         <p:tgtEl>
-                                          <p:spTgt spid="3">
-                                            <p:txEl>
-                                              <p:pRg st="0" end="0"/>
-                                            </p:txEl>
-                                          </p:spTgt>
+                                          <p:spTgt spid="2"/>
                                         </p:tgtEl>
+                                        <p:attrNameLst>
+                                          <p:attrName>style.visibility</p:attrName>
+                                        </p:attrNameLst>
                                       </p:cBhvr>
-                                    </p:animEffect>
+                                      <p:to>
+                                        <p:strVal val="visible"/>
+                                      </p:to>
+                                    </p:set>
+                                  </p:childTnLst>
+                                </p:cTn>
+                              </p:par>
+                            </p:childTnLst>
+                          </p:cTn>
+                        </p:par>
+                      </p:childTnLst>
+                    </p:cTn>
+                  </p:par>
+                  <p:par>
+                    <p:cTn id="9" fill="hold">
+                      <p:stCondLst>
+                        <p:cond delay="indefinite"/>
+                      </p:stCondLst>
+                      <p:childTnLst>
+                        <p:par>
+                          <p:cTn id="10" fill="hold">
+                            <p:stCondLst>
+                              <p:cond delay="0"/>
+                            </p:stCondLst>
+                            <p:childTnLst>
+                              <p:par>
+                                <p:cTn id="11" presetID="1" presetClass="entr" presetSubtype="0" fill="hold" grpId="0" nodeType="clickEffect">
+                                  <p:stCondLst>
+                                    <p:cond delay="0"/>
+                                  </p:stCondLst>
+                                  <p:childTnLst>
+                                    <p:set>
+                                      <p:cBhvr>
+                                        <p:cTn id="12" dur="1" fill="hold">
+                                          <p:stCondLst>
+                                            <p:cond delay="0"/>
+                                          </p:stCondLst>
+                                        </p:cTn>
+                                        <p:tgtEl>
+                                          <p:spTgt spid="6"/>
+                                        </p:tgtEl>
+                                        <p:attrNameLst>
+                                          <p:attrName>style.visibility</p:attrName>
+                                        </p:attrNameLst>
+                                      </p:cBhvr>
+                                      <p:to>
+                                        <p:strVal val="visible"/>
+                                      </p:to>
+                                    </p:set>
                                   </p:childTnLst>
                                 </p:cTn>
                               </p:par>
@@ -9355,6 +9781,11 @@
         </p:cTn>
       </p:par>
     </p:tnLst>
+    <p:bldLst>
+      <p:bldP spid="2" grpId="0" animBg="1"/>
+      <p:bldP spid="6" grpId="0"/>
+      <p:bldP spid="7" grpId="0" animBg="1"/>
+    </p:bldLst>
   </p:timing>
 </p:sld>
 </file>
@@ -9418,8 +9849,8 @@
         </p:nvSpPr>
         <p:spPr>
           <a:xfrm>
-            <a:off x="1719945" y="2019300"/>
-            <a:ext cx="8854751" cy="4337050"/>
+            <a:off x="1219200" y="1705170"/>
+            <a:ext cx="9791700" cy="4337050"/>
           </a:xfrm>
         </p:spPr>
         <p:txBody>
@@ -9439,31 +9870,27 @@
             </a:r>
             <a:r>
               <a:rPr lang="en-GB" sz="2200" dirty="0" smtClean="0"/>
-              <a:t>unique contribution of a predictor is its contribution to the model only </a:t>
+              <a:t>unique contribution of a predictor is its contribution to the model </a:t>
+            </a:r>
+            <a:r>
+              <a:rPr lang="en-GB" sz="2200" b="1" u="sng" dirty="0">
+                <a:solidFill>
+                  <a:schemeClr val="accent1">
+                    <a:lumMod val="75000"/>
+                  </a:schemeClr>
+                </a:solidFill>
+              </a:rPr>
+              <a:t>once </a:t>
             </a:r>
             <a:r>
               <a:rPr lang="en-GB" sz="2200" b="1" u="sng" dirty="0" smtClean="0">
                 <a:solidFill>
-                  <a:srgbClr val="C00000"/>
+                  <a:schemeClr val="accent1">
+                    <a:lumMod val="75000"/>
+                  </a:schemeClr>
                 </a:solidFill>
               </a:rPr>
-              <a:t>after the other predictors have been taken into </a:t>
-            </a:r>
-            <a:r>
-              <a:rPr lang="en-GB" sz="2200" b="1" u="sng" dirty="0">
-                <a:solidFill>
-                  <a:srgbClr val="C00000"/>
-                </a:solidFill>
-              </a:rPr>
-              <a:t>account</a:t>
-            </a:r>
-            <a:r>
-              <a:rPr lang="en-GB" sz="2200" b="1" u="sng" dirty="0" smtClean="0">
-                <a:solidFill>
-                  <a:srgbClr val="C00000"/>
-                </a:solidFill>
-              </a:rPr>
-              <a:t>!</a:t>
+              <a:t>the other predictors have been taken into account</a:t>
             </a:r>
           </a:p>
           <a:p>
@@ -9476,17 +9903,17 @@
                   </a:schemeClr>
                 </a:solidFill>
               </a:rPr>
-              <a:t>Predictors are often correlated. This means the variance they explain in the outcome variable is </a:t>
-            </a:r>
-            <a:r>
-              <a:rPr lang="en-GB" sz="2200" u="sng" dirty="0" smtClean="0">
+              <a:t>Predictors are often </a:t>
+            </a:r>
+            <a:r>
+              <a:rPr lang="en-GB" sz="2200" i="1" dirty="0" smtClean="0">
                 <a:solidFill>
                   <a:schemeClr val="accent1">
                     <a:lumMod val="50000"/>
                   </a:schemeClr>
                 </a:solidFill>
               </a:rPr>
-              <a:t>shared</a:t>
+              <a:t>correlated</a:t>
             </a:r>
             <a:r>
               <a:rPr lang="en-GB" sz="2200" dirty="0" smtClean="0">
@@ -9496,6 +9923,26 @@
                   </a:schemeClr>
                 </a:solidFill>
               </a:rPr>
+              <a:t>. This means the variance they explain in the outcome variable is </a:t>
+            </a:r>
+            <a:r>
+              <a:rPr lang="en-GB" sz="2200" u="sng" dirty="0" smtClean="0">
+                <a:solidFill>
+                  <a:schemeClr val="accent1">
+                    <a:lumMod val="50000"/>
+                  </a:schemeClr>
+                </a:solidFill>
+              </a:rPr>
+              <a:t>shared</a:t>
+            </a:r>
+            <a:r>
+              <a:rPr lang="en-GB" sz="2200" dirty="0" smtClean="0">
+                <a:solidFill>
+                  <a:schemeClr val="accent1">
+                    <a:lumMod val="50000"/>
+                  </a:schemeClr>
+                </a:solidFill>
+              </a:rPr>
               <a:t>. </a:t>
             </a:r>
           </a:p>
@@ -9506,16 +9953,28 @@
               <a:t>This affects the amount of </a:t>
             </a:r>
             <a:r>
+              <a:rPr lang="en-GB" sz="2200" dirty="0" smtClean="0">
+                <a:solidFill>
+                  <a:schemeClr val="tx2"/>
+                </a:solidFill>
+              </a:rPr>
+              <a:t>variance that is uniquely </a:t>
+            </a:r>
+            <a:r>
               <a:rPr lang="en-GB" sz="2200" dirty="0">
                 <a:solidFill>
                   <a:schemeClr val="tx2"/>
                 </a:solidFill>
               </a:rPr>
-              <a:t>unique variance </a:t>
+              <a:t>explained</a:t>
+            </a:r>
+            <a:r>
+              <a:rPr lang="en-GB" sz="2200" dirty="0" smtClean="0"/>
+              <a:t> </a:t>
             </a:r>
             <a:r>
               <a:rPr lang="en-GB" sz="2200" dirty="0"/>
-              <a:t>explained by a predictor</a:t>
+              <a:t>by a predictor</a:t>
             </a:r>
             <a:endParaRPr lang="en-GB" sz="2200" dirty="0">
               <a:solidFill>
@@ -9547,7 +10006,7 @@
           <a:p>
             <a:r>
               <a:rPr lang="en-GB" sz="2200" dirty="0" smtClean="0"/>
-              <a:t>Worry </a:t>
+              <a:t>“Worry </a:t>
             </a:r>
             <a:r>
               <a:rPr lang="en-GB" sz="2200" dirty="0"/>
@@ -9579,7 +10038,7 @@
                   <a:schemeClr val="tx2"/>
                 </a:solidFill>
               </a:rPr>
-              <a:t>mindfulness </a:t>
+              <a:t>describing </a:t>
             </a:r>
             <a:r>
               <a:rPr lang="en-GB" sz="2200" u="sng" dirty="0">
@@ -9587,17 +10046,22 @@
                   <a:schemeClr val="tx2"/>
                 </a:solidFill>
               </a:rPr>
-              <a:t>into account</a:t>
-            </a:r>
-            <a:r>
-              <a:rPr lang="en-GB" sz="2200" dirty="0"/>
-              <a:t>.</a:t>
-            </a:r>
+              <a:t>into </a:t>
+            </a:r>
+            <a:r>
+              <a:rPr lang="en-GB" sz="2200" u="sng" dirty="0" smtClean="0">
+                <a:solidFill>
+                  <a:schemeClr val="tx2"/>
+                </a:solidFill>
+              </a:rPr>
+              <a:t>account”</a:t>
+            </a:r>
+            <a:endParaRPr lang="en-GB" sz="2200" dirty="0"/>
           </a:p>
           <a:p>
             <a:r>
               <a:rPr lang="en-GB" sz="2200" dirty="0" smtClean="0"/>
-              <a:t>Mindfulness </a:t>
+              <a:t>“Describing </a:t>
             </a:r>
             <a:r>
               <a:rPr lang="en-GB" sz="2200" dirty="0"/>
@@ -9629,7 +10093,7 @@
                   <a:schemeClr val="tx2"/>
                 </a:solidFill>
               </a:rPr>
-              <a:t>worry </a:t>
+              <a:t>taking worry </a:t>
             </a:r>
             <a:r>
               <a:rPr lang="en-GB" sz="2200" u="sng" dirty="0">
@@ -9637,12 +10101,17 @@
                   <a:schemeClr val="tx2"/>
                 </a:solidFill>
               </a:rPr>
-              <a:t>into account</a:t>
-            </a:r>
-            <a:r>
-              <a:rPr lang="en-GB" sz="2200" dirty="0"/>
-              <a:t>.</a:t>
-            </a:r>
+              <a:t>into </a:t>
+            </a:r>
+            <a:r>
+              <a:rPr lang="en-GB" sz="2200" u="sng" dirty="0" smtClean="0">
+                <a:solidFill>
+                  <a:schemeClr val="tx2"/>
+                </a:solidFill>
+              </a:rPr>
+              <a:t>account”</a:t>
+            </a:r>
+            <a:endParaRPr lang="en-GB" sz="2200" dirty="0"/>
           </a:p>
         </p:txBody>
       </p:sp>
@@ -10305,16 +10774,14 @@
               <a:t>the predictor </a:t>
             </a:r>
             <a:r>
-              <a:rPr lang="en-GB" sz="2200" u="sng" dirty="0">
-                <a:solidFill>
-                  <a:srgbClr val="C00000"/>
+              <a:rPr lang="en-GB" sz="2200" b="1" u="sng" dirty="0">
+                <a:solidFill>
+                  <a:schemeClr val="accent1">
+                    <a:lumMod val="75000"/>
+                  </a:schemeClr>
                 </a:solidFill>
               </a:rPr>
-              <a:t>after taking the other predictors into account.</a:t>
-            </a:r>
-            <a:r>
-              <a:rPr lang="en-GB" sz="2200" u="sng" dirty="0"/>
-              <a:t> </a:t>
+              <a:t>after taking the other predictors into account. </a:t>
             </a:r>
           </a:p>
           <a:p>
@@ -10564,7 +11031,37 @@
         </p:nvSpPr>
         <p:spPr>
           <a:xfrm>
-            <a:off x="6394022" y="2492646"/>
+            <a:off x="5946756" y="2492646"/>
+            <a:ext cx="1198497" cy="369332"/>
+          </a:xfrm>
+          <a:prstGeom prst="rect">
+            <a:avLst/>
+          </a:prstGeom>
+          <a:noFill/>
+        </p:spPr>
+        <p:txBody>
+          <a:bodyPr wrap="square" rtlCol="0">
+            <a:spAutoFit/>
+          </a:bodyPr>
+          <a:lstStyle/>
+          <a:p>
+            <a:r>
+              <a:rPr lang="en-GB" b="1" dirty="0" smtClean="0"/>
+              <a:t>describing</a:t>
+            </a:r>
+            <a:endParaRPr lang="en-GB" b="1" baseline="-25000" dirty="0"/>
+          </a:p>
+        </p:txBody>
+      </p:sp>
+      <p:sp>
+        <p:nvSpPr>
+          <p:cNvPr id="32" name="TextBox 31"/>
+          <p:cNvSpPr txBox="1"/>
+          <p:nvPr/>
+        </p:nvSpPr>
+        <p:spPr>
+          <a:xfrm>
+            <a:off x="4663745" y="2485220"/>
             <a:ext cx="751231" cy="369332"/>
           </a:xfrm>
           <a:prstGeom prst="rect">
@@ -10581,36 +11078,6 @@
             <a:r>
               <a:rPr lang="en-GB" b="1" dirty="0" smtClean="0"/>
               <a:t>worry</a:t>
-            </a:r>
-            <a:endParaRPr lang="en-GB" b="1" baseline="-25000" dirty="0"/>
-          </a:p>
-        </p:txBody>
-      </p:sp>
-      <p:sp>
-        <p:nvSpPr>
-          <p:cNvPr id="32" name="TextBox 31"/>
-          <p:cNvSpPr txBox="1"/>
-          <p:nvPr/>
-        </p:nvSpPr>
-        <p:spPr>
-          <a:xfrm>
-            <a:off x="4663745" y="2485220"/>
-            <a:ext cx="1350050" cy="369332"/>
-          </a:xfrm>
-          <a:prstGeom prst="rect">
-            <a:avLst/>
-          </a:prstGeom>
-          <a:noFill/>
-        </p:spPr>
-        <p:txBody>
-          <a:bodyPr wrap="none" rtlCol="0">
-            <a:spAutoFit/>
-          </a:bodyPr>
-          <a:lstStyle/>
-          <a:p>
-            <a:r>
-              <a:rPr lang="en-GB" b="1" dirty="0" smtClean="0"/>
-              <a:t>mindfulness</a:t>
             </a:r>
             <a:endParaRPr lang="en-GB" b="1" baseline="-25000" dirty="0"/>
           </a:p>
@@ -10683,7 +11150,23 @@
                   <a:schemeClr val="tx2"/>
                 </a:solidFill>
               </a:rPr>
-              <a:t>Unique contribution of mindfulness to prediction of wellbeing</a:t>
+              <a:t>Unique contribution of </a:t>
+            </a:r>
+            <a:r>
+              <a:rPr lang="en-GB" sz="2000" b="1" dirty="0" smtClean="0">
+                <a:solidFill>
+                  <a:schemeClr val="tx2"/>
+                </a:solidFill>
+              </a:rPr>
+              <a:t>worry</a:t>
+            </a:r>
+            <a:r>
+              <a:rPr lang="en-GB" sz="2000" dirty="0" smtClean="0">
+                <a:solidFill>
+                  <a:schemeClr val="tx2"/>
+                </a:solidFill>
+              </a:rPr>
+              <a:t> to prediction of wellbeing</a:t>
             </a:r>
             <a:endParaRPr lang="en-GB" sz="2000" dirty="0"/>
           </a:p>
@@ -10727,7 +11210,23 @@
                   <a:schemeClr val="tx2"/>
                 </a:solidFill>
               </a:rPr>
-              <a:t>Unique contribution of worry to prediction of wellbeing</a:t>
+              <a:t>Unique contribution of </a:t>
+            </a:r>
+            <a:r>
+              <a:rPr lang="en-GB" sz="2000" b="1" dirty="0" smtClean="0">
+                <a:solidFill>
+                  <a:schemeClr val="tx2"/>
+                </a:solidFill>
+              </a:rPr>
+              <a:t>describing</a:t>
+            </a:r>
+            <a:r>
+              <a:rPr lang="en-GB" sz="2000" dirty="0" smtClean="0">
+                <a:solidFill>
+                  <a:schemeClr val="tx2"/>
+                </a:solidFill>
+              </a:rPr>
+              <a:t> to prediction of wellbeing</a:t>
             </a:r>
             <a:endParaRPr lang="en-GB" sz="2000" dirty="0"/>
           </a:p>
@@ -10742,7 +11241,7 @@
         <p:spPr>
           <a:xfrm>
             <a:off x="7963454" y="2363158"/>
-            <a:ext cx="2752242" cy="2031325"/>
+            <a:ext cx="2752242" cy="646331"/>
           </a:xfrm>
           <a:prstGeom prst="rect">
             <a:avLst/>
@@ -10760,9 +11259,29 @@
               <a:t>Box = total variance in wellbeing to be explained</a:t>
             </a:r>
           </a:p>
-          <a:p>
-            <a:endParaRPr lang="en-GB" dirty="0"/>
-          </a:p>
+        </p:txBody>
+      </p:sp>
+      <p:sp>
+        <p:nvSpPr>
+          <p:cNvPr id="18" name="TextBox 17"/>
+          <p:cNvSpPr txBox="1"/>
+          <p:nvPr/>
+        </p:nvSpPr>
+        <p:spPr>
+          <a:xfrm>
+            <a:off x="7963454" y="3295975"/>
+            <a:ext cx="2752242" cy="1200329"/>
+          </a:xfrm>
+          <a:prstGeom prst="rect">
+            <a:avLst/>
+          </a:prstGeom>
+          <a:noFill/>
+        </p:spPr>
+        <p:txBody>
+          <a:bodyPr wrap="square" rtlCol="0">
+            <a:spAutoFit/>
+          </a:bodyPr>
+          <a:lstStyle/>
           <a:p>
             <a:r>
               <a:rPr lang="en-GB" dirty="0" smtClean="0"/>
@@ -10781,18 +11300,22 @@
               <a:t>explained by both </a:t>
             </a:r>
             <a:r>
+              <a:rPr lang="en-GB" b="1" dirty="0" smtClean="0"/>
+              <a:t>worry</a:t>
+            </a:r>
+            <a:r>
               <a:rPr lang="en-GB" dirty="0" smtClean="0"/>
-              <a:t>worry </a:t>
+              <a:t> </a:t>
             </a:r>
             <a:r>
               <a:rPr lang="en-GB" dirty="0"/>
               <a:t>and </a:t>
             </a:r>
             <a:r>
-              <a:rPr lang="en-GB" dirty="0" smtClean="0"/>
-              <a:t>mindfulness</a:t>
-            </a:r>
-            <a:endParaRPr lang="en-GB" dirty="0"/>
+              <a:rPr lang="en-GB" b="1" dirty="0" smtClean="0"/>
+              <a:t>describing</a:t>
+            </a:r>
+            <a:endParaRPr lang="en-GB" b="1" dirty="0"/>
           </a:p>
         </p:txBody>
       </p:sp>
@@ -10827,7 +11350,7 @@
                             </p:stCondLst>
                             <p:childTnLst>
                               <p:par>
-                                <p:cTn id="5" presetID="10" presetClass="entr" presetSubtype="0" fill="hold" grpId="0" nodeType="clickEffect">
+                                <p:cTn id="5" presetID="1" presetClass="entr" presetSubtype="0" fill="hold" grpId="0" nodeType="clickEffect">
                                   <p:stCondLst>
                                     <p:cond delay="0"/>
                                   </p:stCondLst>
@@ -10850,14 +11373,33 @@
                                         <p:strVal val="visible"/>
                                       </p:to>
                                     </p:set>
-                                    <p:animEffect transition="in" filter="fade">
+                                  </p:childTnLst>
+                                </p:cTn>
+                              </p:par>
+                              <p:par>
+                                <p:cTn id="7" presetID="1" presetClass="entr" presetSubtype="0" fill="hold" grpId="0" nodeType="withEffect">
+                                  <p:stCondLst>
+                                    <p:cond delay="0"/>
+                                  </p:stCondLst>
+                                  <p:childTnLst>
+                                    <p:set>
                                       <p:cBhvr>
-                                        <p:cTn id="7" dur="500"/>
+                                        <p:cTn id="8" dur="1" fill="hold">
+                                          <p:stCondLst>
+                                            <p:cond delay="0"/>
+                                          </p:stCondLst>
+                                        </p:cTn>
                                         <p:tgtEl>
-                                          <p:spTgt spid="24"/>
+                                          <p:spTgt spid="17"/>
                                         </p:tgtEl>
+                                        <p:attrNameLst>
+                                          <p:attrName>style.visibility</p:attrName>
+                                        </p:attrNameLst>
                                       </p:cBhvr>
-                                    </p:animEffect>
+                                      <p:to>
+                                        <p:strVal val="visible"/>
+                                      </p:to>
+                                    </p:set>
                                   </p:childTnLst>
                                 </p:cTn>
                               </p:par>
@@ -10868,26 +11410,125 @@
                     </p:cTn>
                   </p:par>
                   <p:par>
-                    <p:cTn id="8" fill="hold">
+                    <p:cTn id="9" fill="hold">
                       <p:stCondLst>
                         <p:cond delay="indefinite"/>
                       </p:stCondLst>
                       <p:childTnLst>
                         <p:par>
-                          <p:cTn id="9" fill="hold">
+                          <p:cTn id="10" fill="hold">
                             <p:stCondLst>
                               <p:cond delay="0"/>
                             </p:stCondLst>
                             <p:childTnLst>
                               <p:par>
-                                <p:cTn id="10" presetID="10" presetClass="entr" presetSubtype="0" fill="hold" grpId="0" nodeType="clickEffect">
+                                <p:cTn id="11" presetID="1" presetClass="entr" presetSubtype="0" fill="hold" grpId="0" nodeType="clickEffect">
                                   <p:stCondLst>
                                     <p:cond delay="0"/>
                                   </p:stCondLst>
                                   <p:childTnLst>
                                     <p:set>
                                       <p:cBhvr>
-                                        <p:cTn id="11" dur="1" fill="hold">
+                                        <p:cTn id="12" dur="1" fill="hold">
+                                          <p:stCondLst>
+                                            <p:cond delay="0"/>
+                                          </p:stCondLst>
+                                        </p:cTn>
+                                        <p:tgtEl>
+                                          <p:spTgt spid="30"/>
+                                        </p:tgtEl>
+                                        <p:attrNameLst>
+                                          <p:attrName>style.visibility</p:attrName>
+                                        </p:attrNameLst>
+                                      </p:cBhvr>
+                                      <p:to>
+                                        <p:strVal val="visible"/>
+                                      </p:to>
+                                    </p:set>
+                                  </p:childTnLst>
+                                </p:cTn>
+                              </p:par>
+                              <p:par>
+                                <p:cTn id="13" presetID="1" presetClass="entr" presetSubtype="0" fill="hold" grpId="0" nodeType="withEffect">
+                                  <p:stCondLst>
+                                    <p:cond delay="0"/>
+                                  </p:stCondLst>
+                                  <p:childTnLst>
+                                    <p:set>
+                                      <p:cBhvr>
+                                        <p:cTn id="14" dur="1" fill="hold">
+                                          <p:stCondLst>
+                                            <p:cond delay="0"/>
+                                          </p:stCondLst>
+                                        </p:cTn>
+                                        <p:tgtEl>
+                                          <p:spTgt spid="32"/>
+                                        </p:tgtEl>
+                                        <p:attrNameLst>
+                                          <p:attrName>style.visibility</p:attrName>
+                                        </p:attrNameLst>
+                                      </p:cBhvr>
+                                      <p:to>
+                                        <p:strVal val="visible"/>
+                                      </p:to>
+                                    </p:set>
+                                  </p:childTnLst>
+                                </p:cTn>
+                              </p:par>
+                            </p:childTnLst>
+                          </p:cTn>
+                        </p:par>
+                      </p:childTnLst>
+                    </p:cTn>
+                  </p:par>
+                  <p:par>
+                    <p:cTn id="15" fill="hold">
+                      <p:stCondLst>
+                        <p:cond delay="indefinite"/>
+                      </p:stCondLst>
+                      <p:childTnLst>
+                        <p:par>
+                          <p:cTn id="16" fill="hold">
+                            <p:stCondLst>
+                              <p:cond delay="0"/>
+                            </p:stCondLst>
+                            <p:childTnLst>
+                              <p:par>
+                                <p:cTn id="17" presetID="1" presetClass="entr" presetSubtype="0" fill="hold" grpId="0" nodeType="clickEffect">
+                                  <p:stCondLst>
+                                    <p:cond delay="0"/>
+                                  </p:stCondLst>
+                                  <p:childTnLst>
+                                    <p:set>
+                                      <p:cBhvr>
+                                        <p:cTn id="18" dur="1" fill="hold">
+                                          <p:stCondLst>
+                                            <p:cond delay="0"/>
+                                          </p:stCondLst>
+                                        </p:cTn>
+                                        <p:tgtEl>
+                                          <p:spTgt spid="26"/>
+                                        </p:tgtEl>
+                                        <p:attrNameLst>
+                                          <p:attrName>style.visibility</p:attrName>
+                                        </p:attrNameLst>
+                                      </p:cBhvr>
+                                      <p:to>
+                                        <p:strVal val="visible"/>
+                                      </p:to>
+                                    </p:set>
+                                  </p:childTnLst>
+                                </p:cTn>
+                              </p:par>
+                              <p:par>
+                                <p:cTn id="19" presetID="1" presetClass="entr" presetSubtype="0" fill="hold" grpId="0" nodeType="withEffect">
+                                  <p:stCondLst>
+                                    <p:cond delay="0"/>
+                                  </p:stCondLst>
+                                  <p:childTnLst>
+                                    <p:set>
+                                      <p:cBhvr>
+                                        <p:cTn id="20" dur="1" fill="hold">
                                           <p:stCondLst>
                                             <p:cond delay="0"/>
                                           </p:stCondLst>
@@ -10903,49 +11544,6 @@
                                         <p:strVal val="visible"/>
                                       </p:to>
                                     </p:set>
-                                    <p:animEffect transition="in" filter="fade">
-                                      <p:cBhvr>
-                                        <p:cTn id="12" dur="500"/>
-                                        <p:tgtEl>
-                                          <p:spTgt spid="31"/>
-                                        </p:tgtEl>
-                                      </p:cBhvr>
-                                    </p:animEffect>
-                                  </p:childTnLst>
-                                </p:cTn>
-                              </p:par>
-                              <p:par>
-                                <p:cTn id="13" presetID="10" presetClass="entr" presetSubtype="0" fill="hold" grpId="0" nodeType="withEffect">
-                                  <p:stCondLst>
-                                    <p:cond delay="0"/>
-                                  </p:stCondLst>
-                                  <p:childTnLst>
-                                    <p:set>
-                                      <p:cBhvr>
-                                        <p:cTn id="14" dur="1" fill="hold">
-                                          <p:stCondLst>
-                                            <p:cond delay="0"/>
-                                          </p:stCondLst>
-                                        </p:cTn>
-                                        <p:tgtEl>
-                                          <p:spTgt spid="30"/>
-                                        </p:tgtEl>
-                                        <p:attrNameLst>
-                                          <p:attrName>style.visibility</p:attrName>
-                                        </p:attrNameLst>
-                                      </p:cBhvr>
-                                      <p:to>
-                                        <p:strVal val="visible"/>
-                                      </p:to>
-                                    </p:set>
-                                    <p:animEffect transition="in" filter="fade">
-                                      <p:cBhvr>
-                                        <p:cTn id="15" dur="500"/>
-                                        <p:tgtEl>
-                                          <p:spTgt spid="30"/>
-                                        </p:tgtEl>
-                                      </p:cBhvr>
-                                    </p:animEffect>
                                   </p:childTnLst>
                                 </p:cTn>
                               </p:par>
@@ -10956,32 +11554,32 @@
                     </p:cTn>
                   </p:par>
                   <p:par>
-                    <p:cTn id="16" fill="hold">
+                    <p:cTn id="21" fill="hold">
                       <p:stCondLst>
                         <p:cond delay="indefinite"/>
                       </p:stCondLst>
                       <p:childTnLst>
                         <p:par>
-                          <p:cTn id="17" fill="hold">
+                          <p:cTn id="22" fill="hold">
                             <p:stCondLst>
                               <p:cond delay="0"/>
                             </p:stCondLst>
                             <p:childTnLst>
                               <p:par>
-                                <p:cTn id="18" presetID="10" presetClass="entr" presetSubtype="0" fill="hold" grpId="0" nodeType="clickEffect">
+                                <p:cTn id="23" presetID="1" presetClass="entr" presetSubtype="0" fill="hold" grpId="0" nodeType="clickEffect">
                                   <p:stCondLst>
                                     <p:cond delay="0"/>
                                   </p:stCondLst>
                                   <p:childTnLst>
                                     <p:set>
                                       <p:cBhvr>
-                                        <p:cTn id="19" dur="1" fill="hold">
+                                        <p:cTn id="24" dur="1" fill="hold">
                                           <p:stCondLst>
                                             <p:cond delay="0"/>
                                           </p:stCondLst>
                                         </p:cTn>
                                         <p:tgtEl>
-                                          <p:spTgt spid="26"/>
+                                          <p:spTgt spid="2"/>
                                         </p:tgtEl>
                                         <p:attrNameLst>
                                           <p:attrName>style.visibility</p:attrName>
@@ -10991,79 +11589,18 @@
                                         <p:strVal val="visible"/>
                                       </p:to>
                                     </p:set>
-                                    <p:animEffect transition="in" filter="fade">
-                                      <p:cBhvr>
-                                        <p:cTn id="20" dur="500"/>
-                                        <p:tgtEl>
-                                          <p:spTgt spid="26"/>
-                                        </p:tgtEl>
-                                      </p:cBhvr>
-                                    </p:animEffect>
                                   </p:childTnLst>
                                 </p:cTn>
                               </p:par>
                               <p:par>
-                                <p:cTn id="21" presetID="10" presetClass="entr" presetSubtype="0" fill="hold" grpId="0" nodeType="withEffect">
+                                <p:cTn id="25" presetID="1" presetClass="entr" presetSubtype="0" fill="hold" grpId="0" nodeType="withEffect">
                                   <p:stCondLst>
                                     <p:cond delay="0"/>
                                   </p:stCondLst>
                                   <p:childTnLst>
                                     <p:set>
                                       <p:cBhvr>
-                                        <p:cTn id="22" dur="1" fill="hold">
-                                          <p:stCondLst>
-                                            <p:cond delay="0"/>
-                                          </p:stCondLst>
-                                        </p:cTn>
-                                        <p:tgtEl>
-                                          <p:spTgt spid="32"/>
-                                        </p:tgtEl>
-                                        <p:attrNameLst>
-                                          <p:attrName>style.visibility</p:attrName>
-                                        </p:attrNameLst>
-                                      </p:cBhvr>
-                                      <p:to>
-                                        <p:strVal val="visible"/>
-                                      </p:to>
-                                    </p:set>
-                                    <p:animEffect transition="in" filter="fade">
-                                      <p:cBhvr>
-                                        <p:cTn id="23" dur="500"/>
-                                        <p:tgtEl>
-                                          <p:spTgt spid="32"/>
-                                        </p:tgtEl>
-                                      </p:cBhvr>
-                                    </p:animEffect>
-                                  </p:childTnLst>
-                                </p:cTn>
-                              </p:par>
-                            </p:childTnLst>
-                          </p:cTn>
-                        </p:par>
-                      </p:childTnLst>
-                    </p:cTn>
-                  </p:par>
-                  <p:par>
-                    <p:cTn id="24" fill="hold">
-                      <p:stCondLst>
-                        <p:cond delay="indefinite"/>
-                      </p:stCondLst>
-                      <p:childTnLst>
-                        <p:par>
-                          <p:cTn id="25" fill="hold">
-                            <p:stCondLst>
-                              <p:cond delay="0"/>
-                            </p:stCondLst>
-                            <p:childTnLst>
-                              <p:par>
-                                <p:cTn id="26" presetID="10" presetClass="entr" presetSubtype="0" fill="hold" grpId="0" nodeType="clickEffect">
-                                  <p:stCondLst>
-                                    <p:cond delay="0"/>
-                                  </p:stCondLst>
-                                  <p:childTnLst>
-                                    <p:set>
-                                      <p:cBhvr>
-                                        <p:cTn id="27" dur="1" fill="hold">
+                                        <p:cTn id="26" dur="1" fill="hold">
                                           <p:stCondLst>
                                             <p:cond delay="0"/>
                                           </p:stCondLst>
@@ -11079,14 +11616,6 @@
                                         <p:strVal val="visible"/>
                                       </p:to>
                                     </p:set>
-                                    <p:animEffect transition="in" filter="fade">
-                                      <p:cBhvr>
-                                        <p:cTn id="28" dur="500"/>
-                                        <p:tgtEl>
-                                          <p:spTgt spid="27"/>
-                                        </p:tgtEl>
-                                      </p:cBhvr>
-                                    </p:animEffect>
                                   </p:childTnLst>
                                 </p:cTn>
                               </p:par>
@@ -11097,26 +11626,26 @@
                     </p:cTn>
                   </p:par>
                   <p:par>
-                    <p:cTn id="29" fill="hold">
+                    <p:cTn id="27" fill="hold">
                       <p:stCondLst>
                         <p:cond delay="indefinite"/>
                       </p:stCondLst>
                       <p:childTnLst>
                         <p:par>
-                          <p:cTn id="30" fill="hold">
+                          <p:cTn id="28" fill="hold">
                             <p:stCondLst>
                               <p:cond delay="0"/>
                             </p:stCondLst>
                             <p:childTnLst>
                               <p:par>
-                                <p:cTn id="31" presetID="10" presetClass="entr" presetSubtype="0" fill="hold" grpId="0" nodeType="clickEffect">
+                                <p:cTn id="29" presetID="1" presetClass="entr" presetSubtype="0" fill="hold" grpId="0" nodeType="clickEffect">
                                   <p:stCondLst>
                                     <p:cond delay="0"/>
                                   </p:stCondLst>
                                   <p:childTnLst>
                                     <p:set>
                                       <p:cBhvr>
-                                        <p:cTn id="32" dur="1" fill="hold">
+                                        <p:cTn id="30" dur="1" fill="hold">
                                           <p:stCondLst>
                                             <p:cond delay="0"/>
                                           </p:stCondLst>
@@ -11132,14 +11661,33 @@
                                         <p:strVal val="visible"/>
                                       </p:to>
                                     </p:set>
-                                    <p:animEffect transition="in" filter="fade">
+                                  </p:childTnLst>
+                                </p:cTn>
+                              </p:par>
+                              <p:par>
+                                <p:cTn id="31" presetID="1" presetClass="entr" presetSubtype="0" fill="hold" grpId="0" nodeType="withEffect">
+                                  <p:stCondLst>
+                                    <p:cond delay="0"/>
+                                  </p:stCondLst>
+                                  <p:childTnLst>
+                                    <p:set>
                                       <p:cBhvr>
-                                        <p:cTn id="33" dur="500"/>
+                                        <p:cTn id="32" dur="1" fill="hold">
+                                          <p:stCondLst>
+                                            <p:cond delay="0"/>
+                                          </p:stCondLst>
+                                        </p:cTn>
                                         <p:tgtEl>
-                                          <p:spTgt spid="28"/>
+                                          <p:spTgt spid="16"/>
                                         </p:tgtEl>
+                                        <p:attrNameLst>
+                                          <p:attrName>style.visibility</p:attrName>
+                                        </p:attrNameLst>
                                       </p:cBhvr>
-                                    </p:animEffect>
+                                      <p:to>
+                                        <p:strVal val="visible"/>
+                                      </p:to>
+                                    </p:set>
                                   </p:childTnLst>
                                 </p:cTn>
                               </p:par>
@@ -11150,26 +11698,26 @@
                     </p:cTn>
                   </p:par>
                   <p:par>
-                    <p:cTn id="34" fill="hold">
+                    <p:cTn id="33" fill="hold">
                       <p:stCondLst>
                         <p:cond delay="indefinite"/>
                       </p:stCondLst>
                       <p:childTnLst>
                         <p:par>
-                          <p:cTn id="35" fill="hold">
+                          <p:cTn id="34" fill="hold">
                             <p:stCondLst>
                               <p:cond delay="0"/>
                             </p:stCondLst>
                             <p:childTnLst>
                               <p:par>
-                                <p:cTn id="36" presetID="10" presetClass="entr" presetSubtype="0" fill="hold" grpId="0" nodeType="clickEffect">
+                                <p:cTn id="35" presetID="1" presetClass="entr" presetSubtype="0" fill="hold" grpId="0" nodeType="clickEffect">
                                   <p:stCondLst>
                                     <p:cond delay="0"/>
                                   </p:stCondLst>
                                   <p:childTnLst>
                                     <p:set>
                                       <p:cBhvr>
-                                        <p:cTn id="37" dur="1" fill="hold">
+                                        <p:cTn id="36" dur="1" fill="hold">
                                           <p:stCondLst>
                                             <p:cond delay="0"/>
                                           </p:stCondLst>
@@ -11185,54 +11733,24 @@
                                         <p:strVal val="visible"/>
                                       </p:to>
                                     </p:set>
-                                    <p:animEffect transition="in" filter="fade">
-                                      <p:cBhvr>
-                                        <p:cTn id="38" dur="500"/>
-                                        <p:tgtEl>
-                                          <p:spTgt spid="29"/>
-                                        </p:tgtEl>
-                                      </p:cBhvr>
-                                    </p:animEffect>
                                   </p:childTnLst>
                                 </p:cTn>
                               </p:par>
-                            </p:childTnLst>
-                          </p:cTn>
-                        </p:par>
-                      </p:childTnLst>
-                    </p:cTn>
-                  </p:par>
-                  <p:par>
-                    <p:cTn id="39" fill="hold">
-                      <p:stCondLst>
-                        <p:cond delay="indefinite"/>
-                      </p:stCondLst>
-                      <p:childTnLst>
-                        <p:par>
-                          <p:cTn id="40" fill="hold">
-                            <p:stCondLst>
-                              <p:cond delay="0"/>
-                            </p:stCondLst>
-                            <p:childTnLst>
                               <p:par>
-                                <p:cTn id="41" presetID="10" presetClass="entr" presetSubtype="0" fill="hold" nodeType="clickEffect">
+                                <p:cTn id="37" presetID="1" presetClass="entr" presetSubtype="0" fill="hold" grpId="0" nodeType="withEffect">
                                   <p:stCondLst>
                                     <p:cond delay="0"/>
                                   </p:stCondLst>
                                   <p:childTnLst>
                                     <p:set>
                                       <p:cBhvr>
-                                        <p:cTn id="42" dur="1" fill="hold">
+                                        <p:cTn id="38" dur="1" fill="hold">
                                           <p:stCondLst>
                                             <p:cond delay="0"/>
                                           </p:stCondLst>
                                         </p:cTn>
                                         <p:tgtEl>
-                                          <p:spTgt spid="17">
-                                            <p:txEl>
-                                              <p:pRg st="2" end="2"/>
-                                            </p:txEl>
-                                          </p:spTgt>
+                                          <p:spTgt spid="18"/>
                                         </p:tgtEl>
                                         <p:attrNameLst>
                                           <p:attrName>style.visibility</p:attrName>
@@ -11242,323 +11760,6 @@
                                         <p:strVal val="visible"/>
                                       </p:to>
                                     </p:set>
-                                    <p:animEffect transition="in" filter="fade">
-                                      <p:cBhvr>
-                                        <p:cTn id="43" dur="500"/>
-                                        <p:tgtEl>
-                                          <p:spTgt spid="17">
-                                            <p:txEl>
-                                              <p:pRg st="2" end="2"/>
-                                            </p:txEl>
-                                          </p:spTgt>
-                                        </p:tgtEl>
-                                      </p:cBhvr>
-                                    </p:animEffect>
-                                  </p:childTnLst>
-                                </p:cTn>
-                              </p:par>
-                            </p:childTnLst>
-                          </p:cTn>
-                        </p:par>
-                      </p:childTnLst>
-                    </p:cTn>
-                  </p:par>
-                  <p:par>
-                    <p:cTn id="44" fill="hold">
-                      <p:stCondLst>
-                        <p:cond delay="indefinite"/>
-                      </p:stCondLst>
-                      <p:childTnLst>
-                        <p:par>
-                          <p:cTn id="45" fill="hold">
-                            <p:stCondLst>
-                              <p:cond delay="0"/>
-                            </p:stCondLst>
-                            <p:childTnLst>
-                              <p:par>
-                                <p:cTn id="46" presetID="10" presetClass="entr" presetSubtype="0" fill="hold" nodeType="clickEffect">
-                                  <p:stCondLst>
-                                    <p:cond delay="0"/>
-                                  </p:stCondLst>
-                                  <p:childTnLst>
-                                    <p:set>
-                                      <p:cBhvr>
-                                        <p:cTn id="47" dur="1" fill="hold">
-                                          <p:stCondLst>
-                                            <p:cond delay="0"/>
-                                          </p:stCondLst>
-                                        </p:cTn>
-                                        <p:tgtEl>
-                                          <p:spTgt spid="17">
-                                            <p:txEl>
-                                              <p:pRg st="0" end="0"/>
-                                            </p:txEl>
-                                          </p:spTgt>
-                                        </p:tgtEl>
-                                        <p:attrNameLst>
-                                          <p:attrName>style.visibility</p:attrName>
-                                        </p:attrNameLst>
-                                      </p:cBhvr>
-                                      <p:to>
-                                        <p:strVal val="visible"/>
-                                      </p:to>
-                                    </p:set>
-                                    <p:animEffect transition="in" filter="fade">
-                                      <p:cBhvr>
-                                        <p:cTn id="48" dur="500"/>
-                                        <p:tgtEl>
-                                          <p:spTgt spid="17">
-                                            <p:txEl>
-                                              <p:pRg st="0" end="0"/>
-                                            </p:txEl>
-                                          </p:spTgt>
-                                        </p:tgtEl>
-                                      </p:cBhvr>
-                                    </p:animEffect>
-                                  </p:childTnLst>
-                                </p:cTn>
-                              </p:par>
-                            </p:childTnLst>
-                          </p:cTn>
-                        </p:par>
-                      </p:childTnLst>
-                    </p:cTn>
-                  </p:par>
-                  <p:par>
-                    <p:cTn id="49" fill="hold">
-                      <p:stCondLst>
-                        <p:cond delay="indefinite"/>
-                      </p:stCondLst>
-                      <p:childTnLst>
-                        <p:par>
-                          <p:cTn id="50" fill="hold">
-                            <p:stCondLst>
-                              <p:cond delay="0"/>
-                            </p:stCondLst>
-                            <p:childTnLst>
-                              <p:par>
-                                <p:cTn id="51" presetID="10" presetClass="entr" presetSubtype="0" fill="hold" nodeType="clickEffect">
-                                  <p:stCondLst>
-                                    <p:cond delay="0"/>
-                                  </p:stCondLst>
-                                  <p:childTnLst>
-                                    <p:set>
-                                      <p:cBhvr>
-                                        <p:cTn id="52" dur="1" fill="hold">
-                                          <p:stCondLst>
-                                            <p:cond delay="0"/>
-                                          </p:stCondLst>
-                                        </p:cTn>
-                                        <p:tgtEl>
-                                          <p:spTgt spid="2">
-                                            <p:txEl>
-                                              <p:pRg st="0" end="0"/>
-                                            </p:txEl>
-                                          </p:spTgt>
-                                        </p:tgtEl>
-                                        <p:attrNameLst>
-                                          <p:attrName>style.visibility</p:attrName>
-                                        </p:attrNameLst>
-                                      </p:cBhvr>
-                                      <p:to>
-                                        <p:strVal val="visible"/>
-                                      </p:to>
-                                    </p:set>
-                                    <p:animEffect transition="in" filter="fade">
-                                      <p:cBhvr>
-                                        <p:cTn id="53" dur="500"/>
-                                        <p:tgtEl>
-                                          <p:spTgt spid="2">
-                                            <p:txEl>
-                                              <p:pRg st="0" end="0"/>
-                                            </p:txEl>
-                                          </p:spTgt>
-                                        </p:tgtEl>
-                                      </p:cBhvr>
-                                    </p:animEffect>
-                                  </p:childTnLst>
-                                </p:cTn>
-                              </p:par>
-                            </p:childTnLst>
-                          </p:cTn>
-                        </p:par>
-                      </p:childTnLst>
-                    </p:cTn>
-                  </p:par>
-                  <p:par>
-                    <p:cTn id="54" fill="hold">
-                      <p:stCondLst>
-                        <p:cond delay="indefinite"/>
-                      </p:stCondLst>
-                      <p:childTnLst>
-                        <p:par>
-                          <p:cTn id="55" fill="hold">
-                            <p:stCondLst>
-                              <p:cond delay="0"/>
-                            </p:stCondLst>
-                            <p:childTnLst>
-                              <p:par>
-                                <p:cTn id="56" presetID="10" presetClass="entr" presetSubtype="0" fill="hold" nodeType="clickEffect">
-                                  <p:stCondLst>
-                                    <p:cond delay="0"/>
-                                  </p:stCondLst>
-                                  <p:childTnLst>
-                                    <p:set>
-                                      <p:cBhvr>
-                                        <p:cTn id="57" dur="1" fill="hold">
-                                          <p:stCondLst>
-                                            <p:cond delay="0"/>
-                                          </p:stCondLst>
-                                        </p:cTn>
-                                        <p:tgtEl>
-                                          <p:spTgt spid="2">
-                                            <p:txEl>
-                                              <p:pRg st="1" end="1"/>
-                                            </p:txEl>
-                                          </p:spTgt>
-                                        </p:tgtEl>
-                                        <p:attrNameLst>
-                                          <p:attrName>style.visibility</p:attrName>
-                                        </p:attrNameLst>
-                                      </p:cBhvr>
-                                      <p:to>
-                                        <p:strVal val="visible"/>
-                                      </p:to>
-                                    </p:set>
-                                    <p:animEffect transition="in" filter="fade">
-                                      <p:cBhvr>
-                                        <p:cTn id="58" dur="500"/>
-                                        <p:tgtEl>
-                                          <p:spTgt spid="2">
-                                            <p:txEl>
-                                              <p:pRg st="1" end="1"/>
-                                            </p:txEl>
-                                          </p:spTgt>
-                                        </p:tgtEl>
-                                      </p:cBhvr>
-                                    </p:animEffect>
-                                  </p:childTnLst>
-                                </p:cTn>
-                              </p:par>
-                            </p:childTnLst>
-                          </p:cTn>
-                        </p:par>
-                      </p:childTnLst>
-                    </p:cTn>
-                  </p:par>
-                  <p:par>
-                    <p:cTn id="59" fill="hold">
-                      <p:stCondLst>
-                        <p:cond delay="indefinite"/>
-                      </p:stCondLst>
-                      <p:childTnLst>
-                        <p:par>
-                          <p:cTn id="60" fill="hold">
-                            <p:stCondLst>
-                              <p:cond delay="0"/>
-                            </p:stCondLst>
-                            <p:childTnLst>
-                              <p:par>
-                                <p:cTn id="61" presetID="10" presetClass="entr" presetSubtype="0" fill="hold" nodeType="clickEffect">
-                                  <p:stCondLst>
-                                    <p:cond delay="0"/>
-                                  </p:stCondLst>
-                                  <p:childTnLst>
-                                    <p:set>
-                                      <p:cBhvr>
-                                        <p:cTn id="62" dur="1" fill="hold">
-                                          <p:stCondLst>
-                                            <p:cond delay="0"/>
-                                          </p:stCondLst>
-                                        </p:cTn>
-                                        <p:tgtEl>
-                                          <p:spTgt spid="16">
-                                            <p:txEl>
-                                              <p:pRg st="0" end="0"/>
-                                            </p:txEl>
-                                          </p:spTgt>
-                                        </p:tgtEl>
-                                        <p:attrNameLst>
-                                          <p:attrName>style.visibility</p:attrName>
-                                        </p:attrNameLst>
-                                      </p:cBhvr>
-                                      <p:to>
-                                        <p:strVal val="visible"/>
-                                      </p:to>
-                                    </p:set>
-                                    <p:animEffect transition="in" filter="fade">
-                                      <p:cBhvr>
-                                        <p:cTn id="63" dur="500"/>
-                                        <p:tgtEl>
-                                          <p:spTgt spid="16">
-                                            <p:txEl>
-                                              <p:pRg st="0" end="0"/>
-                                            </p:txEl>
-                                          </p:spTgt>
-                                        </p:tgtEl>
-                                      </p:cBhvr>
-                                    </p:animEffect>
-                                  </p:childTnLst>
-                                </p:cTn>
-                              </p:par>
-                            </p:childTnLst>
-                          </p:cTn>
-                        </p:par>
-                      </p:childTnLst>
-                    </p:cTn>
-                  </p:par>
-                  <p:par>
-                    <p:cTn id="64" fill="hold">
-                      <p:stCondLst>
-                        <p:cond delay="indefinite"/>
-                      </p:stCondLst>
-                      <p:childTnLst>
-                        <p:par>
-                          <p:cTn id="65" fill="hold">
-                            <p:stCondLst>
-                              <p:cond delay="0"/>
-                            </p:stCondLst>
-                            <p:childTnLst>
-                              <p:par>
-                                <p:cTn id="66" presetID="10" presetClass="entr" presetSubtype="0" fill="hold" nodeType="clickEffect">
-                                  <p:stCondLst>
-                                    <p:cond delay="0"/>
-                                  </p:stCondLst>
-                                  <p:childTnLst>
-                                    <p:set>
-                                      <p:cBhvr>
-                                        <p:cTn id="67" dur="1" fill="hold">
-                                          <p:stCondLst>
-                                            <p:cond delay="0"/>
-                                          </p:stCondLst>
-                                        </p:cTn>
-                                        <p:tgtEl>
-                                          <p:spTgt spid="16">
-                                            <p:txEl>
-                                              <p:pRg st="1" end="1"/>
-                                            </p:txEl>
-                                          </p:spTgt>
-                                        </p:tgtEl>
-                                        <p:attrNameLst>
-                                          <p:attrName>style.visibility</p:attrName>
-                                        </p:attrNameLst>
-                                      </p:cBhvr>
-                                      <p:to>
-                                        <p:strVal val="visible"/>
-                                      </p:to>
-                                    </p:set>
-                                    <p:animEffect transition="in" filter="fade">
-                                      <p:cBhvr>
-                                        <p:cTn id="68" dur="500"/>
-                                        <p:tgtEl>
-                                          <p:spTgt spid="16">
-                                            <p:txEl>
-                                              <p:pRg st="1" end="1"/>
-                                            </p:txEl>
-                                          </p:spTgt>
-                                        </p:tgtEl>
-                                      </p:cBhvr>
-                                    </p:animEffect>
                                   </p:childTnLst>
                                 </p:cTn>
                               </p:par>
@@ -11598,12 +11799,901 @@
       <p:bldP spid="30" grpId="0" animBg="1"/>
       <p:bldP spid="31" grpId="0"/>
       <p:bldP spid="32" grpId="0"/>
+      <p:bldP spid="2" grpId="0"/>
+      <p:bldP spid="16" grpId="0"/>
+      <p:bldP spid="17" grpId="0"/>
+      <p:bldP spid="18" grpId="0"/>
     </p:bldLst>
   </p:timing>
 </p:sld>
 </file>
 
 <file path=ppt/slides/slide18.xml><?xml version="1.0" encoding="utf-8"?>
+<p:sld xmlns:a="http://schemas.openxmlformats.org/drawingml/2006/main" xmlns:r="http://schemas.openxmlformats.org/officeDocument/2006/relationships" xmlns:p="http://schemas.openxmlformats.org/presentationml/2006/main">
+  <p:cSld>
+    <p:spTree>
+      <p:nvGrpSpPr>
+        <p:cNvPr id="1" name=""/>
+        <p:cNvGrpSpPr/>
+        <p:nvPr/>
+      </p:nvGrpSpPr>
+      <p:grpSpPr>
+        <a:xfrm>
+          <a:off x="0" y="0"/>
+          <a:ext cx="0" cy="0"/>
+          <a:chOff x="0" y="0"/>
+          <a:chExt cx="0" cy="0"/>
+        </a:xfrm>
+      </p:grpSpPr>
+      <p:sp>
+        <p:nvSpPr>
+          <p:cNvPr id="4" name="Slide Number Placeholder 3"/>
+          <p:cNvSpPr>
+            <a:spLocks noGrp="1"/>
+          </p:cNvSpPr>
+          <p:nvPr>
+            <p:ph type="sldNum" sz="quarter" idx="12"/>
+          </p:nvPr>
+        </p:nvSpPr>
+        <p:spPr>
+          <a:xfrm>
+            <a:off x="11195957" y="6180721"/>
+            <a:ext cx="500743" cy="365125"/>
+          </a:xfrm>
+        </p:spPr>
+        <p:txBody>
+          <a:bodyPr/>
+          <a:lstStyle/>
+          <a:p>
+            <a:fld id="{B6F15528-21DE-4FAA-801E-634DDDAF4B2B}" type="slidenum">
+              <a:rPr lang="en-US" smtClean="0"/>
+              <a:pPr/>
+              <a:t>18</a:t>
+            </a:fld>
+            <a:endParaRPr lang="en-US"/>
+          </a:p>
+        </p:txBody>
+      </p:sp>
+      <p:sp>
+        <p:nvSpPr>
+          <p:cNvPr id="33" name="Title 1"/>
+          <p:cNvSpPr>
+            <a:spLocks noGrp="1"/>
+          </p:cNvSpPr>
+          <p:nvPr>
+            <p:ph type="title"/>
+          </p:nvPr>
+        </p:nvSpPr>
+        <p:spPr>
+          <a:xfrm>
+            <a:off x="1981200" y="458788"/>
+            <a:ext cx="8229600" cy="544228"/>
+          </a:xfrm>
+        </p:spPr>
+        <p:txBody>
+          <a:bodyPr>
+            <a:normAutofit fontScale="90000"/>
+          </a:bodyPr>
+          <a:lstStyle/>
+          <a:p>
+            <a:r>
+              <a:rPr lang="en-GB" sz="2400" dirty="0" smtClean="0"/>
+              <a:t>Using Bayes factors to assess the unique contribution of predictors</a:t>
+            </a:r>
+            <a:endParaRPr lang="en-GB" sz="2400" dirty="0"/>
+          </a:p>
+        </p:txBody>
+      </p:sp>
+      <mc:AlternateContent xmlns:mc="http://schemas.openxmlformats.org/markup-compatibility/2006" xmlns:a14="http://schemas.microsoft.com/office/drawing/2010/main">
+        <mc:Choice Requires="a14">
+          <p:sp>
+            <p:nvSpPr>
+              <p:cNvPr id="3" name="TextBox 2"/>
+              <p:cNvSpPr txBox="1"/>
+              <p:nvPr/>
+            </p:nvSpPr>
+            <p:spPr>
+              <a:xfrm>
+                <a:off x="3086101" y="1069758"/>
+                <a:ext cx="5943600" cy="2265557"/>
+              </a:xfrm>
+              <a:prstGeom prst="rect">
+                <a:avLst/>
+              </a:prstGeom>
+              <a:noFill/>
+            </p:spPr>
+            <p:txBody>
+              <a:bodyPr wrap="square" rtlCol="0">
+                <a:spAutoFit/>
+              </a:bodyPr>
+              <a:lstStyle/>
+              <a:p>
+                <a:r>
+                  <a:rPr lang="en-GB" b="1" dirty="0" smtClean="0">
+                    <a:solidFill>
+                      <a:schemeClr val="tx2">
+                        <a:lumMod val="50000"/>
+                      </a:schemeClr>
+                    </a:solidFill>
+                  </a:rPr>
+                  <a:t>Bayes factors of models can be compared to tell us how much more likely a particular model is than another model:</a:t>
+                </a:r>
+                <a:endParaRPr lang="en-GB" b="1" dirty="0">
+                  <a:solidFill>
+                    <a:schemeClr val="tx2">
+                      <a:lumMod val="50000"/>
+                    </a:schemeClr>
+                  </a:solidFill>
+                </a:endParaRPr>
+              </a:p>
+              <a:p>
+                <a:endParaRPr lang="en-GB" sz="1600" b="1" dirty="0"/>
+              </a:p>
+              <a:p>
+                <a:pPr/>
+                <a14:m>
+                  <m:oMathPara xmlns:m="http://schemas.openxmlformats.org/officeDocument/2006/math">
+                    <m:oMathParaPr>
+                      <m:jc m:val="centerGroup"/>
+                    </m:oMathParaPr>
+                    <m:oMath xmlns:m="http://schemas.openxmlformats.org/officeDocument/2006/math">
+                      <m:f>
+                        <m:fPr>
+                          <m:ctrlPr>
+                            <a:rPr lang="en-GB" b="1" i="1" smtClean="0">
+                              <a:latin typeface="Cambria Math" panose="02040503050406030204" pitchFamily="18" charset="0"/>
+                            </a:rPr>
+                          </m:ctrlPr>
+                        </m:fPr>
+                        <m:num>
+                          <m:r>
+                            <a:rPr lang="en-GB" b="1" i="1">
+                              <a:latin typeface="Cambria Math" panose="02040503050406030204" pitchFamily="18" charset="0"/>
+                            </a:rPr>
+                            <m:t>𝑩𝑭</m:t>
+                          </m:r>
+                          <m:r>
+                            <a:rPr lang="en-GB" b="1" i="1">
+                              <a:latin typeface="Cambria Math" panose="02040503050406030204" pitchFamily="18" charset="0"/>
+                            </a:rPr>
+                            <m:t>_</m:t>
+                          </m:r>
+                          <m:r>
+                            <a:rPr lang="en-GB" b="1" i="1">
+                              <a:latin typeface="Cambria Math" panose="02040503050406030204" pitchFamily="18" charset="0"/>
+                            </a:rPr>
+                            <m:t>𝒎𝒐𝒓𝒆</m:t>
+                          </m:r>
+                          <m:r>
+                            <a:rPr lang="en-GB" b="1" i="1">
+                              <a:latin typeface="Cambria Math" panose="02040503050406030204" pitchFamily="18" charset="0"/>
+                            </a:rPr>
+                            <m:t>_</m:t>
+                          </m:r>
+                          <m:r>
+                            <a:rPr lang="en-GB" b="1" i="1">
+                              <a:latin typeface="Cambria Math" panose="02040503050406030204" pitchFamily="18" charset="0"/>
+                            </a:rPr>
+                            <m:t>𝒄𝒐𝒎𝒑𝒍𝒆𝒙</m:t>
+                          </m:r>
+                          <m:r>
+                            <a:rPr lang="en-GB" b="1" i="1">
+                              <a:latin typeface="Cambria Math" panose="02040503050406030204" pitchFamily="18" charset="0"/>
+                            </a:rPr>
+                            <m:t>_</m:t>
+                          </m:r>
+                          <m:r>
+                            <a:rPr lang="en-GB" b="1" i="1">
+                              <a:latin typeface="Cambria Math" panose="02040503050406030204" pitchFamily="18" charset="0"/>
+                            </a:rPr>
+                            <m:t>𝒎𝒐𝒅𝒆𝒍</m:t>
+                          </m:r>
+                        </m:num>
+                        <m:den>
+                          <m:r>
+                            <a:rPr lang="en-GB" b="1" i="1" smtClean="0">
+                              <a:latin typeface="Cambria Math" panose="02040503050406030204" pitchFamily="18" charset="0"/>
+                            </a:rPr>
+                            <m:t>𝑩𝑭</m:t>
+                          </m:r>
+                          <m:r>
+                            <a:rPr lang="en-GB" b="1" i="1" smtClean="0">
+                              <a:latin typeface="Cambria Math" panose="02040503050406030204" pitchFamily="18" charset="0"/>
+                            </a:rPr>
+                            <m:t>_</m:t>
+                          </m:r>
+                          <m:r>
+                            <a:rPr lang="en-GB" b="1" i="1" smtClean="0">
+                              <a:latin typeface="Cambria Math" panose="02040503050406030204" pitchFamily="18" charset="0"/>
+                            </a:rPr>
+                            <m:t>𝒔𝒊𝒎𝒑𝒍𝒆𝒓</m:t>
+                          </m:r>
+                          <m:r>
+                            <a:rPr lang="en-GB" b="1" i="1" smtClean="0">
+                              <a:latin typeface="Cambria Math" panose="02040503050406030204" pitchFamily="18" charset="0"/>
+                            </a:rPr>
+                            <m:t>_</m:t>
+                          </m:r>
+                          <m:r>
+                            <a:rPr lang="en-GB" b="1" i="1" smtClean="0">
+                              <a:latin typeface="Cambria Math" panose="02040503050406030204" pitchFamily="18" charset="0"/>
+                            </a:rPr>
+                            <m:t>𝒎𝒐𝒅𝒆𝒍</m:t>
+                          </m:r>
+                        </m:den>
+                      </m:f>
+                    </m:oMath>
+                  </m:oMathPara>
+                </a14:m>
+                <a:endParaRPr lang="en-GB" b="1" dirty="0" smtClean="0"/>
+              </a:p>
+              <a:p>
+                <a:endParaRPr lang="en-GB" sz="1600" b="1" dirty="0" smtClean="0"/>
+              </a:p>
+              <a:p>
+                <a:r>
+                  <a:rPr lang="en-GB" dirty="0" smtClean="0"/>
+                  <a:t>This will tell us how many times more likely the more complex model is than the simpler model.</a:t>
+                </a:r>
+              </a:p>
+            </p:txBody>
+          </p:sp>
+        </mc:Choice>
+        <mc:Fallback xmlns="">
+          <p:sp>
+            <p:nvSpPr>
+              <p:cNvPr id="3" name="TextBox 2"/>
+              <p:cNvSpPr txBox="1">
+                <a:spLocks noRot="1" noChangeAspect="1" noMove="1" noResize="1" noEditPoints="1" noAdjustHandles="1" noChangeArrowheads="1" noChangeShapeType="1" noTextEdit="1"/>
+              </p:cNvSpPr>
+              <p:nvPr/>
+            </p:nvSpPr>
+            <p:spPr>
+              <a:xfrm>
+                <a:off x="3086101" y="1069758"/>
+                <a:ext cx="5943600" cy="2265557"/>
+              </a:xfrm>
+              <a:prstGeom prst="rect">
+                <a:avLst/>
+              </a:prstGeom>
+              <a:blipFill>
+                <a:blip r:embed="rId3"/>
+                <a:stretch>
+                  <a:fillRect l="-821" t="-1344" r="-1641" b="-3226"/>
+                </a:stretch>
+              </a:blipFill>
+            </p:spPr>
+            <p:txBody>
+              <a:bodyPr/>
+              <a:lstStyle/>
+              <a:p>
+                <a:r>
+                  <a:rPr lang="en-GB">
+                    <a:noFill/>
+                  </a:rPr>
+                  <a:t> </a:t>
+                </a:r>
+              </a:p>
+            </p:txBody>
+          </p:sp>
+        </mc:Fallback>
+      </mc:AlternateContent>
+      <mc:AlternateContent xmlns:mc="http://schemas.openxmlformats.org/markup-compatibility/2006" xmlns:a14="http://schemas.microsoft.com/office/drawing/2010/main">
+        <mc:Choice Requires="a14">
+          <p:sp>
+            <p:nvSpPr>
+              <p:cNvPr id="20" name="TextBox 19"/>
+              <p:cNvSpPr txBox="1"/>
+              <p:nvPr/>
+            </p:nvSpPr>
+            <p:spPr>
+              <a:xfrm>
+                <a:off x="3086101" y="3611607"/>
+                <a:ext cx="5943600" cy="3067699"/>
+              </a:xfrm>
+              <a:prstGeom prst="rect">
+                <a:avLst/>
+              </a:prstGeom>
+              <a:noFill/>
+            </p:spPr>
+            <p:txBody>
+              <a:bodyPr wrap="square" rtlCol="0">
+                <a:spAutoFit/>
+              </a:bodyPr>
+              <a:lstStyle/>
+              <a:p>
+                <a:r>
+                  <a:rPr lang="en-GB" dirty="0" smtClean="0"/>
+                  <a:t>So, comparing:</a:t>
+                </a:r>
+              </a:p>
+              <a:p>
+                <a:r>
+                  <a:rPr lang="en-GB" sz="1600" dirty="0" smtClean="0"/>
+                  <a:t> </a:t>
+                </a:r>
+              </a:p>
+              <a:p>
+                <a:pPr/>
+                <a14:m>
+                  <m:oMathPara xmlns:m="http://schemas.openxmlformats.org/officeDocument/2006/math">
+                    <m:oMathParaPr>
+                      <m:jc m:val="centerGroup"/>
+                    </m:oMathParaPr>
+                    <m:oMath xmlns:m="http://schemas.openxmlformats.org/officeDocument/2006/math">
+                      <m:f>
+                        <m:fPr>
+                          <m:ctrlPr>
+                            <a:rPr lang="en-GB" b="1" i="1">
+                              <a:latin typeface="Cambria Math" panose="02040503050406030204" pitchFamily="18" charset="0"/>
+                            </a:rPr>
+                          </m:ctrlPr>
+                        </m:fPr>
+                        <m:num>
+                          <m:r>
+                            <a:rPr lang="en-GB" b="1" i="1">
+                              <a:latin typeface="Cambria Math" panose="02040503050406030204" pitchFamily="18" charset="0"/>
+                            </a:rPr>
+                            <m:t>𝑩𝑭</m:t>
+                          </m:r>
+                          <m:r>
+                            <a:rPr lang="en-GB" b="1" i="1">
+                              <a:latin typeface="Cambria Math" panose="02040503050406030204" pitchFamily="18" charset="0"/>
+                            </a:rPr>
+                            <m:t>_</m:t>
+                          </m:r>
+                          <m:r>
+                            <a:rPr lang="en-GB" b="1" i="1" smtClean="0">
+                              <a:latin typeface="Cambria Math" panose="02040503050406030204" pitchFamily="18" charset="0"/>
+                            </a:rPr>
+                            <m:t>𝒎𝒐𝒅𝒆𝒍</m:t>
+                          </m:r>
+                          <m:r>
+                            <a:rPr lang="en-GB" b="1" i="1" smtClean="0">
+                              <a:latin typeface="Cambria Math" panose="02040503050406030204" pitchFamily="18" charset="0"/>
+                            </a:rPr>
+                            <m:t>_</m:t>
+                          </m:r>
+                          <m:r>
+                            <a:rPr lang="en-GB" b="1" i="1" smtClean="0">
+                              <a:latin typeface="Cambria Math" panose="02040503050406030204" pitchFamily="18" charset="0"/>
+                            </a:rPr>
+                            <m:t>𝒄𝒐𝒏𝒕𝒂𝒊𝒏𝒊𝒏𝒈</m:t>
+                          </m:r>
+                          <m:r>
+                            <a:rPr lang="en-GB" b="1" i="1" smtClean="0">
+                              <a:latin typeface="Cambria Math" panose="02040503050406030204" pitchFamily="18" charset="0"/>
+                            </a:rPr>
+                            <m:t>_</m:t>
+                          </m:r>
+                          <m:r>
+                            <a:rPr lang="en-GB" b="1" i="1" smtClean="0">
+                              <a:latin typeface="Cambria Math" panose="02040503050406030204" pitchFamily="18" charset="0"/>
+                            </a:rPr>
+                            <m:t>𝒑𝒓𝒆𝒅𝒊𝒄𝒕𝒐𝒓</m:t>
+                          </m:r>
+                          <m:r>
+                            <a:rPr lang="en-GB" b="1" i="1" smtClean="0">
+                              <a:latin typeface="Cambria Math" panose="02040503050406030204" pitchFamily="18" charset="0"/>
+                            </a:rPr>
+                            <m:t>𝟏</m:t>
+                          </m:r>
+                          <m:r>
+                            <a:rPr lang="en-GB" b="1" i="1" smtClean="0">
+                              <a:latin typeface="Cambria Math" panose="02040503050406030204" pitchFamily="18" charset="0"/>
+                            </a:rPr>
+                            <m:t>_</m:t>
+                          </m:r>
+                          <m:r>
+                            <a:rPr lang="en-GB" b="1" i="1" smtClean="0">
+                              <a:latin typeface="Cambria Math" panose="02040503050406030204" pitchFamily="18" charset="0"/>
+                            </a:rPr>
+                            <m:t>𝒂𝒏𝒅</m:t>
+                          </m:r>
+                          <m:r>
+                            <a:rPr lang="en-GB" b="1" i="1" smtClean="0">
+                              <a:latin typeface="Cambria Math" panose="02040503050406030204" pitchFamily="18" charset="0"/>
+                            </a:rPr>
+                            <m:t>_</m:t>
+                          </m:r>
+                          <m:r>
+                            <a:rPr lang="en-GB" b="1" i="1" smtClean="0">
+                              <a:latin typeface="Cambria Math" panose="02040503050406030204" pitchFamily="18" charset="0"/>
+                            </a:rPr>
+                            <m:t>𝒑𝒓𝒆𝒅𝒊𝒄𝒕𝒐𝒓</m:t>
+                          </m:r>
+                          <m:r>
+                            <a:rPr lang="en-GB" b="1" i="1" smtClean="0">
+                              <a:latin typeface="Cambria Math" panose="02040503050406030204" pitchFamily="18" charset="0"/>
+                            </a:rPr>
+                            <m:t>𝟐</m:t>
+                          </m:r>
+                        </m:num>
+                        <m:den>
+                          <m:r>
+                            <a:rPr lang="en-GB" b="1" i="1">
+                              <a:latin typeface="Cambria Math" panose="02040503050406030204" pitchFamily="18" charset="0"/>
+                            </a:rPr>
+                            <m:t>𝑩𝑭</m:t>
+                          </m:r>
+                          <m:r>
+                            <a:rPr lang="en-GB" b="1" i="1" smtClean="0">
+                              <a:latin typeface="Cambria Math" panose="02040503050406030204" pitchFamily="18" charset="0"/>
+                            </a:rPr>
+                            <m:t>_</m:t>
+                          </m:r>
+                          <m:r>
+                            <a:rPr lang="en-GB" b="1" i="1" smtClean="0">
+                              <a:latin typeface="Cambria Math" panose="02040503050406030204" pitchFamily="18" charset="0"/>
+                            </a:rPr>
+                            <m:t>𝒎𝒐𝒅𝒆𝒍</m:t>
+                          </m:r>
+                          <m:r>
+                            <a:rPr lang="en-GB" b="1" i="1" smtClean="0">
+                              <a:latin typeface="Cambria Math" panose="02040503050406030204" pitchFamily="18" charset="0"/>
+                            </a:rPr>
+                            <m:t>_</m:t>
+                          </m:r>
+                          <m:r>
+                            <a:rPr lang="en-GB" b="1" i="1" smtClean="0">
+                              <a:latin typeface="Cambria Math" panose="02040503050406030204" pitchFamily="18" charset="0"/>
+                            </a:rPr>
+                            <m:t>𝒄𝒐𝒏𝒕𝒂𝒊𝒏𝒊𝒏𝒈</m:t>
+                          </m:r>
+                          <m:r>
+                            <a:rPr lang="en-GB" b="1" i="1" smtClean="0">
+                              <a:latin typeface="Cambria Math" panose="02040503050406030204" pitchFamily="18" charset="0"/>
+                            </a:rPr>
+                            <m:t>_</m:t>
+                          </m:r>
+                          <m:r>
+                            <a:rPr lang="en-GB" b="1" i="1" smtClean="0">
+                              <a:latin typeface="Cambria Math" panose="02040503050406030204" pitchFamily="18" charset="0"/>
+                            </a:rPr>
+                            <m:t>𝒑𝒓𝒆𝒅𝒊𝒄𝒕𝒐𝒓</m:t>
+                          </m:r>
+                          <m:r>
+                            <a:rPr lang="en-GB" b="1" i="1" smtClean="0">
+                              <a:latin typeface="Cambria Math" panose="02040503050406030204" pitchFamily="18" charset="0"/>
+                            </a:rPr>
+                            <m:t>𝟐</m:t>
+                          </m:r>
+                          <m:r>
+                            <a:rPr lang="en-GB" b="1" i="1" smtClean="0">
+                              <a:latin typeface="Cambria Math" panose="02040503050406030204" pitchFamily="18" charset="0"/>
+                            </a:rPr>
+                            <m:t>_</m:t>
+                          </m:r>
+                          <m:r>
+                            <a:rPr lang="en-GB" b="1" i="1" smtClean="0">
+                              <a:latin typeface="Cambria Math" panose="02040503050406030204" pitchFamily="18" charset="0"/>
+                            </a:rPr>
+                            <m:t>𝒐𝒏𝒍𝒚</m:t>
+                          </m:r>
+                        </m:den>
+                      </m:f>
+                    </m:oMath>
+                  </m:oMathPara>
+                </a14:m>
+                <a:endParaRPr lang="en-GB" dirty="0" smtClean="0"/>
+              </a:p>
+              <a:p>
+                <a:endParaRPr lang="en-GB" sz="1600" dirty="0"/>
+              </a:p>
+              <a:p>
+                <a:r>
+                  <a:rPr lang="en-GB" dirty="0" smtClean="0"/>
+                  <a:t>will tell </a:t>
+                </a:r>
+                <a:r>
+                  <a:rPr lang="en-GB" dirty="0"/>
+                  <a:t>us </a:t>
+                </a:r>
+                <a:r>
+                  <a:rPr lang="en-GB" dirty="0" smtClean="0"/>
+                  <a:t>how </a:t>
+                </a:r>
+                <a:r>
+                  <a:rPr lang="en-GB" dirty="0"/>
+                  <a:t>many more times likely the model is with predictor 1 than without </a:t>
+                </a:r>
+                <a:r>
+                  <a:rPr lang="en-GB" dirty="0" smtClean="0"/>
+                  <a:t>it.</a:t>
+                </a:r>
+              </a:p>
+              <a:p>
+                <a:endParaRPr lang="en-GB" dirty="0"/>
+              </a:p>
+              <a:p>
+                <a:r>
+                  <a:rPr lang="en-GB" dirty="0" smtClean="0"/>
+                  <a:t>It therefore tells us whether predictor 1 makes a unique contribution to the full model or no</a:t>
+                </a:r>
+                <a:r>
+                  <a:rPr lang="en-GB" sz="1600" dirty="0" smtClean="0"/>
+                  <a:t>t</a:t>
+                </a:r>
+                <a:br>
+                  <a:rPr lang="en-GB" sz="1600" dirty="0" smtClean="0"/>
+                </a:br>
+                <a:endParaRPr lang="en-GB" sz="1600" dirty="0"/>
+              </a:p>
+            </p:txBody>
+          </p:sp>
+        </mc:Choice>
+        <mc:Fallback xmlns="">
+          <p:sp>
+            <p:nvSpPr>
+              <p:cNvPr id="20" name="TextBox 19"/>
+              <p:cNvSpPr txBox="1">
+                <a:spLocks noRot="1" noChangeAspect="1" noMove="1" noResize="1" noEditPoints="1" noAdjustHandles="1" noChangeArrowheads="1" noChangeShapeType="1" noTextEdit="1"/>
+              </p:cNvSpPr>
+              <p:nvPr/>
+            </p:nvSpPr>
+            <p:spPr>
+              <a:xfrm>
+                <a:off x="3086101" y="3611607"/>
+                <a:ext cx="5943600" cy="3067699"/>
+              </a:xfrm>
+              <a:prstGeom prst="rect">
+                <a:avLst/>
+              </a:prstGeom>
+              <a:blipFill>
+                <a:blip r:embed="rId4"/>
+                <a:stretch>
+                  <a:fillRect l="-821" t="-992"/>
+                </a:stretch>
+              </a:blipFill>
+            </p:spPr>
+            <p:txBody>
+              <a:bodyPr/>
+              <a:lstStyle/>
+              <a:p>
+                <a:r>
+                  <a:rPr lang="en-GB">
+                    <a:noFill/>
+                  </a:rPr>
+                  <a:t> </a:t>
+                </a:r>
+              </a:p>
+            </p:txBody>
+          </p:sp>
+        </mc:Fallback>
+      </mc:AlternateContent>
+    </p:spTree>
+    <p:extLst>
+      <p:ext uri="{BB962C8B-B14F-4D97-AF65-F5344CB8AC3E}">
+        <p14:creationId xmlns:p14="http://schemas.microsoft.com/office/powerpoint/2010/main" val="1332963135"/>
+      </p:ext>
+    </p:extLst>
+  </p:cSld>
+  <p:clrMapOvr>
+    <a:masterClrMapping/>
+  </p:clrMapOvr>
+  <p:timing>
+    <p:tnLst>
+      <p:par>
+        <p:cTn id="1" dur="indefinite" restart="never" nodeType="tmRoot">
+          <p:childTnLst>
+            <p:seq concurrent="1" nextAc="seek">
+              <p:cTn id="2" dur="indefinite" nodeType="mainSeq">
+                <p:childTnLst>
+                  <p:par>
+                    <p:cTn id="3" fill="hold">
+                      <p:stCondLst>
+                        <p:cond delay="indefinite"/>
+                      </p:stCondLst>
+                      <p:childTnLst>
+                        <p:par>
+                          <p:cTn id="4" fill="hold">
+                            <p:stCondLst>
+                              <p:cond delay="0"/>
+                            </p:stCondLst>
+                            <p:childTnLst>
+                              <p:par>
+                                <p:cTn id="5" presetID="1" presetClass="entr" presetSubtype="0" fill="hold" nodeType="clickEffect">
+                                  <p:stCondLst>
+                                    <p:cond delay="0"/>
+                                  </p:stCondLst>
+                                  <p:childTnLst>
+                                    <p:set>
+                                      <p:cBhvr>
+                                        <p:cTn id="6" dur="1" fill="hold">
+                                          <p:stCondLst>
+                                            <p:cond delay="0"/>
+                                          </p:stCondLst>
+                                        </p:cTn>
+                                        <p:tgtEl>
+                                          <p:spTgt spid="3">
+                                            <p:txEl>
+                                              <p:pRg st="2" end="2"/>
+                                            </p:txEl>
+                                          </p:spTgt>
+                                        </p:tgtEl>
+                                        <p:attrNameLst>
+                                          <p:attrName>style.visibility</p:attrName>
+                                        </p:attrNameLst>
+                                      </p:cBhvr>
+                                      <p:to>
+                                        <p:strVal val="visible"/>
+                                      </p:to>
+                                    </p:set>
+                                  </p:childTnLst>
+                                </p:cTn>
+                              </p:par>
+                            </p:childTnLst>
+                          </p:cTn>
+                        </p:par>
+                      </p:childTnLst>
+                    </p:cTn>
+                  </p:par>
+                  <p:par>
+                    <p:cTn id="7" fill="hold">
+                      <p:stCondLst>
+                        <p:cond delay="indefinite"/>
+                      </p:stCondLst>
+                      <p:childTnLst>
+                        <p:par>
+                          <p:cTn id="8" fill="hold">
+                            <p:stCondLst>
+                              <p:cond delay="0"/>
+                            </p:stCondLst>
+                            <p:childTnLst>
+                              <p:par>
+                                <p:cTn id="9" presetID="1" presetClass="entr" presetSubtype="0" fill="hold" nodeType="clickEffect">
+                                  <p:stCondLst>
+                                    <p:cond delay="0"/>
+                                  </p:stCondLst>
+                                  <p:childTnLst>
+                                    <p:set>
+                                      <p:cBhvr>
+                                        <p:cTn id="10" dur="1" fill="hold">
+                                          <p:stCondLst>
+                                            <p:cond delay="0"/>
+                                          </p:stCondLst>
+                                        </p:cTn>
+                                        <p:tgtEl>
+                                          <p:spTgt spid="3">
+                                            <p:txEl>
+                                              <p:pRg st="4" end="4"/>
+                                            </p:txEl>
+                                          </p:spTgt>
+                                        </p:tgtEl>
+                                        <p:attrNameLst>
+                                          <p:attrName>style.visibility</p:attrName>
+                                        </p:attrNameLst>
+                                      </p:cBhvr>
+                                      <p:to>
+                                        <p:strVal val="visible"/>
+                                      </p:to>
+                                    </p:set>
+                                  </p:childTnLst>
+                                </p:cTn>
+                              </p:par>
+                            </p:childTnLst>
+                          </p:cTn>
+                        </p:par>
+                      </p:childTnLst>
+                    </p:cTn>
+                  </p:par>
+                  <p:par>
+                    <p:cTn id="11" fill="hold">
+                      <p:stCondLst>
+                        <p:cond delay="indefinite"/>
+                      </p:stCondLst>
+                      <p:childTnLst>
+                        <p:par>
+                          <p:cTn id="12" fill="hold">
+                            <p:stCondLst>
+                              <p:cond delay="0"/>
+                            </p:stCondLst>
+                            <p:childTnLst>
+                              <p:par>
+                                <p:cTn id="13" presetID="1" presetClass="entr" presetSubtype="0" fill="hold" nodeType="clickEffect">
+                                  <p:stCondLst>
+                                    <p:cond delay="0"/>
+                                  </p:stCondLst>
+                                  <p:childTnLst>
+                                    <p:set>
+                                      <p:cBhvr>
+                                        <p:cTn id="14" dur="1" fill="hold">
+                                          <p:stCondLst>
+                                            <p:cond delay="0"/>
+                                          </p:stCondLst>
+                                        </p:cTn>
+                                        <p:tgtEl>
+                                          <p:spTgt spid="20">
+                                            <p:txEl>
+                                              <p:pRg st="0" end="0"/>
+                                            </p:txEl>
+                                          </p:spTgt>
+                                        </p:tgtEl>
+                                        <p:attrNameLst>
+                                          <p:attrName>style.visibility</p:attrName>
+                                        </p:attrNameLst>
+                                      </p:cBhvr>
+                                      <p:to>
+                                        <p:strVal val="visible"/>
+                                      </p:to>
+                                    </p:set>
+                                  </p:childTnLst>
+                                </p:cTn>
+                              </p:par>
+                              <p:par>
+                                <p:cTn id="15" presetID="1" presetClass="entr" presetSubtype="0" fill="hold" nodeType="withEffect">
+                                  <p:stCondLst>
+                                    <p:cond delay="0"/>
+                                  </p:stCondLst>
+                                  <p:childTnLst>
+                                    <p:set>
+                                      <p:cBhvr>
+                                        <p:cTn id="16" dur="1" fill="hold">
+                                          <p:stCondLst>
+                                            <p:cond delay="0"/>
+                                          </p:stCondLst>
+                                        </p:cTn>
+                                        <p:tgtEl>
+                                          <p:spTgt spid="20">
+                                            <p:txEl>
+                                              <p:pRg st="1" end="1"/>
+                                            </p:txEl>
+                                          </p:spTgt>
+                                        </p:tgtEl>
+                                        <p:attrNameLst>
+                                          <p:attrName>style.visibility</p:attrName>
+                                        </p:attrNameLst>
+                                      </p:cBhvr>
+                                      <p:to>
+                                        <p:strVal val="visible"/>
+                                      </p:to>
+                                    </p:set>
+                                  </p:childTnLst>
+                                </p:cTn>
+                              </p:par>
+                              <p:par>
+                                <p:cTn id="17" presetID="1" presetClass="entr" presetSubtype="0" fill="hold" nodeType="withEffect">
+                                  <p:stCondLst>
+                                    <p:cond delay="0"/>
+                                  </p:stCondLst>
+                                  <p:childTnLst>
+                                    <p:set>
+                                      <p:cBhvr>
+                                        <p:cTn id="18" dur="1" fill="hold">
+                                          <p:stCondLst>
+                                            <p:cond delay="0"/>
+                                          </p:stCondLst>
+                                        </p:cTn>
+                                        <p:tgtEl>
+                                          <p:spTgt spid="20">
+                                            <p:txEl>
+                                              <p:pRg st="2" end="2"/>
+                                            </p:txEl>
+                                          </p:spTgt>
+                                        </p:tgtEl>
+                                        <p:attrNameLst>
+                                          <p:attrName>style.visibility</p:attrName>
+                                        </p:attrNameLst>
+                                      </p:cBhvr>
+                                      <p:to>
+                                        <p:strVal val="visible"/>
+                                      </p:to>
+                                    </p:set>
+                                  </p:childTnLst>
+                                </p:cTn>
+                              </p:par>
+                            </p:childTnLst>
+                          </p:cTn>
+                        </p:par>
+                      </p:childTnLst>
+                    </p:cTn>
+                  </p:par>
+                  <p:par>
+                    <p:cTn id="19" fill="hold">
+                      <p:stCondLst>
+                        <p:cond delay="indefinite"/>
+                      </p:stCondLst>
+                      <p:childTnLst>
+                        <p:par>
+                          <p:cTn id="20" fill="hold">
+                            <p:stCondLst>
+                              <p:cond delay="0"/>
+                            </p:stCondLst>
+                            <p:childTnLst>
+                              <p:par>
+                                <p:cTn id="21" presetID="1" presetClass="entr" presetSubtype="0" fill="hold" nodeType="clickEffect">
+                                  <p:stCondLst>
+                                    <p:cond delay="0"/>
+                                  </p:stCondLst>
+                                  <p:childTnLst>
+                                    <p:set>
+                                      <p:cBhvr>
+                                        <p:cTn id="22" dur="1" fill="hold">
+                                          <p:stCondLst>
+                                            <p:cond delay="0"/>
+                                          </p:stCondLst>
+                                        </p:cTn>
+                                        <p:tgtEl>
+                                          <p:spTgt spid="20">
+                                            <p:txEl>
+                                              <p:pRg st="4" end="4"/>
+                                            </p:txEl>
+                                          </p:spTgt>
+                                        </p:tgtEl>
+                                        <p:attrNameLst>
+                                          <p:attrName>style.visibility</p:attrName>
+                                        </p:attrNameLst>
+                                      </p:cBhvr>
+                                      <p:to>
+                                        <p:strVal val="visible"/>
+                                      </p:to>
+                                    </p:set>
+                                  </p:childTnLst>
+                                </p:cTn>
+                              </p:par>
+                              <p:par>
+                                <p:cTn id="23" presetID="1" presetClass="entr" presetSubtype="0" fill="hold" nodeType="withEffect">
+                                  <p:stCondLst>
+                                    <p:cond delay="0"/>
+                                  </p:stCondLst>
+                                  <p:childTnLst>
+                                    <p:set>
+                                      <p:cBhvr>
+                                        <p:cTn id="24" dur="1" fill="hold">
+                                          <p:stCondLst>
+                                            <p:cond delay="0"/>
+                                          </p:stCondLst>
+                                        </p:cTn>
+                                        <p:tgtEl>
+                                          <p:spTgt spid="20">
+                                            <p:txEl>
+                                              <p:pRg st="6" end="6"/>
+                                            </p:txEl>
+                                          </p:spTgt>
+                                        </p:tgtEl>
+                                        <p:attrNameLst>
+                                          <p:attrName>style.visibility</p:attrName>
+                                        </p:attrNameLst>
+                                      </p:cBhvr>
+                                      <p:to>
+                                        <p:strVal val="visible"/>
+                                      </p:to>
+                                    </p:set>
+                                  </p:childTnLst>
+                                </p:cTn>
+                              </p:par>
+                            </p:childTnLst>
+                          </p:cTn>
+                        </p:par>
+                      </p:childTnLst>
+                    </p:cTn>
+                  </p:par>
+                </p:childTnLst>
+              </p:cTn>
+              <p:prevCondLst>
+                <p:cond evt="onPrev" delay="0">
+                  <p:tgtEl>
+                    <p:sldTgt/>
+                  </p:tgtEl>
+                </p:cond>
+              </p:prevCondLst>
+              <p:nextCondLst>
+                <p:cond evt="onNext" delay="0">
+                  <p:tgtEl>
+                    <p:sldTgt/>
+                  </p:tgtEl>
+                </p:cond>
+              </p:nextCondLst>
+            </p:seq>
+          </p:childTnLst>
+        </p:cTn>
+      </p:par>
+    </p:tnLst>
+  </p:timing>
+</p:sld>
+</file>
+
+<file path=ppt/slides/slide19.xml><?xml version="1.0" encoding="utf-8"?>
 <p:sld xmlns:a="http://schemas.openxmlformats.org/drawingml/2006/main" xmlns:r="http://schemas.openxmlformats.org/officeDocument/2006/relationships" xmlns:p="http://schemas.openxmlformats.org/presentationml/2006/main">
   <p:cSld>
     <p:spTree>
@@ -11643,7 +12733,7 @@
             <a:fld id="{B6F15528-21DE-4FAA-801E-634DDDAF4B2B}" type="slidenum">
               <a:rPr lang="en-US" smtClean="0"/>
               <a:pPr/>
-              <a:t>18</a:t>
+              <a:t>19</a:t>
             </a:fld>
             <a:endParaRPr lang="en-US"/>
           </a:p>
@@ -11657,7 +12747,7 @@
         </p:nvSpPr>
         <p:spPr>
           <a:xfrm>
-            <a:off x="8320300" y="1755042"/>
+            <a:off x="8913571" y="1935969"/>
             <a:ext cx="2779514" cy="2017245"/>
           </a:xfrm>
           <a:prstGeom prst="rect">
@@ -11701,7 +12791,7 @@
         </p:nvSpPr>
         <p:spPr>
           <a:xfrm>
-            <a:off x="9593319" y="2340781"/>
+            <a:off x="10186590" y="2521708"/>
             <a:ext cx="1090573" cy="1056784"/>
           </a:xfrm>
           <a:prstGeom prst="ellipse">
@@ -11749,7 +12839,7 @@
         </p:nvSpPr>
         <p:spPr>
           <a:xfrm>
-            <a:off x="9062172" y="2650842"/>
+            <a:off x="9655443" y="2831769"/>
             <a:ext cx="333043" cy="400110"/>
           </a:xfrm>
           <a:prstGeom prst="rect">
@@ -11779,7 +12869,7 @@
         </p:nvSpPr>
         <p:spPr>
           <a:xfrm>
-            <a:off x="10052303" y="2644491"/>
+            <a:off x="10645574" y="2825418"/>
             <a:ext cx="333043" cy="400110"/>
           </a:xfrm>
           <a:prstGeom prst="rect">
@@ -11809,7 +12899,7 @@
         </p:nvSpPr>
         <p:spPr>
           <a:xfrm>
-            <a:off x="9619282" y="2653341"/>
+            <a:off x="10212553" y="2834268"/>
             <a:ext cx="333043" cy="400110"/>
           </a:xfrm>
           <a:prstGeom prst="rect">
@@ -11839,7 +12929,7 @@
         </p:nvSpPr>
         <p:spPr>
           <a:xfrm>
-            <a:off x="8787096" y="2237485"/>
+            <a:off x="9380367" y="2418412"/>
             <a:ext cx="1206101" cy="1204547"/>
           </a:xfrm>
           <a:prstGeom prst="ellipse">
@@ -11888,7 +12978,37 @@
         </p:nvSpPr>
         <p:spPr>
           <a:xfrm>
-            <a:off x="10157323" y="1841162"/>
+            <a:off x="10303328" y="2022089"/>
+            <a:ext cx="1198497" cy="369332"/>
+          </a:xfrm>
+          <a:prstGeom prst="rect">
+            <a:avLst/>
+          </a:prstGeom>
+          <a:noFill/>
+        </p:spPr>
+        <p:txBody>
+          <a:bodyPr wrap="square" rtlCol="0">
+            <a:spAutoFit/>
+          </a:bodyPr>
+          <a:lstStyle/>
+          <a:p>
+            <a:r>
+              <a:rPr lang="en-GB" b="1" dirty="0" smtClean="0"/>
+              <a:t>describing</a:t>
+            </a:r>
+            <a:endParaRPr lang="en-GB" b="1" baseline="-25000" dirty="0"/>
+          </a:p>
+        </p:txBody>
+      </p:sp>
+      <p:sp>
+        <p:nvSpPr>
+          <p:cNvPr id="32" name="TextBox 31"/>
+          <p:cNvSpPr txBox="1"/>
+          <p:nvPr/>
+        </p:nvSpPr>
+        <p:spPr>
+          <a:xfrm>
+            <a:off x="9020317" y="2014663"/>
             <a:ext cx="751231" cy="369332"/>
           </a:xfrm>
           <a:prstGeom prst="rect">
@@ -11905,36 +13025,6 @@
             <a:r>
               <a:rPr lang="en-GB" b="1" dirty="0" smtClean="0"/>
               <a:t>worry</a:t>
-            </a:r>
-            <a:endParaRPr lang="en-GB" b="1" baseline="-25000" dirty="0"/>
-          </a:p>
-        </p:txBody>
-      </p:sp>
-      <p:sp>
-        <p:nvSpPr>
-          <p:cNvPr id="32" name="TextBox 31"/>
-          <p:cNvSpPr txBox="1"/>
-          <p:nvPr/>
-        </p:nvSpPr>
-        <p:spPr>
-          <a:xfrm>
-            <a:off x="8427046" y="1833736"/>
-            <a:ext cx="1350050" cy="369332"/>
-          </a:xfrm>
-          <a:prstGeom prst="rect">
-            <a:avLst/>
-          </a:prstGeom>
-          <a:noFill/>
-        </p:spPr>
-        <p:txBody>
-          <a:bodyPr wrap="none" rtlCol="0">
-            <a:spAutoFit/>
-          </a:bodyPr>
-          <a:lstStyle/>
-          <a:p>
-            <a:r>
-              <a:rPr lang="en-GB" b="1" dirty="0" smtClean="0"/>
-              <a:t>mindfulness</a:t>
             </a:r>
             <a:endParaRPr lang="en-GB" b="1" baseline="-25000" dirty="0"/>
           </a:p>
@@ -11964,7 +13054,7 @@
           <a:p>
             <a:r>
               <a:rPr lang="en-GB" sz="2400" dirty="0" smtClean="0"/>
-              <a:t>Using Bayes Factors to assess the unique contribution of predictors</a:t>
+              <a:t>Using Bayes factors to assess the unique contribution of predictors</a:t>
             </a:r>
             <a:endParaRPr lang="en-GB" sz="2400" dirty="0"/>
           </a:p>
@@ -11978,8 +13068,8 @@
         </p:nvSpPr>
         <p:spPr>
           <a:xfrm>
-            <a:off x="1414096" y="4195171"/>
-            <a:ext cx="4216400" cy="1015663"/>
+            <a:off x="1338008" y="5303674"/>
+            <a:ext cx="5996242" cy="369332"/>
           </a:xfrm>
           <a:prstGeom prst="rect">
             <a:avLst/>
@@ -11993,24 +13083,14 @@
           <a:lstStyle/>
           <a:p>
             <a:r>
-              <a:rPr lang="en-GB" sz="2000" b="1" u="sng" dirty="0" smtClean="0">
+              <a:rPr lang="en-GB" dirty="0" smtClean="0">
                 <a:solidFill>
                   <a:schemeClr val="tx2"/>
                 </a:solidFill>
               </a:rPr>
-              <a:t>Crescent a</a:t>
-            </a:r>
-          </a:p>
-          <a:p>
-            <a:r>
-              <a:rPr lang="en-GB" sz="2000" dirty="0" smtClean="0">
-                <a:solidFill>
-                  <a:schemeClr val="tx2"/>
-                </a:solidFill>
-              </a:rPr>
-              <a:t>Unique contribution of mindfulness to prediction of wellbeing</a:t>
-            </a:r>
-            <a:endParaRPr lang="en-GB" sz="2000" dirty="0"/>
+              <a:t>Evidence for unique contribution of describing (crescent b) is:</a:t>
+            </a:r>
+            <a:endParaRPr lang="en-GB" dirty="0"/>
           </a:p>
         </p:txBody>
       </p:sp>
@@ -12022,8 +13102,8 @@
         </p:nvSpPr>
         <p:spPr>
           <a:xfrm>
-            <a:off x="1393429" y="5381781"/>
-            <a:ext cx="4216400" cy="1015663"/>
+            <a:off x="1338008" y="4780150"/>
+            <a:ext cx="5996242" cy="369332"/>
           </a:xfrm>
           <a:prstGeom prst="rect">
             <a:avLst/>
@@ -12037,24 +13117,30 @@
           <a:lstStyle/>
           <a:p>
             <a:r>
-              <a:rPr lang="en-GB" sz="2000" b="1" u="sng" dirty="0" smtClean="0">
+              <a:rPr lang="en-GB" dirty="0" smtClean="0">
                 <a:solidFill>
                   <a:schemeClr val="tx2"/>
                 </a:solidFill>
               </a:rPr>
-              <a:t>Crescent b</a:t>
-            </a:r>
-          </a:p>
-          <a:p>
-            <a:r>
-              <a:rPr lang="en-GB" sz="2000" dirty="0" smtClean="0">
+              <a:t>Evidence for the </a:t>
+            </a:r>
+            <a:r>
+              <a:rPr lang="en-GB" dirty="0">
                 <a:solidFill>
                   <a:schemeClr val="tx2"/>
                 </a:solidFill>
               </a:rPr>
-              <a:t>Unique contribution of worry to prediction of wellbeing</a:t>
-            </a:r>
-            <a:endParaRPr lang="en-GB" sz="2000" dirty="0"/>
+              <a:t>u</a:t>
+            </a:r>
+            <a:r>
+              <a:rPr lang="en-GB" dirty="0" smtClean="0">
+                <a:solidFill>
+                  <a:schemeClr val="tx2"/>
+                </a:solidFill>
+              </a:rPr>
+              <a:t>nique contribution of worry (crescent a) is:</a:t>
+            </a:r>
+            <a:endParaRPr lang="en-GB" dirty="0"/>
           </a:p>
         </p:txBody>
       </p:sp>
@@ -12066,8 +13152,8 @@
         </p:nvSpPr>
         <p:spPr>
           <a:xfrm>
-            <a:off x="1480260" y="961775"/>
-            <a:ext cx="4362450" cy="3046988"/>
+            <a:off x="1326973" y="1243923"/>
+            <a:ext cx="8029924" cy="3416320"/>
           </a:xfrm>
           <a:prstGeom prst="rect">
             <a:avLst/>
@@ -12081,7 +13167,7 @@
           <a:lstStyle/>
           <a:p>
             <a:r>
-              <a:rPr lang="en-GB" sz="1600" b="1" dirty="0" smtClean="0"/>
+              <a:rPr lang="en-GB" sz="2000" b="1" dirty="0" smtClean="0"/>
               <a:t>Steps:</a:t>
             </a:r>
           </a:p>
@@ -12090,466 +13176,219 @@
           </a:p>
           <a:p>
             <a:r>
-              <a:rPr lang="en-GB" sz="1600" b="1" dirty="0" smtClean="0"/>
+              <a:rPr lang="en-GB" b="1" dirty="0" smtClean="0"/>
               <a:t>Obtain BF full model</a:t>
             </a:r>
           </a:p>
           <a:p>
-            <a:endParaRPr lang="en-GB" sz="1600" b="1" dirty="0"/>
-          </a:p>
-          <a:p>
-            <a:r>
-              <a:rPr lang="en-GB" sz="1600" b="1" dirty="0" smtClean="0"/>
-              <a:t>BF predictor 1 alone</a:t>
-            </a:r>
-          </a:p>
-          <a:p>
-            <a:endParaRPr lang="en-GB" sz="1600" b="1" dirty="0"/>
-          </a:p>
-          <a:p>
-            <a:r>
-              <a:rPr lang="en-GB" sz="1600" b="1" dirty="0" smtClean="0"/>
-              <a:t>BF predictor 2 alone</a:t>
-            </a:r>
-          </a:p>
-          <a:p>
-            <a:endParaRPr lang="en-GB" sz="1600" b="1" dirty="0"/>
-          </a:p>
-          <a:p>
-            <a:r>
-              <a:rPr lang="en-GB" sz="1600" b="1" dirty="0" smtClean="0"/>
-              <a:t>Unique contribution of predictor:</a:t>
-            </a:r>
-          </a:p>
-          <a:p>
-            <a:r>
-              <a:rPr lang="en-GB" sz="1600" b="1" dirty="0" smtClean="0"/>
-              <a:t>   </a:t>
-            </a:r>
-            <a:r>
-              <a:rPr lang="en-GB" sz="1600" b="1" dirty="0" err="1" smtClean="0"/>
-              <a:t>BF_complex_model</a:t>
-            </a:r>
-            <a:r>
-              <a:rPr lang="en-GB" sz="1600" b="1" dirty="0" smtClean="0"/>
-              <a:t> / </a:t>
-            </a:r>
-            <a:r>
-              <a:rPr lang="en-GB" sz="1600" b="1" dirty="0" err="1" smtClean="0"/>
-              <a:t>BF_simpler_model</a:t>
-            </a:r>
-            <a:endParaRPr lang="en-GB" sz="1600" b="1" dirty="0" smtClean="0"/>
-          </a:p>
-          <a:p>
-            <a:r>
-              <a:rPr lang="en-GB" sz="1600" dirty="0" smtClean="0"/>
-              <a:t>Tells us how many times more likely the model is with the predictor than without it.</a:t>
-            </a:r>
-            <a:endParaRPr lang="en-GB" sz="1600" dirty="0"/>
-          </a:p>
-        </p:txBody>
-      </p:sp>
-      <p:sp>
-        <p:nvSpPr>
-          <p:cNvPr id="6" name="Rectangle 1"/>
-          <p:cNvSpPr>
-            <a:spLocks noChangeArrowheads="1"/>
-          </p:cNvSpPr>
-          <p:nvPr/>
-        </p:nvSpPr>
-        <p:spPr bwMode="auto">
-          <a:xfrm>
-            <a:off x="3580201" y="1959184"/>
-            <a:ext cx="2580835" cy="246221"/>
-          </a:xfrm>
-          <a:prstGeom prst="rect">
-            <a:avLst/>
-          </a:prstGeom>
-          <a:solidFill>
-            <a:srgbClr val="F7F7F7"/>
-          </a:solidFill>
-          <a:ln>
-            <a:noFill/>
-          </a:ln>
-          <a:effectLst/>
-          <a:extLst>
-            <a:ext uri="{91240B29-F687-4F45-9708-019B960494DF}">
-              <a14:hiddenLine xmlns:a14="http://schemas.microsoft.com/office/drawing/2010/main" w="9525">
-                <a:solidFill>
-                  <a:schemeClr val="tx1"/>
-                </a:solidFill>
-                <a:miter lim="800000"/>
-                <a:headEnd/>
-                <a:tailEnd/>
-              </a14:hiddenLine>
-            </a:ext>
-            <a:ext uri="{AF507438-7753-43E0-B8FC-AC1667EBCBE1}">
-              <a14:hiddenEffects xmlns:a14="http://schemas.microsoft.com/office/drawing/2010/main">
-                <a:effectLst>
-                  <a:outerShdw dist="35921" dir="2700000" algn="ctr" rotWithShape="0">
-                    <a:schemeClr val="bg2"/>
-                  </a:outerShdw>
-                </a:effectLst>
-              </a14:hiddenEffects>
-            </a:ext>
-          </a:extLst>
-        </p:spPr>
-        <p:txBody>
-          <a:bodyPr vert="horz" wrap="none" lIns="0" tIns="0" rIns="0" bIns="0" numCol="1" anchor="ctr" anchorCtr="0" compatLnSpc="1">
-            <a:prstTxWarp prst="textNoShape">
-              <a:avLst/>
-            </a:prstTxWarp>
-            <a:spAutoFit/>
-          </a:bodyPr>
-          <a:lstStyle/>
-          <a:p>
-            <a:pPr marL="0" marR="0" lvl="0" indent="0" algn="l" defTabSz="914400" rtl="0" eaLnBrk="0" fontAlgn="base" latinLnBrk="0" hangingPunct="0">
-              <a:lnSpc>
-                <a:spcPct val="100000"/>
-              </a:lnSpc>
-              <a:spcBef>
-                <a:spcPct val="0"/>
-              </a:spcBef>
-              <a:spcAft>
-                <a:spcPct val="0"/>
-              </a:spcAft>
-              <a:buClrTx/>
-              <a:buSzTx/>
-              <a:buFontTx/>
-              <a:buNone/>
-              <a:tabLst/>
-            </a:pPr>
-            <a:r>
-              <a:rPr kumimoji="0" lang="en-US" altLang="en-US" sz="1600" b="0" i="0" u="none" strike="noStrike" cap="none" normalizeH="0" baseline="0" dirty="0" err="1" smtClean="0">
-                <a:ln>
-                  <a:noFill/>
-                </a:ln>
+            <a:r>
+              <a:rPr lang="en-US" altLang="en-US" sz="1600" dirty="0" err="1" smtClean="0">
+                <a:latin typeface="Lucida Console" panose="020B0609040504020204" pitchFamily="49" charset="0"/>
+              </a:rPr>
+              <a:t>BF</a:t>
+            </a:r>
+            <a:r>
+              <a:rPr lang="en-US" altLang="en-US" sz="1600" dirty="0" err="1" smtClean="0">
+                <a:solidFill>
+                  <a:srgbClr val="333333"/>
+                </a:solidFill>
+                <a:latin typeface="Lucida Console" panose="020B0609040504020204" pitchFamily="49" charset="0"/>
+              </a:rPr>
+              <a:t>_worry_describing</a:t>
+            </a:r>
+            <a:r>
+              <a:rPr lang="en-US" altLang="en-US" sz="1600" dirty="0" smtClean="0">
+                <a:solidFill>
+                  <a:srgbClr val="333333"/>
+                </a:solidFill>
+                <a:latin typeface="Lucida Console" panose="020B0609040504020204" pitchFamily="49" charset="0"/>
+              </a:rPr>
+              <a:t> </a:t>
+            </a:r>
+            <a:r>
+              <a:rPr lang="en-US" altLang="en-US" sz="1600" dirty="0" smtClean="0">
                 <a:solidFill>
                   <a:srgbClr val="06287E"/>
                 </a:solidFill>
-                <a:effectLst/>
-                <a:latin typeface="Consolas" panose="020B0609020204030204" pitchFamily="49" charset="0"/>
+                <a:latin typeface="Lucida Console" panose="020B0609040504020204" pitchFamily="49" charset="0"/>
+              </a:rPr>
+              <a:t>&lt;- </a:t>
+            </a:r>
+            <a:r>
+              <a:rPr lang="en-US" altLang="en-US" sz="1600" dirty="0" err="1" smtClean="0">
+                <a:solidFill>
+                  <a:srgbClr val="06287E"/>
+                </a:solidFill>
+                <a:latin typeface="Lucida Console" panose="020B0609040504020204" pitchFamily="49" charset="0"/>
               </a:rPr>
               <a:t>lmBF</a:t>
             </a:r>
             <a:r>
-              <a:rPr kumimoji="0" lang="en-US" altLang="en-US" sz="1600" b="0" i="0" u="none" strike="noStrike" cap="none" normalizeH="0" baseline="0" dirty="0" smtClean="0">
-                <a:ln>
-                  <a:noFill/>
-                </a:ln>
+              <a:rPr lang="en-US" altLang="en-US" sz="1600" dirty="0" smtClean="0">
                 <a:solidFill>
                   <a:srgbClr val="333333"/>
                 </a:solidFill>
-                <a:effectLst/>
-                <a:latin typeface="Consolas" panose="020B0609020204030204" pitchFamily="49" charset="0"/>
+                <a:latin typeface="Lucida Console" panose="020B0609040504020204" pitchFamily="49" charset="0"/>
               </a:rPr>
               <a:t>(wellbeing </a:t>
             </a:r>
             <a:r>
-              <a:rPr kumimoji="0" lang="en-US" altLang="en-US" sz="1600" b="0" i="0" u="none" strike="noStrike" cap="none" normalizeH="0" baseline="0" dirty="0" smtClean="0">
-                <a:ln>
-                  <a:noFill/>
-                </a:ln>
+              <a:rPr lang="en-US" altLang="en-US" sz="1600" dirty="0" smtClean="0">
                 <a:solidFill>
                   <a:srgbClr val="4070A0"/>
                 </a:solidFill>
-                <a:effectLst/>
-                <a:latin typeface="Consolas" panose="020B0609020204030204" pitchFamily="49" charset="0"/>
+                <a:latin typeface="Lucida Console" panose="020B0609040504020204" pitchFamily="49" charset="0"/>
               </a:rPr>
               <a:t>~</a:t>
             </a:r>
             <a:r>
-              <a:rPr kumimoji="0" lang="en-US" altLang="en-US" sz="1600" b="0" i="0" u="none" strike="noStrike" cap="none" normalizeH="0" baseline="0" dirty="0" smtClean="0">
-                <a:ln>
-                  <a:noFill/>
-                </a:ln>
+              <a:rPr lang="en-US" altLang="en-US" sz="1600" dirty="0" smtClean="0">
                 <a:solidFill>
                   <a:srgbClr val="333333"/>
                 </a:solidFill>
-                <a:effectLst/>
-                <a:latin typeface="Consolas" panose="020B0609020204030204" pitchFamily="49" charset="0"/>
+                <a:latin typeface="Lucida Console" panose="020B0609040504020204" pitchFamily="49" charset="0"/>
               </a:rPr>
-              <a:t> worry)</a:t>
-            </a:r>
-            <a:endParaRPr kumimoji="0" lang="en-US" altLang="en-US" sz="1600" b="0" i="0" u="none" strike="noStrike" cap="none" normalizeH="0" baseline="0" dirty="0" smtClean="0">
-              <a:ln>
-                <a:noFill/>
-              </a:ln>
+              <a:t> </a:t>
+            </a:r>
+            <a:r>
+              <a:rPr lang="en-US" altLang="en-US" sz="1600" dirty="0">
+                <a:solidFill>
+                  <a:srgbClr val="333333"/>
+                </a:solidFill>
+                <a:latin typeface="Lucida Console" panose="020B0609040504020204" pitchFamily="49" charset="0"/>
+              </a:rPr>
+              <a:t>worry + describing)</a:t>
+            </a:r>
+            <a:endParaRPr lang="en-US" altLang="en-US" sz="1600" dirty="0">
+              <a:latin typeface="Lucida Console" panose="020B0609040504020204" pitchFamily="49" charset="0"/>
+            </a:endParaRPr>
+          </a:p>
+          <a:p>
+            <a:endParaRPr lang="en-GB" sz="1600" dirty="0">
               <a:solidFill>
-                <a:schemeClr val="tx1"/>
+                <a:srgbClr val="333333"/>
               </a:solidFill>
-              <a:effectLst/>
-              <a:latin typeface="Arial" panose="020B0604020202020204" pitchFamily="34" charset="0"/>
+              <a:latin typeface="Lucida Console" panose="020B0609040504020204" pitchFamily="49" charset="0"/>
             </a:endParaRPr>
           </a:p>
-        </p:txBody>
-      </p:sp>
-      <p:sp>
-        <p:nvSpPr>
-          <p:cNvPr id="18" name="Rectangle 1"/>
-          <p:cNvSpPr>
-            <a:spLocks noChangeArrowheads="1"/>
-          </p:cNvSpPr>
-          <p:nvPr/>
-        </p:nvSpPr>
-        <p:spPr bwMode="auto">
-          <a:xfrm>
-            <a:off x="3559534" y="2413602"/>
-            <a:ext cx="3254096" cy="246221"/>
-          </a:xfrm>
-          <a:prstGeom prst="rect">
-            <a:avLst/>
-          </a:prstGeom>
-          <a:solidFill>
-            <a:srgbClr val="F7F7F7"/>
-          </a:solidFill>
-          <a:ln>
-            <a:noFill/>
-          </a:ln>
-          <a:effectLst/>
-          <a:extLst>
-            <a:ext uri="{91240B29-F687-4F45-9708-019B960494DF}">
-              <a14:hiddenLine xmlns:a14="http://schemas.microsoft.com/office/drawing/2010/main" w="9525">
-                <a:solidFill>
-                  <a:schemeClr val="tx1"/>
-                </a:solidFill>
-                <a:miter lim="800000"/>
-                <a:headEnd/>
-                <a:tailEnd/>
-              </a14:hiddenLine>
-            </a:ext>
-            <a:ext uri="{AF507438-7753-43E0-B8FC-AC1667EBCBE1}">
-              <a14:hiddenEffects xmlns:a14="http://schemas.microsoft.com/office/drawing/2010/main">
-                <a:effectLst>
-                  <a:outerShdw dist="35921" dir="2700000" algn="ctr" rotWithShape="0">
-                    <a:schemeClr val="bg2"/>
-                  </a:outerShdw>
-                </a:effectLst>
-              </a14:hiddenEffects>
-            </a:ext>
-          </a:extLst>
-        </p:spPr>
-        <p:txBody>
-          <a:bodyPr vert="horz" wrap="none" lIns="0" tIns="0" rIns="0" bIns="0" numCol="1" anchor="ctr" anchorCtr="0" compatLnSpc="1">
-            <a:prstTxWarp prst="textNoShape">
-              <a:avLst/>
-            </a:prstTxWarp>
-            <a:spAutoFit/>
-          </a:bodyPr>
-          <a:lstStyle/>
-          <a:p>
-            <a:pPr marL="0" marR="0" lvl="0" indent="0" algn="l" defTabSz="914400" rtl="0" eaLnBrk="0" fontAlgn="base" latinLnBrk="0" hangingPunct="0">
-              <a:lnSpc>
-                <a:spcPct val="100000"/>
-              </a:lnSpc>
-              <a:spcBef>
-                <a:spcPct val="0"/>
-              </a:spcBef>
-              <a:spcAft>
-                <a:spcPct val="0"/>
-              </a:spcAft>
-              <a:buClrTx/>
-              <a:buSzTx/>
-              <a:buFontTx/>
-              <a:buNone/>
-              <a:tabLst/>
-            </a:pPr>
-            <a:r>
-              <a:rPr kumimoji="0" lang="en-US" altLang="en-US" sz="1600" b="0" i="0" u="none" strike="noStrike" cap="none" normalizeH="0" baseline="0" dirty="0" err="1" smtClean="0">
-                <a:ln>
-                  <a:noFill/>
-                </a:ln>
-                <a:solidFill>
-                  <a:srgbClr val="06287E"/>
-                </a:solidFill>
-                <a:effectLst/>
-                <a:latin typeface="Consolas" panose="020B0609020204030204" pitchFamily="49" charset="0"/>
+          <a:p>
+            <a:endParaRPr lang="en-GB" sz="1600" b="1" dirty="0"/>
+          </a:p>
+          <a:p>
+            <a:r>
+              <a:rPr lang="en-GB" b="1" dirty="0" smtClean="0"/>
+              <a:t>Obtain BF without predictor 1</a:t>
+            </a:r>
+          </a:p>
+          <a:p>
+            <a:r>
+              <a:rPr lang="en-US" altLang="en-US" sz="1600" dirty="0" err="1">
+                <a:solidFill>
+                  <a:srgbClr val="333333"/>
+                </a:solidFill>
+                <a:latin typeface="Lucida Console" panose="020B0609040504020204" pitchFamily="49" charset="0"/>
+              </a:rPr>
+              <a:t>BF_describing</a:t>
+            </a:r>
+            <a:r>
+              <a:rPr lang="en-US" altLang="en-US" sz="1600" dirty="0">
+                <a:solidFill>
+                  <a:srgbClr val="333333"/>
+                </a:solidFill>
+                <a:latin typeface="Lucida Console" panose="020B0609040504020204" pitchFamily="49" charset="0"/>
+              </a:rPr>
+              <a:t> &lt;- </a:t>
+            </a:r>
+            <a:r>
+              <a:rPr lang="en-US" altLang="en-US" sz="1600" dirty="0" err="1">
+                <a:solidFill>
+                  <a:srgbClr val="002060"/>
+                </a:solidFill>
+                <a:latin typeface="Lucida Console" panose="020B0609040504020204" pitchFamily="49" charset="0"/>
               </a:rPr>
               <a:t>lmBF</a:t>
             </a:r>
             <a:r>
-              <a:rPr kumimoji="0" lang="en-US" altLang="en-US" sz="1600" b="0" i="0" u="none" strike="noStrike" cap="none" normalizeH="0" baseline="0" dirty="0" smtClean="0">
-                <a:ln>
-                  <a:noFill/>
-                </a:ln>
+              <a:rPr lang="en-US" altLang="en-US" sz="1600" dirty="0">
                 <a:solidFill>
                   <a:srgbClr val="333333"/>
                 </a:solidFill>
-                <a:effectLst/>
-                <a:latin typeface="Consolas" panose="020B0609020204030204" pitchFamily="49" charset="0"/>
+                <a:latin typeface="Lucida Console" panose="020B0609040504020204" pitchFamily="49" charset="0"/>
               </a:rPr>
-              <a:t>(wellbeing </a:t>
-            </a:r>
-            <a:r>
-              <a:rPr kumimoji="0" lang="en-US" altLang="en-US" sz="1600" b="0" i="0" u="none" strike="noStrike" cap="none" normalizeH="0" baseline="0" dirty="0" smtClean="0">
-                <a:ln>
-                  <a:noFill/>
-                </a:ln>
-                <a:solidFill>
-                  <a:srgbClr val="4070A0"/>
-                </a:solidFill>
-                <a:effectLst/>
-                <a:latin typeface="Consolas" panose="020B0609020204030204" pitchFamily="49" charset="0"/>
+              <a:t>(wellbeing ~ describing</a:t>
+            </a:r>
+            <a:r>
+              <a:rPr lang="en-US" altLang="en-US" sz="1600" dirty="0" smtClean="0">
+                <a:solidFill>
+                  <a:srgbClr val="333333"/>
+                </a:solidFill>
+                <a:latin typeface="Lucida Console" panose="020B0609040504020204" pitchFamily="49" charset="0"/>
               </a:rPr>
-              <a:t>~</a:t>
-            </a:r>
-            <a:r>
-              <a:rPr kumimoji="0" lang="en-US" altLang="en-US" sz="1600" b="0" i="0" u="none" strike="noStrike" cap="none" normalizeH="0" baseline="0" dirty="0" smtClean="0">
-                <a:ln>
-                  <a:noFill/>
-                </a:ln>
+              <a:t>)</a:t>
+            </a:r>
+          </a:p>
+          <a:p>
+            <a:endParaRPr lang="en-US" altLang="en-US" sz="1600" dirty="0" smtClean="0">
+              <a:solidFill>
+                <a:srgbClr val="333333"/>
+              </a:solidFill>
+              <a:latin typeface="Lucida Console" panose="020B0609040504020204" pitchFamily="49" charset="0"/>
+            </a:endParaRPr>
+          </a:p>
+          <a:p>
+            <a:endParaRPr lang="en-GB" altLang="en-US" sz="1600" b="1" dirty="0"/>
+          </a:p>
+          <a:p>
+            <a:r>
+              <a:rPr lang="en-GB" altLang="en-US" b="1" dirty="0"/>
+              <a:t>Obtain BF without predictor 2</a:t>
+            </a:r>
+            <a:endParaRPr lang="en-GB" b="1" dirty="0"/>
+          </a:p>
+          <a:p>
+            <a:r>
+              <a:rPr lang="en-US" altLang="en-US" sz="1600" dirty="0" err="1">
                 <a:solidFill>
                   <a:srgbClr val="333333"/>
                 </a:solidFill>
-                <a:effectLst/>
-                <a:latin typeface="Consolas" panose="020B0609020204030204" pitchFamily="49" charset="0"/>
+                <a:latin typeface="Lucida Console" panose="020B0609040504020204" pitchFamily="49" charset="0"/>
               </a:rPr>
-              <a:t> mindfulness)</a:t>
-            </a:r>
-            <a:endParaRPr kumimoji="0" lang="en-US" altLang="en-US" sz="1600" b="0" i="0" u="none" strike="noStrike" cap="none" normalizeH="0" baseline="0" dirty="0" smtClean="0">
-              <a:ln>
-                <a:noFill/>
-              </a:ln>
-              <a:solidFill>
-                <a:schemeClr val="tx1"/>
-              </a:solidFill>
-              <a:effectLst/>
-              <a:latin typeface="Arial" panose="020B0604020202020204" pitchFamily="34" charset="0"/>
-            </a:endParaRPr>
-          </a:p>
-        </p:txBody>
-      </p:sp>
-      <p:sp>
-        <p:nvSpPr>
-          <p:cNvPr id="19" name="Rectangle 1"/>
-          <p:cNvSpPr>
-            <a:spLocks noChangeArrowheads="1"/>
-          </p:cNvSpPr>
-          <p:nvPr/>
-        </p:nvSpPr>
-        <p:spPr bwMode="auto">
-          <a:xfrm>
-            <a:off x="3559534" y="1463709"/>
-            <a:ext cx="4151778" cy="246221"/>
-          </a:xfrm>
-          <a:prstGeom prst="rect">
-            <a:avLst/>
-          </a:prstGeom>
-          <a:solidFill>
-            <a:srgbClr val="F7F7F7"/>
-          </a:solidFill>
-          <a:ln>
-            <a:noFill/>
-          </a:ln>
-          <a:effectLst/>
-          <a:extLst>
-            <a:ext uri="{91240B29-F687-4F45-9708-019B960494DF}">
-              <a14:hiddenLine xmlns:a14="http://schemas.microsoft.com/office/drawing/2010/main" w="9525">
-                <a:solidFill>
-                  <a:schemeClr val="tx1"/>
-                </a:solidFill>
-                <a:miter lim="800000"/>
-                <a:headEnd/>
-                <a:tailEnd/>
-              </a14:hiddenLine>
-            </a:ext>
-            <a:ext uri="{AF507438-7753-43E0-B8FC-AC1667EBCBE1}">
-              <a14:hiddenEffects xmlns:a14="http://schemas.microsoft.com/office/drawing/2010/main">
-                <a:effectLst>
-                  <a:outerShdw dist="35921" dir="2700000" algn="ctr" rotWithShape="0">
-                    <a:schemeClr val="bg2"/>
-                  </a:outerShdw>
-                </a:effectLst>
-              </a14:hiddenEffects>
-            </a:ext>
-          </a:extLst>
-        </p:spPr>
-        <p:txBody>
-          <a:bodyPr vert="horz" wrap="none" lIns="0" tIns="0" rIns="0" bIns="0" numCol="1" anchor="ctr" anchorCtr="0" compatLnSpc="1">
-            <a:prstTxWarp prst="textNoShape">
-              <a:avLst/>
-            </a:prstTxWarp>
-            <a:spAutoFit/>
-          </a:bodyPr>
-          <a:lstStyle/>
-          <a:p>
-            <a:pPr marL="0" marR="0" lvl="0" indent="0" algn="l" defTabSz="914400" rtl="0" eaLnBrk="0" fontAlgn="base" latinLnBrk="0" hangingPunct="0">
-              <a:lnSpc>
-                <a:spcPct val="100000"/>
-              </a:lnSpc>
-              <a:spcBef>
-                <a:spcPct val="0"/>
-              </a:spcBef>
-              <a:spcAft>
-                <a:spcPct val="0"/>
-              </a:spcAft>
-              <a:buClrTx/>
-              <a:buSzTx/>
-              <a:buFontTx/>
-              <a:buNone/>
-              <a:tabLst/>
-            </a:pPr>
-            <a:r>
-              <a:rPr kumimoji="0" lang="en-US" altLang="en-US" sz="1600" b="0" i="0" u="none" strike="noStrike" cap="none" normalizeH="0" baseline="0" dirty="0" err="1" smtClean="0">
-                <a:ln>
-                  <a:noFill/>
-                </a:ln>
+              <a:t>BF_worry</a:t>
+            </a:r>
+            <a:r>
+              <a:rPr lang="en-US" altLang="en-US" sz="1600" dirty="0">
+                <a:solidFill>
+                  <a:srgbClr val="333333"/>
+                </a:solidFill>
+                <a:latin typeface="Lucida Console" panose="020B0609040504020204" pitchFamily="49" charset="0"/>
+              </a:rPr>
+              <a:t> &lt;- </a:t>
+            </a:r>
+            <a:r>
+              <a:rPr lang="en-US" altLang="en-US" sz="1600" dirty="0" err="1">
                 <a:solidFill>
                   <a:srgbClr val="06287E"/>
                 </a:solidFill>
-                <a:effectLst/>
-                <a:latin typeface="Consolas" panose="020B0609020204030204" pitchFamily="49" charset="0"/>
+                <a:latin typeface="Lucida Console" panose="020B0609040504020204" pitchFamily="49" charset="0"/>
               </a:rPr>
               <a:t>lmBF</a:t>
             </a:r>
             <a:r>
-              <a:rPr kumimoji="0" lang="en-US" altLang="en-US" sz="1600" b="0" i="0" u="none" strike="noStrike" cap="none" normalizeH="0" baseline="0" dirty="0" smtClean="0">
-                <a:ln>
-                  <a:noFill/>
-                </a:ln>
+              <a:rPr lang="en-US" altLang="en-US" sz="1600" dirty="0">
                 <a:solidFill>
                   <a:srgbClr val="333333"/>
                 </a:solidFill>
-                <a:effectLst/>
-                <a:latin typeface="Consolas" panose="020B0609020204030204" pitchFamily="49" charset="0"/>
+                <a:latin typeface="Lucida Console" panose="020B0609040504020204" pitchFamily="49" charset="0"/>
               </a:rPr>
-              <a:t>(wellbeing </a:t>
-            </a:r>
-            <a:r>
-              <a:rPr kumimoji="0" lang="en-US" altLang="en-US" sz="1600" b="0" i="0" u="none" strike="noStrike" cap="none" normalizeH="0" baseline="0" dirty="0" smtClean="0">
-                <a:ln>
-                  <a:noFill/>
-                </a:ln>
-                <a:solidFill>
-                  <a:srgbClr val="4070A0"/>
-                </a:solidFill>
-                <a:effectLst/>
-                <a:latin typeface="Consolas" panose="020B0609020204030204" pitchFamily="49" charset="0"/>
-              </a:rPr>
-              <a:t>~</a:t>
-            </a:r>
-            <a:r>
-              <a:rPr kumimoji="0" lang="en-US" altLang="en-US" sz="1600" b="0" i="0" u="none" strike="noStrike" cap="none" normalizeH="0" baseline="0" dirty="0" smtClean="0">
-                <a:ln>
-                  <a:noFill/>
-                </a:ln>
-                <a:solidFill>
-                  <a:srgbClr val="333333"/>
-                </a:solidFill>
-                <a:effectLst/>
-                <a:latin typeface="Consolas" panose="020B0609020204030204" pitchFamily="49" charset="0"/>
-              </a:rPr>
-              <a:t> worry + mindfulness)</a:t>
-            </a:r>
-            <a:endParaRPr kumimoji="0" lang="en-US" altLang="en-US" sz="1600" b="0" i="0" u="none" strike="noStrike" cap="none" normalizeH="0" baseline="0" dirty="0" smtClean="0">
-              <a:ln>
-                <a:noFill/>
-              </a:ln>
+              <a:t>(wellbeing ~ worry)</a:t>
+            </a:r>
+          </a:p>
+          <a:p>
+            <a:endParaRPr lang="en-US" altLang="en-US" sz="1600" dirty="0">
               <a:solidFill>
-                <a:schemeClr val="tx1"/>
+                <a:srgbClr val="333333"/>
               </a:solidFill>
-              <a:effectLst/>
-              <a:latin typeface="Arial" panose="020B0604020202020204" pitchFamily="34" charset="0"/>
+              <a:latin typeface="Lucida Console" panose="020B0609040504020204" pitchFamily="49" charset="0"/>
             </a:endParaRPr>
           </a:p>
         </p:txBody>
@@ -12562,8 +13401,8 @@
         </p:nvSpPr>
         <p:spPr>
           <a:xfrm>
-            <a:off x="6295515" y="4602466"/>
-            <a:ext cx="3505896" cy="369332"/>
+            <a:off x="7185281" y="5304803"/>
+            <a:ext cx="3887603" cy="338554"/>
           </a:xfrm>
           <a:prstGeom prst="rect">
             <a:avLst/>
@@ -12576,18 +13415,26 @@
           <a:lstStyle/>
           <a:p>
             <a:r>
-              <a:rPr lang="en-GB" b="1" dirty="0" err="1" smtClean="0"/>
-              <a:t>BF_worry_mindfulness</a:t>
-            </a:r>
-            <a:r>
-              <a:rPr lang="en-GB" b="1" dirty="0" smtClean="0"/>
+              <a:rPr lang="en-GB" sz="1600" dirty="0" err="1" smtClean="0">
+                <a:latin typeface="Lucida Console" panose="020B0609040504020204" pitchFamily="49" charset="0"/>
+              </a:rPr>
+              <a:t>BF_worry_describing</a:t>
+            </a:r>
+            <a:r>
+              <a:rPr lang="en-GB" sz="1600" dirty="0" smtClean="0">
+                <a:latin typeface="Lucida Console" panose="020B0609040504020204" pitchFamily="49" charset="0"/>
+              </a:rPr>
               <a:t> / </a:t>
             </a:r>
             <a:r>
-              <a:rPr lang="en-GB" b="1" dirty="0" err="1" smtClean="0"/>
+              <a:rPr lang="en-GB" sz="1600" dirty="0" err="1" smtClean="0">
+                <a:latin typeface="Lucida Console" panose="020B0609040504020204" pitchFamily="49" charset="0"/>
+              </a:rPr>
               <a:t>BF_worry</a:t>
             </a:r>
-            <a:endParaRPr lang="en-GB" b="1" dirty="0"/>
+            <a:endParaRPr lang="en-GB" sz="1600" dirty="0">
+              <a:latin typeface="Lucida Console" panose="020B0609040504020204" pitchFamily="49" charset="0"/>
+            </a:endParaRPr>
           </a:p>
         </p:txBody>
       </p:sp>
@@ -12599,8 +13446,8 @@
         </p:nvSpPr>
         <p:spPr>
           <a:xfrm>
-            <a:off x="6271200" y="5709220"/>
-            <a:ext cx="4042197" cy="369332"/>
+            <a:off x="7181379" y="4797436"/>
+            <a:ext cx="4504759" cy="338554"/>
           </a:xfrm>
           <a:prstGeom prst="rect">
             <a:avLst/>
@@ -12613,21 +13460,33 @@
           <a:lstStyle/>
           <a:p>
             <a:r>
-              <a:rPr lang="en-GB" b="1" dirty="0" err="1" smtClean="0"/>
-              <a:t>BF_worry_mindfulness</a:t>
-            </a:r>
-            <a:r>
-              <a:rPr lang="en-GB" b="1" dirty="0" smtClean="0"/>
-              <a:t> / BF mindfulness</a:t>
-            </a:r>
-            <a:endParaRPr lang="en-GB" b="1" dirty="0"/>
+              <a:rPr lang="en-GB" sz="1600" dirty="0" err="1" smtClean="0">
+                <a:latin typeface="Lucida Console" panose="020B0609040504020204" pitchFamily="49" charset="0"/>
+              </a:rPr>
+              <a:t>BF_worry_describing</a:t>
+            </a:r>
+            <a:r>
+              <a:rPr lang="en-GB" sz="1600" dirty="0" smtClean="0">
+                <a:latin typeface="Lucida Console" panose="020B0609040504020204" pitchFamily="49" charset="0"/>
+              </a:rPr>
+              <a:t> / </a:t>
+            </a:r>
+            <a:r>
+              <a:rPr lang="en-GB" sz="1600" dirty="0" err="1" smtClean="0">
+                <a:latin typeface="Lucida Console" panose="020B0609040504020204" pitchFamily="49" charset="0"/>
+              </a:rPr>
+              <a:t>BF_describing</a:t>
+            </a:r>
+            <a:endParaRPr lang="en-GB" sz="1600" dirty="0">
+              <a:latin typeface="Lucida Console" panose="020B0609040504020204" pitchFamily="49" charset="0"/>
+            </a:endParaRPr>
           </a:p>
         </p:txBody>
       </p:sp>
     </p:spTree>
     <p:extLst>
       <p:ext uri="{BB962C8B-B14F-4D97-AF65-F5344CB8AC3E}">
-        <p14:creationId xmlns:p14="http://schemas.microsoft.com/office/powerpoint/2010/main" val="1332963135"/>
+        <p14:creationId xmlns:p14="http://schemas.microsoft.com/office/powerpoint/2010/main" val="3333457868"/>
       </p:ext>
     </p:extLst>
   </p:cSld>
@@ -12655,7 +13514,7 @@
                             </p:stCondLst>
                             <p:childTnLst>
                               <p:par>
-                                <p:cTn id="5" presetID="10" presetClass="entr" presetSubtype="0" fill="hold" grpId="0" nodeType="clickEffect">
+                                <p:cTn id="5" presetID="1" presetClass="entr" presetSubtype="0" fill="hold" nodeType="clickEffect">
                                   <p:stCondLst>
                                     <p:cond delay="0"/>
                                   </p:stCondLst>
@@ -12663,6 +13522,246 @@
                                     <p:set>
                                       <p:cBhvr>
                                         <p:cTn id="6" dur="1" fill="hold">
+                                          <p:stCondLst>
+                                            <p:cond delay="0"/>
+                                          </p:stCondLst>
+                                        </p:cTn>
+                                        <p:tgtEl>
+                                          <p:spTgt spid="3">
+                                            <p:txEl>
+                                              <p:pRg st="2" end="2"/>
+                                            </p:txEl>
+                                          </p:spTgt>
+                                        </p:tgtEl>
+                                        <p:attrNameLst>
+                                          <p:attrName>style.visibility</p:attrName>
+                                        </p:attrNameLst>
+                                      </p:cBhvr>
+                                      <p:to>
+                                        <p:strVal val="visible"/>
+                                      </p:to>
+                                    </p:set>
+                                  </p:childTnLst>
+                                </p:cTn>
+                              </p:par>
+                              <p:par>
+                                <p:cTn id="7" presetID="1" presetClass="entr" presetSubtype="0" fill="hold" nodeType="withEffect">
+                                  <p:stCondLst>
+                                    <p:cond delay="0"/>
+                                  </p:stCondLst>
+                                  <p:childTnLst>
+                                    <p:set>
+                                      <p:cBhvr>
+                                        <p:cTn id="8" dur="1" fill="hold">
+                                          <p:stCondLst>
+                                            <p:cond delay="0"/>
+                                          </p:stCondLst>
+                                        </p:cTn>
+                                        <p:tgtEl>
+                                          <p:spTgt spid="3">
+                                            <p:txEl>
+                                              <p:pRg st="3" end="3"/>
+                                            </p:txEl>
+                                          </p:spTgt>
+                                        </p:tgtEl>
+                                        <p:attrNameLst>
+                                          <p:attrName>style.visibility</p:attrName>
+                                        </p:attrNameLst>
+                                      </p:cBhvr>
+                                      <p:to>
+                                        <p:strVal val="visible"/>
+                                      </p:to>
+                                    </p:set>
+                                  </p:childTnLst>
+                                </p:cTn>
+                              </p:par>
+                            </p:childTnLst>
+                          </p:cTn>
+                        </p:par>
+                      </p:childTnLst>
+                    </p:cTn>
+                  </p:par>
+                  <p:par>
+                    <p:cTn id="9" fill="hold">
+                      <p:stCondLst>
+                        <p:cond delay="indefinite"/>
+                      </p:stCondLst>
+                      <p:childTnLst>
+                        <p:par>
+                          <p:cTn id="10" fill="hold">
+                            <p:stCondLst>
+                              <p:cond delay="0"/>
+                            </p:stCondLst>
+                            <p:childTnLst>
+                              <p:par>
+                                <p:cTn id="11" presetID="1" presetClass="entr" presetSubtype="0" fill="hold" nodeType="clickEffect">
+                                  <p:stCondLst>
+                                    <p:cond delay="0"/>
+                                  </p:stCondLst>
+                                  <p:childTnLst>
+                                    <p:set>
+                                      <p:cBhvr>
+                                        <p:cTn id="12" dur="1" fill="hold">
+                                          <p:stCondLst>
+                                            <p:cond delay="0"/>
+                                          </p:stCondLst>
+                                        </p:cTn>
+                                        <p:tgtEl>
+                                          <p:spTgt spid="3">
+                                            <p:txEl>
+                                              <p:pRg st="6" end="6"/>
+                                            </p:txEl>
+                                          </p:spTgt>
+                                        </p:tgtEl>
+                                        <p:attrNameLst>
+                                          <p:attrName>style.visibility</p:attrName>
+                                        </p:attrNameLst>
+                                      </p:cBhvr>
+                                      <p:to>
+                                        <p:strVal val="visible"/>
+                                      </p:to>
+                                    </p:set>
+                                  </p:childTnLst>
+                                </p:cTn>
+                              </p:par>
+                              <p:par>
+                                <p:cTn id="13" presetID="1" presetClass="entr" presetSubtype="0" fill="hold" nodeType="withEffect">
+                                  <p:stCondLst>
+                                    <p:cond delay="0"/>
+                                  </p:stCondLst>
+                                  <p:childTnLst>
+                                    <p:set>
+                                      <p:cBhvr>
+                                        <p:cTn id="14" dur="1" fill="hold">
+                                          <p:stCondLst>
+                                            <p:cond delay="0"/>
+                                          </p:stCondLst>
+                                        </p:cTn>
+                                        <p:tgtEl>
+                                          <p:spTgt spid="3">
+                                            <p:txEl>
+                                              <p:pRg st="7" end="7"/>
+                                            </p:txEl>
+                                          </p:spTgt>
+                                        </p:tgtEl>
+                                        <p:attrNameLst>
+                                          <p:attrName>style.visibility</p:attrName>
+                                        </p:attrNameLst>
+                                      </p:cBhvr>
+                                      <p:to>
+                                        <p:strVal val="visible"/>
+                                      </p:to>
+                                    </p:set>
+                                  </p:childTnLst>
+                                </p:cTn>
+                              </p:par>
+                            </p:childTnLst>
+                          </p:cTn>
+                        </p:par>
+                      </p:childTnLst>
+                    </p:cTn>
+                  </p:par>
+                  <p:par>
+                    <p:cTn id="15" fill="hold">
+                      <p:stCondLst>
+                        <p:cond delay="indefinite"/>
+                      </p:stCondLst>
+                      <p:childTnLst>
+                        <p:par>
+                          <p:cTn id="16" fill="hold">
+                            <p:stCondLst>
+                              <p:cond delay="0"/>
+                            </p:stCondLst>
+                            <p:childTnLst>
+                              <p:par>
+                                <p:cTn id="17" presetID="1" presetClass="entr" presetSubtype="0" fill="hold" nodeType="clickEffect">
+                                  <p:stCondLst>
+                                    <p:cond delay="0"/>
+                                  </p:stCondLst>
+                                  <p:childTnLst>
+                                    <p:set>
+                                      <p:cBhvr>
+                                        <p:cTn id="18" dur="1" fill="hold">
+                                          <p:stCondLst>
+                                            <p:cond delay="0"/>
+                                          </p:stCondLst>
+                                        </p:cTn>
+                                        <p:tgtEl>
+                                          <p:spTgt spid="3">
+                                            <p:txEl>
+                                              <p:pRg st="10" end="10"/>
+                                            </p:txEl>
+                                          </p:spTgt>
+                                        </p:tgtEl>
+                                        <p:attrNameLst>
+                                          <p:attrName>style.visibility</p:attrName>
+                                        </p:attrNameLst>
+                                      </p:cBhvr>
+                                      <p:to>
+                                        <p:strVal val="visible"/>
+                                      </p:to>
+                                    </p:set>
+                                  </p:childTnLst>
+                                </p:cTn>
+                              </p:par>
+                              <p:par>
+                                <p:cTn id="19" presetID="1" presetClass="entr" presetSubtype="0" fill="hold" nodeType="withEffect">
+                                  <p:stCondLst>
+                                    <p:cond delay="0"/>
+                                  </p:stCondLst>
+                                  <p:childTnLst>
+                                    <p:set>
+                                      <p:cBhvr>
+                                        <p:cTn id="20" dur="1" fill="hold">
+                                          <p:stCondLst>
+                                            <p:cond delay="0"/>
+                                          </p:stCondLst>
+                                        </p:cTn>
+                                        <p:tgtEl>
+                                          <p:spTgt spid="3">
+                                            <p:txEl>
+                                              <p:pRg st="11" end="11"/>
+                                            </p:txEl>
+                                          </p:spTgt>
+                                        </p:tgtEl>
+                                        <p:attrNameLst>
+                                          <p:attrName>style.visibility</p:attrName>
+                                        </p:attrNameLst>
+                                      </p:cBhvr>
+                                      <p:to>
+                                        <p:strVal val="visible"/>
+                                      </p:to>
+                                    </p:set>
+                                  </p:childTnLst>
+                                </p:cTn>
+                              </p:par>
+                            </p:childTnLst>
+                          </p:cTn>
+                        </p:par>
+                      </p:childTnLst>
+                    </p:cTn>
+                  </p:par>
+                  <p:par>
+                    <p:cTn id="21" fill="hold">
+                      <p:stCondLst>
+                        <p:cond delay="indefinite"/>
+                      </p:stCondLst>
+                      <p:childTnLst>
+                        <p:par>
+                          <p:cTn id="22" fill="hold">
+                            <p:stCondLst>
+                              <p:cond delay="0"/>
+                            </p:stCondLst>
+                            <p:childTnLst>
+                              <p:par>
+                                <p:cTn id="23" presetID="1" presetClass="entr" presetSubtype="0" fill="hold" grpId="0" nodeType="clickEffect">
+                                  <p:stCondLst>
+                                    <p:cond delay="0"/>
+                                  </p:stCondLst>
+                                  <p:childTnLst>
+                                    <p:set>
+                                      <p:cBhvr>
+                                        <p:cTn id="24" dur="1" fill="hold">
                                           <p:stCondLst>
                                             <p:cond delay="0"/>
                                           </p:stCondLst>
@@ -12678,44 +13777,153 @@
                                         <p:strVal val="visible"/>
                                       </p:to>
                                     </p:set>
-                                    <p:animEffect transition="in" filter="fade">
-                                      <p:cBhvr>
-                                        <p:cTn id="7" dur="500"/>
-                                        <p:tgtEl>
-                                          <p:spTgt spid="24"/>
-                                        </p:tgtEl>
-                                      </p:cBhvr>
-                                    </p:animEffect>
                                   </p:childTnLst>
                                 </p:cTn>
                               </p:par>
-                            </p:childTnLst>
-                          </p:cTn>
-                        </p:par>
-                      </p:childTnLst>
-                    </p:cTn>
-                  </p:par>
-                  <p:par>
-                    <p:cTn id="8" fill="hold">
-                      <p:stCondLst>
-                        <p:cond delay="indefinite"/>
-                      </p:stCondLst>
-                      <p:childTnLst>
-                        <p:par>
-                          <p:cTn id="9" fill="hold">
-                            <p:stCondLst>
-                              <p:cond delay="0"/>
-                            </p:stCondLst>
-                            <p:childTnLst>
                               <p:par>
-                                <p:cTn id="10" presetID="10" presetClass="entr" presetSubtype="0" fill="hold" grpId="0" nodeType="clickEffect">
+                                <p:cTn id="25" presetID="1" presetClass="entr" presetSubtype="0" fill="hold" grpId="0" nodeType="withEffect">
                                   <p:stCondLst>
                                     <p:cond delay="0"/>
                                   </p:stCondLst>
                                   <p:childTnLst>
                                     <p:set>
                                       <p:cBhvr>
-                                        <p:cTn id="11" dur="1" fill="hold">
+                                        <p:cTn id="26" dur="1" fill="hold">
+                                          <p:stCondLst>
+                                            <p:cond delay="0"/>
+                                          </p:stCondLst>
+                                        </p:cTn>
+                                        <p:tgtEl>
+                                          <p:spTgt spid="26"/>
+                                        </p:tgtEl>
+                                        <p:attrNameLst>
+                                          <p:attrName>style.visibility</p:attrName>
+                                        </p:attrNameLst>
+                                      </p:cBhvr>
+                                      <p:to>
+                                        <p:strVal val="visible"/>
+                                      </p:to>
+                                    </p:set>
+                                  </p:childTnLst>
+                                </p:cTn>
+                              </p:par>
+                              <p:par>
+                                <p:cTn id="27" presetID="1" presetClass="entr" presetSubtype="0" fill="hold" grpId="0" nodeType="withEffect">
+                                  <p:stCondLst>
+                                    <p:cond delay="0"/>
+                                  </p:stCondLst>
+                                  <p:childTnLst>
+                                    <p:set>
+                                      <p:cBhvr>
+                                        <p:cTn id="28" dur="1" fill="hold">
+                                          <p:stCondLst>
+                                            <p:cond delay="0"/>
+                                          </p:stCondLst>
+                                        </p:cTn>
+                                        <p:tgtEl>
+                                          <p:spTgt spid="27"/>
+                                        </p:tgtEl>
+                                        <p:attrNameLst>
+                                          <p:attrName>style.visibility</p:attrName>
+                                        </p:attrNameLst>
+                                      </p:cBhvr>
+                                      <p:to>
+                                        <p:strVal val="visible"/>
+                                      </p:to>
+                                    </p:set>
+                                  </p:childTnLst>
+                                </p:cTn>
+                              </p:par>
+                              <p:par>
+                                <p:cTn id="29" presetID="1" presetClass="entr" presetSubtype="0" fill="hold" grpId="0" nodeType="withEffect">
+                                  <p:stCondLst>
+                                    <p:cond delay="0"/>
+                                  </p:stCondLst>
+                                  <p:childTnLst>
+                                    <p:set>
+                                      <p:cBhvr>
+                                        <p:cTn id="30" dur="1" fill="hold">
+                                          <p:stCondLst>
+                                            <p:cond delay="0"/>
+                                          </p:stCondLst>
+                                        </p:cTn>
+                                        <p:tgtEl>
+                                          <p:spTgt spid="28"/>
+                                        </p:tgtEl>
+                                        <p:attrNameLst>
+                                          <p:attrName>style.visibility</p:attrName>
+                                        </p:attrNameLst>
+                                      </p:cBhvr>
+                                      <p:to>
+                                        <p:strVal val="visible"/>
+                                      </p:to>
+                                    </p:set>
+                                  </p:childTnLst>
+                                </p:cTn>
+                              </p:par>
+                              <p:par>
+                                <p:cTn id="31" presetID="1" presetClass="entr" presetSubtype="0" fill="hold" grpId="0" nodeType="withEffect">
+                                  <p:stCondLst>
+                                    <p:cond delay="0"/>
+                                  </p:stCondLst>
+                                  <p:childTnLst>
+                                    <p:set>
+                                      <p:cBhvr>
+                                        <p:cTn id="32" dur="1" fill="hold">
+                                          <p:stCondLst>
+                                            <p:cond delay="0"/>
+                                          </p:stCondLst>
+                                        </p:cTn>
+                                        <p:tgtEl>
+                                          <p:spTgt spid="29"/>
+                                        </p:tgtEl>
+                                        <p:attrNameLst>
+                                          <p:attrName>style.visibility</p:attrName>
+                                        </p:attrNameLst>
+                                      </p:cBhvr>
+                                      <p:to>
+                                        <p:strVal val="visible"/>
+                                      </p:to>
+                                    </p:set>
+                                  </p:childTnLst>
+                                </p:cTn>
+                              </p:par>
+                              <p:par>
+                                <p:cTn id="33" presetID="1" presetClass="entr" presetSubtype="0" fill="hold" grpId="0" nodeType="withEffect">
+                                  <p:stCondLst>
+                                    <p:cond delay="0"/>
+                                  </p:stCondLst>
+                                  <p:childTnLst>
+                                    <p:set>
+                                      <p:cBhvr>
+                                        <p:cTn id="34" dur="1" fill="hold">
+                                          <p:stCondLst>
+                                            <p:cond delay="0"/>
+                                          </p:stCondLst>
+                                        </p:cTn>
+                                        <p:tgtEl>
+                                          <p:spTgt spid="30"/>
+                                        </p:tgtEl>
+                                        <p:attrNameLst>
+                                          <p:attrName>style.visibility</p:attrName>
+                                        </p:attrNameLst>
+                                      </p:cBhvr>
+                                      <p:to>
+                                        <p:strVal val="visible"/>
+                                      </p:to>
+                                    </p:set>
+                                  </p:childTnLst>
+                                </p:cTn>
+                              </p:par>
+                              <p:par>
+                                <p:cTn id="35" presetID="1" presetClass="entr" presetSubtype="0" fill="hold" grpId="0" nodeType="withEffect">
+                                  <p:stCondLst>
+                                    <p:cond delay="0"/>
+                                  </p:stCondLst>
+                                  <p:childTnLst>
+                                    <p:set>
+                                      <p:cBhvr>
+                                        <p:cTn id="36" dur="1" fill="hold">
                                           <p:stCondLst>
                                             <p:cond delay="0"/>
                                           </p:stCondLst>
@@ -12731,114 +13939,18 @@
                                         <p:strVal val="visible"/>
                                       </p:to>
                                     </p:set>
-                                    <p:animEffect transition="in" filter="fade">
-                                      <p:cBhvr>
-                                        <p:cTn id="12" dur="500"/>
-                                        <p:tgtEl>
-                                          <p:spTgt spid="31"/>
-                                        </p:tgtEl>
-                                      </p:cBhvr>
-                                    </p:animEffect>
                                   </p:childTnLst>
                                 </p:cTn>
                               </p:par>
                               <p:par>
-                                <p:cTn id="13" presetID="10" presetClass="entr" presetSubtype="0" fill="hold" grpId="0" nodeType="withEffect">
+                                <p:cTn id="37" presetID="1" presetClass="entr" presetSubtype="0" fill="hold" grpId="0" nodeType="withEffect">
                                   <p:stCondLst>
                                     <p:cond delay="0"/>
                                   </p:stCondLst>
                                   <p:childTnLst>
                                     <p:set>
                                       <p:cBhvr>
-                                        <p:cTn id="14" dur="1" fill="hold">
-                                          <p:stCondLst>
-                                            <p:cond delay="0"/>
-                                          </p:stCondLst>
-                                        </p:cTn>
-                                        <p:tgtEl>
-                                          <p:spTgt spid="30"/>
-                                        </p:tgtEl>
-                                        <p:attrNameLst>
-                                          <p:attrName>style.visibility</p:attrName>
-                                        </p:attrNameLst>
-                                      </p:cBhvr>
-                                      <p:to>
-                                        <p:strVal val="visible"/>
-                                      </p:to>
-                                    </p:set>
-                                    <p:animEffect transition="in" filter="fade">
-                                      <p:cBhvr>
-                                        <p:cTn id="15" dur="500"/>
-                                        <p:tgtEl>
-                                          <p:spTgt spid="30"/>
-                                        </p:tgtEl>
-                                      </p:cBhvr>
-                                    </p:animEffect>
-                                  </p:childTnLst>
-                                </p:cTn>
-                              </p:par>
-                            </p:childTnLst>
-                          </p:cTn>
-                        </p:par>
-                      </p:childTnLst>
-                    </p:cTn>
-                  </p:par>
-                  <p:par>
-                    <p:cTn id="16" fill="hold">
-                      <p:stCondLst>
-                        <p:cond delay="indefinite"/>
-                      </p:stCondLst>
-                      <p:childTnLst>
-                        <p:par>
-                          <p:cTn id="17" fill="hold">
-                            <p:stCondLst>
-                              <p:cond delay="0"/>
-                            </p:stCondLst>
-                            <p:childTnLst>
-                              <p:par>
-                                <p:cTn id="18" presetID="10" presetClass="entr" presetSubtype="0" fill="hold" grpId="0" nodeType="clickEffect">
-                                  <p:stCondLst>
-                                    <p:cond delay="0"/>
-                                  </p:stCondLst>
-                                  <p:childTnLst>
-                                    <p:set>
-                                      <p:cBhvr>
-                                        <p:cTn id="19" dur="1" fill="hold">
-                                          <p:stCondLst>
-                                            <p:cond delay="0"/>
-                                          </p:stCondLst>
-                                        </p:cTn>
-                                        <p:tgtEl>
-                                          <p:spTgt spid="26"/>
-                                        </p:tgtEl>
-                                        <p:attrNameLst>
-                                          <p:attrName>style.visibility</p:attrName>
-                                        </p:attrNameLst>
-                                      </p:cBhvr>
-                                      <p:to>
-                                        <p:strVal val="visible"/>
-                                      </p:to>
-                                    </p:set>
-                                    <p:animEffect transition="in" filter="fade">
-                                      <p:cBhvr>
-                                        <p:cTn id="20" dur="500"/>
-                                        <p:tgtEl>
-                                          <p:spTgt spid="26"/>
-                                        </p:tgtEl>
-                                      </p:cBhvr>
-                                    </p:animEffect>
-                                  </p:childTnLst>
-                                </p:cTn>
-                              </p:par>
-                              <p:par>
-                                <p:cTn id="21" presetID="10" presetClass="entr" presetSubtype="0" fill="hold" grpId="0" nodeType="withEffect">
-                                  <p:stCondLst>
-                                    <p:cond delay="0"/>
-                                  </p:stCondLst>
-                                  <p:childTnLst>
-                                    <p:set>
-                                      <p:cBhvr>
-                                        <p:cTn id="22" dur="1" fill="hold">
+                                        <p:cTn id="38" dur="1" fill="hold">
                                           <p:stCondLst>
                                             <p:cond delay="0"/>
                                           </p:stCondLst>
@@ -12854,173 +13966,6 @@
                                         <p:strVal val="visible"/>
                                       </p:to>
                                     </p:set>
-                                    <p:animEffect transition="in" filter="fade">
-                                      <p:cBhvr>
-                                        <p:cTn id="23" dur="500"/>
-                                        <p:tgtEl>
-                                          <p:spTgt spid="32"/>
-                                        </p:tgtEl>
-                                      </p:cBhvr>
-                                    </p:animEffect>
-                                  </p:childTnLst>
-                                </p:cTn>
-                              </p:par>
-                            </p:childTnLst>
-                          </p:cTn>
-                        </p:par>
-                      </p:childTnLst>
-                    </p:cTn>
-                  </p:par>
-                  <p:par>
-                    <p:cTn id="24" fill="hold">
-                      <p:stCondLst>
-                        <p:cond delay="indefinite"/>
-                      </p:stCondLst>
-                      <p:childTnLst>
-                        <p:par>
-                          <p:cTn id="25" fill="hold">
-                            <p:stCondLst>
-                              <p:cond delay="0"/>
-                            </p:stCondLst>
-                            <p:childTnLst>
-                              <p:par>
-                                <p:cTn id="26" presetID="10" presetClass="entr" presetSubtype="0" fill="hold" grpId="0" nodeType="clickEffect">
-                                  <p:stCondLst>
-                                    <p:cond delay="0"/>
-                                  </p:stCondLst>
-                                  <p:childTnLst>
-                                    <p:set>
-                                      <p:cBhvr>
-                                        <p:cTn id="27" dur="1" fill="hold">
-                                          <p:stCondLst>
-                                            <p:cond delay="0"/>
-                                          </p:stCondLst>
-                                        </p:cTn>
-                                        <p:tgtEl>
-                                          <p:spTgt spid="27"/>
-                                        </p:tgtEl>
-                                        <p:attrNameLst>
-                                          <p:attrName>style.visibility</p:attrName>
-                                        </p:attrNameLst>
-                                      </p:cBhvr>
-                                      <p:to>
-                                        <p:strVal val="visible"/>
-                                      </p:to>
-                                    </p:set>
-                                    <p:animEffect transition="in" filter="fade">
-                                      <p:cBhvr>
-                                        <p:cTn id="28" dur="500"/>
-                                        <p:tgtEl>
-                                          <p:spTgt spid="27"/>
-                                        </p:tgtEl>
-                                      </p:cBhvr>
-                                    </p:animEffect>
-                                  </p:childTnLst>
-                                </p:cTn>
-                              </p:par>
-                            </p:childTnLst>
-                          </p:cTn>
-                        </p:par>
-                      </p:childTnLst>
-                    </p:cTn>
-                  </p:par>
-                  <p:par>
-                    <p:cTn id="29" fill="hold">
-                      <p:stCondLst>
-                        <p:cond delay="indefinite"/>
-                      </p:stCondLst>
-                      <p:childTnLst>
-                        <p:par>
-                          <p:cTn id="30" fill="hold">
-                            <p:stCondLst>
-                              <p:cond delay="0"/>
-                            </p:stCondLst>
-                            <p:childTnLst>
-                              <p:par>
-                                <p:cTn id="31" presetID="10" presetClass="entr" presetSubtype="0" fill="hold" grpId="0" nodeType="clickEffect">
-                                  <p:stCondLst>
-                                    <p:cond delay="0"/>
-                                  </p:stCondLst>
-                                  <p:childTnLst>
-                                    <p:set>
-                                      <p:cBhvr>
-                                        <p:cTn id="32" dur="1" fill="hold">
-                                          <p:stCondLst>
-                                            <p:cond delay="0"/>
-                                          </p:stCondLst>
-                                        </p:cTn>
-                                        <p:tgtEl>
-                                          <p:spTgt spid="28"/>
-                                        </p:tgtEl>
-                                        <p:attrNameLst>
-                                          <p:attrName>style.visibility</p:attrName>
-                                        </p:attrNameLst>
-                                      </p:cBhvr>
-                                      <p:to>
-                                        <p:strVal val="visible"/>
-                                      </p:to>
-                                    </p:set>
-                                    <p:animEffect transition="in" filter="fade">
-                                      <p:cBhvr>
-                                        <p:cTn id="33" dur="500"/>
-                                        <p:tgtEl>
-                                          <p:spTgt spid="28"/>
-                                        </p:tgtEl>
-                                      </p:cBhvr>
-                                    </p:animEffect>
-                                  </p:childTnLst>
-                                </p:cTn>
-                              </p:par>
-                            </p:childTnLst>
-                          </p:cTn>
-                        </p:par>
-                      </p:childTnLst>
-                    </p:cTn>
-                  </p:par>
-                  <p:par>
-                    <p:cTn id="34" fill="hold">
-                      <p:stCondLst>
-                        <p:cond delay="indefinite"/>
-                      </p:stCondLst>
-                      <p:childTnLst>
-                        <p:par>
-                          <p:cTn id="35" fill="hold">
-                            <p:stCondLst>
-                              <p:cond delay="0"/>
-                            </p:stCondLst>
-                            <p:childTnLst>
-                              <p:par>
-                                <p:cTn id="36" presetID="10" presetClass="entr" presetSubtype="0" fill="hold" grpId="0" nodeType="clickEffect">
-                                  <p:stCondLst>
-                                    <p:cond delay="0"/>
-                                  </p:stCondLst>
-                                  <p:childTnLst>
-                                    <p:set>
-                                      <p:cBhvr>
-                                        <p:cTn id="37" dur="1" fill="hold">
-                                          <p:stCondLst>
-                                            <p:cond delay="0"/>
-                                          </p:stCondLst>
-                                        </p:cTn>
-                                        <p:tgtEl>
-                                          <p:spTgt spid="29"/>
-                                        </p:tgtEl>
-                                        <p:attrNameLst>
-                                          <p:attrName>style.visibility</p:attrName>
-                                        </p:attrNameLst>
-                                      </p:cBhvr>
-                                      <p:to>
-                                        <p:strVal val="visible"/>
-                                      </p:to>
-                                    </p:set>
-                                    <p:animEffect transition="in" filter="fade">
-                                      <p:cBhvr>
-                                        <p:cTn id="38" dur="500"/>
-                                        <p:tgtEl>
-                                          <p:spTgt spid="29"/>
-                                        </p:tgtEl>
-                                      </p:cBhvr>
-                                    </p:animEffect>
                                   </p:childTnLst>
                                 </p:cTn>
                               </p:par>
@@ -13043,7 +13988,7 @@
                             </p:stCondLst>
                             <p:childTnLst>
                               <p:par>
-                                <p:cTn id="41" presetID="10" presetClass="entr" presetSubtype="0" fill="hold" nodeType="clickEffect">
+                                <p:cTn id="41" presetID="1" presetClass="entr" presetSubtype="0" fill="hold" grpId="0" nodeType="clickEffect">
                                   <p:stCondLst>
                                     <p:cond delay="0"/>
                                   </p:stCondLst>
@@ -13056,11 +14001,7 @@
                                           </p:stCondLst>
                                         </p:cTn>
                                         <p:tgtEl>
-                                          <p:spTgt spid="2">
-                                            <p:txEl>
-                                              <p:pRg st="0" end="0"/>
-                                            </p:txEl>
-                                          </p:spTgt>
+                                          <p:spTgt spid="21"/>
                                         </p:tgtEl>
                                         <p:attrNameLst>
                                           <p:attrName>style.visibility</p:attrName>
@@ -13070,18 +14011,33 @@
                                         <p:strVal val="visible"/>
                                       </p:to>
                                     </p:set>
-                                    <p:animEffect transition="in" filter="fade">
+                                  </p:childTnLst>
+                                </p:cTn>
+                              </p:par>
+                              <p:par>
+                                <p:cTn id="43" presetID="1" presetClass="entr" presetSubtype="0" fill="hold" grpId="0" nodeType="withEffect">
+                                  <p:stCondLst>
+                                    <p:cond delay="0"/>
+                                  </p:stCondLst>
+                                  <p:childTnLst>
+                                    <p:set>
                                       <p:cBhvr>
-                                        <p:cTn id="43" dur="500"/>
+                                        <p:cTn id="44" dur="1" fill="hold">
+                                          <p:stCondLst>
+                                            <p:cond delay="0"/>
+                                          </p:stCondLst>
+                                        </p:cTn>
                                         <p:tgtEl>
-                                          <p:spTgt spid="2">
-                                            <p:txEl>
-                                              <p:pRg st="0" end="0"/>
-                                            </p:txEl>
-                                          </p:spTgt>
+                                          <p:spTgt spid="16"/>
                                         </p:tgtEl>
+                                        <p:attrNameLst>
+                                          <p:attrName>style.visibility</p:attrName>
+                                        </p:attrNameLst>
                                       </p:cBhvr>
-                                    </p:animEffect>
+                                      <p:to>
+                                        <p:strVal val="visible"/>
+                                      </p:to>
+                                    </p:set>
                                   </p:childTnLst>
                                 </p:cTn>
                               </p:par>
@@ -13092,36 +14048,32 @@
                     </p:cTn>
                   </p:par>
                   <p:par>
-                    <p:cTn id="44" fill="hold">
+                    <p:cTn id="45" fill="hold">
                       <p:stCondLst>
                         <p:cond delay="indefinite"/>
                       </p:stCondLst>
                       <p:childTnLst>
                         <p:par>
-                          <p:cTn id="45" fill="hold">
+                          <p:cTn id="46" fill="hold">
                             <p:stCondLst>
                               <p:cond delay="0"/>
                             </p:stCondLst>
                             <p:childTnLst>
                               <p:par>
-                                <p:cTn id="46" presetID="10" presetClass="entr" presetSubtype="0" fill="hold" nodeType="clickEffect">
+                                <p:cTn id="47" presetID="1" presetClass="entr" presetSubtype="0" fill="hold" grpId="0" nodeType="clickEffect">
                                   <p:stCondLst>
                                     <p:cond delay="0"/>
                                   </p:stCondLst>
                                   <p:childTnLst>
                                     <p:set>
                                       <p:cBhvr>
-                                        <p:cTn id="47" dur="1" fill="hold">
+                                        <p:cTn id="48" dur="1" fill="hold">
                                           <p:stCondLst>
                                             <p:cond delay="0"/>
                                           </p:stCondLst>
                                         </p:cTn>
                                         <p:tgtEl>
-                                          <p:spTgt spid="2">
-                                            <p:txEl>
-                                              <p:pRg st="1" end="1"/>
-                                            </p:txEl>
-                                          </p:spTgt>
+                                          <p:spTgt spid="2"/>
                                         </p:tgtEl>
                                         <p:attrNameLst>
                                           <p:attrName>style.visibility</p:attrName>
@@ -13131,58 +14083,24 @@
                                         <p:strVal val="visible"/>
                                       </p:to>
                                     </p:set>
-                                    <p:animEffect transition="in" filter="fade">
-                                      <p:cBhvr>
-                                        <p:cTn id="48" dur="500"/>
-                                        <p:tgtEl>
-                                          <p:spTgt spid="2">
-                                            <p:txEl>
-                                              <p:pRg st="1" end="1"/>
-                                            </p:txEl>
-                                          </p:spTgt>
-                                        </p:tgtEl>
-                                      </p:cBhvr>
-                                    </p:animEffect>
                                   </p:childTnLst>
                                 </p:cTn>
                               </p:par>
-                            </p:childTnLst>
-                          </p:cTn>
-                        </p:par>
-                      </p:childTnLst>
-                    </p:cTn>
-                  </p:par>
-                  <p:par>
-                    <p:cTn id="49" fill="hold">
-                      <p:stCondLst>
-                        <p:cond delay="indefinite"/>
-                      </p:stCondLst>
-                      <p:childTnLst>
-                        <p:par>
-                          <p:cTn id="50" fill="hold">
-                            <p:stCondLst>
-                              <p:cond delay="0"/>
-                            </p:stCondLst>
-                            <p:childTnLst>
                               <p:par>
-                                <p:cTn id="51" presetID="10" presetClass="entr" presetSubtype="0" fill="hold" nodeType="clickEffect">
+                                <p:cTn id="49" presetID="1" presetClass="entr" presetSubtype="0" fill="hold" grpId="0" nodeType="withEffect">
                                   <p:stCondLst>
                                     <p:cond delay="0"/>
                                   </p:stCondLst>
                                   <p:childTnLst>
                                     <p:set>
                                       <p:cBhvr>
-                                        <p:cTn id="52" dur="1" fill="hold">
+                                        <p:cTn id="50" dur="1" fill="hold">
                                           <p:stCondLst>
                                             <p:cond delay="0"/>
                                           </p:stCondLst>
                                         </p:cTn>
                                         <p:tgtEl>
-                                          <p:spTgt spid="16">
-                                            <p:txEl>
-                                              <p:pRg st="0" end="0"/>
-                                            </p:txEl>
-                                          </p:spTgt>
+                                          <p:spTgt spid="7"/>
                                         </p:tgtEl>
                                         <p:attrNameLst>
                                           <p:attrName>style.visibility</p:attrName>
@@ -13192,79 +14110,6 @@
                                         <p:strVal val="visible"/>
                                       </p:to>
                                     </p:set>
-                                    <p:animEffect transition="in" filter="fade">
-                                      <p:cBhvr>
-                                        <p:cTn id="53" dur="500"/>
-                                        <p:tgtEl>
-                                          <p:spTgt spid="16">
-                                            <p:txEl>
-                                              <p:pRg st="0" end="0"/>
-                                            </p:txEl>
-                                          </p:spTgt>
-                                        </p:tgtEl>
-                                      </p:cBhvr>
-                                    </p:animEffect>
-                                  </p:childTnLst>
-                                </p:cTn>
-                              </p:par>
-                            </p:childTnLst>
-                          </p:cTn>
-                        </p:par>
-                      </p:childTnLst>
-                    </p:cTn>
-                  </p:par>
-                  <p:par>
-                    <p:cTn id="54" fill="hold">
-                      <p:stCondLst>
-                        <p:cond delay="indefinite"/>
-                      </p:stCondLst>
-                      <p:childTnLst>
-                        <p:par>
-                          <p:cTn id="55" fill="hold">
-                            <p:stCondLst>
-                              <p:cond delay="0"/>
-                            </p:stCondLst>
-                            <p:childTnLst>
-                              <p:par>
-                                <p:cTn id="56" presetID="10" presetClass="entr" presetSubtype="0" fill="hold" nodeType="clickEffect">
-                                  <p:stCondLst>
-                                    <p:cond delay="0"/>
-                                  </p:stCondLst>
-                                  <p:childTnLst>
-                                    <p:set>
-                                      <p:cBhvr>
-                                        <p:cTn id="57" dur="1" fill="hold">
-                                          <p:stCondLst>
-                                            <p:cond delay="0"/>
-                                          </p:stCondLst>
-                                        </p:cTn>
-                                        <p:tgtEl>
-                                          <p:spTgt spid="16">
-                                            <p:txEl>
-                                              <p:pRg st="1" end="1"/>
-                                            </p:txEl>
-                                          </p:spTgt>
-                                        </p:tgtEl>
-                                        <p:attrNameLst>
-                                          <p:attrName>style.visibility</p:attrName>
-                                        </p:attrNameLst>
-                                      </p:cBhvr>
-                                      <p:to>
-                                        <p:strVal val="visible"/>
-                                      </p:to>
-                                    </p:set>
-                                    <p:animEffect transition="in" filter="fade">
-                                      <p:cBhvr>
-                                        <p:cTn id="58" dur="500"/>
-                                        <p:tgtEl>
-                                          <p:spTgt spid="16">
-                                            <p:txEl>
-                                              <p:pRg st="1" end="1"/>
-                                            </p:txEl>
-                                          </p:spTgt>
-                                        </p:tgtEl>
-                                      </p:cBhvr>
-                                    </p:animEffect>
                                   </p:childTnLst>
                                 </p:cTn>
                               </p:par>
@@ -13304,516 +14149,11 @@
       <p:bldP spid="30" grpId="0" animBg="1"/>
       <p:bldP spid="31" grpId="0"/>
       <p:bldP spid="32" grpId="0"/>
+      <p:bldP spid="2" grpId="0"/>
+      <p:bldP spid="16" grpId="0"/>
+      <p:bldP spid="7" grpId="0"/>
+      <p:bldP spid="21" grpId="0"/>
     </p:bldLst>
-  </p:timing>
-</p:sld>
-</file>
-
-<file path=ppt/slides/slide19.xml><?xml version="1.0" encoding="utf-8"?>
-<p:sld xmlns:a="http://schemas.openxmlformats.org/drawingml/2006/main" xmlns:r="http://schemas.openxmlformats.org/officeDocument/2006/relationships" xmlns:p="http://schemas.openxmlformats.org/presentationml/2006/main">
-  <p:cSld>
-    <p:spTree>
-      <p:nvGrpSpPr>
-        <p:cNvPr id="1" name=""/>
-        <p:cNvGrpSpPr/>
-        <p:nvPr/>
-      </p:nvGrpSpPr>
-      <p:grpSpPr>
-        <a:xfrm>
-          <a:off x="0" y="0"/>
-          <a:ext cx="0" cy="0"/>
-          <a:chOff x="0" y="0"/>
-          <a:chExt cx="0" cy="0"/>
-        </a:xfrm>
-      </p:grpSpPr>
-      <p:sp>
-        <p:nvSpPr>
-          <p:cNvPr id="2" name="Title 1"/>
-          <p:cNvSpPr>
-            <a:spLocks noGrp="1"/>
-          </p:cNvSpPr>
-          <p:nvPr>
-            <p:ph type="title"/>
-          </p:nvPr>
-        </p:nvSpPr>
-        <p:spPr>
-          <a:xfrm>
-            <a:off x="1981200" y="762735"/>
-            <a:ext cx="8229600" cy="525462"/>
-          </a:xfrm>
-        </p:spPr>
-        <p:txBody>
-          <a:bodyPr>
-            <a:normAutofit fontScale="90000"/>
-          </a:bodyPr>
-          <a:lstStyle/>
-          <a:p>
-            <a:r>
-              <a:rPr lang="en-GB" dirty="0" smtClean="0"/>
-              <a:t>Multicollinearity</a:t>
-            </a:r>
-            <a:endParaRPr lang="en-GB" dirty="0"/>
-          </a:p>
-        </p:txBody>
-      </p:sp>
-      <p:sp>
-        <p:nvSpPr>
-          <p:cNvPr id="3" name="Content Placeholder 2"/>
-          <p:cNvSpPr>
-            <a:spLocks noGrp="1"/>
-          </p:cNvSpPr>
-          <p:nvPr>
-            <p:ph idx="1"/>
-          </p:nvPr>
-        </p:nvSpPr>
-        <p:spPr>
-          <a:xfrm>
-            <a:off x="1981200" y="1725625"/>
-            <a:ext cx="8229600" cy="4264706"/>
-          </a:xfrm>
-        </p:spPr>
-        <p:txBody>
-          <a:bodyPr>
-            <a:normAutofit fontScale="92500"/>
-          </a:bodyPr>
-          <a:lstStyle/>
-          <a:p>
-            <a:r>
-              <a:rPr lang="en-GB" sz="2800" dirty="0"/>
-              <a:t>If two predictor variables are highly correlated (above .80 or </a:t>
-            </a:r>
-            <a:r>
-              <a:rPr lang="en-GB" sz="2800" dirty="0" smtClean="0"/>
-              <a:t>.below -0.80), </a:t>
-            </a:r>
-            <a:r>
-              <a:rPr lang="en-GB" sz="2800" dirty="0"/>
-              <a:t>this </a:t>
-            </a:r>
-            <a:r>
-              <a:rPr lang="en-GB" sz="2800" dirty="0" smtClean="0"/>
-              <a:t>is known as multicollinearity, and can </a:t>
-            </a:r>
-            <a:r>
-              <a:rPr lang="en-GB" sz="2800" dirty="0"/>
-              <a:t>cause problems with </a:t>
-            </a:r>
-            <a:r>
-              <a:rPr lang="en-GB" sz="2800" dirty="0">
-                <a:solidFill>
-                  <a:schemeClr val="tx2"/>
-                </a:solidFill>
-              </a:rPr>
-              <a:t>interpretation</a:t>
-            </a:r>
-            <a:r>
-              <a:rPr lang="en-GB" sz="2800" dirty="0"/>
-              <a:t> of the regression.</a:t>
-            </a:r>
-          </a:p>
-          <a:p>
-            <a:r>
-              <a:rPr lang="en-GB" sz="2800" dirty="0"/>
-              <a:t>If so, consider </a:t>
-            </a:r>
-            <a:r>
-              <a:rPr lang="en-GB" sz="2800" dirty="0">
-                <a:solidFill>
-                  <a:schemeClr val="tx2"/>
-                </a:solidFill>
-              </a:rPr>
-              <a:t>dropping</a:t>
-            </a:r>
-            <a:r>
-              <a:rPr lang="en-GB" sz="2800" dirty="0"/>
-              <a:t> one predictor from the model.</a:t>
-            </a:r>
-          </a:p>
-          <a:p>
-            <a:r>
-              <a:rPr lang="en-GB" sz="2800" dirty="0" smtClean="0"/>
-              <a:t>In the extreme scenario, although the model may explain the outcome overall, the unique contribution of each predictor may be negligible.</a:t>
-            </a:r>
-            <a:endParaRPr lang="en-GB" sz="2800" dirty="0"/>
-          </a:p>
-          <a:p>
-            <a:r>
-              <a:rPr lang="en-GB" sz="2800" dirty="0"/>
-              <a:t>Example: Suppose that the variable </a:t>
-            </a:r>
-            <a:r>
-              <a:rPr lang="en-GB" sz="2800" dirty="0" smtClean="0">
-                <a:solidFill>
-                  <a:srgbClr val="002060"/>
-                </a:solidFill>
-              </a:rPr>
-              <a:t>BMI</a:t>
-            </a:r>
-            <a:r>
-              <a:rPr lang="en-GB" sz="2800" dirty="0" smtClean="0"/>
-              <a:t> (</a:t>
-            </a:r>
-            <a:r>
-              <a:rPr lang="en-GB" sz="2800" dirty="0" smtClean="0">
-                <a:solidFill>
-                  <a:schemeClr val="tx2"/>
-                </a:solidFill>
-              </a:rPr>
-              <a:t>Body Mass Index) </a:t>
-            </a:r>
-            <a:r>
-              <a:rPr lang="en-GB" sz="2800" dirty="0"/>
-              <a:t>is highly correlated with </a:t>
-            </a:r>
-            <a:r>
-              <a:rPr lang="en-GB" sz="2800" dirty="0" smtClean="0">
-                <a:solidFill>
-                  <a:srgbClr val="002060"/>
-                </a:solidFill>
-              </a:rPr>
-              <a:t>weight in kg </a:t>
-            </a:r>
-            <a:r>
-              <a:rPr lang="en-GB" sz="2800" dirty="0"/>
-              <a:t>(</a:t>
-            </a:r>
-            <a:r>
-              <a:rPr lang="en-GB" sz="2800" i="1" dirty="0"/>
-              <a:t>r</a:t>
-            </a:r>
-            <a:r>
-              <a:rPr lang="en-GB" sz="2800" dirty="0"/>
-              <a:t> = </a:t>
-            </a:r>
-            <a:r>
-              <a:rPr lang="en-GB" sz="2800" dirty="0" smtClean="0"/>
-              <a:t>.85)</a:t>
-            </a:r>
-            <a:endParaRPr lang="en-GB" sz="2800" dirty="0"/>
-          </a:p>
-          <a:p>
-            <a:endParaRPr lang="en-GB" sz="2200" dirty="0"/>
-          </a:p>
-          <a:p>
-            <a:endParaRPr lang="en-GB" dirty="0" smtClean="0"/>
-          </a:p>
-          <a:p>
-            <a:endParaRPr lang="en-GB" dirty="0"/>
-          </a:p>
-        </p:txBody>
-      </p:sp>
-      <p:sp>
-        <p:nvSpPr>
-          <p:cNvPr id="4" name="Slide Number Placeholder 3"/>
-          <p:cNvSpPr>
-            <a:spLocks noGrp="1"/>
-          </p:cNvSpPr>
-          <p:nvPr>
-            <p:ph type="sldNum" sz="quarter" idx="12"/>
-          </p:nvPr>
-        </p:nvSpPr>
-        <p:spPr>
-          <a:xfrm>
-            <a:off x="8077200" y="6339726"/>
-            <a:ext cx="2133600" cy="365125"/>
-          </a:xfrm>
-        </p:spPr>
-        <p:txBody>
-          <a:bodyPr/>
-          <a:lstStyle/>
-          <a:p>
-            <a:fld id="{B6F15528-21DE-4FAA-801E-634DDDAF4B2B}" type="slidenum">
-              <a:rPr lang="en-US" smtClean="0"/>
-              <a:pPr/>
-              <a:t>19</a:t>
-            </a:fld>
-            <a:endParaRPr lang="en-US" dirty="0"/>
-          </a:p>
-        </p:txBody>
-      </p:sp>
-    </p:spTree>
-    <p:extLst>
-      <p:ext uri="{BB962C8B-B14F-4D97-AF65-F5344CB8AC3E}">
-        <p14:creationId xmlns:p14="http://schemas.microsoft.com/office/powerpoint/2010/main" val="1638372674"/>
-      </p:ext>
-    </p:extLst>
-  </p:cSld>
-  <p:clrMapOvr>
-    <a:masterClrMapping/>
-  </p:clrMapOvr>
-  <p:timing>
-    <p:tnLst>
-      <p:par>
-        <p:cTn id="1" dur="indefinite" restart="never" nodeType="tmRoot">
-          <p:childTnLst>
-            <p:seq concurrent="1" nextAc="seek">
-              <p:cTn id="2" dur="indefinite" nodeType="mainSeq">
-                <p:childTnLst>
-                  <p:par>
-                    <p:cTn id="3" fill="hold">
-                      <p:stCondLst>
-                        <p:cond delay="indefinite"/>
-                      </p:stCondLst>
-                      <p:childTnLst>
-                        <p:par>
-                          <p:cTn id="4" fill="hold">
-                            <p:stCondLst>
-                              <p:cond delay="0"/>
-                            </p:stCondLst>
-                            <p:childTnLst>
-                              <p:par>
-                                <p:cTn id="5" presetID="10" presetClass="entr" presetSubtype="0" fill="hold" nodeType="clickEffect">
-                                  <p:stCondLst>
-                                    <p:cond delay="0"/>
-                                  </p:stCondLst>
-                                  <p:childTnLst>
-                                    <p:set>
-                                      <p:cBhvr>
-                                        <p:cTn id="6" dur="1" fill="hold">
-                                          <p:stCondLst>
-                                            <p:cond delay="0"/>
-                                          </p:stCondLst>
-                                        </p:cTn>
-                                        <p:tgtEl>
-                                          <p:spTgt spid="3">
-                                            <p:txEl>
-                                              <p:pRg st="0" end="0"/>
-                                            </p:txEl>
-                                          </p:spTgt>
-                                        </p:tgtEl>
-                                        <p:attrNameLst>
-                                          <p:attrName>style.visibility</p:attrName>
-                                        </p:attrNameLst>
-                                      </p:cBhvr>
-                                      <p:to>
-                                        <p:strVal val="visible"/>
-                                      </p:to>
-                                    </p:set>
-                                    <p:animEffect transition="in" filter="fade">
-                                      <p:cBhvr>
-                                        <p:cTn id="7" dur="500"/>
-                                        <p:tgtEl>
-                                          <p:spTgt spid="3">
-                                            <p:txEl>
-                                              <p:pRg st="0" end="0"/>
-                                            </p:txEl>
-                                          </p:spTgt>
-                                        </p:tgtEl>
-                                      </p:cBhvr>
-                                    </p:animEffect>
-                                  </p:childTnLst>
-                                </p:cTn>
-                              </p:par>
-                            </p:childTnLst>
-                          </p:cTn>
-                        </p:par>
-                      </p:childTnLst>
-                    </p:cTn>
-                  </p:par>
-                  <p:par>
-                    <p:cTn id="8" fill="hold">
-                      <p:stCondLst>
-                        <p:cond delay="indefinite"/>
-                      </p:stCondLst>
-                      <p:childTnLst>
-                        <p:par>
-                          <p:cTn id="9" fill="hold">
-                            <p:stCondLst>
-                              <p:cond delay="0"/>
-                            </p:stCondLst>
-                            <p:childTnLst>
-                              <p:par>
-                                <p:cTn id="10" presetID="10" presetClass="entr" presetSubtype="0" fill="hold" nodeType="clickEffect">
-                                  <p:stCondLst>
-                                    <p:cond delay="0"/>
-                                  </p:stCondLst>
-                                  <p:childTnLst>
-                                    <p:set>
-                                      <p:cBhvr>
-                                        <p:cTn id="11" dur="1" fill="hold">
-                                          <p:stCondLst>
-                                            <p:cond delay="0"/>
-                                          </p:stCondLst>
-                                        </p:cTn>
-                                        <p:tgtEl>
-                                          <p:spTgt spid="3">
-                                            <p:txEl>
-                                              <p:pRg st="1" end="1"/>
-                                            </p:txEl>
-                                          </p:spTgt>
-                                        </p:tgtEl>
-                                        <p:attrNameLst>
-                                          <p:attrName>style.visibility</p:attrName>
-                                        </p:attrNameLst>
-                                      </p:cBhvr>
-                                      <p:to>
-                                        <p:strVal val="visible"/>
-                                      </p:to>
-                                    </p:set>
-                                    <p:animEffect transition="in" filter="fade">
-                                      <p:cBhvr>
-                                        <p:cTn id="12" dur="500"/>
-                                        <p:tgtEl>
-                                          <p:spTgt spid="3">
-                                            <p:txEl>
-                                              <p:pRg st="1" end="1"/>
-                                            </p:txEl>
-                                          </p:spTgt>
-                                        </p:tgtEl>
-                                      </p:cBhvr>
-                                    </p:animEffect>
-                                  </p:childTnLst>
-                                </p:cTn>
-                              </p:par>
-                            </p:childTnLst>
-                          </p:cTn>
-                        </p:par>
-                      </p:childTnLst>
-                    </p:cTn>
-                  </p:par>
-                  <p:par>
-                    <p:cTn id="13" fill="hold">
-                      <p:stCondLst>
-                        <p:cond delay="indefinite"/>
-                      </p:stCondLst>
-                      <p:childTnLst>
-                        <p:par>
-                          <p:cTn id="14" fill="hold">
-                            <p:stCondLst>
-                              <p:cond delay="0"/>
-                            </p:stCondLst>
-                            <p:childTnLst>
-                              <p:par>
-                                <p:cTn id="15" presetID="10" presetClass="entr" presetSubtype="0" fill="hold" nodeType="clickEffect">
-                                  <p:stCondLst>
-                                    <p:cond delay="0"/>
-                                  </p:stCondLst>
-                                  <p:childTnLst>
-                                    <p:set>
-                                      <p:cBhvr>
-                                        <p:cTn id="16" dur="1" fill="hold">
-                                          <p:stCondLst>
-                                            <p:cond delay="0"/>
-                                          </p:stCondLst>
-                                        </p:cTn>
-                                        <p:tgtEl>
-                                          <p:spTgt spid="3">
-                                            <p:txEl>
-                                              <p:pRg st="2" end="2"/>
-                                            </p:txEl>
-                                          </p:spTgt>
-                                        </p:tgtEl>
-                                        <p:attrNameLst>
-                                          <p:attrName>style.visibility</p:attrName>
-                                        </p:attrNameLst>
-                                      </p:cBhvr>
-                                      <p:to>
-                                        <p:strVal val="visible"/>
-                                      </p:to>
-                                    </p:set>
-                                    <p:animEffect transition="in" filter="fade">
-                                      <p:cBhvr>
-                                        <p:cTn id="17" dur="500"/>
-                                        <p:tgtEl>
-                                          <p:spTgt spid="3">
-                                            <p:txEl>
-                                              <p:pRg st="2" end="2"/>
-                                            </p:txEl>
-                                          </p:spTgt>
-                                        </p:tgtEl>
-                                      </p:cBhvr>
-                                    </p:animEffect>
-                                  </p:childTnLst>
-                                </p:cTn>
-                              </p:par>
-                            </p:childTnLst>
-                          </p:cTn>
-                        </p:par>
-                      </p:childTnLst>
-                    </p:cTn>
-                  </p:par>
-                  <p:par>
-                    <p:cTn id="18" fill="hold">
-                      <p:stCondLst>
-                        <p:cond delay="indefinite"/>
-                      </p:stCondLst>
-                      <p:childTnLst>
-                        <p:par>
-                          <p:cTn id="19" fill="hold">
-                            <p:stCondLst>
-                              <p:cond delay="0"/>
-                            </p:stCondLst>
-                            <p:childTnLst>
-                              <p:par>
-                                <p:cTn id="20" presetID="10" presetClass="entr" presetSubtype="0" fill="hold" nodeType="clickEffect">
-                                  <p:stCondLst>
-                                    <p:cond delay="0"/>
-                                  </p:stCondLst>
-                                  <p:childTnLst>
-                                    <p:set>
-                                      <p:cBhvr>
-                                        <p:cTn id="21" dur="1" fill="hold">
-                                          <p:stCondLst>
-                                            <p:cond delay="0"/>
-                                          </p:stCondLst>
-                                        </p:cTn>
-                                        <p:tgtEl>
-                                          <p:spTgt spid="3">
-                                            <p:txEl>
-                                              <p:pRg st="3" end="3"/>
-                                            </p:txEl>
-                                          </p:spTgt>
-                                        </p:tgtEl>
-                                        <p:attrNameLst>
-                                          <p:attrName>style.visibility</p:attrName>
-                                        </p:attrNameLst>
-                                      </p:cBhvr>
-                                      <p:to>
-                                        <p:strVal val="visible"/>
-                                      </p:to>
-                                    </p:set>
-                                    <p:animEffect transition="in" filter="fade">
-                                      <p:cBhvr>
-                                        <p:cTn id="22" dur="500"/>
-                                        <p:tgtEl>
-                                          <p:spTgt spid="3">
-                                            <p:txEl>
-                                              <p:pRg st="3" end="3"/>
-                                            </p:txEl>
-                                          </p:spTgt>
-                                        </p:tgtEl>
-                                      </p:cBhvr>
-                                    </p:animEffect>
-                                  </p:childTnLst>
-                                </p:cTn>
-                              </p:par>
-                            </p:childTnLst>
-                          </p:cTn>
-                        </p:par>
-                      </p:childTnLst>
-                    </p:cTn>
-                  </p:par>
-                </p:childTnLst>
-              </p:cTn>
-              <p:prevCondLst>
-                <p:cond evt="onPrev" delay="0">
-                  <p:tgtEl>
-                    <p:sldTgt/>
-                  </p:tgtEl>
-                </p:cond>
-              </p:prevCondLst>
-              <p:nextCondLst>
-                <p:cond evt="onNext" delay="0">
-                  <p:tgtEl>
-                    <p:sldTgt/>
-                  </p:tgtEl>
-                </p:cond>
-              </p:nextCondLst>
-            </p:seq>
-          </p:childTnLst>
-        </p:cTn>
-      </p:par>
-    </p:tnLst>
   </p:timing>
 </p:sld>
 </file>
@@ -14116,7 +14456,7 @@
                   </a:schemeClr>
                 </a:solidFill>
               </a:rPr>
-              <a:t>0.13*Screen Time</a:t>
+              <a:t>0.13(Screen Time)</a:t>
             </a:r>
             <a:endParaRPr lang="en-GB" sz="2200" b="1" dirty="0">
               <a:solidFill>
@@ -15003,6 +15343,515 @@
         </p:nvSpPr>
         <p:spPr>
           <a:xfrm>
+            <a:off x="1981200" y="762735"/>
+            <a:ext cx="8229600" cy="525462"/>
+          </a:xfrm>
+        </p:spPr>
+        <p:txBody>
+          <a:bodyPr>
+            <a:normAutofit fontScale="90000"/>
+          </a:bodyPr>
+          <a:lstStyle/>
+          <a:p>
+            <a:r>
+              <a:rPr lang="en-GB" dirty="0" smtClean="0"/>
+              <a:t>Multicollinearity</a:t>
+            </a:r>
+            <a:endParaRPr lang="en-GB" dirty="0"/>
+          </a:p>
+        </p:txBody>
+      </p:sp>
+      <p:sp>
+        <p:nvSpPr>
+          <p:cNvPr id="3" name="Content Placeholder 2"/>
+          <p:cNvSpPr>
+            <a:spLocks noGrp="1"/>
+          </p:cNvSpPr>
+          <p:nvPr>
+            <p:ph idx="1"/>
+          </p:nvPr>
+        </p:nvSpPr>
+        <p:spPr>
+          <a:xfrm>
+            <a:off x="1981200" y="1725625"/>
+            <a:ext cx="8229600" cy="4264706"/>
+          </a:xfrm>
+        </p:spPr>
+        <p:txBody>
+          <a:bodyPr>
+            <a:normAutofit fontScale="92500"/>
+          </a:bodyPr>
+          <a:lstStyle/>
+          <a:p>
+            <a:r>
+              <a:rPr lang="en-GB" sz="2800" dirty="0"/>
+              <a:t>If two predictor variables are highly correlated (above .80 or </a:t>
+            </a:r>
+            <a:r>
+              <a:rPr lang="en-GB" sz="2800" dirty="0" smtClean="0"/>
+              <a:t>.below -0.80), </a:t>
+            </a:r>
+            <a:r>
+              <a:rPr lang="en-GB" sz="2800" dirty="0"/>
+              <a:t>this </a:t>
+            </a:r>
+            <a:r>
+              <a:rPr lang="en-GB" sz="2800" dirty="0" smtClean="0"/>
+              <a:t>is known as multicollinearity, and can </a:t>
+            </a:r>
+            <a:r>
+              <a:rPr lang="en-GB" sz="2800" dirty="0"/>
+              <a:t>cause problems with </a:t>
+            </a:r>
+            <a:r>
+              <a:rPr lang="en-GB" sz="2800" dirty="0">
+                <a:solidFill>
+                  <a:schemeClr val="tx2"/>
+                </a:solidFill>
+              </a:rPr>
+              <a:t>interpretation</a:t>
+            </a:r>
+            <a:r>
+              <a:rPr lang="en-GB" sz="2800" dirty="0"/>
+              <a:t> of the regression.</a:t>
+            </a:r>
+          </a:p>
+          <a:p>
+            <a:r>
+              <a:rPr lang="en-GB" sz="2800" dirty="0"/>
+              <a:t>If so, consider </a:t>
+            </a:r>
+            <a:r>
+              <a:rPr lang="en-GB" sz="2800" dirty="0">
+                <a:solidFill>
+                  <a:schemeClr val="tx2"/>
+                </a:solidFill>
+              </a:rPr>
+              <a:t>dropping</a:t>
+            </a:r>
+            <a:r>
+              <a:rPr lang="en-GB" sz="2800" dirty="0"/>
+              <a:t> one predictor from the model.</a:t>
+            </a:r>
+          </a:p>
+          <a:p>
+            <a:r>
+              <a:rPr lang="en-GB" sz="2800" dirty="0" smtClean="0"/>
+              <a:t>In the extreme scenario, although the model may explain the outcome overall, the unique contribution of each predictor may be negligible.</a:t>
+            </a:r>
+            <a:endParaRPr lang="en-GB" sz="2800" dirty="0"/>
+          </a:p>
+          <a:p>
+            <a:r>
+              <a:rPr lang="en-GB" sz="2800" dirty="0"/>
+              <a:t>Example: Suppose that the variable </a:t>
+            </a:r>
+            <a:r>
+              <a:rPr lang="en-GB" sz="2800" dirty="0" smtClean="0">
+                <a:solidFill>
+                  <a:srgbClr val="002060"/>
+                </a:solidFill>
+              </a:rPr>
+              <a:t>BMI</a:t>
+            </a:r>
+            <a:r>
+              <a:rPr lang="en-GB" sz="2800" dirty="0" smtClean="0"/>
+              <a:t> (</a:t>
+            </a:r>
+            <a:r>
+              <a:rPr lang="en-GB" sz="2800" dirty="0" smtClean="0">
+                <a:solidFill>
+                  <a:schemeClr val="tx2"/>
+                </a:solidFill>
+              </a:rPr>
+              <a:t>Body Mass Index) </a:t>
+            </a:r>
+            <a:r>
+              <a:rPr lang="en-GB" sz="2800" dirty="0"/>
+              <a:t>is highly correlated with </a:t>
+            </a:r>
+            <a:r>
+              <a:rPr lang="en-GB" sz="2800" dirty="0" smtClean="0">
+                <a:solidFill>
+                  <a:srgbClr val="002060"/>
+                </a:solidFill>
+              </a:rPr>
+              <a:t>weight in kg </a:t>
+            </a:r>
+            <a:r>
+              <a:rPr lang="en-GB" sz="2800" dirty="0"/>
+              <a:t>(</a:t>
+            </a:r>
+            <a:r>
+              <a:rPr lang="en-GB" sz="2800" i="1" dirty="0"/>
+              <a:t>r</a:t>
+            </a:r>
+            <a:r>
+              <a:rPr lang="en-GB" sz="2800" dirty="0"/>
+              <a:t> = </a:t>
+            </a:r>
+            <a:r>
+              <a:rPr lang="en-GB" sz="2800" dirty="0" smtClean="0"/>
+              <a:t>.85)</a:t>
+            </a:r>
+            <a:endParaRPr lang="en-GB" sz="2800" dirty="0"/>
+          </a:p>
+          <a:p>
+            <a:endParaRPr lang="en-GB" sz="2200" dirty="0"/>
+          </a:p>
+          <a:p>
+            <a:endParaRPr lang="en-GB" dirty="0" smtClean="0"/>
+          </a:p>
+          <a:p>
+            <a:endParaRPr lang="en-GB" dirty="0"/>
+          </a:p>
+        </p:txBody>
+      </p:sp>
+      <p:sp>
+        <p:nvSpPr>
+          <p:cNvPr id="4" name="Slide Number Placeholder 3"/>
+          <p:cNvSpPr>
+            <a:spLocks noGrp="1"/>
+          </p:cNvSpPr>
+          <p:nvPr>
+            <p:ph type="sldNum" sz="quarter" idx="12"/>
+          </p:nvPr>
+        </p:nvSpPr>
+        <p:spPr>
+          <a:xfrm>
+            <a:off x="8077200" y="6339726"/>
+            <a:ext cx="2133600" cy="365125"/>
+          </a:xfrm>
+        </p:spPr>
+        <p:txBody>
+          <a:bodyPr/>
+          <a:lstStyle/>
+          <a:p>
+            <a:fld id="{B6F15528-21DE-4FAA-801E-634DDDAF4B2B}" type="slidenum">
+              <a:rPr lang="en-US" smtClean="0"/>
+              <a:pPr/>
+              <a:t>20</a:t>
+            </a:fld>
+            <a:endParaRPr lang="en-US" dirty="0"/>
+          </a:p>
+        </p:txBody>
+      </p:sp>
+    </p:spTree>
+    <p:extLst>
+      <p:ext uri="{BB962C8B-B14F-4D97-AF65-F5344CB8AC3E}">
+        <p14:creationId xmlns:p14="http://schemas.microsoft.com/office/powerpoint/2010/main" val="1638372674"/>
+      </p:ext>
+    </p:extLst>
+  </p:cSld>
+  <p:clrMapOvr>
+    <a:masterClrMapping/>
+  </p:clrMapOvr>
+  <p:timing>
+    <p:tnLst>
+      <p:par>
+        <p:cTn id="1" dur="indefinite" restart="never" nodeType="tmRoot">
+          <p:childTnLst>
+            <p:seq concurrent="1" nextAc="seek">
+              <p:cTn id="2" dur="indefinite" nodeType="mainSeq">
+                <p:childTnLst>
+                  <p:par>
+                    <p:cTn id="3" fill="hold">
+                      <p:stCondLst>
+                        <p:cond delay="indefinite"/>
+                      </p:stCondLst>
+                      <p:childTnLst>
+                        <p:par>
+                          <p:cTn id="4" fill="hold">
+                            <p:stCondLst>
+                              <p:cond delay="0"/>
+                            </p:stCondLst>
+                            <p:childTnLst>
+                              <p:par>
+                                <p:cTn id="5" presetID="10" presetClass="entr" presetSubtype="0" fill="hold" nodeType="clickEffect">
+                                  <p:stCondLst>
+                                    <p:cond delay="0"/>
+                                  </p:stCondLst>
+                                  <p:childTnLst>
+                                    <p:set>
+                                      <p:cBhvr>
+                                        <p:cTn id="6" dur="1" fill="hold">
+                                          <p:stCondLst>
+                                            <p:cond delay="0"/>
+                                          </p:stCondLst>
+                                        </p:cTn>
+                                        <p:tgtEl>
+                                          <p:spTgt spid="3">
+                                            <p:txEl>
+                                              <p:pRg st="0" end="0"/>
+                                            </p:txEl>
+                                          </p:spTgt>
+                                        </p:tgtEl>
+                                        <p:attrNameLst>
+                                          <p:attrName>style.visibility</p:attrName>
+                                        </p:attrNameLst>
+                                      </p:cBhvr>
+                                      <p:to>
+                                        <p:strVal val="visible"/>
+                                      </p:to>
+                                    </p:set>
+                                    <p:animEffect transition="in" filter="fade">
+                                      <p:cBhvr>
+                                        <p:cTn id="7" dur="500"/>
+                                        <p:tgtEl>
+                                          <p:spTgt spid="3">
+                                            <p:txEl>
+                                              <p:pRg st="0" end="0"/>
+                                            </p:txEl>
+                                          </p:spTgt>
+                                        </p:tgtEl>
+                                      </p:cBhvr>
+                                    </p:animEffect>
+                                  </p:childTnLst>
+                                </p:cTn>
+                              </p:par>
+                            </p:childTnLst>
+                          </p:cTn>
+                        </p:par>
+                      </p:childTnLst>
+                    </p:cTn>
+                  </p:par>
+                  <p:par>
+                    <p:cTn id="8" fill="hold">
+                      <p:stCondLst>
+                        <p:cond delay="indefinite"/>
+                      </p:stCondLst>
+                      <p:childTnLst>
+                        <p:par>
+                          <p:cTn id="9" fill="hold">
+                            <p:stCondLst>
+                              <p:cond delay="0"/>
+                            </p:stCondLst>
+                            <p:childTnLst>
+                              <p:par>
+                                <p:cTn id="10" presetID="10" presetClass="entr" presetSubtype="0" fill="hold" nodeType="clickEffect">
+                                  <p:stCondLst>
+                                    <p:cond delay="0"/>
+                                  </p:stCondLst>
+                                  <p:childTnLst>
+                                    <p:set>
+                                      <p:cBhvr>
+                                        <p:cTn id="11" dur="1" fill="hold">
+                                          <p:stCondLst>
+                                            <p:cond delay="0"/>
+                                          </p:stCondLst>
+                                        </p:cTn>
+                                        <p:tgtEl>
+                                          <p:spTgt spid="3">
+                                            <p:txEl>
+                                              <p:pRg st="1" end="1"/>
+                                            </p:txEl>
+                                          </p:spTgt>
+                                        </p:tgtEl>
+                                        <p:attrNameLst>
+                                          <p:attrName>style.visibility</p:attrName>
+                                        </p:attrNameLst>
+                                      </p:cBhvr>
+                                      <p:to>
+                                        <p:strVal val="visible"/>
+                                      </p:to>
+                                    </p:set>
+                                    <p:animEffect transition="in" filter="fade">
+                                      <p:cBhvr>
+                                        <p:cTn id="12" dur="500"/>
+                                        <p:tgtEl>
+                                          <p:spTgt spid="3">
+                                            <p:txEl>
+                                              <p:pRg st="1" end="1"/>
+                                            </p:txEl>
+                                          </p:spTgt>
+                                        </p:tgtEl>
+                                      </p:cBhvr>
+                                    </p:animEffect>
+                                  </p:childTnLst>
+                                </p:cTn>
+                              </p:par>
+                            </p:childTnLst>
+                          </p:cTn>
+                        </p:par>
+                      </p:childTnLst>
+                    </p:cTn>
+                  </p:par>
+                  <p:par>
+                    <p:cTn id="13" fill="hold">
+                      <p:stCondLst>
+                        <p:cond delay="indefinite"/>
+                      </p:stCondLst>
+                      <p:childTnLst>
+                        <p:par>
+                          <p:cTn id="14" fill="hold">
+                            <p:stCondLst>
+                              <p:cond delay="0"/>
+                            </p:stCondLst>
+                            <p:childTnLst>
+                              <p:par>
+                                <p:cTn id="15" presetID="10" presetClass="entr" presetSubtype="0" fill="hold" nodeType="clickEffect">
+                                  <p:stCondLst>
+                                    <p:cond delay="0"/>
+                                  </p:stCondLst>
+                                  <p:childTnLst>
+                                    <p:set>
+                                      <p:cBhvr>
+                                        <p:cTn id="16" dur="1" fill="hold">
+                                          <p:stCondLst>
+                                            <p:cond delay="0"/>
+                                          </p:stCondLst>
+                                        </p:cTn>
+                                        <p:tgtEl>
+                                          <p:spTgt spid="3">
+                                            <p:txEl>
+                                              <p:pRg st="2" end="2"/>
+                                            </p:txEl>
+                                          </p:spTgt>
+                                        </p:tgtEl>
+                                        <p:attrNameLst>
+                                          <p:attrName>style.visibility</p:attrName>
+                                        </p:attrNameLst>
+                                      </p:cBhvr>
+                                      <p:to>
+                                        <p:strVal val="visible"/>
+                                      </p:to>
+                                    </p:set>
+                                    <p:animEffect transition="in" filter="fade">
+                                      <p:cBhvr>
+                                        <p:cTn id="17" dur="500"/>
+                                        <p:tgtEl>
+                                          <p:spTgt spid="3">
+                                            <p:txEl>
+                                              <p:pRg st="2" end="2"/>
+                                            </p:txEl>
+                                          </p:spTgt>
+                                        </p:tgtEl>
+                                      </p:cBhvr>
+                                    </p:animEffect>
+                                  </p:childTnLst>
+                                </p:cTn>
+                              </p:par>
+                            </p:childTnLst>
+                          </p:cTn>
+                        </p:par>
+                      </p:childTnLst>
+                    </p:cTn>
+                  </p:par>
+                  <p:par>
+                    <p:cTn id="18" fill="hold">
+                      <p:stCondLst>
+                        <p:cond delay="indefinite"/>
+                      </p:stCondLst>
+                      <p:childTnLst>
+                        <p:par>
+                          <p:cTn id="19" fill="hold">
+                            <p:stCondLst>
+                              <p:cond delay="0"/>
+                            </p:stCondLst>
+                            <p:childTnLst>
+                              <p:par>
+                                <p:cTn id="20" presetID="10" presetClass="entr" presetSubtype="0" fill="hold" nodeType="clickEffect">
+                                  <p:stCondLst>
+                                    <p:cond delay="0"/>
+                                  </p:stCondLst>
+                                  <p:childTnLst>
+                                    <p:set>
+                                      <p:cBhvr>
+                                        <p:cTn id="21" dur="1" fill="hold">
+                                          <p:stCondLst>
+                                            <p:cond delay="0"/>
+                                          </p:stCondLst>
+                                        </p:cTn>
+                                        <p:tgtEl>
+                                          <p:spTgt spid="3">
+                                            <p:txEl>
+                                              <p:pRg st="3" end="3"/>
+                                            </p:txEl>
+                                          </p:spTgt>
+                                        </p:tgtEl>
+                                        <p:attrNameLst>
+                                          <p:attrName>style.visibility</p:attrName>
+                                        </p:attrNameLst>
+                                      </p:cBhvr>
+                                      <p:to>
+                                        <p:strVal val="visible"/>
+                                      </p:to>
+                                    </p:set>
+                                    <p:animEffect transition="in" filter="fade">
+                                      <p:cBhvr>
+                                        <p:cTn id="22" dur="500"/>
+                                        <p:tgtEl>
+                                          <p:spTgt spid="3">
+                                            <p:txEl>
+                                              <p:pRg st="3" end="3"/>
+                                            </p:txEl>
+                                          </p:spTgt>
+                                        </p:tgtEl>
+                                      </p:cBhvr>
+                                    </p:animEffect>
+                                  </p:childTnLst>
+                                </p:cTn>
+                              </p:par>
+                            </p:childTnLst>
+                          </p:cTn>
+                        </p:par>
+                      </p:childTnLst>
+                    </p:cTn>
+                  </p:par>
+                </p:childTnLst>
+              </p:cTn>
+              <p:prevCondLst>
+                <p:cond evt="onPrev" delay="0">
+                  <p:tgtEl>
+                    <p:sldTgt/>
+                  </p:tgtEl>
+                </p:cond>
+              </p:prevCondLst>
+              <p:nextCondLst>
+                <p:cond evt="onNext" delay="0">
+                  <p:tgtEl>
+                    <p:sldTgt/>
+                  </p:tgtEl>
+                </p:cond>
+              </p:nextCondLst>
+            </p:seq>
+          </p:childTnLst>
+        </p:cTn>
+      </p:par>
+    </p:tnLst>
+  </p:timing>
+</p:sld>
+</file>
+
+<file path=ppt/slides/slide21.xml><?xml version="1.0" encoding="utf-8"?>
+<p:sld xmlns:a="http://schemas.openxmlformats.org/drawingml/2006/main" xmlns:r="http://schemas.openxmlformats.org/officeDocument/2006/relationships" xmlns:p="http://schemas.openxmlformats.org/presentationml/2006/main">
+  <p:cSld>
+    <p:spTree>
+      <p:nvGrpSpPr>
+        <p:cNvPr id="1" name=""/>
+        <p:cNvGrpSpPr/>
+        <p:nvPr/>
+      </p:nvGrpSpPr>
+      <p:grpSpPr>
+        <a:xfrm>
+          <a:off x="0" y="0"/>
+          <a:ext cx="0" cy="0"/>
+          <a:chOff x="0" y="0"/>
+          <a:chExt cx="0" cy="0"/>
+        </a:xfrm>
+      </p:grpSpPr>
+      <p:sp>
+        <p:nvSpPr>
+          <p:cNvPr id="2" name="Title 1"/>
+          <p:cNvSpPr>
+            <a:spLocks noGrp="1"/>
+          </p:cNvSpPr>
+          <p:nvPr>
+            <p:ph type="title"/>
+          </p:nvPr>
+        </p:nvSpPr>
+        <p:spPr>
+          <a:xfrm>
             <a:off x="1981200" y="274638"/>
             <a:ext cx="8229600" cy="576262"/>
           </a:xfrm>
@@ -15039,7 +15888,7 @@
             <a:fld id="{B6F15528-21DE-4FAA-801E-634DDDAF4B2B}" type="slidenum">
               <a:rPr lang="en-US" smtClean="0"/>
               <a:pPr/>
-              <a:t>20</a:t>
+              <a:t>21</a:t>
             </a:fld>
             <a:endParaRPr lang="en-US"/>
           </a:p>
@@ -15831,7 +16680,7 @@
 </p:sld>
 </file>
 
-<file path=ppt/slides/slide21.xml><?xml version="1.0" encoding="utf-8"?>
+<file path=ppt/slides/slide22.xml><?xml version="1.0" encoding="utf-8"?>
 <p:sld xmlns:a="http://schemas.openxmlformats.org/drawingml/2006/main" xmlns:r="http://schemas.openxmlformats.org/officeDocument/2006/relationships" xmlns:p="http://schemas.openxmlformats.org/presentationml/2006/main">
   <p:cSld>
     <p:spTree>
@@ -15866,7 +16715,7 @@
             <a:fld id="{B6F15528-21DE-4FAA-801E-634DDDAF4B2B}" type="slidenum">
               <a:rPr lang="en-US" smtClean="0"/>
               <a:pPr/>
-              <a:t>21</a:t>
+              <a:t>22</a:t>
             </a:fld>
             <a:endParaRPr lang="en-US" dirty="0"/>
           </a:p>
@@ -15880,7 +16729,7 @@
         </p:nvSpPr>
         <p:spPr>
           <a:xfrm>
-            <a:off x="1066800" y="2351782"/>
+            <a:off x="1066800" y="1474704"/>
             <a:ext cx="9677400" cy="1077218"/>
           </a:xfrm>
           <a:prstGeom prst="rect">
@@ -15925,7 +16774,7 @@
         </p:nvSpPr>
         <p:spPr>
           <a:xfrm>
-            <a:off x="1066800" y="4885432"/>
+            <a:off x="1066800" y="3629149"/>
             <a:ext cx="9677400" cy="584775"/>
           </a:xfrm>
           <a:prstGeom prst="rect">
@@ -15949,6 +16798,69 @@
               <a:t>Support session Friday 4-5pm on Zoom (Paul)</a:t>
             </a:r>
             <a:endParaRPr lang="en-GB" sz="3200" b="1" dirty="0"/>
+          </a:p>
+        </p:txBody>
+      </p:sp>
+      <p:sp>
+        <p:nvSpPr>
+          <p:cNvPr id="7" name="TextBox 6"/>
+          <p:cNvSpPr txBox="1"/>
+          <p:nvPr/>
+        </p:nvSpPr>
+        <p:spPr>
+          <a:xfrm>
+            <a:off x="1066800" y="5143818"/>
+            <a:ext cx="10515600" cy="1077218"/>
+          </a:xfrm>
+          <a:prstGeom prst="rect">
+            <a:avLst/>
+          </a:prstGeom>
+          <a:solidFill>
+            <a:schemeClr val="accent2">
+              <a:lumMod val="40000"/>
+              <a:lumOff val="60000"/>
+            </a:schemeClr>
+          </a:solidFill>
+        </p:spPr>
+        <p:txBody>
+          <a:bodyPr wrap="square" rtlCol="0">
+            <a:spAutoFit/>
+          </a:bodyPr>
+          <a:lstStyle/>
+          <a:p>
+            <a:r>
+              <a:rPr lang="en-GB" sz="3200" b="1" dirty="0" smtClean="0"/>
+              <a:t>The location next week is </a:t>
+            </a:r>
+            <a:r>
+              <a:rPr lang="en-GB" sz="3200" b="1" i="1" dirty="0" err="1" smtClean="0"/>
+              <a:t>Emdeck</a:t>
+            </a:r>
+            <a:r>
+              <a:rPr lang="en-GB" sz="3200" b="1" i="1" dirty="0" smtClean="0"/>
+              <a:t> 211a</a:t>
+            </a:r>
+          </a:p>
+          <a:p>
+            <a:r>
+              <a:rPr lang="en-GB" sz="3200" b="1" dirty="0" smtClean="0"/>
+              <a:t>Both groups 1 and 2 at </a:t>
+            </a:r>
+            <a:r>
+              <a:rPr lang="en-GB" sz="3200" b="1" i="1" dirty="0" smtClean="0"/>
+              <a:t>9am</a:t>
+            </a:r>
+            <a:r>
+              <a:rPr lang="en-GB" sz="3200" b="1" dirty="0" smtClean="0"/>
+              <a:t>! </a:t>
+            </a:r>
+            <a:r>
+              <a:rPr lang="en-GB" sz="3200" b="1" dirty="0" smtClean="0">
+                <a:sym typeface="Wingdings" panose="05000000000000000000" pitchFamily="2" charset="2"/>
+              </a:rPr>
+              <a:t></a:t>
+            </a:r>
+            <a:endParaRPr lang="en-GB" sz="3200" b="1" dirty="0" smtClean="0"/>
           </a:p>
         </p:txBody>
       </p:sp>
@@ -15977,9 +16889,126 @@
   <p:timing>
     <p:tnLst>
       <p:par>
-        <p:cTn id="1" dur="indefinite" restart="never" nodeType="tmRoot"/>
+        <p:cTn id="1" dur="indefinite" restart="never" nodeType="tmRoot">
+          <p:childTnLst>
+            <p:seq concurrent="1" nextAc="seek">
+              <p:cTn id="2" dur="indefinite" nodeType="mainSeq">
+                <p:childTnLst>
+                  <p:par>
+                    <p:cTn id="3" fill="hold">
+                      <p:stCondLst>
+                        <p:cond delay="indefinite"/>
+                      </p:stCondLst>
+                      <p:childTnLst>
+                        <p:par>
+                          <p:cTn id="4" fill="hold">
+                            <p:stCondLst>
+                              <p:cond delay="0"/>
+                            </p:stCondLst>
+                            <p:childTnLst>
+                              <p:par>
+                                <p:cTn id="5" presetID="1" presetClass="entr" presetSubtype="0" fill="hold" grpId="0" nodeType="clickEffect">
+                                  <p:stCondLst>
+                                    <p:cond delay="0"/>
+                                  </p:stCondLst>
+                                  <p:childTnLst>
+                                    <p:set>
+                                      <p:cBhvr>
+                                        <p:cTn id="6" dur="1" fill="hold">
+                                          <p:stCondLst>
+                                            <p:cond delay="0"/>
+                                          </p:stCondLst>
+                                        </p:cTn>
+                                        <p:tgtEl>
+                                          <p:spTgt spid="5"/>
+                                        </p:tgtEl>
+                                        <p:attrNameLst>
+                                          <p:attrName>style.visibility</p:attrName>
+                                        </p:attrNameLst>
+                                      </p:cBhvr>
+                                      <p:to>
+                                        <p:strVal val="visible"/>
+                                      </p:to>
+                                    </p:set>
+                                  </p:childTnLst>
+                                </p:cTn>
+                              </p:par>
+                            </p:childTnLst>
+                          </p:cTn>
+                        </p:par>
+                      </p:childTnLst>
+                    </p:cTn>
+                  </p:par>
+                  <p:par>
+                    <p:cTn id="7" fill="hold">
+                      <p:stCondLst>
+                        <p:cond delay="indefinite"/>
+                      </p:stCondLst>
+                      <p:childTnLst>
+                        <p:par>
+                          <p:cTn id="8" fill="hold">
+                            <p:stCondLst>
+                              <p:cond delay="0"/>
+                            </p:stCondLst>
+                            <p:childTnLst>
+                              <p:par>
+                                <p:cTn id="9" presetID="1" presetClass="entr" presetSubtype="0" fill="hold" grpId="0" nodeType="clickEffect">
+                                  <p:stCondLst>
+                                    <p:cond delay="0"/>
+                                  </p:stCondLst>
+                                  <p:childTnLst>
+                                    <p:set>
+                                      <p:cBhvr>
+                                        <p:cTn id="10" dur="1" fill="hold">
+                                          <p:stCondLst>
+                                            <p:cond delay="0"/>
+                                          </p:stCondLst>
+                                        </p:cTn>
+                                        <p:tgtEl>
+                                          <p:spTgt spid="7"/>
+                                        </p:tgtEl>
+                                        <p:attrNameLst>
+                                          <p:attrName>style.visibility</p:attrName>
+                                        </p:attrNameLst>
+                                      </p:cBhvr>
+                                      <p:to>
+                                        <p:strVal val="visible"/>
+                                      </p:to>
+                                    </p:set>
+                                  </p:childTnLst>
+                                </p:cTn>
+                              </p:par>
+                            </p:childTnLst>
+                          </p:cTn>
+                        </p:par>
+                      </p:childTnLst>
+                    </p:cTn>
+                  </p:par>
+                </p:childTnLst>
+              </p:cTn>
+              <p:prevCondLst>
+                <p:cond evt="onPrev" delay="0">
+                  <p:tgtEl>
+                    <p:sldTgt/>
+                  </p:tgtEl>
+                </p:cond>
+              </p:prevCondLst>
+              <p:nextCondLst>
+                <p:cond evt="onNext" delay="0">
+                  <p:tgtEl>
+                    <p:sldTgt/>
+                  </p:tgtEl>
+                </p:cond>
+              </p:nextCondLst>
+            </p:seq>
+          </p:childTnLst>
+        </p:cTn>
       </p:par>
     </p:tnLst>
+    <p:bldLst>
+      <p:bldP spid="5" grpId="0" animBg="1"/>
+      <p:bldP spid="7" grpId="0" animBg="1"/>
+    </p:bldLst>
   </p:timing>
 </p:sld>
 </file>
@@ -19654,12 +20683,12 @@
               <a:t> and </a:t>
             </a:r>
             <a:r>
-              <a:rPr lang="en-GB" dirty="0">
+              <a:rPr lang="en-GB" dirty="0" smtClean="0">
                 <a:solidFill>
                   <a:schemeClr val="tx2"/>
                 </a:solidFill>
               </a:rPr>
-              <a:t>mindfulness</a:t>
+              <a:t>mindfulness (describing)</a:t>
             </a:r>
             <a:r>
               <a:rPr lang="en-GB" b="1" dirty="0" smtClean="0">
@@ -19705,7 +20734,7 @@
             </a:r>
             <a:r>
               <a:rPr lang="en-GB" dirty="0" smtClean="0"/>
-              <a:t>in 66 individuals with Generalised Anxiety disorder </a:t>
+              <a:t>in 66 individuals with Generalised Anxiety Disorder </a:t>
             </a:r>
           </a:p>
           <a:p>
@@ -20126,14 +21155,14 @@
               <a:t>, </a:t>
             </a:r>
             <a:r>
-              <a:rPr lang="en-GB" sz="2200" b="1" dirty="0">
+              <a:rPr lang="en-GB" sz="2200" b="1" dirty="0" smtClean="0">
                 <a:solidFill>
                   <a:schemeClr val="tx2">
                     <a:lumMod val="75000"/>
                   </a:schemeClr>
                 </a:solidFill>
               </a:rPr>
-              <a:t>mindfulness</a:t>
+              <a:t>describing</a:t>
             </a:r>
             <a:r>
               <a:rPr lang="en-GB" sz="2200" b="1" dirty="0" smtClean="0"/>
@@ -20248,7 +21277,7 @@
                   </a:schemeClr>
                 </a:solidFill>
               </a:rPr>
-              <a:t>mindfulness </a:t>
+              <a:t>describing </a:t>
             </a:r>
           </a:p>
           <a:p>
@@ -20666,7 +21695,7 @@
         <p:spPr>
           <a:xfrm>
             <a:off x="7627260" y="3682133"/>
-            <a:ext cx="1411925" cy="369332"/>
+            <a:ext cx="1272464" cy="369332"/>
           </a:xfrm>
           <a:prstGeom prst="rect">
             <a:avLst/>
@@ -20688,14 +21717,14 @@
               <a:t>, </a:t>
             </a:r>
             <a:r>
-              <a:rPr lang="en-GB" sz="1400" dirty="0">
+              <a:rPr lang="en-GB" sz="1400" dirty="0" smtClean="0">
                 <a:solidFill>
                   <a:schemeClr val="tx2">
                     <a:lumMod val="75000"/>
                   </a:schemeClr>
                 </a:solidFill>
               </a:rPr>
-              <a:t>mindfulness</a:t>
+              <a:t>describing</a:t>
             </a:r>
             <a:endParaRPr lang="en-GB" sz="1400" dirty="0"/>
           </a:p>
@@ -27563,7 +28592,7 @@
                   </a:schemeClr>
                 </a:solidFill>
               </a:rPr>
-              <a:t>mindfulness</a:t>
+              <a:t>describing</a:t>
             </a:r>
             <a:r>
               <a:rPr lang="en-GB" sz="2400" dirty="0" smtClean="0"/>
@@ -27633,7 +28662,7 @@
                   </a:schemeClr>
                 </a:solidFill>
               </a:rPr>
-              <a:t>Predicted wellbeing   =   70.73   - 0.77(worry) + 1.25(mindfulness)</a:t>
+              <a:t>Predicted wellbeing   =   70.73   - 0.77(worry) + 1.25(describing)</a:t>
             </a:r>
           </a:p>
         </p:txBody>
@@ -30864,7 +31893,7 @@
         </p:nvSpPr>
         <p:spPr>
           <a:xfrm>
-            <a:off x="2266950" y="1600201"/>
+            <a:off x="1438275" y="1624013"/>
             <a:ext cx="9315450" cy="4525963"/>
           </a:xfrm>
         </p:spPr>
@@ -30994,7 +32023,7 @@
             <a:pPr lvl="1"/>
             <a:r>
               <a:rPr lang="en-GB" sz="3200" dirty="0" smtClean="0"/>
-              <a:t>Bayes Factor for the overall model</a:t>
+              <a:t>Bayes factor for the overall model</a:t>
             </a:r>
           </a:p>
           <a:p>
@@ -31023,6 +32052,13 @@
   <p:clrMapOvr>
     <a:masterClrMapping/>
   </p:clrMapOvr>
+  <p:timing>
+    <p:tnLst>
+      <p:par>
+        <p:cTn id="1" dur="indefinite" restart="never" nodeType="tmRoot"/>
+      </p:par>
+    </p:tnLst>
+  </p:timing>
 </p:sld>
 </file>
 

--- a/docs/slides/PSYC753_L2_MultipleRegression1.pptx
+++ b/docs/slides/PSYC753_L2_MultipleRegression1.pptx
@@ -246,7 +246,7 @@
           <a:p>
             <a:fld id="{39F2F66B-899D-484E-9C99-E1DBE23F9DE9}" type="datetimeFigureOut">
               <a:rPr lang="en-GB" smtClean="0"/>
-              <a:t>22/01/2022</a:t>
+              <a:t>21/12/2022</a:t>
             </a:fld>
             <a:endParaRPr lang="en-GB"/>
           </a:p>
@@ -412,7 +412,7 @@
             <a:fld id="{2C09A945-60CF-41CC-BF14-DA645D9ABE0F}" type="datetimeFigureOut">
               <a:rPr lang="en-GB" smtClean="0"/>
               <a:pPr/>
-              <a:t>22/01/2022</a:t>
+              <a:t>21/12/2022</a:t>
             </a:fld>
             <a:endParaRPr lang="en-GB"/>
           </a:p>
@@ -476,35 +476,35 @@
           <a:p>
             <a:pPr lvl="0"/>
             <a:r>
-              <a:rPr lang="en-US" dirty="0" smtClean="0"/>
+              <a:rPr lang="en-US" dirty="0"/>
               <a:t>Click to edit Master text styles</a:t>
             </a:r>
           </a:p>
           <a:p>
             <a:pPr lvl="1"/>
             <a:r>
-              <a:rPr lang="en-US" dirty="0" smtClean="0"/>
+              <a:rPr lang="en-US" dirty="0"/>
               <a:t>Second level</a:t>
             </a:r>
           </a:p>
           <a:p>
             <a:pPr lvl="2"/>
             <a:r>
-              <a:rPr lang="en-US" dirty="0" smtClean="0"/>
+              <a:rPr lang="en-US" dirty="0"/>
               <a:t>Third level</a:t>
             </a:r>
           </a:p>
           <a:p>
             <a:pPr lvl="3"/>
             <a:r>
-              <a:rPr lang="en-US" dirty="0" smtClean="0"/>
+              <a:rPr lang="en-US" dirty="0"/>
               <a:t>Fourth level</a:t>
             </a:r>
           </a:p>
           <a:p>
             <a:pPr lvl="4"/>
             <a:r>
-              <a:rPr lang="en-US" dirty="0" smtClean="0"/>
+              <a:rPr lang="en-US" dirty="0"/>
               <a:t>Fifth level</a:t>
             </a:r>
             <a:endParaRPr lang="en-GB" dirty="0"/>
@@ -2392,10 +2392,9 @@
           <a:lstStyle/>
           <a:p>
             <a:r>
-              <a:rPr lang="en-US" smtClean="0"/>
+              <a:rPr lang="en-US"/>
               <a:t>Click to edit Master title style</a:t>
             </a:r>
-            <a:endParaRPr lang="en-US"/>
           </a:p>
         </p:txBody>
       </p:sp>
@@ -2511,10 +2510,9 @@
           </a:lstStyle>
           <a:p>
             <a:r>
-              <a:rPr lang="en-US" smtClean="0"/>
+              <a:rPr lang="en-US"/>
               <a:t>Click to edit Master subtitle style</a:t>
             </a:r>
-            <a:endParaRPr lang="en-US"/>
           </a:p>
         </p:txBody>
       </p:sp>
@@ -2536,7 +2534,7 @@
             <a:fld id="{FD207E47-C1CA-47C9-BFA1-FDEFD1CE1BAA}" type="datetime1">
               <a:rPr lang="en-US" smtClean="0"/>
               <a:pPr/>
-              <a:t>1/22/2022</a:t>
+              <a:t>12/21/2022</a:t>
             </a:fld>
             <a:endParaRPr lang="en-US"/>
           </a:p>
@@ -2626,10 +2624,9 @@
           <a:lstStyle/>
           <a:p>
             <a:r>
-              <a:rPr lang="en-US" smtClean="0"/>
+              <a:rPr lang="en-US"/>
               <a:t>Click to edit Master title style</a:t>
             </a:r>
-            <a:endParaRPr lang="en-US"/>
           </a:p>
         </p:txBody>
       </p:sp>
@@ -2650,38 +2647,37 @@
           <a:p>
             <a:pPr lvl="0"/>
             <a:r>
-              <a:rPr lang="en-US" smtClean="0"/>
+              <a:rPr lang="en-US"/>
               <a:t>Click to edit Master text styles</a:t>
             </a:r>
           </a:p>
           <a:p>
             <a:pPr lvl="1"/>
             <a:r>
-              <a:rPr lang="en-US" smtClean="0"/>
+              <a:rPr lang="en-US"/>
               <a:t>Second level</a:t>
             </a:r>
           </a:p>
           <a:p>
             <a:pPr lvl="2"/>
             <a:r>
-              <a:rPr lang="en-US" smtClean="0"/>
+              <a:rPr lang="en-US"/>
               <a:t>Third level</a:t>
             </a:r>
           </a:p>
           <a:p>
             <a:pPr lvl="3"/>
             <a:r>
-              <a:rPr lang="en-US" smtClean="0"/>
+              <a:rPr lang="en-US"/>
               <a:t>Fourth level</a:t>
             </a:r>
           </a:p>
           <a:p>
             <a:pPr lvl="4"/>
             <a:r>
-              <a:rPr lang="en-US" smtClean="0"/>
+              <a:rPr lang="en-US"/>
               <a:t>Fifth level</a:t>
             </a:r>
-            <a:endParaRPr lang="en-US"/>
           </a:p>
         </p:txBody>
       </p:sp>
@@ -2703,7 +2699,7 @@
             <a:fld id="{58C692B5-BE86-445D-88C0-242C83A9421E}" type="datetime1">
               <a:rPr lang="en-US" smtClean="0"/>
               <a:pPr/>
-              <a:t>1/22/2022</a:t>
+              <a:t>12/21/2022</a:t>
             </a:fld>
             <a:endParaRPr lang="en-US"/>
           </a:p>
@@ -2798,10 +2794,9 @@
           <a:lstStyle/>
           <a:p>
             <a:r>
-              <a:rPr lang="en-US" smtClean="0"/>
+              <a:rPr lang="en-US"/>
               <a:t>Click to edit Master title style</a:t>
             </a:r>
-            <a:endParaRPr lang="en-US"/>
           </a:p>
         </p:txBody>
       </p:sp>
@@ -2827,38 +2822,37 @@
           <a:p>
             <a:pPr lvl="0"/>
             <a:r>
-              <a:rPr lang="en-US" smtClean="0"/>
+              <a:rPr lang="en-US"/>
               <a:t>Click to edit Master text styles</a:t>
             </a:r>
           </a:p>
           <a:p>
             <a:pPr lvl="1"/>
             <a:r>
-              <a:rPr lang="en-US" smtClean="0"/>
+              <a:rPr lang="en-US"/>
               <a:t>Second level</a:t>
             </a:r>
           </a:p>
           <a:p>
             <a:pPr lvl="2"/>
             <a:r>
-              <a:rPr lang="en-US" smtClean="0"/>
+              <a:rPr lang="en-US"/>
               <a:t>Third level</a:t>
             </a:r>
           </a:p>
           <a:p>
             <a:pPr lvl="3"/>
             <a:r>
-              <a:rPr lang="en-US" smtClean="0"/>
+              <a:rPr lang="en-US"/>
               <a:t>Fourth level</a:t>
             </a:r>
           </a:p>
           <a:p>
             <a:pPr lvl="4"/>
             <a:r>
-              <a:rPr lang="en-US" smtClean="0"/>
+              <a:rPr lang="en-US"/>
               <a:t>Fifth level</a:t>
             </a:r>
-            <a:endParaRPr lang="en-US"/>
           </a:p>
         </p:txBody>
       </p:sp>
@@ -2880,7 +2874,7 @@
             <a:fld id="{6A70B350-EB04-4702-A2C6-BB029CC917C4}" type="datetime1">
               <a:rPr lang="en-US" smtClean="0"/>
               <a:pPr/>
-              <a:t>1/22/2022</a:t>
+              <a:t>12/21/2022</a:t>
             </a:fld>
             <a:endParaRPr lang="en-US"/>
           </a:p>
@@ -2970,10 +2964,9 @@
           <a:lstStyle/>
           <a:p>
             <a:r>
-              <a:rPr lang="en-US" smtClean="0"/>
+              <a:rPr lang="en-US"/>
               <a:t>Click to edit Master title style</a:t>
             </a:r>
-            <a:endParaRPr lang="en-US"/>
           </a:p>
         </p:txBody>
       </p:sp>
@@ -2994,38 +2987,37 @@
           <a:p>
             <a:pPr lvl="0"/>
             <a:r>
-              <a:rPr lang="en-US" smtClean="0"/>
+              <a:rPr lang="en-US"/>
               <a:t>Click to edit Master text styles</a:t>
             </a:r>
           </a:p>
           <a:p>
             <a:pPr lvl="1"/>
             <a:r>
-              <a:rPr lang="en-US" smtClean="0"/>
+              <a:rPr lang="en-US"/>
               <a:t>Second level</a:t>
             </a:r>
           </a:p>
           <a:p>
             <a:pPr lvl="2"/>
             <a:r>
-              <a:rPr lang="en-US" smtClean="0"/>
+              <a:rPr lang="en-US"/>
               <a:t>Third level</a:t>
             </a:r>
           </a:p>
           <a:p>
             <a:pPr lvl="3"/>
             <a:r>
-              <a:rPr lang="en-US" smtClean="0"/>
+              <a:rPr lang="en-US"/>
               <a:t>Fourth level</a:t>
             </a:r>
           </a:p>
           <a:p>
             <a:pPr lvl="4"/>
             <a:r>
-              <a:rPr lang="en-US" smtClean="0"/>
+              <a:rPr lang="en-US"/>
               <a:t>Fifth level</a:t>
             </a:r>
-            <a:endParaRPr lang="en-US"/>
           </a:p>
         </p:txBody>
       </p:sp>
@@ -3047,7 +3039,7 @@
             <a:fld id="{B19C5C7B-1CCF-4D03-A2E8-D3591213E0F6}" type="datetime1">
               <a:rPr lang="en-US" smtClean="0"/>
               <a:pPr/>
-              <a:t>1/22/2022</a:t>
+              <a:t>12/21/2022</a:t>
             </a:fld>
             <a:endParaRPr lang="en-US"/>
           </a:p>
@@ -3146,10 +3138,9 @@
           </a:lstStyle>
           <a:p>
             <a:r>
-              <a:rPr lang="en-US" smtClean="0"/>
+              <a:rPr lang="en-US"/>
               <a:t>Click to edit Master title style</a:t>
             </a:r>
-            <a:endParaRPr lang="en-US"/>
           </a:p>
         </p:txBody>
       </p:sp>
@@ -3266,7 +3257,7 @@
           <a:p>
             <a:pPr lvl="0"/>
             <a:r>
-              <a:rPr lang="en-US" smtClean="0"/>
+              <a:rPr lang="en-US"/>
               <a:t>Click to edit Master text styles</a:t>
             </a:r>
           </a:p>
@@ -3290,7 +3281,7 @@
             <a:fld id="{617DE08F-8114-45C2-9520-EC1882F8A669}" type="datetime1">
               <a:rPr lang="en-US" smtClean="0"/>
               <a:pPr/>
-              <a:t>1/22/2022</a:t>
+              <a:t>12/21/2022</a:t>
             </a:fld>
             <a:endParaRPr lang="en-US"/>
           </a:p>
@@ -3380,10 +3371,9 @@
           <a:lstStyle/>
           <a:p>
             <a:r>
-              <a:rPr lang="en-US" smtClean="0"/>
+              <a:rPr lang="en-US"/>
               <a:t>Click to edit Master title style</a:t>
             </a:r>
-            <a:endParaRPr lang="en-US"/>
           </a:p>
         </p:txBody>
       </p:sp>
@@ -3437,38 +3427,37 @@
           <a:p>
             <a:pPr lvl="0"/>
             <a:r>
-              <a:rPr lang="en-US" smtClean="0"/>
+              <a:rPr lang="en-US"/>
               <a:t>Click to edit Master text styles</a:t>
             </a:r>
           </a:p>
           <a:p>
             <a:pPr lvl="1"/>
             <a:r>
-              <a:rPr lang="en-US" smtClean="0"/>
+              <a:rPr lang="en-US"/>
               <a:t>Second level</a:t>
             </a:r>
           </a:p>
           <a:p>
             <a:pPr lvl="2"/>
             <a:r>
-              <a:rPr lang="en-US" smtClean="0"/>
+              <a:rPr lang="en-US"/>
               <a:t>Third level</a:t>
             </a:r>
           </a:p>
           <a:p>
             <a:pPr lvl="3"/>
             <a:r>
-              <a:rPr lang="en-US" smtClean="0"/>
+              <a:rPr lang="en-US"/>
               <a:t>Fourth level</a:t>
             </a:r>
           </a:p>
           <a:p>
             <a:pPr lvl="4"/>
             <a:r>
-              <a:rPr lang="en-US" smtClean="0"/>
+              <a:rPr lang="en-US"/>
               <a:t>Fifth level</a:t>
             </a:r>
-            <a:endParaRPr lang="en-US"/>
           </a:p>
         </p:txBody>
       </p:sp>
@@ -3522,38 +3511,37 @@
           <a:p>
             <a:pPr lvl="0"/>
             <a:r>
-              <a:rPr lang="en-US" smtClean="0"/>
+              <a:rPr lang="en-US"/>
               <a:t>Click to edit Master text styles</a:t>
             </a:r>
           </a:p>
           <a:p>
             <a:pPr lvl="1"/>
             <a:r>
-              <a:rPr lang="en-US" smtClean="0"/>
+              <a:rPr lang="en-US"/>
               <a:t>Second level</a:t>
             </a:r>
           </a:p>
           <a:p>
             <a:pPr lvl="2"/>
             <a:r>
-              <a:rPr lang="en-US" smtClean="0"/>
+              <a:rPr lang="en-US"/>
               <a:t>Third level</a:t>
             </a:r>
           </a:p>
           <a:p>
             <a:pPr lvl="3"/>
             <a:r>
-              <a:rPr lang="en-US" smtClean="0"/>
+              <a:rPr lang="en-US"/>
               <a:t>Fourth level</a:t>
             </a:r>
           </a:p>
           <a:p>
             <a:pPr lvl="4"/>
             <a:r>
-              <a:rPr lang="en-US" smtClean="0"/>
+              <a:rPr lang="en-US"/>
               <a:t>Fifth level</a:t>
             </a:r>
-            <a:endParaRPr lang="en-US"/>
           </a:p>
         </p:txBody>
       </p:sp>
@@ -3575,7 +3563,7 @@
             <a:fld id="{67FBBCEA-51D6-4D4F-B700-EBDD8904452C}" type="datetime1">
               <a:rPr lang="en-US" smtClean="0"/>
               <a:pPr/>
-              <a:t>1/22/2022</a:t>
+              <a:t>12/21/2022</a:t>
             </a:fld>
             <a:endParaRPr lang="en-US"/>
           </a:p>
@@ -3669,10 +3657,9 @@
           </a:lstStyle>
           <a:p>
             <a:r>
-              <a:rPr lang="en-US" smtClean="0"/>
+              <a:rPr lang="en-US"/>
               <a:t>Click to edit Master title style</a:t>
             </a:r>
-            <a:endParaRPr lang="en-US"/>
           </a:p>
         </p:txBody>
       </p:sp>
@@ -3735,7 +3722,7 @@
           <a:p>
             <a:pPr lvl="0"/>
             <a:r>
-              <a:rPr lang="en-US" smtClean="0"/>
+              <a:rPr lang="en-US"/>
               <a:t>Click to edit Master text styles</a:t>
             </a:r>
           </a:p>
@@ -3791,38 +3778,37 @@
           <a:p>
             <a:pPr lvl="0"/>
             <a:r>
-              <a:rPr lang="en-US" smtClean="0"/>
+              <a:rPr lang="en-US"/>
               <a:t>Click to edit Master text styles</a:t>
             </a:r>
           </a:p>
           <a:p>
             <a:pPr lvl="1"/>
             <a:r>
-              <a:rPr lang="en-US" smtClean="0"/>
+              <a:rPr lang="en-US"/>
               <a:t>Second level</a:t>
             </a:r>
           </a:p>
           <a:p>
             <a:pPr lvl="2"/>
             <a:r>
-              <a:rPr lang="en-US" smtClean="0"/>
+              <a:rPr lang="en-US"/>
               <a:t>Third level</a:t>
             </a:r>
           </a:p>
           <a:p>
             <a:pPr lvl="3"/>
             <a:r>
-              <a:rPr lang="en-US" smtClean="0"/>
+              <a:rPr lang="en-US"/>
               <a:t>Fourth level</a:t>
             </a:r>
           </a:p>
           <a:p>
             <a:pPr lvl="4"/>
             <a:r>
-              <a:rPr lang="en-US" smtClean="0"/>
+              <a:rPr lang="en-US"/>
               <a:t>Fifth level</a:t>
             </a:r>
-            <a:endParaRPr lang="en-US"/>
           </a:p>
         </p:txBody>
       </p:sp>
@@ -3885,7 +3871,7 @@
           <a:p>
             <a:pPr lvl="0"/>
             <a:r>
-              <a:rPr lang="en-US" smtClean="0"/>
+              <a:rPr lang="en-US"/>
               <a:t>Click to edit Master text styles</a:t>
             </a:r>
           </a:p>
@@ -3941,38 +3927,37 @@
           <a:p>
             <a:pPr lvl="0"/>
             <a:r>
-              <a:rPr lang="en-US" smtClean="0"/>
+              <a:rPr lang="en-US"/>
               <a:t>Click to edit Master text styles</a:t>
             </a:r>
           </a:p>
           <a:p>
             <a:pPr lvl="1"/>
             <a:r>
-              <a:rPr lang="en-US" smtClean="0"/>
+              <a:rPr lang="en-US"/>
               <a:t>Second level</a:t>
             </a:r>
           </a:p>
           <a:p>
             <a:pPr lvl="2"/>
             <a:r>
-              <a:rPr lang="en-US" smtClean="0"/>
+              <a:rPr lang="en-US"/>
               <a:t>Third level</a:t>
             </a:r>
           </a:p>
           <a:p>
             <a:pPr lvl="3"/>
             <a:r>
-              <a:rPr lang="en-US" smtClean="0"/>
+              <a:rPr lang="en-US"/>
               <a:t>Fourth level</a:t>
             </a:r>
           </a:p>
           <a:p>
             <a:pPr lvl="4"/>
             <a:r>
-              <a:rPr lang="en-US" smtClean="0"/>
+              <a:rPr lang="en-US"/>
               <a:t>Fifth level</a:t>
             </a:r>
-            <a:endParaRPr lang="en-US"/>
           </a:p>
         </p:txBody>
       </p:sp>
@@ -3994,7 +3979,7 @@
             <a:fld id="{7C3355C0-4DE2-42D1-B918-7B0FCE7481FD}" type="datetime1">
               <a:rPr lang="en-US" smtClean="0"/>
               <a:pPr/>
-              <a:t>1/22/2022</a:t>
+              <a:t>12/21/2022</a:t>
             </a:fld>
             <a:endParaRPr lang="en-US"/>
           </a:p>
@@ -4084,10 +4069,9 @@
           <a:lstStyle/>
           <a:p>
             <a:r>
-              <a:rPr lang="en-US" smtClean="0"/>
+              <a:rPr lang="en-US"/>
               <a:t>Click to edit Master title style</a:t>
             </a:r>
-            <a:endParaRPr lang="en-US"/>
           </a:p>
         </p:txBody>
       </p:sp>
@@ -4109,7 +4093,7 @@
             <a:fld id="{41F9056E-53B5-467C-A68C-D5DD1F771BB5}" type="datetime1">
               <a:rPr lang="en-US" smtClean="0"/>
               <a:pPr/>
-              <a:t>1/22/2022</a:t>
+              <a:t>12/21/2022</a:t>
             </a:fld>
             <a:endParaRPr lang="en-US"/>
           </a:p>
@@ -4201,7 +4185,7 @@
             <a:fld id="{73236B7C-1414-4D49-8A59-8F56128C501B}" type="datetime1">
               <a:rPr lang="en-US" smtClean="0"/>
               <a:pPr/>
-              <a:t>1/22/2022</a:t>
+              <a:t>12/21/2022</a:t>
             </a:fld>
             <a:endParaRPr lang="en-US"/>
           </a:p>
@@ -4300,10 +4284,9 @@
           </a:lstStyle>
           <a:p>
             <a:r>
-              <a:rPr lang="en-US" smtClean="0"/>
+              <a:rPr lang="en-US"/>
               <a:t>Click to edit Master title style</a:t>
             </a:r>
-            <a:endParaRPr lang="en-US"/>
           </a:p>
         </p:txBody>
       </p:sp>
@@ -4357,38 +4340,37 @@
           <a:p>
             <a:pPr lvl="0"/>
             <a:r>
-              <a:rPr lang="en-US" smtClean="0"/>
+              <a:rPr lang="en-US"/>
               <a:t>Click to edit Master text styles</a:t>
             </a:r>
           </a:p>
           <a:p>
             <a:pPr lvl="1"/>
             <a:r>
-              <a:rPr lang="en-US" smtClean="0"/>
+              <a:rPr lang="en-US"/>
               <a:t>Second level</a:t>
             </a:r>
           </a:p>
           <a:p>
             <a:pPr lvl="2"/>
             <a:r>
-              <a:rPr lang="en-US" smtClean="0"/>
+              <a:rPr lang="en-US"/>
               <a:t>Third level</a:t>
             </a:r>
           </a:p>
           <a:p>
             <a:pPr lvl="3"/>
             <a:r>
-              <a:rPr lang="en-US" smtClean="0"/>
+              <a:rPr lang="en-US"/>
               <a:t>Fourth level</a:t>
             </a:r>
           </a:p>
           <a:p>
             <a:pPr lvl="4"/>
             <a:r>
-              <a:rPr lang="en-US" smtClean="0"/>
+              <a:rPr lang="en-US"/>
               <a:t>Fifth level</a:t>
             </a:r>
-            <a:endParaRPr lang="en-US"/>
           </a:p>
         </p:txBody>
       </p:sp>
@@ -4451,7 +4433,7 @@
           <a:p>
             <a:pPr lvl="0"/>
             <a:r>
-              <a:rPr lang="en-US" smtClean="0"/>
+              <a:rPr lang="en-US"/>
               <a:t>Click to edit Master text styles</a:t>
             </a:r>
           </a:p>
@@ -4475,7 +4457,7 @@
             <a:fld id="{A40AEADC-23C0-4767-9AD7-3E7B6C343A0A}" type="datetime1">
               <a:rPr lang="en-US" smtClean="0"/>
               <a:pPr/>
-              <a:t>1/22/2022</a:t>
+              <a:t>12/21/2022</a:t>
             </a:fld>
             <a:endParaRPr lang="en-US"/>
           </a:p>
@@ -4574,10 +4556,9 @@
           </a:lstStyle>
           <a:p>
             <a:r>
-              <a:rPr lang="en-US" smtClean="0"/>
+              <a:rPr lang="en-US"/>
               <a:t>Click to edit Master title style</a:t>
             </a:r>
-            <a:endParaRPr lang="en-US"/>
           </a:p>
         </p:txBody>
       </p:sp>
@@ -4701,7 +4682,7 @@
           <a:p>
             <a:pPr lvl="0"/>
             <a:r>
-              <a:rPr lang="en-US" smtClean="0"/>
+              <a:rPr lang="en-US"/>
               <a:t>Click to edit Master text styles</a:t>
             </a:r>
           </a:p>
@@ -4725,7 +4706,7 @@
             <a:fld id="{07762B3B-4AFD-4E39-B6F8-E1A2354BA336}" type="datetime1">
               <a:rPr lang="en-US" smtClean="0"/>
               <a:pPr/>
-              <a:t>1/22/2022</a:t>
+              <a:t>12/21/2022</a:t>
             </a:fld>
             <a:endParaRPr lang="en-US"/>
           </a:p>
@@ -4835,10 +4816,9 @@
           <a:lstStyle/>
           <a:p>
             <a:r>
-              <a:rPr lang="en-US" dirty="0" smtClean="0"/>
+              <a:rPr lang="en-US" dirty="0"/>
               <a:t>Click to edit Master title style</a:t>
             </a:r>
-            <a:endParaRPr lang="en-US" dirty="0"/>
           </a:p>
         </p:txBody>
       </p:sp>
@@ -4869,38 +4849,37 @@
           <a:p>
             <a:pPr lvl="0"/>
             <a:r>
-              <a:rPr lang="en-US" dirty="0" smtClean="0"/>
+              <a:rPr lang="en-US" dirty="0"/>
               <a:t>Click to edit Master text styles</a:t>
             </a:r>
           </a:p>
           <a:p>
             <a:pPr lvl="1"/>
             <a:r>
-              <a:rPr lang="en-US" dirty="0" smtClean="0"/>
+              <a:rPr lang="en-US" dirty="0"/>
               <a:t>Second level</a:t>
             </a:r>
           </a:p>
           <a:p>
             <a:pPr lvl="2"/>
             <a:r>
-              <a:rPr lang="en-US" dirty="0" smtClean="0"/>
+              <a:rPr lang="en-US" dirty="0"/>
               <a:t>Third level</a:t>
             </a:r>
           </a:p>
           <a:p>
             <a:pPr lvl="3"/>
             <a:r>
-              <a:rPr lang="en-US" dirty="0" smtClean="0"/>
+              <a:rPr lang="en-US" dirty="0"/>
               <a:t>Fourth level</a:t>
             </a:r>
           </a:p>
           <a:p>
             <a:pPr lvl="4"/>
             <a:r>
-              <a:rPr lang="en-US" dirty="0" smtClean="0"/>
+              <a:rPr lang="en-US" dirty="0"/>
               <a:t>Fifth level</a:t>
             </a:r>
-            <a:endParaRPr lang="en-US" dirty="0"/>
           </a:p>
         </p:txBody>
       </p:sp>
@@ -4940,7 +4919,7 @@
             <a:fld id="{16C4ABC6-3BA1-4854-92CA-2B0133ECAB44}" type="datetime1">
               <a:rPr lang="en-US" smtClean="0"/>
               <a:pPr/>
-              <a:t>1/22/2022</a:t>
+              <a:t>12/21/2022</a:t>
             </a:fld>
             <a:endParaRPr lang="en-US"/>
           </a:p>
@@ -5334,7 +5313,7 @@
           <a:lstStyle/>
           <a:p>
             <a:r>
-              <a:rPr lang="en-GB" sz="3200" b="1" dirty="0" smtClean="0">
+              <a:rPr lang="en-GB" sz="3200" b="1" dirty="0">
                 <a:solidFill>
                   <a:srgbClr val="000066"/>
                 </a:solidFill>
@@ -5342,12 +5321,6 @@
               </a:rPr>
               <a:t>PSYC753</a:t>
             </a:r>
-            <a:endParaRPr lang="en-GB" sz="3200" b="1" dirty="0">
-              <a:solidFill>
-                <a:srgbClr val="000066"/>
-              </a:solidFill>
-              <a:latin typeface="Calibri" pitchFamily="34" charset="0"/>
-            </a:endParaRPr>
           </a:p>
           <a:p>
             <a:endParaRPr lang="en-GB" sz="2800" b="1" dirty="0">
@@ -5359,27 +5332,18 @@
           </a:p>
           <a:p>
             <a:r>
-              <a:rPr lang="en-GB" sz="2800" b="1" dirty="0" smtClean="0">
+              <a:rPr lang="en-GB" sz="2800" b="1" dirty="0">
                 <a:solidFill>
                   <a:srgbClr val="000066"/>
                 </a:solidFill>
                 <a:latin typeface="Calibri" pitchFamily="34" charset="0"/>
               </a:rPr>
-              <a:t>2: </a:t>
-            </a:r>
-            <a:r>
-              <a:rPr lang="en-GB" sz="2800" b="1" dirty="0">
-                <a:solidFill>
-                  <a:srgbClr val="000066"/>
-                </a:solidFill>
-                <a:latin typeface="Calibri" pitchFamily="34" charset="0"/>
-              </a:rPr>
-              <a:t>Multiple Regression</a:t>
-            </a:r>
-          </a:p>
-          <a:p>
-            <a:r>
-              <a:rPr lang="en-GB" sz="2800" dirty="0" smtClean="0">
+              <a:t>2: Multiple Regression</a:t>
+            </a:r>
+          </a:p>
+          <a:p>
+            <a:r>
+              <a:rPr lang="en-GB" sz="2800" dirty="0">
                 <a:solidFill>
                   <a:srgbClr val="000066"/>
                 </a:solidFill>
@@ -5387,23 +5351,8 @@
               </a:rPr>
               <a:t>Multiple continuous predictors</a:t>
             </a:r>
-            <a:endParaRPr lang="en-GB" sz="2800" dirty="0">
-              <a:solidFill>
-                <a:srgbClr val="000066"/>
-              </a:solidFill>
-              <a:latin typeface="Calibri" pitchFamily="34" charset="0"/>
-            </a:endParaRPr>
-          </a:p>
-          <a:p>
-            <a:r>
-              <a:rPr lang="en-GB" sz="2800" dirty="0">
-                <a:solidFill>
-                  <a:srgbClr val="000066"/>
-                </a:solidFill>
-                <a:latin typeface="Calibri" pitchFamily="34" charset="0"/>
-              </a:rPr>
-              <a:t/>
-            </a:r>
+          </a:p>
+          <a:p>
             <a:br>
               <a:rPr lang="en-GB" sz="2800" dirty="0">
                 <a:solidFill>
@@ -5421,15 +5370,6 @@
               </a:rPr>
               <a:t>Dr Chris Berry</a:t>
             </a:r>
-            <a:r>
-              <a:rPr lang="en-GB" sz="2800" dirty="0">
-                <a:solidFill>
-                  <a:srgbClr val="000066"/>
-                </a:solidFill>
-                <a:latin typeface="Calibri" pitchFamily="34" charset="0"/>
-              </a:rPr>
-              <a:t/>
-            </a:r>
             <a:br>
               <a:rPr lang="en-GB" sz="2800" dirty="0">
                 <a:solidFill>
@@ -5479,19 +5419,10 @@
                 </a:solidFill>
                 <a:latin typeface="Calibri" pitchFamily="34" charset="0"/>
               </a:rPr>
-              <a:t>PSQ </a:t>
-            </a:r>
-            <a:r>
-              <a:rPr lang="en-GB" dirty="0" smtClean="0">
-                <a:solidFill>
-                  <a:srgbClr val="990033"/>
-                </a:solidFill>
-                <a:latin typeface="Calibri" pitchFamily="34" charset="0"/>
-              </a:rPr>
-              <a:t>B212 </a:t>
-            </a:r>
-            <a:r>
-              <a:rPr lang="en-GB" dirty="0" smtClean="0">
+              <a:t>PSQ B212 </a:t>
+            </a:r>
+            <a:r>
+              <a:rPr lang="en-GB" dirty="0">
                 <a:solidFill>
                   <a:srgbClr val="990033"/>
                 </a:solidFill>
@@ -5500,7 +5431,7 @@
               </a:rPr>
               <a:t>christopher.berry@plymouth.ac.uk</a:t>
             </a:r>
-            <a:endParaRPr lang="en-GB" dirty="0" smtClean="0">
+            <a:endParaRPr lang="en-GB" dirty="0">
               <a:solidFill>
                 <a:srgbClr val="990033"/>
               </a:solidFill>
@@ -5551,13 +5482,6 @@
   <p:clrMapOvr>
     <a:masterClrMapping/>
   </p:clrMapOvr>
-  <p:timing>
-    <p:tnLst>
-      <p:par>
-        <p:cTn id="1" dur="indefinite" restart="never" nodeType="tmRoot"/>
-      </p:par>
-    </p:tnLst>
-  </p:timing>
 </p:sld>
 </file>
 
@@ -5594,10 +5518,9 @@
           <a:lstStyle/>
           <a:p>
             <a:r>
-              <a:rPr lang="en-GB" dirty="0" smtClean="0"/>
+              <a:rPr lang="en-GB" dirty="0"/>
               <a:t>Visualisation and Correlations</a:t>
             </a:r>
-            <a:endParaRPr lang="en-GB" dirty="0"/>
           </a:p>
         </p:txBody>
       </p:sp>
@@ -5748,20 +5671,17 @@
           <a:lstStyle/>
           <a:p>
             <a:r>
-              <a:rPr lang="en-GB" b="1" dirty="0" err="1" smtClean="0">
+              <a:rPr lang="en-GB" b="1" dirty="0" err="1">
                 <a:latin typeface="Lucida Console" panose="020B0609040504020204" pitchFamily="49" charset="0"/>
               </a:rPr>
               <a:t>ggplot</a:t>
             </a:r>
             <a:r>
-              <a:rPr lang="en-GB" b="1" dirty="0" smtClean="0">
+              <a:rPr lang="en-GB" b="1" dirty="0">
                 <a:latin typeface="Lucida Console" panose="020B0609040504020204" pitchFamily="49" charset="0"/>
               </a:rPr>
               <a:t>()</a:t>
             </a:r>
-            <a:endParaRPr lang="en-GB" b="1" dirty="0">
-              <a:latin typeface="Lucida Console" panose="020B0609040504020204" pitchFamily="49" charset="0"/>
-            </a:endParaRPr>
           </a:p>
         </p:txBody>
       </p:sp>
@@ -5833,14 +5753,11 @@
           <a:lstStyle/>
           <a:p>
             <a:r>
-              <a:rPr lang="en-GB" b="1" dirty="0" smtClean="0">
+              <a:rPr lang="en-GB" b="1" dirty="0">
                 <a:latin typeface="Lucida Console" panose="020B0609040504020204" pitchFamily="49" charset="0"/>
               </a:rPr>
               <a:t>correlate()</a:t>
             </a:r>
-            <a:endParaRPr lang="en-GB" b="1" dirty="0">
-              <a:latin typeface="Lucida Console" panose="020B0609040504020204" pitchFamily="49" charset="0"/>
-            </a:endParaRPr>
           </a:p>
         </p:txBody>
       </p:sp>
@@ -5915,10 +5832,9 @@
                     <a:lstStyle/>
                     <a:p>
                       <a:r>
-                        <a:rPr lang="en-GB" b="1" dirty="0" smtClean="0"/>
+                        <a:rPr lang="en-GB" b="1" dirty="0"/>
                         <a:t>wellbeing</a:t>
                       </a:r>
-                      <a:endParaRPr lang="en-GB" b="1" dirty="0"/>
                     </a:p>
                   </a:txBody>
                   <a:tcPr/>
@@ -5929,10 +5845,9 @@
                     <a:lstStyle/>
                     <a:p>
                       <a:r>
-                        <a:rPr lang="en-GB" b="1" dirty="0" smtClean="0"/>
+                        <a:rPr lang="en-GB" b="1" dirty="0"/>
                         <a:t>worry</a:t>
                       </a:r>
-                      <a:endParaRPr lang="en-GB" b="1" dirty="0"/>
                     </a:p>
                   </a:txBody>
                   <a:tcPr/>
@@ -5943,10 +5858,9 @@
                     <a:lstStyle/>
                     <a:p>
                       <a:r>
-                        <a:rPr lang="en-GB" b="1" dirty="0" smtClean="0"/>
+                        <a:rPr lang="en-GB" b="1" dirty="0"/>
                         <a:t>describing</a:t>
                       </a:r>
-                      <a:endParaRPr lang="en-GB" b="1" dirty="0"/>
                     </a:p>
                   </a:txBody>
                   <a:tcPr/>
@@ -5964,10 +5878,9 @@
                     <a:lstStyle/>
                     <a:p>
                       <a:r>
-                        <a:rPr lang="en-GB" b="1" dirty="0" smtClean="0"/>
+                        <a:rPr lang="en-GB" b="1" dirty="0"/>
                         <a:t>wellbeing</a:t>
                       </a:r>
-                      <a:endParaRPr lang="en-GB" b="1" dirty="0"/>
                     </a:p>
                   </a:txBody>
                   <a:tcPr/>
@@ -5978,10 +5891,9 @@
                     <a:lstStyle/>
                     <a:p>
                       <a:r>
-                        <a:rPr lang="en-GB" dirty="0" smtClean="0"/>
+                        <a:rPr lang="en-GB" dirty="0"/>
                         <a:t>-</a:t>
                       </a:r>
-                      <a:endParaRPr lang="en-GB" dirty="0"/>
                     </a:p>
                   </a:txBody>
                   <a:tcPr/>
@@ -6019,10 +5931,9 @@
                     <a:lstStyle/>
                     <a:p>
                       <a:r>
-                        <a:rPr lang="en-GB" b="1" dirty="0" smtClean="0"/>
+                        <a:rPr lang="en-GB" b="1" dirty="0"/>
                         <a:t>worry</a:t>
                       </a:r>
-                      <a:endParaRPr lang="en-GB" b="1" dirty="0"/>
                     </a:p>
                   </a:txBody>
                   <a:tcPr/>
@@ -6033,10 +5944,9 @@
                     <a:lstStyle/>
                     <a:p>
                       <a:r>
-                        <a:rPr lang="en-GB" dirty="0" smtClean="0"/>
+                        <a:rPr lang="en-GB" dirty="0"/>
                         <a:t>-0.54</a:t>
                       </a:r>
-                      <a:endParaRPr lang="en-GB" dirty="0"/>
                     </a:p>
                   </a:txBody>
                   <a:tcPr/>
@@ -6047,10 +5957,9 @@
                     <a:lstStyle/>
                     <a:p>
                       <a:r>
-                        <a:rPr lang="en-GB" dirty="0" smtClean="0"/>
+                        <a:rPr lang="en-GB" dirty="0"/>
                         <a:t>-</a:t>
                       </a:r>
-                      <a:endParaRPr lang="en-GB" dirty="0"/>
                     </a:p>
                   </a:txBody>
                   <a:tcPr/>
@@ -6078,10 +5987,9 @@
                     <a:lstStyle/>
                     <a:p>
                       <a:r>
-                        <a:rPr lang="en-GB" b="1" dirty="0" smtClean="0"/>
+                        <a:rPr lang="en-GB" b="1" dirty="0"/>
                         <a:t>describing</a:t>
                       </a:r>
-                      <a:endParaRPr lang="en-GB" b="1" dirty="0"/>
                     </a:p>
                   </a:txBody>
                   <a:tcPr/>
@@ -6092,10 +6000,9 @@
                     <a:lstStyle/>
                     <a:p>
                       <a:r>
-                        <a:rPr lang="en-GB" dirty="0" smtClean="0"/>
+                        <a:rPr lang="en-GB" dirty="0"/>
                         <a:t> 0.54</a:t>
                       </a:r>
-                      <a:endParaRPr lang="en-GB" dirty="0"/>
                     </a:p>
                   </a:txBody>
                   <a:tcPr/>
@@ -6106,10 +6013,9 @@
                     <a:lstStyle/>
                     <a:p>
                       <a:r>
-                        <a:rPr lang="en-GB" dirty="0" smtClean="0"/>
+                        <a:rPr lang="en-GB" dirty="0"/>
                         <a:t>-0.25</a:t>
                       </a:r>
-                      <a:endParaRPr lang="en-GB" dirty="0"/>
                     </a:p>
                   </a:txBody>
                   <a:tcPr/>
@@ -6120,10 +6026,9 @@
                     <a:lstStyle/>
                     <a:p>
                       <a:r>
-                        <a:rPr lang="en-GB" dirty="0" smtClean="0"/>
+                        <a:rPr lang="en-GB" dirty="0"/>
                         <a:t>-</a:t>
                       </a:r>
-                      <a:endParaRPr lang="en-GB" dirty="0"/>
                     </a:p>
                   </a:txBody>
                   <a:tcPr/>
@@ -6345,11 +6250,11 @@
           <a:lstStyle/>
           <a:p>
             <a:r>
-              <a:rPr lang="en-GB" dirty="0" smtClean="0"/>
+              <a:rPr lang="en-GB" dirty="0"/>
               <a:t>Fit the model </a:t>
             </a:r>
             <a:r>
-              <a:rPr lang="en-GB" sz="2400" dirty="0" smtClean="0"/>
+              <a:rPr lang="en-GB" sz="2400" dirty="0"/>
               <a:t>(two predictor example)</a:t>
             </a:r>
             <a:endParaRPr lang="en-GB" dirty="0"/>
@@ -6387,31 +6292,31 @@
               <a:buNone/>
             </a:pPr>
             <a:r>
-              <a:rPr lang="en-GB" sz="1800" b="1" dirty="0" smtClean="0">
+              <a:rPr lang="en-GB" sz="1800" b="1" dirty="0">
                 <a:latin typeface="Lucida Console" panose="020B0609040504020204" pitchFamily="49" charset="0"/>
               </a:rPr>
               <a:t>lm(</a:t>
             </a:r>
             <a:r>
-              <a:rPr lang="en-GB" sz="1800" b="1" dirty="0" err="1" smtClean="0">
+              <a:rPr lang="en-GB" sz="1800" b="1" dirty="0" err="1">
                 <a:latin typeface="Lucida Console" panose="020B0609040504020204" pitchFamily="49" charset="0"/>
               </a:rPr>
               <a:t>outcome_variable</a:t>
             </a:r>
             <a:r>
-              <a:rPr lang="en-GB" sz="1800" b="1" dirty="0" smtClean="0">
+              <a:rPr lang="en-GB" sz="1800" b="1" dirty="0">
                 <a:latin typeface="Lucida Console" panose="020B0609040504020204" pitchFamily="49" charset="0"/>
               </a:rPr>
               <a:t> ~ predictor_1 + predictor_2, data = </a:t>
             </a:r>
             <a:r>
-              <a:rPr lang="en-GB" sz="1800" b="1" dirty="0" err="1" smtClean="0">
+              <a:rPr lang="en-GB" sz="1800" b="1" dirty="0" err="1">
                 <a:latin typeface="Lucida Console" panose="020B0609040504020204" pitchFamily="49" charset="0"/>
               </a:rPr>
               <a:t>mydata</a:t>
             </a:r>
             <a:r>
-              <a:rPr lang="en-GB" sz="1800" b="1" dirty="0" smtClean="0">
+              <a:rPr lang="en-GB" sz="1800" b="1" dirty="0">
                 <a:latin typeface="Lucida Console" panose="020B0609040504020204" pitchFamily="49" charset="0"/>
               </a:rPr>
               <a:t>)</a:t>
@@ -6421,7 +6326,7 @@
             <a:pPr marL="0" indent="0">
               <a:buNone/>
             </a:pPr>
-            <a:endParaRPr lang="en-GB" sz="2800" dirty="0" smtClean="0"/>
+            <a:endParaRPr lang="en-GB" sz="2800" dirty="0"/>
           </a:p>
           <a:p>
             <a:pPr marL="0" indent="0">
@@ -6615,7 +6520,7 @@
           </a:lstStyle>
           <a:p>
             <a:r>
-              <a:rPr lang="en-GB" sz="2400" dirty="0" smtClean="0">
+              <a:rPr lang="en-GB" sz="2400" dirty="0">
                 <a:latin typeface="+mj-lt"/>
               </a:rPr>
               <a:t>No need to specify intercept a </a:t>
@@ -6623,7 +6528,7 @@
           </a:p>
           <a:p>
             <a:r>
-              <a:rPr lang="en-GB" sz="2400" dirty="0" smtClean="0">
+              <a:rPr lang="en-GB" sz="2400" dirty="0">
                 <a:latin typeface="+mj-lt"/>
               </a:rPr>
               <a:t>Use ‘+’ to add predictors to the model</a:t>
@@ -6803,19 +6708,19 @@
               <a:buNone/>
             </a:pPr>
             <a:r>
-              <a:rPr lang="en-GB" sz="1800" b="1" dirty="0" smtClean="0">
+              <a:rPr lang="en-GB" sz="1800" b="1" dirty="0">
                 <a:latin typeface="Lucida Console" panose="020B0609040504020204" pitchFamily="49" charset="0"/>
               </a:rPr>
               <a:t>lm(wellbeing ~ worry + describing, data = </a:t>
             </a:r>
             <a:r>
-              <a:rPr lang="en-GB" sz="1800" b="1" dirty="0" err="1" smtClean="0">
+              <a:rPr lang="en-GB" sz="1800" b="1" dirty="0" err="1">
                 <a:latin typeface="Lucida Console" panose="020B0609040504020204" pitchFamily="49" charset="0"/>
               </a:rPr>
               <a:t>wellbeing_data</a:t>
             </a:r>
             <a:r>
-              <a:rPr lang="en-GB" sz="1800" b="1" dirty="0" smtClean="0">
+              <a:rPr lang="en-GB" sz="1800" b="1" dirty="0">
                 <a:latin typeface="Lucida Console" panose="020B0609040504020204" pitchFamily="49" charset="0"/>
               </a:rPr>
               <a:t>)</a:t>
@@ -6826,7 +6731,7 @@
               <a:buFont typeface="Arial" pitchFamily="34" charset="0"/>
               <a:buNone/>
             </a:pPr>
-            <a:endParaRPr lang="en-GB" sz="2800" dirty="0" smtClean="0"/>
+            <a:endParaRPr lang="en-GB" sz="2800" dirty="0"/>
           </a:p>
           <a:p>
             <a:pPr marL="0" indent="0">
@@ -7000,14 +6905,11 @@
               <a:buNone/>
             </a:pPr>
             <a:r>
-              <a:rPr lang="en-GB" sz="1800" dirty="0" smtClean="0">
+              <a:rPr lang="en-GB" sz="1800" dirty="0">
                 <a:latin typeface="+mj-lt"/>
               </a:rPr>
               <a:t>e.g.</a:t>
             </a:r>
-            <a:endParaRPr lang="en-GB" sz="1800" dirty="0">
-              <a:latin typeface="+mj-lt"/>
-            </a:endParaRPr>
           </a:p>
         </p:txBody>
       </p:sp>
@@ -7209,10 +7111,9 @@
           <a:lstStyle/>
           <a:p>
             <a:r>
-              <a:rPr lang="en-GB" dirty="0" smtClean="0"/>
+              <a:rPr lang="en-GB" dirty="0"/>
               <a:t>Output</a:t>
             </a:r>
-            <a:endParaRPr lang="en-GB" dirty="0"/>
           </a:p>
         </p:txBody>
       </p:sp>
@@ -7435,7 +7336,7 @@
               <a:tabLst/>
             </a:pPr>
             <a:r>
-              <a:rPr kumimoji="0" lang="en-US" altLang="en-US" b="0" i="0" u="none" strike="noStrike" cap="none" normalizeH="0" baseline="0" dirty="0" smtClean="0">
+              <a:rPr kumimoji="0" lang="en-US" altLang="en-US" b="0" i="0" u="none" strike="noStrike" cap="none" normalizeH="0" baseline="0" dirty="0">
                 <a:ln>
                   <a:noFill/>
                 </a:ln>
@@ -7466,7 +7367,7 @@
               <a:tabLst/>
             </a:pPr>
             <a:r>
-              <a:rPr kumimoji="0" lang="en-US" altLang="en-US" b="0" i="0" u="none" strike="noStrike" cap="none" normalizeH="0" baseline="0" dirty="0" smtClean="0">
+              <a:rPr kumimoji="0" lang="en-US" altLang="en-US" b="0" i="0" u="none" strike="noStrike" cap="none" normalizeH="0" baseline="0" dirty="0">
                 <a:ln>
                   <a:noFill/>
                 </a:ln>
@@ -7497,7 +7398,7 @@
               <a:tabLst/>
             </a:pPr>
             <a:r>
-              <a:rPr kumimoji="0" lang="en-US" altLang="en-US" b="0" i="0" u="none" strike="noStrike" cap="none" normalizeH="0" baseline="0" dirty="0" smtClean="0">
+              <a:rPr kumimoji="0" lang="en-US" altLang="en-US" b="0" i="0" u="none" strike="noStrike" cap="none" normalizeH="0" baseline="0" dirty="0">
                 <a:ln>
                   <a:noFill/>
                 </a:ln>
@@ -7510,7 +7411,7 @@
               <a:t>## lm(formula = wellbeing ~ worry + describing, data = </a:t>
             </a:r>
             <a:r>
-              <a:rPr kumimoji="0" lang="en-US" altLang="en-US" b="0" i="0" u="none" strike="noStrike" cap="none" normalizeH="0" baseline="0" dirty="0" err="1" smtClean="0">
+              <a:rPr kumimoji="0" lang="en-US" altLang="en-US" b="0" i="0" u="none" strike="noStrike" cap="none" normalizeH="0" baseline="0" dirty="0" err="1">
                 <a:ln>
                   <a:noFill/>
                 </a:ln>
@@ -7523,7 +7424,7 @@
               <a:t>wellbeing_data</a:t>
             </a:r>
             <a:r>
-              <a:rPr kumimoji="0" lang="en-US" altLang="en-US" b="0" i="0" u="none" strike="noStrike" cap="none" normalizeH="0" baseline="0" dirty="0" smtClean="0">
+              <a:rPr kumimoji="0" lang="en-US" altLang="en-US" b="0" i="0" u="none" strike="noStrike" cap="none" normalizeH="0" baseline="0" dirty="0">
                 <a:ln>
                   <a:noFill/>
                 </a:ln>
@@ -7554,7 +7455,7 @@
               <a:tabLst/>
             </a:pPr>
             <a:r>
-              <a:rPr kumimoji="0" lang="en-US" altLang="en-US" b="0" i="0" u="none" strike="noStrike" cap="none" normalizeH="0" baseline="0" dirty="0" smtClean="0">
+              <a:rPr kumimoji="0" lang="en-US" altLang="en-US" b="0" i="0" u="none" strike="noStrike" cap="none" normalizeH="0" baseline="0" dirty="0">
                 <a:ln>
                   <a:noFill/>
                 </a:ln>
@@ -7585,7 +7486,7 @@
               <a:tabLst/>
             </a:pPr>
             <a:r>
-              <a:rPr kumimoji="0" lang="en-US" altLang="en-US" b="0" i="0" u="none" strike="noStrike" cap="none" normalizeH="0" baseline="0" dirty="0" smtClean="0">
+              <a:rPr kumimoji="0" lang="en-US" altLang="en-US" b="0" i="0" u="none" strike="noStrike" cap="none" normalizeH="0" baseline="0" dirty="0">
                 <a:ln>
                   <a:noFill/>
                 </a:ln>
@@ -7616,7 +7517,7 @@
               <a:tabLst/>
             </a:pPr>
             <a:r>
-              <a:rPr kumimoji="0" lang="en-US" altLang="en-US" b="0" i="0" u="none" strike="noStrike" cap="none" normalizeH="0" baseline="0" dirty="0" smtClean="0">
+              <a:rPr kumimoji="0" lang="en-US" altLang="en-US" b="0" i="0" u="none" strike="noStrike" cap="none" normalizeH="0" baseline="0" dirty="0">
                 <a:ln>
                   <a:noFill/>
                 </a:ln>
@@ -7635,19 +7536,10 @@
                 </a:solidFill>
                 <a:latin typeface="Consolas" panose="020B0609020204030204" pitchFamily="49" charset="0"/>
               </a:rPr>
-              <a:t>	</a:t>
-            </a:r>
-            <a:r>
-              <a:rPr lang="en-US" altLang="en-US" dirty="0" smtClean="0">
-                <a:solidFill>
-                  <a:srgbClr val="333333"/>
-                </a:solidFill>
-                <a:latin typeface="Consolas" panose="020B0609020204030204" pitchFamily="49" charset="0"/>
-              </a:rPr>
-              <a:t>	</a:t>
-            </a:r>
-            <a:r>
-              <a:rPr kumimoji="0" lang="en-US" altLang="en-US" b="0" i="0" u="none" strike="noStrike" cap="none" normalizeH="0" baseline="0" dirty="0" smtClean="0">
+              <a:t>		</a:t>
+            </a:r>
+            <a:r>
+              <a:rPr kumimoji="0" lang="en-US" altLang="en-US" b="0" i="0" u="none" strike="noStrike" cap="none" normalizeH="0" baseline="0" dirty="0">
                 <a:ln>
                   <a:noFill/>
                 </a:ln>
@@ -7678,7 +7570,7 @@
               <a:tabLst/>
             </a:pPr>
             <a:r>
-              <a:rPr kumimoji="0" lang="en-US" altLang="en-US" b="0" i="0" u="none" strike="noStrike" cap="none" normalizeH="0" baseline="0" dirty="0" smtClean="0">
+              <a:rPr kumimoji="0" lang="en-US" altLang="en-US" b="0" i="0" u="none" strike="noStrike" cap="none" normalizeH="0" baseline="0" dirty="0">
                 <a:ln>
                   <a:noFill/>
                 </a:ln>
@@ -7691,7 +7583,7 @@
               <a:t>## 	70.7306 	-0.7708 	1.2484</a:t>
             </a:r>
             <a:r>
-              <a:rPr kumimoji="0" lang="en-US" altLang="en-US" b="0" i="0" u="none" strike="noStrike" cap="none" normalizeH="0" baseline="0" dirty="0" smtClean="0">
+              <a:rPr kumimoji="0" lang="en-US" altLang="en-US" b="0" i="0" u="none" strike="noStrike" cap="none" normalizeH="0" baseline="0" dirty="0">
                 <a:ln>
                   <a:noFill/>
                 </a:ln>
@@ -7702,7 +7594,7 @@
               </a:rPr>
               <a:t> </a:t>
             </a:r>
-            <a:endParaRPr kumimoji="0" lang="en-US" altLang="en-US" b="0" i="0" u="none" strike="noStrike" cap="none" normalizeH="0" baseline="0" dirty="0" smtClean="0">
+            <a:endParaRPr kumimoji="0" lang="en-US" altLang="en-US" b="0" i="0" u="none" strike="noStrike" cap="none" normalizeH="0" baseline="0" dirty="0">
               <a:ln>
                 <a:noFill/>
               </a:ln>
@@ -7737,7 +7629,7 @@
           <a:lstStyle/>
           <a:p>
             <a:r>
-              <a:rPr lang="en-GB" sz="2400" dirty="0" smtClean="0">
+              <a:rPr lang="en-GB" sz="2400" dirty="0">
                 <a:solidFill>
                   <a:srgbClr val="333333"/>
                 </a:solidFill>
@@ -7747,7 +7639,7 @@
             </a:r>
           </a:p>
           <a:p>
-            <a:endParaRPr lang="en-GB" sz="2400" dirty="0" smtClean="0">
+            <a:endParaRPr lang="en-GB" sz="2400" dirty="0">
               <a:solidFill>
                 <a:srgbClr val="333333"/>
               </a:solidFill>
@@ -7756,7 +7648,7 @@
           </a:p>
           <a:p>
             <a:r>
-              <a:rPr lang="en-GB" sz="2400" b="1" dirty="0" smtClean="0">
+              <a:rPr lang="en-GB" sz="2400" b="1" dirty="0">
                 <a:solidFill>
                   <a:schemeClr val="accent1">
                     <a:lumMod val="75000"/>
@@ -7778,7 +7670,7 @@
               <a:t> </a:t>
             </a:r>
             <a:r>
-              <a:rPr lang="en-GB" sz="2400" b="1" dirty="0" smtClean="0">
+              <a:rPr lang="en-GB" sz="2400" b="1" dirty="0">
                 <a:solidFill>
                   <a:schemeClr val="accent1">
                     <a:lumMod val="75000"/>
@@ -7789,7 +7681,7 @@
               <a:t>wellbeing </a:t>
             </a:r>
             <a:r>
-              <a:rPr lang="en-GB" sz="2400" b="1" dirty="0" smtClean="0">
+              <a:rPr lang="en-GB" sz="2400" b="1" dirty="0">
                 <a:solidFill>
                   <a:schemeClr val="accent1">
                     <a:lumMod val="75000"/>
@@ -7800,7 +7692,7 @@
               <a:t>= 70.73 − 0.77(</a:t>
             </a:r>
             <a:r>
-              <a:rPr lang="en-GB" sz="2400" b="1" dirty="0" smtClean="0">
+              <a:rPr lang="en-GB" sz="2400" b="1" dirty="0">
                 <a:solidFill>
                   <a:schemeClr val="accent1">
                     <a:lumMod val="75000"/>
@@ -7811,7 +7703,7 @@
               <a:t>worry</a:t>
             </a:r>
             <a:r>
-              <a:rPr lang="en-GB" sz="2400" b="1" dirty="0" smtClean="0">
+              <a:rPr lang="en-GB" sz="2400" b="1" dirty="0">
                 <a:solidFill>
                   <a:schemeClr val="accent1">
                     <a:lumMod val="75000"/>
@@ -7822,7 +7714,7 @@
               <a:t>) + 1.25(</a:t>
             </a:r>
             <a:r>
-              <a:rPr lang="en-GB" sz="2400" b="1" dirty="0" smtClean="0">
+              <a:rPr lang="en-GB" sz="2400" b="1" dirty="0">
                 <a:solidFill>
                   <a:schemeClr val="accent1">
                     <a:lumMod val="75000"/>
@@ -7833,7 +7725,7 @@
               <a:t>describing</a:t>
             </a:r>
             <a:r>
-              <a:rPr lang="en-GB" sz="2400" b="1" dirty="0" smtClean="0">
+              <a:rPr lang="en-GB" sz="2400" b="1" dirty="0">
                 <a:solidFill>
                   <a:schemeClr val="accent1">
                     <a:lumMod val="75000"/>
@@ -7842,16 +7734,6 @@
                 <a:latin typeface="MJXc-TeX-main-R"/>
               </a:rPr>
               <a:t>)</a:t>
-            </a:r>
-            <a:r>
-              <a:rPr lang="en-GB" sz="2400" b="1" dirty="0">
-                <a:solidFill>
-                  <a:schemeClr val="accent1">
-                    <a:lumMod val="75000"/>
-                  </a:schemeClr>
-                </a:solidFill>
-              </a:rPr>
-              <a:t/>
             </a:r>
             <a:br>
               <a:rPr lang="en-GB" sz="2400" b="1" dirty="0">
@@ -8001,10 +7883,9 @@
           <a:lstStyle/>
           <a:p>
             <a:r>
-              <a:rPr lang="en-GB" dirty="0" smtClean="0"/>
+              <a:rPr lang="en-GB" dirty="0"/>
               <a:t>Check Assumptions: Residual Plot</a:t>
             </a:r>
-            <a:endParaRPr lang="en-GB" dirty="0"/>
           </a:p>
         </p:txBody>
       </p:sp>
@@ -8055,29 +7936,16 @@
           <a:p>
             <a:r>
               <a:rPr lang="en-GB" sz="1600" dirty="0"/>
-              <a:t>The plot of the </a:t>
-            </a:r>
-            <a:r>
-              <a:rPr lang="en-GB" sz="1600" dirty="0" smtClean="0"/>
-              <a:t>predicted (.fitted) values </a:t>
+              <a:t>The plot of the predicted (.fitted) values vs . the residuals (.</a:t>
+            </a:r>
+            <a:r>
+              <a:rPr lang="en-GB" sz="1600" dirty="0" err="1"/>
+              <a:t>resid</a:t>
             </a:r>
             <a:r>
               <a:rPr lang="en-GB" sz="1600" dirty="0"/>
-              <a:t>vs . </a:t>
-            </a:r>
-            <a:r>
-              <a:rPr lang="en-GB" sz="1600" dirty="0" smtClean="0"/>
-              <a:t>the residuals (.</a:t>
-            </a:r>
-            <a:r>
-              <a:rPr lang="en-GB" sz="1600" dirty="0" err="1" smtClean="0"/>
-              <a:t>resid</a:t>
-            </a:r>
-            <a:r>
-              <a:rPr lang="en-GB" sz="1600" dirty="0" smtClean="0"/>
               <a:t>). </a:t>
             </a:r>
-            <a:endParaRPr lang="en-GB" sz="1600" dirty="0"/>
           </a:p>
           <a:p>
             <a:endParaRPr lang="en-GB" sz="1600" dirty="0"/>
@@ -8357,7 +8225,7 @@
               <a:buNone/>
             </a:pPr>
             <a:r>
-              <a:rPr lang="en-GB" sz="2800" b="1" dirty="0" smtClean="0">
+              <a:rPr lang="en-GB" sz="2800" b="1" dirty="0">
                 <a:solidFill>
                   <a:schemeClr val="tx2"/>
                 </a:solidFill>
@@ -8365,7 +8233,7 @@
               <a:t>R</a:t>
             </a:r>
             <a:r>
-              <a:rPr lang="en-GB" sz="2800" b="1" baseline="30000" dirty="0" smtClean="0">
+              <a:rPr lang="en-GB" sz="2800" b="1" baseline="30000" dirty="0">
                 <a:solidFill>
                   <a:schemeClr val="tx2"/>
                 </a:solidFill>
@@ -8373,7 +8241,7 @@
               <a:t>2</a:t>
             </a:r>
             <a:r>
-              <a:rPr lang="en-GB" sz="2800" b="1" dirty="0" smtClean="0">
+              <a:rPr lang="en-GB" sz="2800" b="1" dirty="0">
                 <a:solidFill>
                   <a:schemeClr val="tx2"/>
                 </a:solidFill>
@@ -8382,15 +8250,7 @@
             </a:r>
             <a:r>
               <a:rPr lang="en-GB" sz="2800" dirty="0"/>
-              <a:t>The proportion of total variance in </a:t>
-            </a:r>
-            <a:r>
-              <a:rPr lang="en-GB" sz="2800" dirty="0" smtClean="0"/>
-              <a:t>the outcome variable </a:t>
-            </a:r>
-            <a:r>
-              <a:rPr lang="en-GB" sz="2800" dirty="0"/>
-              <a:t>explained by the model.</a:t>
+              <a:t>The proportion of total variance in the outcome variable explained by the model.</a:t>
             </a:r>
           </a:p>
           <a:p>
@@ -8406,26 +8266,10 @@
                   <a:srgbClr val="0070C0"/>
                 </a:solidFill>
               </a:rPr>
-              <a:t>	</a:t>
-            </a:r>
-            <a:r>
-              <a:rPr lang="en-GB" sz="2800" dirty="0" smtClean="0">
-                <a:solidFill>
-                  <a:srgbClr val="0070C0"/>
-                </a:solidFill>
-              </a:rPr>
-              <a:t>e.g., 46.56 % </a:t>
+              <a:t>	e.g., 46.56 % of the variance in </a:t>
             </a:r>
             <a:r>
               <a:rPr lang="en-GB" sz="2800" dirty="0">
-                <a:solidFill>
-                  <a:srgbClr val="0070C0"/>
-                </a:solidFill>
-              </a:rPr>
-              <a:t>of the variance in </a:t>
-            </a:r>
-            <a:r>
-              <a:rPr lang="en-GB" sz="2800" dirty="0" smtClean="0">
                 <a:solidFill>
                   <a:srgbClr val="002060"/>
                 </a:solidFill>
@@ -8433,31 +8277,15 @@
               <a:t>wellbeing</a:t>
             </a:r>
             <a:r>
-              <a:rPr lang="en-GB" sz="2800" dirty="0" smtClean="0">
+              <a:rPr lang="en-GB" sz="2800" dirty="0">
                 <a:solidFill>
                   <a:srgbClr val="0070C0"/>
                 </a:solidFill>
               </a:rPr>
-              <a:t> </a:t>
+              <a:t> is explained by the regression model containing </a:t>
             </a:r>
             <a:r>
               <a:rPr lang="en-GB" sz="2800" dirty="0">
-                <a:solidFill>
-                  <a:srgbClr val="0070C0"/>
-                </a:solidFill>
-              </a:rPr>
-              <a:t>is explained by the regression </a:t>
-            </a:r>
-            <a:r>
-              <a:rPr lang="en-GB" sz="2800" dirty="0" smtClean="0">
-                <a:solidFill>
-                  <a:srgbClr val="0070C0"/>
-                </a:solidFill>
-              </a:rPr>
-              <a:t>model containing </a:t>
-            </a:r>
-            <a:r>
-              <a:rPr lang="en-GB" sz="2800" dirty="0" smtClean="0">
                 <a:solidFill>
                   <a:srgbClr val="002060"/>
                 </a:solidFill>
@@ -8465,7 +8293,7 @@
               <a:t>worry</a:t>
             </a:r>
             <a:r>
-              <a:rPr lang="en-GB" sz="2800" dirty="0" smtClean="0">
+              <a:rPr lang="en-GB" sz="2800" dirty="0">
                 <a:solidFill>
                   <a:srgbClr val="0070C0"/>
                 </a:solidFill>
@@ -8473,7 +8301,7 @@
               <a:t> and </a:t>
             </a:r>
             <a:r>
-              <a:rPr lang="en-GB" sz="2800" dirty="0" smtClean="0">
+              <a:rPr lang="en-GB" sz="2800" dirty="0">
                 <a:solidFill>
                   <a:srgbClr val="002060"/>
                 </a:solidFill>
@@ -8481,7 +8309,7 @@
               <a:t>describing</a:t>
             </a:r>
             <a:r>
-              <a:rPr lang="en-GB" sz="2800" dirty="0" smtClean="0">
+              <a:rPr lang="en-GB" sz="2800" dirty="0">
                 <a:solidFill>
                   <a:srgbClr val="0070C0"/>
                 </a:solidFill>
@@ -8497,7 +8325,7 @@
               </a:tabLst>
             </a:pPr>
             <a:r>
-              <a:rPr lang="en-GB" sz="2800" b="1" dirty="0" smtClean="0">
+              <a:rPr lang="en-GB" sz="2800" b="1" dirty="0">
                 <a:solidFill>
                   <a:schemeClr val="tx2"/>
                 </a:solidFill>
@@ -8505,7 +8333,7 @@
               <a:t>Adjusted R</a:t>
             </a:r>
             <a:r>
-              <a:rPr lang="en-GB" sz="2800" b="1" baseline="30000" dirty="0" smtClean="0">
+              <a:rPr lang="en-GB" sz="2800" b="1" baseline="30000" dirty="0">
                 <a:solidFill>
                   <a:schemeClr val="tx2"/>
                 </a:solidFill>
@@ -8513,7 +8341,7 @@
               <a:t>2</a:t>
             </a:r>
             <a:r>
-              <a:rPr lang="en-GB" sz="2800" b="1" dirty="0" smtClean="0">
+              <a:rPr lang="en-GB" sz="2800" b="1" dirty="0">
                 <a:solidFill>
                   <a:schemeClr val="tx2"/>
                 </a:solidFill>
@@ -8530,19 +8358,7 @@
             </a:r>
             <a:r>
               <a:rPr lang="en-GB" sz="2800" dirty="0"/>
-              <a:t> in the population, which takes the </a:t>
-            </a:r>
-            <a:r>
-              <a:rPr lang="en-GB" sz="2800" dirty="0" smtClean="0"/>
-              <a:t>sample size and number </a:t>
-            </a:r>
-            <a:r>
-              <a:rPr lang="en-GB" sz="2800" dirty="0"/>
-              <a:t>of predictors into account</a:t>
-            </a:r>
-            <a:r>
-              <a:rPr lang="en-GB" sz="2800" dirty="0" smtClean="0"/>
-              <a:t>.</a:t>
+              <a:t> in the population, which takes the sample size and number of predictors into account.</a:t>
             </a:r>
           </a:p>
           <a:p>
@@ -8627,10 +8443,9 @@
           <a:lstStyle/>
           <a:p>
             <a:r>
-              <a:rPr lang="en-GB" dirty="0" smtClean="0"/>
+              <a:rPr lang="en-GB" dirty="0"/>
               <a:t>Evaluate the model</a:t>
             </a:r>
-            <a:endParaRPr lang="en-GB" dirty="0"/>
           </a:p>
         </p:txBody>
       </p:sp>
@@ -8904,7 +8719,7 @@
               <a:buNone/>
             </a:pPr>
             <a:r>
-              <a:rPr lang="en-GB" sz="2000" b="1" dirty="0" smtClean="0">
+              <a:rPr lang="en-GB" sz="2000" b="1" dirty="0">
                 <a:solidFill>
                   <a:schemeClr val="tx2"/>
                 </a:solidFill>
@@ -8912,7 +8727,7 @@
               <a:t>Bayes factor. </a:t>
             </a:r>
             <a:r>
-              <a:rPr lang="en-GB" sz="2000" dirty="0" smtClean="0"/>
+              <a:rPr lang="en-GB" sz="2000" dirty="0"/>
               <a:t>Tells us how many times more likely the model is relative to an intercept-only model. In an intercept-only model, the coefficient for each predictor is zero.</a:t>
             </a:r>
             <a:endParaRPr lang="en-GB" sz="2000" b="1" dirty="0">
@@ -8963,10 +8778,9 @@
           <a:lstStyle/>
           <a:p>
             <a:r>
-              <a:rPr lang="en-GB" dirty="0" smtClean="0"/>
+              <a:rPr lang="en-GB" dirty="0"/>
               <a:t>Evaluate the model</a:t>
             </a:r>
-            <a:endParaRPr lang="en-GB" dirty="0"/>
           </a:p>
         </p:txBody>
       </p:sp>
@@ -9041,7 +8855,7 @@
               <a:tabLst/>
             </a:pPr>
             <a:r>
-              <a:rPr kumimoji="0" lang="en-US" altLang="en-US" b="0" i="0" u="none" strike="noStrike" cap="none" normalizeH="0" baseline="0" dirty="0" smtClean="0">
+              <a:rPr kumimoji="0" lang="en-US" altLang="en-US" b="0" i="0" u="none" strike="noStrike" cap="none" normalizeH="0" baseline="0" dirty="0">
                 <a:ln>
                   <a:noFill/>
                 </a:ln>
@@ -9072,7 +8886,7 @@
               <a:tabLst/>
             </a:pPr>
             <a:r>
-              <a:rPr kumimoji="0" lang="en-US" altLang="en-US" b="0" i="0" u="none" strike="noStrike" cap="none" normalizeH="0" baseline="0" dirty="0" smtClean="0">
+              <a:rPr kumimoji="0" lang="en-US" altLang="en-US" b="0" i="0" u="none" strike="noStrike" cap="none" normalizeH="0" baseline="0" dirty="0">
                 <a:ln>
                   <a:noFill/>
                 </a:ln>
@@ -9103,7 +8917,7 @@
               <a:tabLst/>
             </a:pPr>
             <a:r>
-              <a:rPr kumimoji="0" lang="en-US" altLang="en-US" b="0" i="0" u="none" strike="noStrike" cap="none" normalizeH="0" baseline="0" dirty="0" smtClean="0">
+              <a:rPr kumimoji="0" lang="en-US" altLang="en-US" b="0" i="0" u="none" strike="noStrike" cap="none" normalizeH="0" baseline="0" dirty="0">
                 <a:ln>
                   <a:noFill/>
                 </a:ln>
@@ -9134,7 +8948,7 @@
               <a:tabLst/>
             </a:pPr>
             <a:r>
-              <a:rPr kumimoji="0" lang="en-US" altLang="en-US" b="0" i="0" u="none" strike="noStrike" cap="none" normalizeH="0" baseline="0" dirty="0" smtClean="0">
+              <a:rPr kumimoji="0" lang="en-US" altLang="en-US" b="0" i="0" u="none" strike="noStrike" cap="none" normalizeH="0" baseline="0" dirty="0">
                 <a:ln>
                   <a:noFill/>
                 </a:ln>
@@ -9165,7 +8979,7 @@
               <a:tabLst/>
             </a:pPr>
             <a:r>
-              <a:rPr kumimoji="0" lang="en-US" altLang="en-US" b="0" i="0" u="none" strike="noStrike" cap="none" normalizeH="0" baseline="0" dirty="0" smtClean="0">
+              <a:rPr kumimoji="0" lang="en-US" altLang="en-US" b="0" i="0" u="none" strike="noStrike" cap="none" normalizeH="0" baseline="0" dirty="0">
                 <a:ln>
                   <a:noFill/>
                 </a:ln>
@@ -9196,7 +9010,7 @@
               <a:tabLst/>
             </a:pPr>
             <a:r>
-              <a:rPr kumimoji="0" lang="en-US" altLang="en-US" b="0" i="0" u="none" strike="noStrike" cap="none" normalizeH="0" baseline="0" dirty="0" smtClean="0">
+              <a:rPr kumimoji="0" lang="en-US" altLang="en-US" b="0" i="0" u="none" strike="noStrike" cap="none" normalizeH="0" baseline="0" dirty="0">
                 <a:ln>
                   <a:noFill/>
                 </a:ln>
@@ -9227,7 +9041,7 @@
               <a:tabLst/>
             </a:pPr>
             <a:r>
-              <a:rPr kumimoji="0" lang="en-US" altLang="en-US" b="0" i="0" u="none" strike="noStrike" cap="none" normalizeH="0" baseline="0" dirty="0" smtClean="0">
+              <a:rPr kumimoji="0" lang="en-US" altLang="en-US" b="0" i="0" u="none" strike="noStrike" cap="none" normalizeH="0" baseline="0" dirty="0">
                 <a:ln>
                   <a:noFill/>
                 </a:ln>
@@ -9258,7 +9072,7 @@
               <a:tabLst/>
             </a:pPr>
             <a:r>
-              <a:rPr kumimoji="0" lang="en-US" altLang="en-US" b="0" i="0" u="none" strike="noStrike" cap="none" normalizeH="0" baseline="0" dirty="0" smtClean="0">
+              <a:rPr kumimoji="0" lang="en-US" altLang="en-US" b="0" i="0" u="none" strike="noStrike" cap="none" normalizeH="0" baseline="0" dirty="0">
                 <a:ln>
                   <a:noFill/>
                 </a:ln>
@@ -9271,7 +9085,7 @@
               <a:t>## Bayes factor type: </a:t>
             </a:r>
             <a:r>
-              <a:rPr kumimoji="0" lang="en-US" altLang="en-US" b="0" i="0" u="none" strike="noStrike" cap="none" normalizeH="0" baseline="0" dirty="0" err="1" smtClean="0">
+              <a:rPr kumimoji="0" lang="en-US" altLang="en-US" b="0" i="0" u="none" strike="noStrike" cap="none" normalizeH="0" baseline="0" dirty="0" err="1">
                 <a:ln>
                   <a:noFill/>
                 </a:ln>
@@ -9284,7 +9098,7 @@
               <a:t>BFlinearModel</a:t>
             </a:r>
             <a:r>
-              <a:rPr kumimoji="0" lang="en-US" altLang="en-US" b="0" i="0" u="none" strike="noStrike" cap="none" normalizeH="0" baseline="0" dirty="0" smtClean="0">
+              <a:rPr kumimoji="0" lang="en-US" altLang="en-US" b="0" i="0" u="none" strike="noStrike" cap="none" normalizeH="0" baseline="0" dirty="0">
                 <a:ln>
                   <a:noFill/>
                 </a:ln>
@@ -9297,7 +9111,7 @@
               <a:t>, JZS</a:t>
             </a:r>
             <a:r>
-              <a:rPr kumimoji="0" lang="en-US" altLang="en-US" b="0" i="0" u="none" strike="noStrike" cap="none" normalizeH="0" baseline="0" dirty="0" smtClean="0">
+              <a:rPr kumimoji="0" lang="en-US" altLang="en-US" b="0" i="0" u="none" strike="noStrike" cap="none" normalizeH="0" baseline="0" dirty="0">
                 <a:ln>
                   <a:noFill/>
                 </a:ln>
@@ -9308,7 +9122,7 @@
               </a:rPr>
               <a:t> </a:t>
             </a:r>
-            <a:endParaRPr kumimoji="0" lang="en-US" altLang="en-US" b="0" i="0" u="none" strike="noStrike" cap="none" normalizeH="0" baseline="0" dirty="0" smtClean="0">
+            <a:endParaRPr kumimoji="0" lang="en-US" altLang="en-US" b="0" i="0" u="none" strike="noStrike" cap="none" normalizeH="0" baseline="0" dirty="0">
               <a:ln>
                 <a:noFill/>
               </a:ln>
@@ -9343,7 +9157,7 @@
           <a:lstStyle/>
           <a:p>
             <a:r>
-              <a:rPr lang="en-GB" sz="2000" dirty="0" smtClean="0">
+              <a:rPr lang="en-GB" sz="2000" dirty="0">
                 <a:solidFill>
                   <a:schemeClr val="tx2"/>
                 </a:solidFill>
@@ -9351,7 +9165,7 @@
               <a:t>The model is </a:t>
             </a:r>
             <a:r>
-              <a:rPr lang="en-GB" sz="2000" b="1" dirty="0" smtClean="0">
+              <a:rPr lang="en-GB" sz="2000" b="1" dirty="0">
                 <a:solidFill>
                   <a:schemeClr val="tx2"/>
                 </a:solidFill>
@@ -9359,7 +9173,7 @@
               <a:t>4,190,994</a:t>
             </a:r>
             <a:r>
-              <a:rPr lang="en-GB" sz="2000" dirty="0" smtClean="0">
+              <a:rPr lang="en-GB" sz="2000" dirty="0">
                 <a:solidFill>
                   <a:schemeClr val="tx2"/>
                 </a:solidFill>
@@ -9445,7 +9259,7 @@
               <a:tabLst/>
             </a:pPr>
             <a:r>
-              <a:rPr kumimoji="0" lang="en-US" altLang="en-US" sz="1500" b="0" i="0" u="none" strike="noStrike" cap="none" normalizeH="0" baseline="0" dirty="0" err="1" smtClean="0">
+              <a:rPr kumimoji="0" lang="en-US" altLang="en-US" sz="1500" b="0" i="0" u="none" strike="noStrike" cap="none" normalizeH="0" baseline="0" dirty="0" err="1">
                 <a:ln>
                   <a:noFill/>
                 </a:ln>
@@ -9458,7 +9272,7 @@
               <a:t>lmBF</a:t>
             </a:r>
             <a:r>
-              <a:rPr kumimoji="0" lang="en-US" altLang="en-US" sz="1500" b="0" i="0" u="none" strike="noStrike" cap="none" normalizeH="0" baseline="0" dirty="0" smtClean="0">
+              <a:rPr kumimoji="0" lang="en-US" altLang="en-US" sz="1500" b="0" i="0" u="none" strike="noStrike" cap="none" normalizeH="0" baseline="0" dirty="0">
                 <a:ln>
                   <a:noFill/>
                 </a:ln>
@@ -9471,7 +9285,7 @@
               <a:t>(wellbeing </a:t>
             </a:r>
             <a:r>
-              <a:rPr kumimoji="0" lang="en-US" altLang="en-US" sz="1500" b="0" i="0" u="none" strike="noStrike" cap="none" normalizeH="0" baseline="0" dirty="0" smtClean="0">
+              <a:rPr kumimoji="0" lang="en-US" altLang="en-US" sz="1500" b="0" i="0" u="none" strike="noStrike" cap="none" normalizeH="0" baseline="0" dirty="0">
                 <a:ln>
                   <a:noFill/>
                 </a:ln>
@@ -9484,7 +9298,7 @@
               <a:t>~</a:t>
             </a:r>
             <a:r>
-              <a:rPr kumimoji="0" lang="en-US" altLang="en-US" sz="1500" b="0" i="0" u="none" strike="noStrike" cap="none" normalizeH="0" baseline="0" dirty="0" smtClean="0">
+              <a:rPr kumimoji="0" lang="en-US" altLang="en-US" sz="1500" b="0" i="0" u="none" strike="noStrike" cap="none" normalizeH="0" baseline="0" dirty="0">
                 <a:ln>
                   <a:noFill/>
                 </a:ln>
@@ -9497,7 +9311,7 @@
               <a:t> worry </a:t>
             </a:r>
             <a:r>
-              <a:rPr kumimoji="0" lang="en-US" altLang="en-US" sz="1500" b="0" i="0" u="none" strike="noStrike" cap="none" normalizeH="0" baseline="0" dirty="0" smtClean="0">
+              <a:rPr kumimoji="0" lang="en-US" altLang="en-US" sz="1500" b="0" i="0" u="none" strike="noStrike" cap="none" normalizeH="0" baseline="0" dirty="0">
                 <a:ln>
                   <a:noFill/>
                 </a:ln>
@@ -9510,7 +9324,7 @@
               <a:t>+</a:t>
             </a:r>
             <a:r>
-              <a:rPr kumimoji="0" lang="en-US" altLang="en-US" sz="1500" b="0" i="0" u="none" strike="noStrike" cap="none" normalizeH="0" baseline="0" dirty="0" smtClean="0">
+              <a:rPr kumimoji="0" lang="en-US" altLang="en-US" sz="1500" b="0" i="0" u="none" strike="noStrike" cap="none" normalizeH="0" baseline="0" dirty="0">
                 <a:ln>
                   <a:noFill/>
                 </a:ln>
@@ -9523,7 +9337,7 @@
               <a:t> describing, </a:t>
             </a:r>
             <a:r>
-              <a:rPr kumimoji="0" lang="en-US" altLang="en-US" sz="1500" b="0" i="0" u="none" strike="noStrike" cap="none" normalizeH="0" baseline="0" dirty="0" smtClean="0">
+              <a:rPr kumimoji="0" lang="en-US" altLang="en-US" sz="1500" b="0" i="0" u="none" strike="noStrike" cap="none" normalizeH="0" baseline="0" dirty="0">
                 <a:ln>
                   <a:noFill/>
                 </a:ln>
@@ -9536,7 +9350,7 @@
               <a:t>data =</a:t>
             </a:r>
             <a:r>
-              <a:rPr kumimoji="0" lang="en-US" altLang="en-US" sz="1500" b="0" i="0" u="none" strike="noStrike" cap="none" normalizeH="0" baseline="0" dirty="0" smtClean="0">
+              <a:rPr kumimoji="0" lang="en-US" altLang="en-US" sz="1500" b="0" i="0" u="none" strike="noStrike" cap="none" normalizeH="0" baseline="0" dirty="0">
                 <a:ln>
                   <a:noFill/>
                 </a:ln>
@@ -9549,7 +9363,7 @@
               <a:t> </a:t>
             </a:r>
             <a:r>
-              <a:rPr kumimoji="0" lang="en-US" altLang="en-US" sz="1500" b="0" i="0" u="none" strike="noStrike" cap="none" normalizeH="0" baseline="0" dirty="0" err="1" smtClean="0">
+              <a:rPr kumimoji="0" lang="en-US" altLang="en-US" sz="1500" b="0" i="0" u="none" strike="noStrike" cap="none" normalizeH="0" baseline="0" dirty="0" err="1">
                 <a:ln>
                   <a:noFill/>
                 </a:ln>
@@ -9562,7 +9376,7 @@
               <a:t>data.frame</a:t>
             </a:r>
             <a:r>
-              <a:rPr kumimoji="0" lang="en-US" altLang="en-US" sz="1500" b="0" i="0" u="none" strike="noStrike" cap="none" normalizeH="0" baseline="0" dirty="0" smtClean="0">
+              <a:rPr kumimoji="0" lang="en-US" altLang="en-US" sz="1500" b="0" i="0" u="none" strike="noStrike" cap="none" normalizeH="0" baseline="0" dirty="0">
                 <a:ln>
                   <a:noFill/>
                 </a:ln>
@@ -9575,7 +9389,7 @@
               <a:t>(</a:t>
             </a:r>
             <a:r>
-              <a:rPr kumimoji="0" lang="en-US" altLang="en-US" sz="1500" b="0" i="0" u="none" strike="noStrike" cap="none" normalizeH="0" baseline="0" dirty="0" err="1" smtClean="0">
+              <a:rPr kumimoji="0" lang="en-US" altLang="en-US" sz="1500" b="0" i="0" u="none" strike="noStrike" cap="none" normalizeH="0" baseline="0" dirty="0" err="1">
                 <a:ln>
                   <a:noFill/>
                 </a:ln>
@@ -9588,7 +9402,7 @@
               <a:t>wellbeing_data</a:t>
             </a:r>
             <a:r>
-              <a:rPr kumimoji="0" lang="en-US" altLang="en-US" sz="1500" b="0" i="0" u="none" strike="noStrike" cap="none" normalizeH="0" baseline="0" dirty="0" smtClean="0">
+              <a:rPr kumimoji="0" lang="en-US" altLang="en-US" sz="1500" b="0" i="0" u="none" strike="noStrike" cap="none" normalizeH="0" baseline="0" dirty="0">
                 <a:ln>
                   <a:noFill/>
                 </a:ln>
@@ -9601,7 +9415,7 @@
               <a:t>))</a:t>
             </a:r>
             <a:r>
-              <a:rPr kumimoji="0" lang="en-US" altLang="en-US" sz="1500" b="0" i="0" u="none" strike="noStrike" cap="none" normalizeH="0" baseline="0" dirty="0" smtClean="0">
+              <a:rPr kumimoji="0" lang="en-US" altLang="en-US" sz="1500" b="0" i="0" u="none" strike="noStrike" cap="none" normalizeH="0" baseline="0" dirty="0">
                 <a:ln>
                   <a:noFill/>
                 </a:ln>
@@ -9612,7 +9426,7 @@
               </a:rPr>
               <a:t> </a:t>
             </a:r>
-            <a:endParaRPr kumimoji="0" lang="en-US" altLang="en-US" sz="1500" b="0" i="0" u="none" strike="noStrike" cap="none" normalizeH="0" baseline="0" dirty="0" smtClean="0">
+            <a:endParaRPr kumimoji="0" lang="en-US" altLang="en-US" sz="1500" b="0" i="0" u="none" strike="noStrike" cap="none" normalizeH="0" baseline="0" dirty="0">
               <a:ln>
                 <a:noFill/>
               </a:ln>
@@ -9830,10 +9644,9 @@
           <a:lstStyle/>
           <a:p>
             <a:r>
-              <a:rPr lang="en-GB" sz="2800" dirty="0" smtClean="0"/>
+              <a:rPr lang="en-GB" sz="2800" dirty="0"/>
               <a:t>The unique contribution of predictors</a:t>
             </a:r>
-            <a:endParaRPr lang="en-GB" sz="2800" dirty="0"/>
           </a:p>
         </p:txBody>
       </p:sp>
@@ -9861,16 +9674,8 @@
           <a:p>
             <a:pPr lvl="1"/>
             <a:r>
-              <a:rPr lang="en-GB" sz="2200" dirty="0" smtClean="0"/>
-              <a:t>In </a:t>
-            </a:r>
-            <a:r>
               <a:rPr lang="en-GB" sz="2200" dirty="0"/>
-              <a:t>multiple regression, the </a:t>
-            </a:r>
-            <a:r>
-              <a:rPr lang="en-GB" sz="2200" dirty="0" smtClean="0"/>
-              <a:t>unique contribution of a predictor is its contribution to the model </a:t>
+              <a:t>In multiple regression, the unique contribution of a predictor is its contribution to the model </a:t>
             </a:r>
             <a:r>
               <a:rPr lang="en-GB" sz="2200" b="1" u="sng" dirty="0">
@@ -9880,23 +9685,13 @@
                   </a:schemeClr>
                 </a:solidFill>
               </a:rPr>
-              <a:t>once </a:t>
-            </a:r>
-            <a:r>
-              <a:rPr lang="en-GB" sz="2200" b="1" u="sng" dirty="0" smtClean="0">
-                <a:solidFill>
-                  <a:schemeClr val="accent1">
-                    <a:lumMod val="75000"/>
-                  </a:schemeClr>
-                </a:solidFill>
-              </a:rPr>
-              <a:t>the other predictors have been taken into account</a:t>
+              <a:t>once the other predictors have been taken into account</a:t>
             </a:r>
           </a:p>
           <a:p>
             <a:pPr lvl="1"/>
             <a:r>
-              <a:rPr lang="en-GB" sz="2200" dirty="0" smtClean="0">
+              <a:rPr lang="en-GB" sz="2200" dirty="0">
                 <a:solidFill>
                   <a:schemeClr val="accent1">
                     <a:lumMod val="50000"/>
@@ -9906,7 +9701,7 @@
               <a:t>Predictors are often </a:t>
             </a:r>
             <a:r>
-              <a:rPr lang="en-GB" sz="2200" i="1" dirty="0" smtClean="0">
+              <a:rPr lang="en-GB" sz="2200" i="1" dirty="0">
                 <a:solidFill>
                   <a:schemeClr val="accent1">
                     <a:lumMod val="50000"/>
@@ -9916,7 +9711,7 @@
               <a:t>correlated</a:t>
             </a:r>
             <a:r>
-              <a:rPr lang="en-GB" sz="2200" dirty="0" smtClean="0">
+              <a:rPr lang="en-GB" sz="2200" dirty="0">
                 <a:solidFill>
                   <a:schemeClr val="accent1">
                     <a:lumMod val="50000"/>
@@ -9926,7 +9721,7 @@
               <a:t>. This means the variance they explain in the outcome variable is </a:t>
             </a:r>
             <a:r>
-              <a:rPr lang="en-GB" sz="2200" u="sng" dirty="0" smtClean="0">
+              <a:rPr lang="en-GB" sz="2200" u="sng" dirty="0">
                 <a:solidFill>
                   <a:schemeClr val="accent1">
                     <a:lumMod val="50000"/>
@@ -9936,7 +9731,7 @@
               <a:t>shared</a:t>
             </a:r>
             <a:r>
-              <a:rPr lang="en-GB" sz="2200" dirty="0" smtClean="0">
+              <a:rPr lang="en-GB" sz="2200" dirty="0">
                 <a:solidFill>
                   <a:schemeClr val="accent1">
                     <a:lumMod val="50000"/>
@@ -9953,28 +9748,16 @@
               <a:t>This affects the amount of </a:t>
             </a:r>
             <a:r>
-              <a:rPr lang="en-GB" sz="2200" dirty="0" smtClean="0">
+              <a:rPr lang="en-GB" sz="2200" dirty="0">
                 <a:solidFill>
                   <a:schemeClr val="tx2"/>
                 </a:solidFill>
               </a:rPr>
-              <a:t>variance that is uniquely </a:t>
-            </a:r>
-            <a:r>
-              <a:rPr lang="en-GB" sz="2200" dirty="0">
-                <a:solidFill>
-                  <a:schemeClr val="tx2"/>
-                </a:solidFill>
-              </a:rPr>
-              <a:t>explained</a:t>
-            </a:r>
-            <a:r>
-              <a:rPr lang="en-GB" sz="2200" dirty="0" smtClean="0"/>
-              <a:t> </a:t>
+              <a:t>variance that is uniquely explained</a:t>
             </a:r>
             <a:r>
               <a:rPr lang="en-GB" sz="2200" dirty="0"/>
-              <a:t>by a predictor</a:t>
+              <a:t> by a predictor</a:t>
             </a:r>
             <a:endParaRPr lang="en-GB" sz="2200" dirty="0">
               <a:solidFill>
@@ -9999,30 +9782,29 @@
               <a:buNone/>
             </a:pPr>
             <a:r>
-              <a:rPr lang="en-GB" sz="2200" dirty="0" smtClean="0"/>
+              <a:rPr lang="en-GB" sz="2200" dirty="0"/>
               <a:t>Care should be taken when interpreting the model:</a:t>
             </a:r>
           </a:p>
           <a:p>
             <a:r>
-              <a:rPr lang="en-GB" sz="2200" dirty="0" smtClean="0"/>
-              <a:t>“Worry </a:t>
-            </a:r>
-            <a:r>
               <a:rPr lang="en-GB" sz="2200" dirty="0"/>
-              <a:t>is a </a:t>
-            </a:r>
-            <a:r>
-              <a:rPr lang="en-GB" sz="2200" dirty="0" smtClean="0"/>
-              <a:t>predictor </a:t>
-            </a:r>
+              <a:t>“Worry is a predictor of wellbeing </a:t>
+            </a:r>
+            <a:r>
+              <a:rPr lang="en-GB" sz="2200" u="sng" dirty="0">
+                <a:solidFill>
+                  <a:schemeClr val="tx2"/>
+                </a:solidFill>
+              </a:rPr>
+              <a:t>after taking describing into account”</a:t>
+            </a:r>
+            <a:endParaRPr lang="en-GB" sz="2200" dirty="0"/>
+          </a:p>
+          <a:p>
             <a:r>
               <a:rPr lang="en-GB" sz="2200" dirty="0"/>
-              <a:t>of </a:t>
-            </a:r>
-            <a:r>
-              <a:rPr lang="en-GB" sz="2200" dirty="0" smtClean="0"/>
-              <a:t>wellbeing </a:t>
+              <a:t>“Describing is a predictor of wellbeing </a:t>
             </a:r>
             <a:r>
               <a:rPr lang="en-GB" sz="2200" u="sng" dirty="0">
@@ -10030,86 +9812,7 @@
                   <a:schemeClr val="tx2"/>
                 </a:solidFill>
               </a:rPr>
-              <a:t>after taking </a:t>
-            </a:r>
-            <a:r>
-              <a:rPr lang="en-GB" sz="2200" u="sng" dirty="0" smtClean="0">
-                <a:solidFill>
-                  <a:schemeClr val="tx2"/>
-                </a:solidFill>
-              </a:rPr>
-              <a:t>describing </a:t>
-            </a:r>
-            <a:r>
-              <a:rPr lang="en-GB" sz="2200" u="sng" dirty="0">
-                <a:solidFill>
-                  <a:schemeClr val="tx2"/>
-                </a:solidFill>
-              </a:rPr>
-              <a:t>into </a:t>
-            </a:r>
-            <a:r>
-              <a:rPr lang="en-GB" sz="2200" u="sng" dirty="0" smtClean="0">
-                <a:solidFill>
-                  <a:schemeClr val="tx2"/>
-                </a:solidFill>
-              </a:rPr>
-              <a:t>account”</a:t>
-            </a:r>
-            <a:endParaRPr lang="en-GB" sz="2200" dirty="0"/>
-          </a:p>
-          <a:p>
-            <a:r>
-              <a:rPr lang="en-GB" sz="2200" dirty="0" smtClean="0"/>
-              <a:t>“Describing </a:t>
-            </a:r>
-            <a:r>
-              <a:rPr lang="en-GB" sz="2200" dirty="0"/>
-              <a:t>is </a:t>
-            </a:r>
-            <a:r>
-              <a:rPr lang="en-GB" sz="2200" dirty="0" smtClean="0"/>
-              <a:t>a </a:t>
-            </a:r>
-            <a:r>
-              <a:rPr lang="en-GB" sz="2200" dirty="0"/>
-              <a:t>predictor of </a:t>
-            </a:r>
-            <a:r>
-              <a:rPr lang="en-GB" sz="2200" dirty="0" smtClean="0"/>
-              <a:t>wellbeing </a:t>
-            </a:r>
-            <a:r>
-              <a:rPr lang="en-GB" sz="2200" u="sng" dirty="0">
-                <a:solidFill>
-                  <a:schemeClr val="tx2"/>
-                </a:solidFill>
-              </a:rPr>
-              <a:t>after </a:t>
-            </a:r>
-            <a:r>
-              <a:rPr lang="en-GB" sz="2200" u="sng" dirty="0" smtClean="0">
-                <a:solidFill>
-                  <a:schemeClr val="tx2"/>
-                </a:solidFill>
-              </a:rPr>
-              <a:t>taking worry </a:t>
-            </a:r>
-            <a:r>
-              <a:rPr lang="en-GB" sz="2200" u="sng" dirty="0">
-                <a:solidFill>
-                  <a:schemeClr val="tx2"/>
-                </a:solidFill>
-              </a:rPr>
-              <a:t>into </a:t>
-            </a:r>
-            <a:r>
-              <a:rPr lang="en-GB" sz="2200" u="sng" dirty="0" smtClean="0">
-                <a:solidFill>
-                  <a:schemeClr val="tx2"/>
-                </a:solidFill>
-              </a:rPr>
-              <a:t>account”</a:t>
+              <a:t>after taking worry into account”</a:t>
             </a:r>
             <a:endParaRPr lang="en-GB" sz="2200" dirty="0"/>
           </a:p>
@@ -10754,24 +10457,16 @@
           </a:lstStyle>
           <a:p>
             <a:r>
-              <a:rPr lang="en-GB" sz="2200" dirty="0" smtClean="0"/>
+              <a:rPr lang="en-GB" sz="2200" dirty="0"/>
               <a:t>The unique contribution </a:t>
             </a:r>
             <a:r>
-              <a:rPr lang="en-GB" sz="2200" dirty="0" smtClean="0">
+              <a:rPr lang="en-GB" sz="2200" dirty="0">
                 <a:solidFill>
                   <a:schemeClr val="tx2"/>
                 </a:solidFill>
               </a:rPr>
-              <a:t>of </a:t>
-            </a:r>
-            <a:r>
-              <a:rPr lang="en-GB" sz="2200" dirty="0">
-                <a:solidFill>
-                  <a:schemeClr val="tx2"/>
-                </a:solidFill>
-              </a:rPr>
-              <a:t>the predictor </a:t>
+              <a:t>of the predictor </a:t>
             </a:r>
             <a:r>
               <a:rPr lang="en-GB" sz="2200" b="1" u="sng" dirty="0">
@@ -11046,7 +10741,7 @@
           <a:lstStyle/>
           <a:p>
             <a:r>
-              <a:rPr lang="en-GB" b="1" dirty="0" smtClean="0"/>
+              <a:rPr lang="en-GB" b="1" dirty="0"/>
               <a:t>describing</a:t>
             </a:r>
             <a:endParaRPr lang="en-GB" b="1" baseline="-25000" dirty="0"/>
@@ -11076,7 +10771,7 @@
           <a:lstStyle/>
           <a:p>
             <a:r>
-              <a:rPr lang="en-GB" b="1" dirty="0" smtClean="0"/>
+              <a:rPr lang="en-GB" b="1" dirty="0"/>
               <a:t>worry</a:t>
             </a:r>
             <a:endParaRPr lang="en-GB" b="1" baseline="-25000" dirty="0"/>
@@ -11135,7 +10830,7 @@
           <a:lstStyle/>
           <a:p>
             <a:r>
-              <a:rPr lang="en-GB" sz="2000" b="1" u="sng" dirty="0" smtClean="0">
+              <a:rPr lang="en-GB" sz="2000" b="1" u="sng" dirty="0">
                 <a:solidFill>
                   <a:schemeClr val="tx2"/>
                 </a:solidFill>
@@ -11145,7 +10840,7 @@
           </a:p>
           <a:p>
             <a:r>
-              <a:rPr lang="en-GB" sz="2000" dirty="0" smtClean="0">
+              <a:rPr lang="en-GB" sz="2000" dirty="0">
                 <a:solidFill>
                   <a:schemeClr val="tx2"/>
                 </a:solidFill>
@@ -11153,7 +10848,7 @@
               <a:t>Unique contribution of </a:t>
             </a:r>
             <a:r>
-              <a:rPr lang="en-GB" sz="2000" b="1" dirty="0" smtClean="0">
+              <a:rPr lang="en-GB" sz="2000" b="1" dirty="0">
                 <a:solidFill>
                   <a:schemeClr val="tx2"/>
                 </a:solidFill>
@@ -11161,7 +10856,7 @@
               <a:t>worry</a:t>
             </a:r>
             <a:r>
-              <a:rPr lang="en-GB" sz="2000" dirty="0" smtClean="0">
+              <a:rPr lang="en-GB" sz="2000" dirty="0">
                 <a:solidFill>
                   <a:schemeClr val="tx2"/>
                 </a:solidFill>
@@ -11195,7 +10890,7 @@
           <a:lstStyle/>
           <a:p>
             <a:r>
-              <a:rPr lang="en-GB" sz="2000" b="1" u="sng" dirty="0" smtClean="0">
+              <a:rPr lang="en-GB" sz="2000" b="1" u="sng" dirty="0">
                 <a:solidFill>
                   <a:schemeClr val="tx2"/>
                 </a:solidFill>
@@ -11205,7 +10900,7 @@
           </a:p>
           <a:p>
             <a:r>
-              <a:rPr lang="en-GB" sz="2000" dirty="0" smtClean="0">
+              <a:rPr lang="en-GB" sz="2000" dirty="0">
                 <a:solidFill>
                   <a:schemeClr val="tx2"/>
                 </a:solidFill>
@@ -11213,7 +10908,7 @@
               <a:t>Unique contribution of </a:t>
             </a:r>
             <a:r>
-              <a:rPr lang="en-GB" sz="2000" b="1" dirty="0" smtClean="0">
+              <a:rPr lang="en-GB" sz="2000" b="1" dirty="0">
                 <a:solidFill>
                   <a:schemeClr val="tx2"/>
                 </a:solidFill>
@@ -11221,7 +10916,7 @@
               <a:t>describing</a:t>
             </a:r>
             <a:r>
-              <a:rPr lang="en-GB" sz="2000" dirty="0" smtClean="0">
+              <a:rPr lang="en-GB" sz="2000" dirty="0">
                 <a:solidFill>
                   <a:schemeClr val="tx2"/>
                 </a:solidFill>
@@ -11255,7 +10950,7 @@
           <a:lstStyle/>
           <a:p>
             <a:r>
-              <a:rPr lang="en-GB" dirty="0" smtClean="0"/>
+              <a:rPr lang="en-GB" dirty="0"/>
               <a:t>Box = total variance in wellbeing to be explained</a:t>
             </a:r>
           </a:p>
@@ -11284,38 +10979,21 @@
           <a:lstStyle/>
           <a:p>
             <a:r>
-              <a:rPr lang="en-GB" dirty="0" smtClean="0"/>
-              <a:t>Overlap region (area c) </a:t>
-            </a:r>
-            <a:r>
               <a:rPr lang="en-GB" dirty="0"/>
-              <a:t>= variation in </a:t>
-            </a:r>
-            <a:r>
-              <a:rPr lang="en-GB" dirty="0" smtClean="0"/>
-              <a:t>wellbeing </a:t>
+              <a:t>Overlap region (area c) = variation in wellbeing explained by both </a:t>
+            </a:r>
+            <a:r>
+              <a:rPr lang="en-GB" b="1" dirty="0"/>
+              <a:t>worry</a:t>
             </a:r>
             <a:r>
               <a:rPr lang="en-GB" dirty="0"/>
-              <a:t>explained by both </a:t>
-            </a:r>
-            <a:r>
-              <a:rPr lang="en-GB" b="1" dirty="0" smtClean="0"/>
-              <a:t>worry</a:t>
-            </a:r>
-            <a:r>
-              <a:rPr lang="en-GB" dirty="0" smtClean="0"/>
-              <a:t> </a:t>
-            </a:r>
-            <a:r>
-              <a:rPr lang="en-GB" dirty="0"/>
-              <a:t>and </a:t>
-            </a:r>
-            <a:r>
-              <a:rPr lang="en-GB" b="1" dirty="0" smtClean="0"/>
+              <a:t> and </a:t>
+            </a:r>
+            <a:r>
+              <a:rPr lang="en-GB" b="1" dirty="0"/>
               <a:t>describing</a:t>
             </a:r>
-            <a:endParaRPr lang="en-GB" b="1" dirty="0"/>
           </a:p>
         </p:txBody>
       </p:sp>
@@ -11877,10 +11555,9 @@
           <a:lstStyle/>
           <a:p>
             <a:r>
-              <a:rPr lang="en-GB" sz="2400" dirty="0" smtClean="0"/>
+              <a:rPr lang="en-GB" sz="2400" dirty="0"/>
               <a:t>Using Bayes factors to assess the unique contribution of predictors</a:t>
             </a:r>
-            <a:endParaRPr lang="en-GB" sz="2400" dirty="0"/>
           </a:p>
         </p:txBody>
       </p:sp>
@@ -11909,7 +11586,7 @@
               <a:lstStyle/>
               <a:p>
                 <a:r>
-                  <a:rPr lang="en-GB" b="1" dirty="0" smtClean="0">
+                  <a:rPr lang="en-GB" b="1" dirty="0">
                     <a:solidFill>
                       <a:schemeClr val="tx2">
                         <a:lumMod val="50000"/>
@@ -11918,13 +11595,6 @@
                   </a:rPr>
                   <a:t>Bayes factors of models can be compared to tell us how much more likely a particular model is than another model:</a:t>
                 </a:r>
-                <a:endParaRPr lang="en-GB" b="1" dirty="0">
-                  <a:solidFill>
-                    <a:schemeClr val="tx2">
-                      <a:lumMod val="50000"/>
-                    </a:schemeClr>
-                  </a:solidFill>
-                </a:endParaRPr>
               </a:p>
               <a:p>
                 <a:endParaRPr lang="en-GB" sz="1600" b="1" dirty="0"/>
@@ -12025,14 +11695,14 @@
                     </m:oMath>
                   </m:oMathPara>
                 </a14:m>
-                <a:endParaRPr lang="en-GB" b="1" dirty="0" smtClean="0"/>
+                <a:endParaRPr lang="en-GB" b="1" dirty="0"/>
               </a:p>
               <a:p>
-                <a:endParaRPr lang="en-GB" sz="1600" b="1" dirty="0" smtClean="0"/>
+                <a:endParaRPr lang="en-GB" sz="1600" b="1" dirty="0"/>
               </a:p>
               <a:p>
                 <a:r>
-                  <a:rPr lang="en-GB" dirty="0" smtClean="0"/>
+                  <a:rPr lang="en-GB" dirty="0"/>
                   <a:t>This will tell us how many times more likely the more complex model is than the simpler model.</a:t>
                 </a:r>
               </a:p>
@@ -12103,13 +11773,13 @@
               <a:lstStyle/>
               <a:p>
                 <a:r>
-                  <a:rPr lang="en-GB" dirty="0" smtClean="0"/>
+                  <a:rPr lang="en-GB" dirty="0"/>
                   <a:t>So, comparing:</a:t>
                 </a:r>
               </a:p>
               <a:p>
                 <a:r>
-                  <a:rPr lang="en-GB" sz="1600" dirty="0" smtClean="0"/>
+                  <a:rPr lang="en-GB" sz="1600" dirty="0"/>
                   <a:t> </a:t>
                 </a:r>
               </a:p>
@@ -12275,31 +11945,15 @@
                     </m:oMath>
                   </m:oMathPara>
                 </a14:m>
-                <a:endParaRPr lang="en-GB" dirty="0" smtClean="0"/>
+                <a:endParaRPr lang="en-GB" dirty="0"/>
               </a:p>
               <a:p>
                 <a:endParaRPr lang="en-GB" sz="1600" dirty="0"/>
               </a:p>
               <a:p>
                 <a:r>
-                  <a:rPr lang="en-GB" dirty="0" smtClean="0"/>
-                  <a:t>will tell </a:t>
-                </a:r>
-                <a:r>
                   <a:rPr lang="en-GB" dirty="0"/>
-                  <a:t>us </a:t>
-                </a:r>
-                <a:r>
-                  <a:rPr lang="en-GB" dirty="0" smtClean="0"/>
-                  <a:t>how </a:t>
-                </a:r>
-                <a:r>
-                  <a:rPr lang="en-GB" dirty="0"/>
-                  <a:t>many more times likely the model is with predictor 1 than without </a:t>
-                </a:r>
-                <a:r>
-                  <a:rPr lang="en-GB" dirty="0" smtClean="0"/>
-                  <a:t>it.</a:t>
+                  <a:t>will tell us how many more times likely the model is with predictor 1 than without it.</a:t>
                 </a:r>
               </a:p>
               <a:p>
@@ -12307,15 +11961,15 @@
               </a:p>
               <a:p>
                 <a:r>
-                  <a:rPr lang="en-GB" dirty="0" smtClean="0"/>
+                  <a:rPr lang="en-GB" dirty="0"/>
                   <a:t>It therefore tells us whether predictor 1 makes a unique contribution to the full model or no</a:t>
                 </a:r>
                 <a:r>
-                  <a:rPr lang="en-GB" sz="1600" dirty="0" smtClean="0"/>
+                  <a:rPr lang="en-GB" sz="1600" dirty="0"/>
                   <a:t>t</a:t>
                 </a:r>
                 <a:br>
-                  <a:rPr lang="en-GB" sz="1600" dirty="0" smtClean="0"/>
+                  <a:rPr lang="en-GB" sz="1600" dirty="0"/>
                 </a:br>
                 <a:endParaRPr lang="en-GB" sz="1600" dirty="0"/>
               </a:p>
@@ -12993,7 +12647,7 @@
           <a:lstStyle/>
           <a:p>
             <a:r>
-              <a:rPr lang="en-GB" b="1" dirty="0" smtClean="0"/>
+              <a:rPr lang="en-GB" b="1" dirty="0"/>
               <a:t>describing</a:t>
             </a:r>
             <a:endParaRPr lang="en-GB" b="1" baseline="-25000" dirty="0"/>
@@ -13023,7 +12677,7 @@
           <a:lstStyle/>
           <a:p>
             <a:r>
-              <a:rPr lang="en-GB" b="1" dirty="0" smtClean="0"/>
+              <a:rPr lang="en-GB" b="1" dirty="0"/>
               <a:t>worry</a:t>
             </a:r>
             <a:endParaRPr lang="en-GB" b="1" baseline="-25000" dirty="0"/>
@@ -13053,10 +12707,9 @@
           <a:lstStyle/>
           <a:p>
             <a:r>
-              <a:rPr lang="en-GB" sz="2400" dirty="0" smtClean="0"/>
+              <a:rPr lang="en-GB" sz="2400" dirty="0"/>
               <a:t>Using Bayes factors to assess the unique contribution of predictors</a:t>
             </a:r>
-            <a:endParaRPr lang="en-GB" sz="2400" dirty="0"/>
           </a:p>
         </p:txBody>
       </p:sp>
@@ -13083,7 +12736,7 @@
           <a:lstStyle/>
           <a:p>
             <a:r>
-              <a:rPr lang="en-GB" dirty="0" smtClean="0">
+              <a:rPr lang="en-GB" dirty="0">
                 <a:solidFill>
                   <a:schemeClr val="tx2"/>
                 </a:solidFill>
@@ -13117,28 +12770,12 @@
           <a:lstStyle/>
           <a:p>
             <a:r>
-              <a:rPr lang="en-GB" dirty="0" smtClean="0">
+              <a:rPr lang="en-GB" dirty="0">
                 <a:solidFill>
                   <a:schemeClr val="tx2"/>
                 </a:solidFill>
               </a:rPr>
-              <a:t>Evidence for the </a:t>
-            </a:r>
-            <a:r>
-              <a:rPr lang="en-GB" dirty="0">
-                <a:solidFill>
-                  <a:schemeClr val="tx2"/>
-                </a:solidFill>
-              </a:rPr>
-              <a:t>u</a:t>
-            </a:r>
-            <a:r>
-              <a:rPr lang="en-GB" dirty="0" smtClean="0">
-                <a:solidFill>
-                  <a:schemeClr val="tx2"/>
-                </a:solidFill>
-              </a:rPr>
-              <a:t>nique contribution of worry (crescent a) is:</a:t>
+              <a:t>Evidence for the unique contribution of worry (crescent a) is:</a:t>
             </a:r>
             <a:endParaRPr lang="en-GB" dirty="0"/>
           </a:p>
@@ -13167,7 +12804,7 @@
           <a:lstStyle/>
           <a:p>
             <a:r>
-              <a:rPr lang="en-GB" sz="2000" b="1" dirty="0" smtClean="0"/>
+              <a:rPr lang="en-GB" sz="2000" b="1" dirty="0"/>
               <a:t>Steps:</a:t>
             </a:r>
           </a:p>
@@ -13176,19 +12813,19 @@
           </a:p>
           <a:p>
             <a:r>
-              <a:rPr lang="en-GB" b="1" dirty="0" smtClean="0"/>
+              <a:rPr lang="en-GB" b="1" dirty="0"/>
               <a:t>Obtain BF full model</a:t>
             </a:r>
           </a:p>
           <a:p>
             <a:r>
-              <a:rPr lang="en-US" altLang="en-US" sz="1600" dirty="0" err="1" smtClean="0">
+              <a:rPr lang="en-US" altLang="en-US" sz="1600" dirty="0" err="1">
                 <a:latin typeface="Lucida Console" panose="020B0609040504020204" pitchFamily="49" charset="0"/>
               </a:rPr>
               <a:t>BF</a:t>
             </a:r>
             <a:r>
-              <a:rPr lang="en-US" altLang="en-US" sz="1600" dirty="0" err="1" smtClean="0">
+              <a:rPr lang="en-US" altLang="en-US" sz="1600" dirty="0" err="1">
                 <a:solidFill>
                   <a:srgbClr val="333333"/>
                 </a:solidFill>
@@ -13197,7 +12834,7 @@
               <a:t>_worry_describing</a:t>
             </a:r>
             <a:r>
-              <a:rPr lang="en-US" altLang="en-US" sz="1600" dirty="0" smtClean="0">
+              <a:rPr lang="en-US" altLang="en-US" sz="1600" dirty="0">
                 <a:solidFill>
                   <a:srgbClr val="333333"/>
                 </a:solidFill>
@@ -13206,7 +12843,7 @@
               <a:t> </a:t>
             </a:r>
             <a:r>
-              <a:rPr lang="en-US" altLang="en-US" sz="1600" dirty="0" smtClean="0">
+              <a:rPr lang="en-US" altLang="en-US" sz="1600" dirty="0">
                 <a:solidFill>
                   <a:srgbClr val="06287E"/>
                 </a:solidFill>
@@ -13215,7 +12852,7 @@
               <a:t>&lt;- </a:t>
             </a:r>
             <a:r>
-              <a:rPr lang="en-US" altLang="en-US" sz="1600" dirty="0" err="1" smtClean="0">
+              <a:rPr lang="en-US" altLang="en-US" sz="1600" dirty="0" err="1">
                 <a:solidFill>
                   <a:srgbClr val="06287E"/>
                 </a:solidFill>
@@ -13224,7 +12861,7 @@
               <a:t>lmBF</a:t>
             </a:r>
             <a:r>
-              <a:rPr lang="en-US" altLang="en-US" sz="1600" dirty="0" smtClean="0">
+              <a:rPr lang="en-US" altLang="en-US" sz="1600" dirty="0">
                 <a:solidFill>
                   <a:srgbClr val="333333"/>
                 </a:solidFill>
@@ -13233,7 +12870,7 @@
               <a:t>(wellbeing </a:t>
             </a:r>
             <a:r>
-              <a:rPr lang="en-US" altLang="en-US" sz="1600" dirty="0" smtClean="0">
+              <a:rPr lang="en-US" altLang="en-US" sz="1600" dirty="0">
                 <a:solidFill>
                   <a:srgbClr val="4070A0"/>
                 </a:solidFill>
@@ -13242,22 +12879,13 @@
               <a:t>~</a:t>
             </a:r>
             <a:r>
-              <a:rPr lang="en-US" altLang="en-US" sz="1600" dirty="0" smtClean="0">
+              <a:rPr lang="en-US" altLang="en-US" sz="1600" dirty="0">
                 <a:solidFill>
                   <a:srgbClr val="333333"/>
                 </a:solidFill>
                 <a:latin typeface="Lucida Console" panose="020B0609040504020204" pitchFamily="49" charset="0"/>
               </a:rPr>
-              <a:t> </a:t>
-            </a:r>
-            <a:r>
-              <a:rPr lang="en-US" altLang="en-US" sz="1600" dirty="0">
-                <a:solidFill>
-                  <a:srgbClr val="333333"/>
-                </a:solidFill>
-                <a:latin typeface="Lucida Console" panose="020B0609040504020204" pitchFamily="49" charset="0"/>
-              </a:rPr>
-              <a:t>worry + describing)</a:t>
+              <a:t> worry + describing)</a:t>
             </a:r>
             <a:endParaRPr lang="en-US" altLang="en-US" sz="1600" dirty="0">
               <a:latin typeface="Lucida Console" panose="020B0609040504020204" pitchFamily="49" charset="0"/>
@@ -13276,7 +12904,7 @@
           </a:p>
           <a:p>
             <a:r>
-              <a:rPr lang="en-GB" b="1" dirty="0" smtClean="0"/>
+              <a:rPr lang="en-GB" b="1" dirty="0"/>
               <a:t>Obtain BF without predictor 1</a:t>
             </a:r>
           </a:p>
@@ -13315,20 +12943,11 @@
                 </a:solidFill>
                 <a:latin typeface="Lucida Console" panose="020B0609040504020204" pitchFamily="49" charset="0"/>
               </a:rPr>
-              <a:t>(wellbeing ~ describing</a:t>
-            </a:r>
-            <a:r>
-              <a:rPr lang="en-US" altLang="en-US" sz="1600" dirty="0" smtClean="0">
-                <a:solidFill>
-                  <a:srgbClr val="333333"/>
-                </a:solidFill>
-                <a:latin typeface="Lucida Console" panose="020B0609040504020204" pitchFamily="49" charset="0"/>
-              </a:rPr>
-              <a:t>)</a:t>
-            </a:r>
-          </a:p>
-          <a:p>
-            <a:endParaRPr lang="en-US" altLang="en-US" sz="1600" dirty="0" smtClean="0">
+              <a:t>(wellbeing ~ describing)</a:t>
+            </a:r>
+          </a:p>
+          <a:p>
+            <a:endParaRPr lang="en-US" altLang="en-US" sz="1600" dirty="0">
               <a:solidFill>
                 <a:srgbClr val="333333"/>
               </a:solidFill>
@@ -13415,19 +13034,19 @@
           <a:lstStyle/>
           <a:p>
             <a:r>
-              <a:rPr lang="en-GB" sz="1600" dirty="0" err="1" smtClean="0">
+              <a:rPr lang="en-GB" sz="1600" dirty="0" err="1">
                 <a:latin typeface="Lucida Console" panose="020B0609040504020204" pitchFamily="49" charset="0"/>
               </a:rPr>
               <a:t>BF_worry_describing</a:t>
             </a:r>
             <a:r>
-              <a:rPr lang="en-GB" sz="1600" dirty="0" smtClean="0">
+              <a:rPr lang="en-GB" sz="1600" dirty="0">
                 <a:latin typeface="Lucida Console" panose="020B0609040504020204" pitchFamily="49" charset="0"/>
               </a:rPr>
               <a:t> / </a:t>
             </a:r>
             <a:r>
-              <a:rPr lang="en-GB" sz="1600" dirty="0" err="1" smtClean="0">
+              <a:rPr lang="en-GB" sz="1600" dirty="0" err="1">
                 <a:latin typeface="Lucida Console" panose="020B0609040504020204" pitchFamily="49" charset="0"/>
               </a:rPr>
               <a:t>BF_worry</a:t>
@@ -13460,19 +13079,19 @@
           <a:lstStyle/>
           <a:p>
             <a:r>
-              <a:rPr lang="en-GB" sz="1600" dirty="0" err="1" smtClean="0">
+              <a:rPr lang="en-GB" sz="1600" dirty="0" err="1">
                 <a:latin typeface="Lucida Console" panose="020B0609040504020204" pitchFamily="49" charset="0"/>
               </a:rPr>
               <a:t>BF_worry_describing</a:t>
             </a:r>
             <a:r>
-              <a:rPr lang="en-GB" sz="1600" dirty="0" smtClean="0">
+              <a:rPr lang="en-GB" sz="1600" dirty="0">
                 <a:latin typeface="Lucida Console" panose="020B0609040504020204" pitchFamily="49" charset="0"/>
               </a:rPr>
               <a:t> / </a:t>
             </a:r>
             <a:r>
-              <a:rPr lang="en-GB" sz="1600" dirty="0" err="1" smtClean="0">
+              <a:rPr lang="en-GB" sz="1600" dirty="0" err="1">
                 <a:latin typeface="Lucida Console" panose="020B0609040504020204" pitchFamily="49" charset="0"/>
               </a:rPr>
               <a:t>BF_describing</a:t>
@@ -14196,10 +13815,9 @@
           <a:lstStyle/>
           <a:p>
             <a:r>
-              <a:rPr lang="en-GB" dirty="0" smtClean="0"/>
+              <a:rPr lang="en-GB" dirty="0"/>
               <a:t>Simple Regression (recap)</a:t>
             </a:r>
-            <a:endParaRPr lang="en-GB" dirty="0"/>
           </a:p>
         </p:txBody>
       </p:sp>
@@ -14285,7 +13903,7 @@
               <a:t>	e.g., use </a:t>
             </a:r>
             <a:r>
-              <a:rPr lang="en-GB" sz="2200" dirty="0" smtClean="0">
+              <a:rPr lang="en-GB" sz="2200" dirty="0">
                 <a:solidFill>
                   <a:schemeClr val="accent5">
                     <a:lumMod val="50000"/>
@@ -14299,7 +13917,7 @@
               <a:t>(X) to predict </a:t>
             </a:r>
             <a:r>
-              <a:rPr lang="en-GB" sz="2200" dirty="0" smtClean="0">
+              <a:rPr lang="en-GB" sz="2200" dirty="0">
                 <a:solidFill>
                   <a:schemeClr val="accent5">
                     <a:lumMod val="50000"/>
@@ -14309,12 +13927,8 @@
               <a:t>Anxiety</a:t>
             </a:r>
             <a:r>
-              <a:rPr lang="en-GB" sz="2200" dirty="0" smtClean="0"/>
-              <a:t> </a:t>
-            </a:r>
-            <a:r>
               <a:rPr lang="en-GB" sz="2200" dirty="0"/>
-              <a:t>(Y)</a:t>
+              <a:t> (Y)</a:t>
             </a:r>
           </a:p>
           <a:p>
@@ -14406,65 +14020,8 @@
                   </a:schemeClr>
                 </a:solidFill>
               </a:rPr>
-              <a:t>Predicted </a:t>
-            </a:r>
-            <a:r>
-              <a:rPr lang="en-GB" sz="2200" b="1" dirty="0" smtClean="0">
-                <a:solidFill>
-                  <a:schemeClr val="tx2">
-                    <a:lumMod val="75000"/>
-                  </a:schemeClr>
-                </a:solidFill>
-              </a:rPr>
-              <a:t>Anxiety </a:t>
-            </a:r>
-            <a:r>
-              <a:rPr lang="en-GB" sz="2200" b="1" dirty="0">
-                <a:solidFill>
-                  <a:schemeClr val="tx2">
-                    <a:lumMod val="75000"/>
-                  </a:schemeClr>
-                </a:solidFill>
-              </a:rPr>
-              <a:t>= </a:t>
-            </a:r>
-            <a:r>
-              <a:rPr lang="en-GB" sz="2200" b="1" dirty="0" smtClean="0">
-                <a:solidFill>
-                  <a:schemeClr val="tx2">
-                    <a:lumMod val="75000"/>
-                  </a:schemeClr>
-                </a:solidFill>
-              </a:rPr>
-              <a:t>5.59 </a:t>
-            </a:r>
-            <a:r>
-              <a:rPr lang="en-GB" sz="2200" b="1" dirty="0">
-                <a:solidFill>
-                  <a:schemeClr val="tx2">
-                    <a:lumMod val="75000"/>
-                  </a:schemeClr>
-                </a:solidFill>
-              </a:rPr>
-              <a:t>+ </a:t>
-            </a:r>
-            <a:r>
-              <a:rPr lang="en-GB" sz="2200" b="1" dirty="0" smtClean="0">
-                <a:solidFill>
-                  <a:schemeClr val="tx2">
-                    <a:lumMod val="75000"/>
-                  </a:schemeClr>
-                </a:solidFill>
-              </a:rPr>
-              <a:t>0.13(Screen Time)</a:t>
-            </a:r>
-            <a:endParaRPr lang="en-GB" sz="2200" b="1" dirty="0">
-              <a:solidFill>
-                <a:schemeClr val="tx2">
-                  <a:lumMod val="75000"/>
-                </a:schemeClr>
-              </a:solidFill>
-            </a:endParaRPr>
+              <a:t>Predicted Anxiety = 5.59 + 0.13(Screen Time)</a:t>
+            </a:r>
           </a:p>
           <a:p>
             <a:pPr lvl="1"/>
@@ -14651,13 +14208,8 @@
             </a:r>
             <a:r>
               <a:rPr lang="en-GB" dirty="0"/>
-              <a:t>, </a:t>
-            </a:r>
-            <a:r>
-              <a:rPr lang="en-GB" dirty="0" smtClean="0"/>
-              <a:t>Anxiety</a:t>
-            </a:r>
-            <a:endParaRPr lang="en-GB" dirty="0"/>
+              <a:t>, Anxiety</a:t>
+            </a:r>
           </a:p>
         </p:txBody>
       </p:sp>
@@ -14689,13 +14241,8 @@
             </a:r>
             <a:r>
               <a:rPr lang="en-GB" dirty="0"/>
-              <a:t>, </a:t>
-            </a:r>
-            <a:r>
-              <a:rPr lang="en-GB" dirty="0" smtClean="0"/>
-              <a:t>Screen Time</a:t>
-            </a:r>
-            <a:endParaRPr lang="en-GB" dirty="0"/>
+              <a:t>, Screen Time</a:t>
+            </a:r>
           </a:p>
         </p:txBody>
       </p:sp>
@@ -15354,10 +14901,9 @@
           <a:lstStyle/>
           <a:p>
             <a:r>
-              <a:rPr lang="en-GB" dirty="0" smtClean="0"/>
+              <a:rPr lang="en-GB" dirty="0"/>
               <a:t>Multicollinearity</a:t>
             </a:r>
-            <a:endParaRPr lang="en-GB" dirty="0"/>
           </a:p>
         </p:txBody>
       </p:sp>
@@ -15385,23 +14931,7 @@
           <a:p>
             <a:r>
               <a:rPr lang="en-GB" sz="2800" dirty="0"/>
-              <a:t>If two predictor variables are highly correlated (above .80 or </a:t>
-            </a:r>
-            <a:r>
-              <a:rPr lang="en-GB" sz="2800" dirty="0" smtClean="0"/>
-              <a:t>.below -0.80), </a:t>
-            </a:r>
-            <a:r>
-              <a:rPr lang="en-GB" sz="2800" dirty="0"/>
-              <a:t>this </a:t>
-            </a:r>
-            <a:r>
-              <a:rPr lang="en-GB" sz="2800" dirty="0" smtClean="0"/>
-              <a:t>is known as multicollinearity, and can </a:t>
-            </a:r>
-            <a:r>
-              <a:rPr lang="en-GB" sz="2800" dirty="0"/>
-              <a:t>cause problems with </a:t>
+              <a:t>If two predictor variables are highly correlated (above .80 or .below -0.80), this is known as multicollinearity, and can cause problems with </a:t>
             </a:r>
             <a:r>
               <a:rPr lang="en-GB" sz="2800" dirty="0">
@@ -15436,10 +14966,9 @@
           </a:p>
           <a:p>
             <a:r>
-              <a:rPr lang="en-GB" sz="2800" dirty="0" smtClean="0"/>
+              <a:rPr lang="en-GB" sz="2800" dirty="0"/>
               <a:t>In the extreme scenario, although the model may explain the outcome overall, the unique contribution of each predictor may be negligible.</a:t>
             </a:r>
-            <a:endParaRPr lang="en-GB" sz="2800" dirty="0"/>
           </a:p>
           <a:p>
             <a:r>
@@ -15447,7 +14976,7 @@
               <a:t>Example: Suppose that the variable </a:t>
             </a:r>
             <a:r>
-              <a:rPr lang="en-GB" sz="2800" dirty="0" smtClean="0">
+              <a:rPr lang="en-GB" sz="2800" dirty="0">
                 <a:solidFill>
                   <a:srgbClr val="002060"/>
                 </a:solidFill>
@@ -15455,11 +14984,11 @@
               <a:t>BMI</a:t>
             </a:r>
             <a:r>
-              <a:rPr lang="en-GB" sz="2800" dirty="0" smtClean="0"/>
+              <a:rPr lang="en-GB" sz="2800" dirty="0"/>
               <a:t> (</a:t>
             </a:r>
             <a:r>
-              <a:rPr lang="en-GB" sz="2800" dirty="0" smtClean="0">
+              <a:rPr lang="en-GB" sz="2800" dirty="0">
                 <a:solidFill>
                   <a:schemeClr val="tx2"/>
                 </a:solidFill>
@@ -15471,7 +15000,7 @@
               <a:t>is highly correlated with </a:t>
             </a:r>
             <a:r>
-              <a:rPr lang="en-GB" sz="2800" dirty="0" smtClean="0">
+              <a:rPr lang="en-GB" sz="2800" dirty="0">
                 <a:solidFill>
                   <a:srgbClr val="002060"/>
                 </a:solidFill>
@@ -15488,19 +15017,14 @@
             </a:r>
             <a:r>
               <a:rPr lang="en-GB" sz="2800" dirty="0"/>
-              <a:t> = </a:t>
-            </a:r>
-            <a:r>
-              <a:rPr lang="en-GB" sz="2800" dirty="0" smtClean="0"/>
-              <a:t>.85)</a:t>
-            </a:r>
-            <a:endParaRPr lang="en-GB" sz="2800" dirty="0"/>
+              <a:t> = .85)</a:t>
+            </a:r>
           </a:p>
           <a:p>
             <a:endParaRPr lang="en-GB" sz="2200" dirty="0"/>
           </a:p>
           <a:p>
-            <a:endParaRPr lang="en-GB" dirty="0" smtClean="0"/>
+            <a:endParaRPr lang="en-GB" dirty="0"/>
           </a:p>
           <a:p>
             <a:endParaRPr lang="en-GB" dirty="0"/>
@@ -15863,10 +15387,9 @@
           <a:lstStyle/>
           <a:p>
             <a:r>
-              <a:rPr lang="en-GB" dirty="0" smtClean="0"/>
+              <a:rPr lang="en-GB" dirty="0"/>
               <a:t>Understanding multicollinearity</a:t>
             </a:r>
-            <a:endParaRPr lang="en-GB" dirty="0"/>
           </a:p>
         </p:txBody>
       </p:sp>
@@ -16067,7 +15590,7 @@
           <a:lstStyle/>
           <a:p>
             <a:r>
-              <a:rPr lang="en-GB" b="1" dirty="0" smtClean="0">
+              <a:rPr lang="en-GB" b="1" dirty="0">
                 <a:solidFill>
                   <a:schemeClr val="tx2"/>
                 </a:solidFill>
@@ -16105,7 +15628,7 @@
           <a:lstStyle/>
           <a:p>
             <a:r>
-              <a:rPr lang="en-GB" b="1" dirty="0" smtClean="0">
+              <a:rPr lang="en-GB" b="1" dirty="0">
                 <a:solidFill>
                   <a:schemeClr val="accent3">
                     <a:lumMod val="50000"/>
@@ -16164,13 +15687,8 @@
           <a:p>
             <a:r>
               <a:rPr lang="en-GB" sz="2400" dirty="0"/>
-              <a:t>Venn diagram of model of </a:t>
-            </a:r>
-            <a:r>
-              <a:rPr lang="en-GB" sz="2400" dirty="0" smtClean="0"/>
-              <a:t>BMI and weight (kg)</a:t>
-            </a:r>
-            <a:endParaRPr lang="en-GB" sz="2400" dirty="0"/>
+              <a:t>Venn diagram of model of BMI and weight (kg)</a:t>
+            </a:r>
           </a:p>
         </p:txBody>
       </p:sp>
@@ -16202,13 +15720,8 @@
             </a:pPr>
             <a:r>
               <a:rPr lang="en-GB" sz="2000" dirty="0"/>
-              <a:t>High </a:t>
-            </a:r>
-            <a:r>
-              <a:rPr lang="en-GB" sz="2000" dirty="0" smtClean="0"/>
-              <a:t>correlation = high overlap in variance explained</a:t>
-            </a:r>
-            <a:endParaRPr lang="en-GB" sz="2000" dirty="0"/>
+              <a:t>High correlation = high overlap in variance explained</a:t>
+            </a:r>
           </a:p>
           <a:p>
             <a:pPr marL="171450" indent="-171450">
@@ -16232,35 +15745,19 @@
             </a:r>
             <a:r>
               <a:rPr lang="en-GB" sz="2000" dirty="0"/>
-              <a:t>in </a:t>
-            </a:r>
-            <a:r>
-              <a:rPr lang="en-GB" sz="2000" dirty="0" smtClean="0"/>
-              <a:t>the outcome variable </a:t>
+              <a:t>in the outcome variable that is now </a:t>
+            </a:r>
+            <a:r>
+              <a:rPr lang="en-GB" sz="2000" b="1" i="1" dirty="0"/>
+              <a:t>uniquely</a:t>
+            </a:r>
+            <a:r>
+              <a:rPr lang="en-GB" sz="2000" i="1" dirty="0"/>
+              <a:t> </a:t>
             </a:r>
             <a:r>
               <a:rPr lang="en-GB" sz="2000" dirty="0"/>
-              <a:t>that is </a:t>
-            </a:r>
-            <a:r>
-              <a:rPr lang="en-GB" sz="2000" dirty="0" smtClean="0"/>
-              <a:t>now </a:t>
-            </a:r>
-            <a:r>
-              <a:rPr lang="en-GB" sz="2000" b="1" i="1" dirty="0" smtClean="0"/>
-              <a:t>uniquely</a:t>
-            </a:r>
-            <a:r>
-              <a:rPr lang="en-GB" sz="2000" i="1" dirty="0" smtClean="0"/>
-              <a:t> </a:t>
-            </a:r>
-            <a:r>
-              <a:rPr lang="en-GB" sz="2000" dirty="0"/>
-              <a:t>explained by each predictor is </a:t>
-            </a:r>
-            <a:r>
-              <a:rPr lang="en-GB" sz="2000" dirty="0" smtClean="0"/>
-              <a:t>very </a:t>
+              <a:t>explained by each predictor is very </a:t>
             </a:r>
             <a:r>
               <a:rPr lang="en-GB" sz="2000" dirty="0">
@@ -16749,17 +16246,17 @@
           <a:lstStyle/>
           <a:p>
             <a:r>
-              <a:rPr lang="en-GB" sz="3200" b="1" dirty="0" smtClean="0"/>
+              <a:rPr lang="en-GB" sz="3200" b="1" dirty="0"/>
               <a:t>Activity: Remainder of Session</a:t>
             </a:r>
           </a:p>
           <a:p>
             <a:r>
-              <a:rPr lang="en-GB" sz="3200" b="1" dirty="0" smtClean="0"/>
+              <a:rPr lang="en-GB" sz="3200" b="1" dirty="0"/>
               <a:t>Start Worksheet 2 and Exercises using </a:t>
             </a:r>
             <a:r>
-              <a:rPr lang="en-GB" sz="3200" b="1" dirty="0" err="1" smtClean="0"/>
+              <a:rPr lang="en-GB" sz="3200" b="1" dirty="0" err="1"/>
               <a:t>RStudio</a:t>
             </a:r>
             <a:endParaRPr lang="en-GB" sz="3200" b="1" dirty="0"/>
@@ -16794,10 +16291,9 @@
           <a:lstStyle/>
           <a:p>
             <a:r>
-              <a:rPr lang="en-GB" sz="3200" b="1" dirty="0" smtClean="0"/>
-              <a:t>Support session Friday 4-5pm on Zoom (Paul)</a:t>
-            </a:r>
-            <a:endParaRPr lang="en-GB" sz="3200" b="1" dirty="0"/>
+              <a:rPr lang="en-GB" sz="3200" b="1" dirty="0"/>
+              <a:t>Support session Friday 4-5pm</a:t>
+            </a:r>
           </a:p>
         </p:txBody>
       </p:sp>
@@ -16829,38 +16325,38 @@
           <a:lstStyle/>
           <a:p>
             <a:r>
-              <a:rPr lang="en-GB" sz="3200" b="1" dirty="0" smtClean="0"/>
+              <a:rPr lang="en-GB" sz="3200" b="1" dirty="0"/>
               <a:t>The location next week is </a:t>
             </a:r>
             <a:r>
-              <a:rPr lang="en-GB" sz="3200" b="1" i="1" dirty="0" err="1" smtClean="0"/>
+              <a:rPr lang="en-GB" sz="3200" b="1" i="1" dirty="0" err="1"/>
               <a:t>Emdeck</a:t>
             </a:r>
             <a:r>
-              <a:rPr lang="en-GB" sz="3200" b="1" i="1" dirty="0" smtClean="0"/>
+              <a:rPr lang="en-GB" sz="3200" b="1" i="1" dirty="0"/>
               <a:t> 211a</a:t>
             </a:r>
           </a:p>
           <a:p>
             <a:r>
-              <a:rPr lang="en-GB" sz="3200" b="1" dirty="0" smtClean="0"/>
+              <a:rPr lang="en-GB" sz="3200" b="1" dirty="0"/>
               <a:t>Both groups 1 and 2 at </a:t>
             </a:r>
             <a:r>
-              <a:rPr lang="en-GB" sz="3200" b="1" i="1" dirty="0" smtClean="0"/>
+              <a:rPr lang="en-GB" sz="3200" b="1" i="1" dirty="0"/>
               <a:t>9am</a:t>
             </a:r>
             <a:r>
-              <a:rPr lang="en-GB" sz="3200" b="1" dirty="0" smtClean="0"/>
+              <a:rPr lang="en-GB" sz="3200" b="1" dirty="0"/>
               <a:t>! </a:t>
             </a:r>
             <a:r>
-              <a:rPr lang="en-GB" sz="3200" b="1" dirty="0" smtClean="0">
+              <a:rPr lang="en-GB" sz="3200" b="1" dirty="0">
                 <a:sym typeface="Wingdings" panose="05000000000000000000" pitchFamily="2" charset="2"/>
               </a:rPr>
               <a:t></a:t>
             </a:r>
-            <a:endParaRPr lang="en-GB" sz="3200" b="1" dirty="0" smtClean="0"/>
+            <a:endParaRPr lang="en-GB" sz="3200" b="1" dirty="0"/>
           </a:p>
         </p:txBody>
       </p:sp>
@@ -17046,10 +16542,9 @@
           <a:lstStyle/>
           <a:p>
             <a:r>
-              <a:rPr lang="en-GB" dirty="0" smtClean="0"/>
+              <a:rPr lang="en-GB" dirty="0"/>
               <a:t>Simple Regression (recap)</a:t>
             </a:r>
-            <a:endParaRPr lang="en-GB" dirty="0"/>
           </a:p>
         </p:txBody>
       </p:sp>
@@ -20646,7 +20141,7 @@
               <a:buNone/>
             </a:pPr>
             <a:r>
-              <a:rPr lang="en-GB" b="1" dirty="0" err="1" smtClean="0">
+              <a:rPr lang="en-GB" b="1" dirty="0" err="1">
                 <a:solidFill>
                   <a:schemeClr val="tx2"/>
                 </a:solidFill>
@@ -20654,7 +20149,7 @@
               <a:t>Iani</a:t>
             </a:r>
             <a:r>
-              <a:rPr lang="en-GB" b="1" dirty="0" smtClean="0">
+              <a:rPr lang="en-GB" b="1" dirty="0">
                 <a:solidFill>
                   <a:schemeClr val="tx2"/>
                 </a:solidFill>
@@ -20667,11 +20162,11 @@
               <a:buNone/>
             </a:pPr>
             <a:r>
-              <a:rPr lang="en-GB" dirty="0" smtClean="0"/>
+              <a:rPr lang="en-GB" dirty="0"/>
               <a:t>Used multiple regression to investigate whether </a:t>
             </a:r>
             <a:r>
-              <a:rPr lang="en-GB" dirty="0" smtClean="0">
+              <a:rPr lang="en-GB" dirty="0">
                 <a:solidFill>
                   <a:schemeClr val="tx2"/>
                 </a:solidFill>
@@ -20679,11 +20174,11 @@
               <a:t>worry</a:t>
             </a:r>
             <a:r>
-              <a:rPr lang="en-GB" dirty="0" smtClean="0"/>
+              <a:rPr lang="en-GB" dirty="0"/>
               <a:t> and </a:t>
             </a:r>
             <a:r>
-              <a:rPr lang="en-GB" dirty="0" smtClean="0">
+              <a:rPr lang="en-GB" dirty="0">
                 <a:solidFill>
                   <a:schemeClr val="tx2"/>
                 </a:solidFill>
@@ -20691,7 +20186,7 @@
               <a:t>mindfulness (describing)</a:t>
             </a:r>
             <a:r>
-              <a:rPr lang="en-GB" b="1" dirty="0" smtClean="0">
+              <a:rPr lang="en-GB" b="1" dirty="0">
                 <a:solidFill>
                   <a:schemeClr val="tx2">
                     <a:lumMod val="50000"/>
@@ -20701,7 +20196,7 @@
               <a:t> </a:t>
             </a:r>
             <a:r>
-              <a:rPr lang="en-GB" dirty="0" smtClean="0">
+              <a:rPr lang="en-GB" dirty="0">
                 <a:solidFill>
                   <a:schemeClr val="tx2">
                     <a:lumMod val="50000"/>
@@ -20711,7 +20206,7 @@
               <a:t>is</a:t>
             </a:r>
             <a:r>
-              <a:rPr lang="en-GB" b="1" dirty="0" smtClean="0">
+              <a:rPr lang="en-GB" b="1" dirty="0">
                 <a:solidFill>
                   <a:schemeClr val="tx2">
                     <a:lumMod val="50000"/>
@@ -20733,7 +20228,7 @@
               <a:t>wellbeing </a:t>
             </a:r>
             <a:r>
-              <a:rPr lang="en-GB" dirty="0" smtClean="0"/>
+              <a:rPr lang="en-GB" dirty="0"/>
               <a:t>in 66 individuals with Generalised Anxiety Disorder </a:t>
             </a:r>
           </a:p>
@@ -20741,7 +20236,7 @@
             <a:pPr marL="457200" lvl="1" indent="0">
               <a:buNone/>
             </a:pPr>
-            <a:endParaRPr lang="en-GB" dirty="0" smtClean="0"/>
+            <a:endParaRPr lang="en-GB" dirty="0"/>
           </a:p>
           <a:p>
             <a:endParaRPr lang="en-GB" dirty="0"/>
@@ -20963,27 +20458,8 @@
                 </a:solidFill>
                 <a:latin typeface="Helvetica Neue"/>
               </a:rPr>
-              <a:t>(11), e0225646</a:t>
-            </a:r>
-            <a:r>
-              <a:rPr lang="en-GB" sz="1400" dirty="0" smtClean="0">
-                <a:solidFill>
-                  <a:schemeClr val="bg1">
-                    <a:lumMod val="75000"/>
-                  </a:schemeClr>
-                </a:solidFill>
-                <a:latin typeface="Helvetica Neue"/>
-              </a:rPr>
-              <a:t>.</a:t>
-            </a:r>
-            <a:endParaRPr lang="en-GB" sz="1400" dirty="0">
-              <a:solidFill>
-                <a:schemeClr val="bg1">
-                  <a:lumMod val="75000"/>
-                </a:schemeClr>
-              </a:solidFill>
-              <a:latin typeface="Helvetica Neue"/>
-            </a:endParaRPr>
+              <a:t>(11), e0225646.</a:t>
+            </a:r>
           </a:p>
         </p:txBody>
       </p:sp>
@@ -20997,13 +20473,6 @@
   <p:clrMapOvr>
     <a:masterClrMapping/>
   </p:clrMapOvr>
-  <p:timing>
-    <p:tnLst>
-      <p:par>
-        <p:cTn id="1" dur="indefinite" restart="never" nodeType="tmRoot"/>
-      </p:par>
-    </p:tnLst>
-  </p:timing>
 </p:sld>
 </file>
 
@@ -21040,10 +20509,9 @@
           <a:lstStyle/>
           <a:p>
             <a:r>
-              <a:rPr lang="en-GB" dirty="0" smtClean="0"/>
+              <a:rPr lang="en-GB" dirty="0"/>
               <a:t>Multiple Regression</a:t>
             </a:r>
-            <a:endParaRPr lang="en-GB" dirty="0"/>
           </a:p>
         </p:txBody>
       </p:sp>
@@ -21141,7 +20609,7 @@
               <a:t>E.g., use </a:t>
             </a:r>
             <a:r>
-              <a:rPr lang="en-GB" sz="2200" b="1" dirty="0" smtClean="0">
+              <a:rPr lang="en-GB" sz="2200" b="1" dirty="0">
                 <a:solidFill>
                   <a:schemeClr val="tx2">
                     <a:lumMod val="75000"/>
@@ -21151,11 +20619,11 @@
               <a:t>worry</a:t>
             </a:r>
             <a:r>
-              <a:rPr lang="en-GB" sz="2200" dirty="0" smtClean="0"/>
+              <a:rPr lang="en-GB" sz="2200" dirty="0"/>
               <a:t>, </a:t>
             </a:r>
             <a:r>
-              <a:rPr lang="en-GB" sz="2200" b="1" dirty="0" smtClean="0">
+              <a:rPr lang="en-GB" sz="2200" b="1" dirty="0">
                 <a:solidFill>
                   <a:schemeClr val="tx2">
                     <a:lumMod val="75000"/>
@@ -21165,7 +20633,7 @@
               <a:t>describing</a:t>
             </a:r>
             <a:r>
-              <a:rPr lang="en-GB" sz="2200" b="1" dirty="0" smtClean="0"/>
+              <a:rPr lang="en-GB" sz="2200" b="1" dirty="0"/>
               <a:t> </a:t>
             </a:r>
             <a:r>
@@ -21177,7 +20645,7 @@
               <a:t> </a:t>
             </a:r>
             <a:r>
-              <a:rPr lang="en-GB" sz="2200" b="1" dirty="0" smtClean="0">
+              <a:rPr lang="en-GB" sz="2200" b="1" dirty="0">
                 <a:solidFill>
                   <a:schemeClr val="tx2">
                     <a:lumMod val="75000"/>
@@ -21186,10 +20654,6 @@
               </a:rPr>
               <a:t>emotional intelligence</a:t>
             </a:r>
-            <a:r>
-              <a:rPr lang="en-GB" sz="2200" b="1" dirty="0"/>
-              <a:t/>
-            </a:r>
             <a:br>
               <a:rPr lang="en-GB" sz="2200" b="1" dirty="0"/>
             </a:br>
@@ -21198,7 +20662,7 @@
               <a:t>to predict </a:t>
             </a:r>
             <a:r>
-              <a:rPr lang="en-GB" sz="2200" b="1" dirty="0" smtClean="0">
+              <a:rPr lang="en-GB" sz="2200" b="1" dirty="0">
                 <a:solidFill>
                   <a:schemeClr val="tx2">
                     <a:lumMod val="75000"/>
@@ -21207,13 +20671,6 @@
               </a:rPr>
               <a:t>wellbeing</a:t>
             </a:r>
-            <a:endParaRPr lang="en-GB" sz="2200" b="1" dirty="0">
-              <a:solidFill>
-                <a:schemeClr val="tx2">
-                  <a:lumMod val="75000"/>
-                </a:schemeClr>
-              </a:solidFill>
-            </a:endParaRPr>
           </a:p>
           <a:p>
             <a:endParaRPr lang="en-GB" sz="2200" dirty="0"/>
@@ -21237,14 +20694,10 @@
             </a:r>
             <a:r>
               <a:rPr lang="en-GB" sz="2200" baseline="-25000" dirty="0"/>
-              <a:t>1 </a:t>
-            </a:r>
-            <a:r>
-              <a:rPr lang="en-GB" sz="2200" baseline="-25000" dirty="0" smtClean="0"/>
-              <a:t>   </a:t>
-            </a:r>
-            <a:r>
-              <a:rPr lang="en-GB" sz="2200" b="1" dirty="0" smtClean="0">
+              <a:t>1    </a:t>
+            </a:r>
+            <a:r>
+              <a:rPr lang="en-GB" sz="2200" b="1" dirty="0">
                 <a:solidFill>
                   <a:schemeClr val="tx2">
                     <a:lumMod val="75000"/>
@@ -21263,14 +20716,10 @@
             </a:r>
             <a:r>
               <a:rPr lang="en-GB" sz="2200" baseline="-25000" dirty="0"/>
-              <a:t>2 </a:t>
-            </a:r>
-            <a:r>
-              <a:rPr lang="en-GB" sz="2200" baseline="-25000" dirty="0" smtClean="0"/>
-              <a:t>   </a:t>
-            </a:r>
-            <a:r>
-              <a:rPr lang="en-GB" sz="2200" b="1" dirty="0" smtClean="0">
+              <a:t>2    </a:t>
+            </a:r>
+            <a:r>
+              <a:rPr lang="en-GB" sz="2200" b="1" dirty="0">
                 <a:solidFill>
                   <a:schemeClr val="tx2">
                     <a:lumMod val="75000"/>
@@ -21283,32 +20732,22 @@
           <a:p>
             <a:pPr lvl="1"/>
             <a:r>
-              <a:rPr lang="en-GB" sz="2200" dirty="0" smtClean="0"/>
+              <a:rPr lang="en-GB" sz="2200" dirty="0"/>
               <a:t>X</a:t>
             </a:r>
             <a:r>
-              <a:rPr lang="en-GB" sz="2200" baseline="-25000" dirty="0" smtClean="0"/>
+              <a:rPr lang="en-GB" sz="2200" baseline="-25000" dirty="0"/>
               <a:t>3    </a:t>
             </a:r>
             <a:r>
-              <a:rPr lang="en-GB" sz="2200" b="1" dirty="0" smtClean="0">
+              <a:rPr lang="en-GB" sz="2200" b="1" dirty="0">
                 <a:solidFill>
                   <a:schemeClr val="tx2">
                     <a:lumMod val="75000"/>
                   </a:schemeClr>
                 </a:solidFill>
               </a:rPr>
-              <a:t>emotional </a:t>
-            </a:r>
-            <a:r>
-              <a:rPr lang="en-GB" sz="2200" b="1" dirty="0">
-                <a:solidFill>
-                  <a:schemeClr val="tx2">
-                    <a:lumMod val="75000"/>
-                  </a:schemeClr>
-                </a:solidFill>
-              </a:rPr>
-              <a:t>intelligence</a:t>
+              <a:t>emotional intelligence</a:t>
             </a:r>
             <a:endParaRPr lang="en-GB" dirty="0"/>
           </a:p>
@@ -21717,7 +21156,7 @@
               <a:t>, </a:t>
             </a:r>
             <a:r>
-              <a:rPr lang="en-GB" sz="1400" dirty="0" smtClean="0">
+              <a:rPr lang="en-GB" sz="1400" dirty="0">
                 <a:solidFill>
                   <a:schemeClr val="tx2">
                     <a:lumMod val="75000"/>
@@ -21753,7 +21192,7 @@
           <a:lstStyle/>
           <a:p>
             <a:r>
-              <a:rPr lang="en-GB" dirty="0" err="1" smtClean="0"/>
+              <a:rPr lang="en-GB" dirty="0" err="1"/>
               <a:t>eg</a:t>
             </a:r>
             <a:r>
@@ -21804,7 +21243,7 @@
               <a:t>, </a:t>
             </a:r>
             <a:r>
-              <a:rPr lang="en-GB" dirty="0" smtClean="0">
+              <a:rPr lang="en-GB" dirty="0">
                 <a:solidFill>
                   <a:schemeClr val="tx2">
                     <a:lumMod val="50000"/>
@@ -21813,13 +21252,6 @@
               </a:rPr>
               <a:t>wellbeing</a:t>
             </a:r>
-            <a:endParaRPr lang="en-GB" dirty="0">
-              <a:solidFill>
-                <a:schemeClr val="tx2">
-                  <a:lumMod val="50000"/>
-                </a:schemeClr>
-              </a:solidFill>
-            </a:endParaRPr>
           </a:p>
         </p:txBody>
       </p:sp>
@@ -28353,18 +27785,9 @@
           <a:lstStyle/>
           <a:p>
             <a:r>
-              <a:rPr lang="en-GB" dirty="0" smtClean="0"/>
-              <a:t>The Multiple Regression </a:t>
-            </a:r>
-            <a:r>
               <a:rPr lang="en-GB" dirty="0"/>
-              <a:t>E</a:t>
-            </a:r>
-            <a:r>
-              <a:rPr lang="en-GB" dirty="0" smtClean="0"/>
-              <a:t>quation</a:t>
-            </a:r>
-            <a:endParaRPr lang="en-GB" dirty="0"/>
+              <a:t>The Multiple Regression Equation</a:t>
+            </a:r>
           </a:p>
         </p:txBody>
       </p:sp>
@@ -28475,7 +27898,7 @@
               <a:t>    the predicted value of the outcome variable Y (e.g., </a:t>
             </a:r>
             <a:r>
-              <a:rPr lang="en-GB" sz="2400" dirty="0" smtClean="0">
+              <a:rPr lang="en-GB" sz="2400" dirty="0">
                 <a:solidFill>
                   <a:schemeClr val="accent5">
                     <a:lumMod val="50000"/>
@@ -28485,10 +27908,9 @@
               <a:t>wellbeing</a:t>
             </a:r>
             <a:r>
-              <a:rPr lang="en-GB" sz="2400" dirty="0" smtClean="0"/>
+              <a:rPr lang="en-GB" sz="2400" dirty="0"/>
               <a:t>)</a:t>
             </a:r>
-            <a:endParaRPr lang="en-GB" sz="2400" dirty="0"/>
           </a:p>
           <a:p>
             <a:pPr marL="0" indent="0">
@@ -28521,20 +27943,16 @@
               <a:buNone/>
             </a:pPr>
             <a:r>
-              <a:rPr lang="en-GB" sz="2400" b="1" dirty="0" smtClean="0"/>
+              <a:rPr lang="en-GB" sz="2400" b="1" dirty="0"/>
               <a:t>b</a:t>
             </a:r>
             <a:r>
-              <a:rPr lang="en-GB" sz="2400" b="1" baseline="-25000" dirty="0" smtClean="0"/>
+              <a:rPr lang="en-GB" sz="2400" b="1" baseline="-25000" dirty="0"/>
               <a:t>1</a:t>
             </a:r>
             <a:r>
-              <a:rPr lang="en-GB" sz="2400" dirty="0" smtClean="0"/>
-              <a:t>  </a:t>
-            </a:r>
-            <a:r>
               <a:rPr lang="en-GB" sz="2400" dirty="0"/>
-              <a:t>the coefficient (‘slope’) for predictor X</a:t>
+              <a:t>  the coefficient (‘slope’) for predictor X</a:t>
             </a:r>
             <a:r>
               <a:rPr lang="en-GB" sz="2400" baseline="-25000" dirty="0"/>
@@ -28545,7 +27963,7 @@
               <a:t>(e.g., </a:t>
             </a:r>
             <a:r>
-              <a:rPr lang="en-GB" sz="2400" dirty="0" smtClean="0">
+              <a:rPr lang="en-GB" sz="2400" dirty="0">
                 <a:solidFill>
                   <a:schemeClr val="accent5">
                     <a:lumMod val="50000"/>
@@ -28555,7 +27973,7 @@
               <a:t>worry</a:t>
             </a:r>
             <a:r>
-              <a:rPr lang="en-GB" sz="2400" dirty="0" smtClean="0"/>
+              <a:rPr lang="en-GB" sz="2400" dirty="0"/>
               <a:t>)</a:t>
             </a:r>
             <a:endParaRPr lang="en-GB" sz="2400" baseline="-25000" dirty="0"/>
@@ -28585,7 +28003,7 @@
               <a:t> (e.g., </a:t>
             </a:r>
             <a:r>
-              <a:rPr lang="en-GB" sz="2400" dirty="0" smtClean="0">
+              <a:rPr lang="en-GB" sz="2400" dirty="0">
                 <a:solidFill>
                   <a:schemeClr val="accent5">
                     <a:lumMod val="50000"/>
@@ -28595,10 +28013,9 @@
               <a:t>describing</a:t>
             </a:r>
             <a:r>
-              <a:rPr lang="en-GB" sz="2400" dirty="0" smtClean="0"/>
+              <a:rPr lang="en-GB" sz="2400" dirty="0"/>
               <a:t>)</a:t>
             </a:r>
-            <a:endParaRPr lang="en-GB" sz="2400" dirty="0"/>
           </a:p>
           <a:p>
             <a:pPr marL="0" indent="0">
@@ -28655,7 +28072,7 @@
               <a:buNone/>
             </a:pPr>
             <a:r>
-              <a:rPr lang="en-GB" b="1" dirty="0" smtClean="0">
+              <a:rPr lang="en-GB" b="1" dirty="0">
                 <a:solidFill>
                   <a:schemeClr val="accent1">
                     <a:lumMod val="75000"/>
@@ -31850,10 +31267,9 @@
           <a:lstStyle/>
           <a:p>
             <a:r>
-              <a:rPr lang="en-GB" dirty="0" smtClean="0"/>
+              <a:rPr lang="en-GB" dirty="0"/>
               <a:t>Multiple Regression: Steps</a:t>
             </a:r>
-            <a:endParaRPr lang="en-GB" dirty="0"/>
           </a:p>
         </p:txBody>
       </p:sp>
@@ -31904,7 +31320,7 @@
           <a:lstStyle/>
           <a:p>
             <a:r>
-              <a:rPr lang="en-GB" sz="3200" b="1" dirty="0" smtClean="0">
+              <a:rPr lang="en-GB" sz="3200" b="1" dirty="0">
                 <a:solidFill>
                   <a:schemeClr val="accent1">
                     <a:lumMod val="50000"/>
@@ -31914,20 +31330,20 @@
               <a:t>Visualise</a:t>
             </a:r>
             <a:r>
-              <a:rPr lang="en-GB" sz="3200" dirty="0" smtClean="0"/>
+              <a:rPr lang="en-GB" sz="3200" dirty="0"/>
               <a:t> the data</a:t>
             </a:r>
           </a:p>
           <a:p>
-            <a:endParaRPr lang="en-GB" sz="3200" dirty="0" smtClean="0"/>
-          </a:p>
-          <a:p>
-            <a:r>
-              <a:rPr lang="en-GB" sz="3200" dirty="0" smtClean="0"/>
+            <a:endParaRPr lang="en-GB" sz="3200" dirty="0"/>
+          </a:p>
+          <a:p>
+            <a:r>
+              <a:rPr lang="en-GB" sz="3200" dirty="0"/>
               <a:t>Check </a:t>
             </a:r>
             <a:r>
-              <a:rPr lang="en-GB" sz="3200" b="1" dirty="0" smtClean="0">
+              <a:rPr lang="en-GB" sz="3200" b="1" dirty="0">
                 <a:solidFill>
                   <a:schemeClr val="accent1">
                     <a:lumMod val="50000"/>
@@ -31937,7 +31353,7 @@
               <a:t>correlations</a:t>
             </a:r>
             <a:r>
-              <a:rPr lang="en-GB" sz="3200" dirty="0" smtClean="0"/>
+              <a:rPr lang="en-GB" sz="3200" dirty="0"/>
               <a:t> between variables</a:t>
             </a:r>
           </a:p>
@@ -31946,7 +31362,7 @@
           </a:p>
           <a:p>
             <a:r>
-              <a:rPr lang="en-GB" sz="3200" b="1" dirty="0" smtClean="0">
+              <a:rPr lang="en-GB" sz="3200" b="1" dirty="0">
                 <a:solidFill>
                   <a:schemeClr val="accent1">
                     <a:lumMod val="50000"/>
@@ -31956,7 +31372,7 @@
               <a:t>Fit</a:t>
             </a:r>
             <a:r>
-              <a:rPr lang="en-GB" sz="3200" dirty="0" smtClean="0"/>
+              <a:rPr lang="en-GB" sz="3200" dirty="0"/>
               <a:t> the model</a:t>
             </a:r>
           </a:p>
@@ -31965,7 +31381,7 @@
           </a:p>
           <a:p>
             <a:r>
-              <a:rPr lang="en-GB" sz="3200" b="1" dirty="0" smtClean="0">
+              <a:rPr lang="en-GB" sz="3200" b="1" dirty="0">
                 <a:solidFill>
                   <a:schemeClr val="accent1">
                     <a:lumMod val="50000"/>
@@ -31975,11 +31391,11 @@
               <a:t>Check</a:t>
             </a:r>
             <a:r>
-              <a:rPr lang="en-GB" sz="3200" dirty="0" smtClean="0"/>
+              <a:rPr lang="en-GB" sz="3200" dirty="0"/>
               <a:t> </a:t>
             </a:r>
             <a:r>
-              <a:rPr lang="en-GB" sz="3200" b="1" dirty="0" smtClean="0">
+              <a:rPr lang="en-GB" sz="3200" b="1" dirty="0">
                 <a:solidFill>
                   <a:schemeClr val="accent1">
                     <a:lumMod val="50000"/>
@@ -31989,16 +31405,16 @@
               <a:t>assumptions</a:t>
             </a:r>
             <a:r>
-              <a:rPr lang="en-GB" sz="3200" dirty="0" smtClean="0"/>
+              <a:rPr lang="en-GB" sz="3200" dirty="0"/>
               <a:t>: residuals</a:t>
             </a:r>
           </a:p>
           <a:p>
-            <a:endParaRPr lang="en-GB" sz="3200" dirty="0" smtClean="0"/>
-          </a:p>
-          <a:p>
-            <a:r>
-              <a:rPr lang="en-GB" sz="3200" b="1" dirty="0" smtClean="0">
+            <a:endParaRPr lang="en-GB" sz="3200" dirty="0"/>
+          </a:p>
+          <a:p>
+            <a:r>
+              <a:rPr lang="en-GB" sz="3200" b="1" dirty="0">
                 <a:solidFill>
                   <a:schemeClr val="accent1">
                     <a:lumMod val="50000"/>
@@ -32011,25 +31427,25 @@
           <a:p>
             <a:pPr lvl="1"/>
             <a:r>
-              <a:rPr lang="en-GB" sz="3200" dirty="0" smtClean="0"/>
+              <a:rPr lang="en-GB" sz="3200" dirty="0"/>
               <a:t>R</a:t>
             </a:r>
             <a:r>
-              <a:rPr lang="en-GB" sz="3200" baseline="30000" dirty="0" smtClean="0"/>
+              <a:rPr lang="en-GB" sz="3200" baseline="30000" dirty="0"/>
               <a:t>2</a:t>
             </a:r>
           </a:p>
           <a:p>
             <a:pPr lvl="1"/>
             <a:r>
-              <a:rPr lang="en-GB" sz="3200" dirty="0" smtClean="0"/>
+              <a:rPr lang="en-GB" sz="3200" dirty="0"/>
               <a:t>Bayes factor for the overall model</a:t>
             </a:r>
           </a:p>
           <a:p>
             <a:pPr lvl="1"/>
             <a:r>
-              <a:rPr lang="en-GB" sz="3200" dirty="0" smtClean="0"/>
+              <a:rPr lang="en-GB" sz="3200" dirty="0"/>
               <a:t>Assess the unique contribution of predictors</a:t>
             </a:r>
           </a:p>
@@ -32052,13 +31468,6 @@
   <p:clrMapOvr>
     <a:masterClrMapping/>
   </p:clrMapOvr>
-  <p:timing>
-    <p:tnLst>
-      <p:par>
-        <p:cTn id="1" dur="indefinite" restart="never" nodeType="tmRoot"/>
-      </p:par>
-    </p:tnLst>
-  </p:timing>
 </p:sld>
 </file>
 

--- a/docs/slides/PSYC753_L2_MultipleRegression1.pptx
+++ b/docs/slides/PSYC753_L2_MultipleRegression1.pptx
@@ -164,6 +164,66 @@
 </p:presentation>
 </file>
 
+<file path=ppt/revisionInfo.xml><?xml version="1.0" encoding="utf-8"?>
+<p1510:revInfo xmlns:a="http://schemas.openxmlformats.org/drawingml/2006/main" xmlns:r="http://schemas.openxmlformats.org/officeDocument/2006/relationships" xmlns:p1510="http://schemas.microsoft.com/office/powerpoint/2015/10/main">
+  <p1510:revLst>
+    <p1510:client id="{E3FD6F8E-D0B6-48C9-8104-871BF41FAB59}" v="23" dt="2023-01-19T17:22:40.269"/>
+  </p1510:revLst>
+</p1510:revInfo>
+</file>
+
+<file path=ppt/changesInfos/changesInfo1.xml><?xml version="1.0" encoding="utf-8"?>
+<pc:chgInfo xmlns:a="http://schemas.openxmlformats.org/drawingml/2006/main" xmlns:r="http://schemas.openxmlformats.org/officeDocument/2006/relationships" xmlns:ac="http://schemas.microsoft.com/office/drawing/2013/main/command" xmlns:pc="http://schemas.microsoft.com/office/powerpoint/2013/main/command">
+  <pc:docChgLst>
+    <pc:chgData name="Christopher Berry" userId="468ae48a-5539-4b21-98ea-6081f4d86140" providerId="ADAL" clId="{E3FD6F8E-D0B6-48C9-8104-871BF41FAB59}"/>
+    <pc:docChg chg="modSld">
+      <pc:chgData name="Christopher Berry" userId="468ae48a-5539-4b21-98ea-6081f4d86140" providerId="ADAL" clId="{E3FD6F8E-D0B6-48C9-8104-871BF41FAB59}" dt="2023-01-19T17:22:40.269" v="23" actId="20577"/>
+      <pc:docMkLst>
+        <pc:docMk/>
+      </pc:docMkLst>
+      <pc:sldChg chg="addSp modSp mod modAnim">
+        <pc:chgData name="Christopher Berry" userId="468ae48a-5539-4b21-98ea-6081f4d86140" providerId="ADAL" clId="{E3FD6F8E-D0B6-48C9-8104-871BF41FAB59}" dt="2023-01-19T17:22:40.269" v="23" actId="20577"/>
+        <pc:sldMkLst>
+          <pc:docMk/>
+          <pc:sldMk cId="2888492423" sldId="353"/>
+        </pc:sldMkLst>
+        <pc:spChg chg="mod">
+          <ac:chgData name="Christopher Berry" userId="468ae48a-5539-4b21-98ea-6081f4d86140" providerId="ADAL" clId="{E3FD6F8E-D0B6-48C9-8104-871BF41FAB59}" dt="2023-01-19T17:22:40.269" v="23" actId="20577"/>
+          <ac:spMkLst>
+            <pc:docMk/>
+            <pc:sldMk cId="2888492423" sldId="353"/>
+            <ac:spMk id="5" creationId="{00000000-0000-0000-0000-000000000000}"/>
+          </ac:spMkLst>
+        </pc:spChg>
+        <pc:spChg chg="add mod">
+          <ac:chgData name="Christopher Berry" userId="468ae48a-5539-4b21-98ea-6081f4d86140" providerId="ADAL" clId="{E3FD6F8E-D0B6-48C9-8104-871BF41FAB59}" dt="2023-01-19T17:22:25.906" v="10" actId="1076"/>
+          <ac:spMkLst>
+            <pc:docMk/>
+            <pc:sldMk cId="2888492423" sldId="353"/>
+            <ac:spMk id="8" creationId="{04EAA598-6715-45E6-9A40-31A584CCCE4A}"/>
+          </ac:spMkLst>
+        </pc:spChg>
+      </pc:sldChg>
+      <pc:sldChg chg="modSp">
+        <pc:chgData name="Christopher Berry" userId="468ae48a-5539-4b21-98ea-6081f4d86140" providerId="ADAL" clId="{E3FD6F8E-D0B6-48C9-8104-871BF41FAB59}" dt="2023-01-19T17:10:33.438" v="8" actId="20577"/>
+        <pc:sldMkLst>
+          <pc:docMk/>
+          <pc:sldMk cId="1510272945" sldId="356"/>
+        </pc:sldMkLst>
+        <pc:spChg chg="mod">
+          <ac:chgData name="Christopher Berry" userId="468ae48a-5539-4b21-98ea-6081f4d86140" providerId="ADAL" clId="{E3FD6F8E-D0B6-48C9-8104-871BF41FAB59}" dt="2023-01-19T17:10:33.438" v="8" actId="20577"/>
+          <ac:spMkLst>
+            <pc:docMk/>
+            <pc:sldMk cId="1510272945" sldId="356"/>
+            <ac:spMk id="6" creationId="{00000000-0000-0000-0000-000000000000}"/>
+          </ac:spMkLst>
+        </pc:spChg>
+      </pc:sldChg>
+    </pc:docChg>
+  </pc:docChgLst>
+</pc:chgInfo>
+</file>
+
 <file path=ppt/handoutMasters/handoutMaster1.xml><?xml version="1.0" encoding="utf-8"?>
 <p:handoutMaster xmlns:a="http://schemas.openxmlformats.org/drawingml/2006/main" xmlns:r="http://schemas.openxmlformats.org/officeDocument/2006/relationships" xmlns:p="http://schemas.openxmlformats.org/presentationml/2006/main">
   <p:cSld>
@@ -246,7 +306,7 @@
           <a:p>
             <a:fld id="{39F2F66B-899D-484E-9C99-E1DBE23F9DE9}" type="datetimeFigureOut">
               <a:rPr lang="en-GB" smtClean="0"/>
-              <a:t>21/12/2022</a:t>
+              <a:t>19/01/2023</a:t>
             </a:fld>
             <a:endParaRPr lang="en-GB"/>
           </a:p>
@@ -412,7 +472,7 @@
             <a:fld id="{2C09A945-60CF-41CC-BF14-DA645D9ABE0F}" type="datetimeFigureOut">
               <a:rPr lang="en-GB" smtClean="0"/>
               <a:pPr/>
-              <a:t>21/12/2022</a:t>
+              <a:t>19/01/2023</a:t>
             </a:fld>
             <a:endParaRPr lang="en-GB"/>
           </a:p>
@@ -2534,7 +2594,7 @@
             <a:fld id="{FD207E47-C1CA-47C9-BFA1-FDEFD1CE1BAA}" type="datetime1">
               <a:rPr lang="en-US" smtClean="0"/>
               <a:pPr/>
-              <a:t>12/21/2022</a:t>
+              <a:t>1/19/2023</a:t>
             </a:fld>
             <a:endParaRPr lang="en-US"/>
           </a:p>
@@ -2699,7 +2759,7 @@
             <a:fld id="{58C692B5-BE86-445D-88C0-242C83A9421E}" type="datetime1">
               <a:rPr lang="en-US" smtClean="0"/>
               <a:pPr/>
-              <a:t>12/21/2022</a:t>
+              <a:t>1/19/2023</a:t>
             </a:fld>
             <a:endParaRPr lang="en-US"/>
           </a:p>
@@ -2874,7 +2934,7 @@
             <a:fld id="{6A70B350-EB04-4702-A2C6-BB029CC917C4}" type="datetime1">
               <a:rPr lang="en-US" smtClean="0"/>
               <a:pPr/>
-              <a:t>12/21/2022</a:t>
+              <a:t>1/19/2023</a:t>
             </a:fld>
             <a:endParaRPr lang="en-US"/>
           </a:p>
@@ -3039,7 +3099,7 @@
             <a:fld id="{B19C5C7B-1CCF-4D03-A2E8-D3591213E0F6}" type="datetime1">
               <a:rPr lang="en-US" smtClean="0"/>
               <a:pPr/>
-              <a:t>12/21/2022</a:t>
+              <a:t>1/19/2023</a:t>
             </a:fld>
             <a:endParaRPr lang="en-US"/>
           </a:p>
@@ -3281,7 +3341,7 @@
             <a:fld id="{617DE08F-8114-45C2-9520-EC1882F8A669}" type="datetime1">
               <a:rPr lang="en-US" smtClean="0"/>
               <a:pPr/>
-              <a:t>12/21/2022</a:t>
+              <a:t>1/19/2023</a:t>
             </a:fld>
             <a:endParaRPr lang="en-US"/>
           </a:p>
@@ -3563,7 +3623,7 @@
             <a:fld id="{67FBBCEA-51D6-4D4F-B700-EBDD8904452C}" type="datetime1">
               <a:rPr lang="en-US" smtClean="0"/>
               <a:pPr/>
-              <a:t>12/21/2022</a:t>
+              <a:t>1/19/2023</a:t>
             </a:fld>
             <a:endParaRPr lang="en-US"/>
           </a:p>
@@ -3979,7 +4039,7 @@
             <a:fld id="{7C3355C0-4DE2-42D1-B918-7B0FCE7481FD}" type="datetime1">
               <a:rPr lang="en-US" smtClean="0"/>
               <a:pPr/>
-              <a:t>12/21/2022</a:t>
+              <a:t>1/19/2023</a:t>
             </a:fld>
             <a:endParaRPr lang="en-US"/>
           </a:p>
@@ -4093,7 +4153,7 @@
             <a:fld id="{41F9056E-53B5-467C-A68C-D5DD1F771BB5}" type="datetime1">
               <a:rPr lang="en-US" smtClean="0"/>
               <a:pPr/>
-              <a:t>12/21/2022</a:t>
+              <a:t>1/19/2023</a:t>
             </a:fld>
             <a:endParaRPr lang="en-US"/>
           </a:p>
@@ -4185,7 +4245,7 @@
             <a:fld id="{73236B7C-1414-4D49-8A59-8F56128C501B}" type="datetime1">
               <a:rPr lang="en-US" smtClean="0"/>
               <a:pPr/>
-              <a:t>12/21/2022</a:t>
+              <a:t>1/19/2023</a:t>
             </a:fld>
             <a:endParaRPr lang="en-US"/>
           </a:p>
@@ -4457,7 +4517,7 @@
             <a:fld id="{A40AEADC-23C0-4767-9AD7-3E7B6C343A0A}" type="datetime1">
               <a:rPr lang="en-US" smtClean="0"/>
               <a:pPr/>
-              <a:t>12/21/2022</a:t>
+              <a:t>1/19/2023</a:t>
             </a:fld>
             <a:endParaRPr lang="en-US"/>
           </a:p>
@@ -4706,7 +4766,7 @@
             <a:fld id="{07762B3B-4AFD-4E39-B6F8-E1A2354BA336}" type="datetime1">
               <a:rPr lang="en-US" smtClean="0"/>
               <a:pPr/>
-              <a:t>12/21/2022</a:t>
+              <a:t>1/19/2023</a:t>
             </a:fld>
             <a:endParaRPr lang="en-US"/>
           </a:p>
@@ -4919,7 +4979,7 @@
             <a:fld id="{16C4ABC6-3BA1-4854-92CA-2B0133ECAB44}" type="datetime1">
               <a:rPr lang="en-US" smtClean="0"/>
               <a:pPr/>
-              <a:t>12/21/2022</a:t>
+              <a:t>1/19/2023</a:t>
             </a:fld>
             <a:endParaRPr lang="en-US"/>
           </a:p>
@@ -9178,7 +9238,7 @@
                   <a:schemeClr val="tx2"/>
                 </a:solidFill>
               </a:rPr>
-              <a:t> times more likely than an intercept only model. There’s therefore substantial evidence for the model overall.</a:t>
+              <a:t> times more likely than an intercept only model. There’s therefore extreme evidence for the model overall.</a:t>
             </a:r>
             <a:endParaRPr lang="en-GB" sz="2000" dirty="0">
               <a:solidFill>
@@ -16292,8 +16352,13 @@
           <a:p>
             <a:r>
               <a:rPr lang="en-GB" sz="3200" b="1" dirty="0"/>
-              <a:t>Support session Friday 4-5pm</a:t>
-            </a:r>
+              <a:t>Support session Friday 4-5pm </a:t>
+            </a:r>
+            <a:r>
+              <a:rPr lang="en-GB" sz="3200" b="1"/>
+              <a:t>(optional)</a:t>
+            </a:r>
+            <a:endParaRPr lang="en-GB" sz="3200" b="1" dirty="0"/>
           </a:p>
         </p:txBody>
       </p:sp>
@@ -16357,6 +16422,48 @@
               <a:t></a:t>
             </a:r>
             <a:endParaRPr lang="en-GB" sz="3200" b="1" dirty="0"/>
+          </a:p>
+        </p:txBody>
+      </p:sp>
+      <p:sp>
+        <p:nvSpPr>
+          <p:cNvPr id="8" name="TextBox 7">
+            <a:extLst>
+              <a:ext uri="{FF2B5EF4-FFF2-40B4-BE49-F238E27FC236}">
+                <a16:creationId xmlns:a16="http://schemas.microsoft.com/office/drawing/2014/main" id="{04EAA598-6715-45E6-9A40-31A584CCCE4A}"/>
+              </a:ext>
+            </a:extLst>
+          </p:cNvPr>
+          <p:cNvSpPr txBox="1"/>
+          <p:nvPr/>
+        </p:nvSpPr>
+        <p:spPr>
+          <a:xfrm>
+            <a:off x="1066800" y="2687237"/>
+            <a:ext cx="8711231" cy="646331"/>
+          </a:xfrm>
+          <a:prstGeom prst="rect">
+            <a:avLst/>
+          </a:prstGeom>
+          <a:noFill/>
+        </p:spPr>
+        <p:txBody>
+          <a:bodyPr wrap="none" rtlCol="0">
+            <a:spAutoFit/>
+          </a:bodyPr>
+          <a:lstStyle/>
+          <a:p>
+            <a:r>
+              <a:rPr lang="en-GB" dirty="0"/>
+              <a:t>Finish for next session.</a:t>
+            </a:r>
+            <a:br>
+              <a:rPr lang="en-GB" dirty="0"/>
+            </a:br>
+            <a:r>
+              <a:rPr lang="en-GB" dirty="0"/>
+              <a:t>Please ask me or Rory during the session if you have any questions on the code or concepts.</a:t>
+            </a:r>
           </a:p>
         </p:txBody>
       </p:sp>
@@ -16480,6 +16587,51 @@
                       </p:childTnLst>
                     </p:cTn>
                   </p:par>
+                  <p:par>
+                    <p:cTn id="11" fill="hold">
+                      <p:stCondLst>
+                        <p:cond delay="indefinite"/>
+                      </p:stCondLst>
+                      <p:childTnLst>
+                        <p:par>
+                          <p:cTn id="12" fill="hold">
+                            <p:stCondLst>
+                              <p:cond delay="0"/>
+                            </p:stCondLst>
+                            <p:childTnLst>
+                              <p:par>
+                                <p:cTn id="13" presetID="1" presetClass="entr" presetSubtype="0" fill="hold" grpId="0" nodeType="clickEffect">
+                                  <p:stCondLst>
+                                    <p:cond delay="0"/>
+                                  </p:stCondLst>
+                                  <p:childTnLst>
+                                    <p:set>
+                                      <p:cBhvr>
+                                        <p:cTn id="14" dur="1" fill="hold">
+                                          <p:stCondLst>
+                                            <p:cond delay="0"/>
+                                          </p:stCondLst>
+                                        </p:cTn>
+                                        <p:tgtEl>
+                                          <p:spTgt spid="8"/>
+                                        </p:tgtEl>
+                                        <p:attrNameLst>
+                                          <p:attrName>style.visibility</p:attrName>
+                                        </p:attrNameLst>
+                                      </p:cBhvr>
+                                      <p:to>
+                                        <p:strVal val="visible"/>
+                                      </p:to>
+                                    </p:set>
+                                  </p:childTnLst>
+                                </p:cTn>
+                              </p:par>
+                            </p:childTnLst>
+                          </p:cTn>
+                        </p:par>
+                      </p:childTnLst>
+                    </p:cTn>
+                  </p:par>
                 </p:childTnLst>
               </p:cTn>
               <p:prevCondLst>
@@ -16504,6 +16656,7 @@
     <p:bldLst>
       <p:bldP spid="5" grpId="0" animBg="1"/>
       <p:bldP spid="7" grpId="0" animBg="1"/>
+      <p:bldP spid="8" grpId="0"/>
     </p:bldLst>
   </p:timing>
 </p:sld>
